--- a/berkas/ppt muham.pptx
+++ b/berkas/ppt muham.pptx
@@ -8449,7 +8449,7 @@
               </a:lnSpc>
             </a:pPr>
             <a:r>
-              <a:rPr lang="" altLang="en-US" sz="1800" b="0" strike="noStrike" spc="-1">
+              <a:rPr lang="en-US" altLang="en-US" sz="1800" b="0" strike="noStrike" spc="-1">
                 <a:solidFill>
                   <a:srgbClr val="000000"/>
                 </a:solidFill>
@@ -8462,7 +8462,7 @@
               </a:rPr>
               <a:t>Server Sent Events</a:t>
             </a:r>
-            <a:endParaRPr lang="" altLang="en-US" sz="1800" b="0" strike="noStrike" spc="-1">
+            <a:endParaRPr lang="en-US" altLang="en-US" sz="1800" b="0" strike="noStrike" spc="-1">
               <a:solidFill>
                 <a:srgbClr val="000000"/>
               </a:solidFill>
@@ -8517,7 +8517,7 @@
               <a:buNone/>
             </a:pPr>
             <a:r>
-              <a:rPr lang="" altLang="en-US" sz="1200" b="0" strike="noStrike" spc="-1">
+              <a:rPr lang="en-US" altLang="en-US" sz="1200" b="0" strike="noStrike" spc="-1">
                 <a:solidFill>
                   <a:srgbClr val="000000"/>
                 </a:solidFill>
@@ -8532,7 +8532,7 @@
               <a:t>Server Sent Events merupakan proses pengiriman data (</a:t>
             </a:r>
             <a:r>
-              <a:rPr lang="" altLang="en-US" sz="1200" b="0" i="1" strike="noStrike" spc="-1">
+              <a:rPr lang="en-US" altLang="en-US" sz="1200" b="0" i="1" strike="noStrike" spc="-1">
                 <a:solidFill>
                   <a:srgbClr val="000000"/>
                 </a:solidFill>
@@ -8547,7 +8547,7 @@
               <a:t>events</a:t>
             </a:r>
             <a:r>
-              <a:rPr lang="" altLang="en-US" sz="1200" b="0" strike="noStrike" spc="-1">
+              <a:rPr lang="en-US" altLang="en-US" sz="1200" b="0" strike="noStrike" spc="-1">
                 <a:solidFill>
                   <a:srgbClr val="000000"/>
                 </a:solidFill>
@@ -8561,7 +8561,7 @@
               </a:rPr>
               <a:t>) melalui protokol HTTP dengan menggunakan header “Content-Type: text/event-stream” sehingga memungkinkan komunikasi satu arah dari server menuju client secara terus-menerus.</a:t>
             </a:r>
-            <a:endParaRPr lang="" altLang="en-US" sz="1200" b="0" strike="noStrike" spc="-1">
+            <a:endParaRPr lang="en-US" altLang="en-US" sz="1200" b="0" strike="noStrike" spc="-1">
               <a:solidFill>
                 <a:srgbClr val="000000"/>
               </a:solidFill>
@@ -8582,7 +8582,7 @@
               <a:buNone/>
             </a:pPr>
             <a:r>
-              <a:rPr lang="" altLang="en-US" sz="1200" b="0" strike="noStrike" spc="-1">
+              <a:rPr lang="en-US" altLang="en-US" sz="1200" b="0" strike="noStrike" spc="-1">
                 <a:solidFill>
                   <a:srgbClr val="000000"/>
                 </a:solidFill>
@@ -8596,7 +8596,7 @@
               </a:rPr>
               <a:t>Dalam penerapannya di HTTP/1.1, Chrome serta Mozilla hanya mampu memiliki 6 koneksi (stream) dalam satu browser.</a:t>
             </a:r>
-            <a:endParaRPr lang="" altLang="en-US" sz="1200" b="0" strike="noStrike" spc="-1">
+            <a:endParaRPr lang="en-US" altLang="en-US" sz="1200" b="0" strike="noStrike" spc="-1">
               <a:solidFill>
                 <a:srgbClr val="000000"/>
               </a:solidFill>
@@ -9972,7 +9972,7 @@
               </a:lnSpc>
             </a:pPr>
             <a:r>
-              <a:rPr lang="" altLang="en-US" sz="1800" b="0" strike="noStrike" spc="-1">
+              <a:rPr lang="en-US" altLang="en-US" sz="1800" b="0" strike="noStrike" spc="-1">
                 <a:solidFill>
                   <a:srgbClr val="000000"/>
                 </a:solidFill>
@@ -9985,7 +9985,7 @@
               </a:rPr>
               <a:t>Websocket</a:t>
             </a:r>
-            <a:endParaRPr lang="" altLang="en-US" sz="1800" b="0" strike="noStrike" spc="-1">
+            <a:endParaRPr lang="en-US" altLang="en-US" sz="1800" b="0" strike="noStrike" spc="-1">
               <a:solidFill>
                 <a:srgbClr val="000000"/>
               </a:solidFill>
@@ -10041,7 +10041,7 @@
               <a:buChar char="•"/>
             </a:pPr>
             <a:r>
-              <a:rPr lang="" altLang="en-US" sz="1200" b="0" strike="noStrike" spc="-1">
+              <a:rPr lang="en-US" altLang="en-US" sz="1200" b="0" strike="noStrike" spc="-1">
                 <a:solidFill>
                   <a:srgbClr val="000000"/>
                 </a:solidFill>
@@ -10056,7 +10056,7 @@
               <a:t>Websocket adalah protokol yang menyediakan komunikasi </a:t>
             </a:r>
             <a:r>
-              <a:rPr lang="" altLang="en-US" sz="1200" b="0" i="1" strike="noStrike" spc="-1">
+              <a:rPr lang="en-US" altLang="en-US" sz="1200" b="0" i="1" strike="noStrike" spc="-1">
                 <a:solidFill>
                   <a:srgbClr val="000000"/>
                 </a:solidFill>
@@ -10071,7 +10071,7 @@
               <a:t>full-duplex</a:t>
             </a:r>
             <a:r>
-              <a:rPr lang="" altLang="en-US" sz="1200" b="0" strike="noStrike" spc="-1">
+              <a:rPr lang="en-US" altLang="en-US" sz="1200" b="0" strike="noStrike" spc="-1">
                 <a:solidFill>
                   <a:srgbClr val="000000"/>
                 </a:solidFill>
@@ -10085,7 +10085,7 @@
               </a:rPr>
               <a:t> melalui satu jalur TCP dalam satu socket.</a:t>
             </a:r>
-            <a:endParaRPr lang="" altLang="en-US" sz="1200" b="0" strike="noStrike" spc="-1">
+            <a:endParaRPr lang="en-US" altLang="en-US" sz="1200" b="0" strike="noStrike" spc="-1">
               <a:solidFill>
                 <a:srgbClr val="000000"/>
               </a:solidFill>
@@ -10107,7 +10107,7 @@
               <a:buChar char="•"/>
             </a:pPr>
             <a:r>
-              <a:rPr lang="" altLang="en-US" sz="1200" b="0" strike="noStrike" spc="-1">
+              <a:rPr lang="en-US" altLang="en-US" sz="1200" b="0" strike="noStrike" spc="-1">
                 <a:solidFill>
                   <a:srgbClr val="000000"/>
                 </a:solidFill>
@@ -10121,7 +10121,7 @@
               </a:rPr>
               <a:t>Untuk menggunakan Websocket, haruslah terlebih dahulu dilakukan upgrade HTTP.</a:t>
             </a:r>
-            <a:endParaRPr lang="" altLang="en-US" sz="1200" b="0" strike="noStrike" spc="-1">
+            <a:endParaRPr lang="en-US" altLang="en-US" sz="1200" b="0" strike="noStrike" spc="-1">
               <a:solidFill>
                 <a:srgbClr val="000000"/>
               </a:solidFill>
@@ -10143,7 +10143,7 @@
               <a:buChar char="•"/>
             </a:pPr>
             <a:r>
-              <a:rPr lang="" altLang="en-US" sz="1200" b="0" strike="noStrike" spc="-1">
+              <a:rPr lang="en-US" altLang="en-US" sz="1200" b="0" strike="noStrike" spc="-1">
                 <a:solidFill>
                   <a:srgbClr val="000000"/>
                 </a:solidFill>
@@ -10158,7 +10158,7 @@
               <a:t>Berbeda dengan </a:t>
             </a:r>
             <a:r>
-              <a:rPr lang="" altLang="en-US" sz="1200" b="0" i="1" strike="noStrike" spc="-1">
+              <a:rPr lang="en-US" altLang="en-US" sz="1200" b="0" i="1" strike="noStrike" spc="-1">
                 <a:solidFill>
                   <a:srgbClr val="000000"/>
                 </a:solidFill>
@@ -10173,7 +10173,7 @@
               <a:t>Server Sent Events</a:t>
             </a:r>
             <a:r>
-              <a:rPr lang="" altLang="en-US" sz="1200" b="0" strike="noStrike" spc="-1">
+              <a:rPr lang="en-US" altLang="en-US" sz="1200" b="0" strike="noStrike" spc="-1">
                 <a:solidFill>
                   <a:srgbClr val="000000"/>
                 </a:solidFill>
@@ -10188,7 +10188,7 @@
               <a:t>, setelah </a:t>
             </a:r>
             <a:r>
-              <a:rPr lang="" altLang="en-US" sz="1200" b="0" i="1" strike="noStrike" spc="-1">
+              <a:rPr lang="en-US" altLang="en-US" sz="1200" b="0" i="1" strike="noStrike" spc="-1">
                 <a:solidFill>
                   <a:srgbClr val="000000"/>
                 </a:solidFill>
@@ -10203,7 +10203,7 @@
               <a:t>server </a:t>
             </a:r>
             <a:r>
-              <a:rPr lang="" altLang="en-US" sz="1200" b="0" strike="noStrike" spc="-1">
+              <a:rPr lang="en-US" altLang="en-US" sz="1200" b="0" strike="noStrike" spc="-1">
                 <a:solidFill>
                   <a:srgbClr val="000000"/>
                 </a:solidFill>
@@ -10218,7 +10218,7 @@
               <a:t>mati lalu hidup lagi, client tidak mampu melakukan </a:t>
             </a:r>
             <a:r>
-              <a:rPr lang="" altLang="en-US" sz="1200" b="0" i="1" strike="noStrike" spc="-1">
+              <a:rPr lang="en-US" altLang="en-US" sz="1200" b="0" i="1" strike="noStrike" spc="-1">
                 <a:solidFill>
                   <a:srgbClr val="000000"/>
                 </a:solidFill>
@@ -10233,7 +10233,7 @@
               <a:t>reconnection</a:t>
             </a:r>
             <a:r>
-              <a:rPr lang="" altLang="en-US" sz="1200" b="0" strike="noStrike" spc="-1">
+              <a:rPr lang="en-US" altLang="en-US" sz="1200" b="0" strike="noStrike" spc="-1">
                 <a:solidFill>
                   <a:srgbClr val="000000"/>
                 </a:solidFill>
@@ -10247,7 +10247,7 @@
               </a:rPr>
               <a:t> kecuali dengan library tambahan.</a:t>
             </a:r>
-            <a:endParaRPr lang="" altLang="en-US" sz="1200" b="0" strike="noStrike" spc="-1">
+            <a:endParaRPr lang="en-US" altLang="en-US" sz="1200" b="0" strike="noStrike" spc="-1">
               <a:solidFill>
                 <a:srgbClr val="000000"/>
               </a:solidFill>
@@ -11380,10 +11380,10 @@
           </a:bodyPr>
           <a:p>
             <a:r>
-              <a:rPr lang="" altLang="en-US" sz="900"/>
+              <a:rPr lang="en-US" altLang="en-US" sz="900"/>
               <a:t>sumber: https://caniuse.com</a:t>
             </a:r>
-            <a:endParaRPr lang="" altLang="en-US" sz="900"/>
+            <a:endParaRPr lang="en-US" altLang="en-US" sz="900"/>
           </a:p>
         </p:txBody>
       </p:sp>
@@ -11903,7 +11903,7 @@
               <a:t> CPU yang terus </a:t>
             </a:r>
             <a:r>
-              <a:rPr lang="" altLang="en-GB" sz="1200" b="0" strike="noStrike" spc="-1">
+              <a:rPr lang="en-US" altLang="en-GB" sz="1200" b="0" strike="noStrike" spc="-1">
                 <a:solidFill>
                   <a:srgbClr val="000000"/>
                 </a:solidFill>
@@ -11917,7 +11917,7 @@
               </a:rPr>
               <a:t>meningkat</a:t>
             </a:r>
-            <a:endParaRPr lang="" altLang="en-GB" sz="1200" b="0" strike="noStrike" spc="-1">
+            <a:endParaRPr lang="en-US" altLang="en-GB" sz="1200" b="0" strike="noStrike" spc="-1">
               <a:solidFill>
                 <a:srgbClr val="000000"/>
               </a:solidFill>
@@ -12405,114 +12405,7 @@
   <p:timing>
     <p:tnLst>
       <p:par>
-        <p:cTn id="1" dur="indefinite" restart="never" nodeType="tmRoot">
-          <p:childTnLst>
-            <p:seq concurrent="1" nextAc="seek">
-              <p:cTn id="2" dur="indefinite" nodeType="mainSeq">
-                <p:childTnLst>
-                  <p:par>
-                    <p:cTn id="3" fill="hold">
-                      <p:stCondLst>
-                        <p:cond delay="indefinite"/>
-                      </p:stCondLst>
-                      <p:childTnLst>
-                        <p:par>
-                          <p:cTn id="4" fill="hold">
-                            <p:stCondLst>
-                              <p:cond delay="0"/>
-                            </p:stCondLst>
-                            <p:childTnLst>
-                              <p:par>
-                                <p:cTn id="5" fill="hold" nodeType="clickEffect">
-                                  <p:stCondLst>
-                                    <p:cond delay="0"/>
-                                  </p:stCondLst>
-                                  <p:childTnLst>
-                                    <p:animEffect transition="in" filter="fade">
-                                      <p:cBhvr additive="repl">
-                                        <p:cTn id="6" dur="500"/>
-                                        <p:tgtEl>
-                                          <p:spTgt spid="166"/>
-                                        </p:tgtEl>
-                                      </p:cBhvr>
-                                    </p:animEffect>
-                                  </p:childTnLst>
-                                </p:cTn>
-                              </p:par>
-                            </p:childTnLst>
-                          </p:cTn>
-                        </p:par>
-                      </p:childTnLst>
-                    </p:cTn>
-                  </p:par>
-                  <p:par>
-                    <p:cTn id="7" fill="hold">
-                      <p:stCondLst>
-                        <p:cond delay="indefinite"/>
-                      </p:stCondLst>
-                      <p:childTnLst>
-                        <p:par>
-                          <p:cTn id="8" fill="hold">
-                            <p:stCondLst>
-                              <p:cond delay="0"/>
-                            </p:stCondLst>
-                            <p:childTnLst>
-                              <p:par>
-                                <p:cTn id="9" presetID="22" presetClass="entr" presetSubtype="8" fill="hold" nodeType="clickEffect">
-                                  <p:stCondLst>
-                                    <p:cond delay="0"/>
-                                  </p:stCondLst>
-                                  <p:childTnLst>
-                                    <p:set>
-                                      <p:cBhvr>
-                                        <p:cTn id="10" dur="1" fill="hold">
-                                          <p:stCondLst>
-                                            <p:cond delay="0"/>
-                                          </p:stCondLst>
-                                        </p:cTn>
-                                        <p:tgtEl/>
-                                        <p:attrNameLst>
-                                          <p:attrName>style.visibility</p:attrName>
-                                        </p:attrNameLst>
-                                      </p:cBhvr>
-                                      <p:to>
-                                        <p:strVal val="visible"/>
-                                      </p:to>
-                                    </p:set>
-                                    <p:animEffect transition="in" filter="wipe(left)">
-                                      <p:cBhvr additive="repl">
-                                        <p:cTn id="11" dur="500"/>
-                                        <p:tgtEl/>
-                                      </p:cBhvr>
-                                    </p:animEffect>
-                                  </p:childTnLst>
-                                </p:cTn>
-                              </p:par>
-                            </p:childTnLst>
-                          </p:cTn>
-                        </p:par>
-                      </p:childTnLst>
-                    </p:cTn>
-                  </p:par>
-                </p:childTnLst>
-              </p:cTn>
-              <p:prevCondLst>
-                <p:cond evt="onPrev" delay="0">
-                  <p:tgtEl>
-                    <p:sldTgt/>
-                  </p:tgtEl>
-                </p:cond>
-              </p:prevCondLst>
-              <p:nextCondLst>
-                <p:cond evt="onNext" delay="0">
-                  <p:tgtEl>
-                    <p:sldTgt/>
-                  </p:tgtEl>
-                </p:cond>
-              </p:nextCondLst>
-            </p:seq>
-          </p:childTnLst>
-        </p:cTn>
+        <p:cTn id="1" dur="indefinite" restart="never" nodeType="tmRoot"/>
       </p:par>
     </p:tnLst>
   </p:timing>
@@ -12893,7 +12786,7 @@
               <a:t> serta dilakukan pengujian </a:t>
             </a:r>
             <a:r>
-              <a:rPr lang="" altLang="en-US" sz="1200" b="0" i="1" strike="noStrike" spc="-1">
+              <a:rPr lang="en-US" altLang="en-US" sz="1200" b="0" i="1" strike="noStrike" spc="-1">
                 <a:solidFill>
                   <a:srgbClr val="000000"/>
                 </a:solidFill>
@@ -12938,7 +12831,7 @@
               <a:t> melalui ns-3 (simulator). Pengambilan data dilakukan dengan cara mengirimkan </a:t>
             </a:r>
             <a:r>
-              <a:rPr lang="" altLang="en-US" sz="1200" b="0" strike="noStrike" spc="-1">
+              <a:rPr lang="en-US" altLang="en-US" sz="1200" b="0" strike="noStrike" spc="-1">
                 <a:solidFill>
                   <a:srgbClr val="000000"/>
                 </a:solidFill>
@@ -12968,7 +12861,7 @@
               <a:t> yang </a:t>
             </a:r>
             <a:r>
-              <a:rPr lang="" altLang="en-US" sz="1200" b="0" strike="noStrike" spc="-1">
+              <a:rPr lang="en-US" altLang="en-US" sz="1200" b="0" strike="noStrike" spc="-1">
                 <a:solidFill>
                   <a:srgbClr val="000000"/>
                 </a:solidFill>
@@ -13484,114 +13377,7 @@
   <p:timing>
     <p:tnLst>
       <p:par>
-        <p:cTn id="1" dur="indefinite" restart="never" nodeType="tmRoot">
-          <p:childTnLst>
-            <p:seq concurrent="1" nextAc="seek">
-              <p:cTn id="2" dur="indefinite" nodeType="mainSeq">
-                <p:childTnLst>
-                  <p:par>
-                    <p:cTn id="3" fill="hold">
-                      <p:stCondLst>
-                        <p:cond delay="indefinite"/>
-                      </p:stCondLst>
-                      <p:childTnLst>
-                        <p:par>
-                          <p:cTn id="4" fill="hold">
-                            <p:stCondLst>
-                              <p:cond delay="0"/>
-                            </p:stCondLst>
-                            <p:childTnLst>
-                              <p:par>
-                                <p:cTn id="5" fill="hold" nodeType="clickEffect">
-                                  <p:stCondLst>
-                                    <p:cond delay="0"/>
-                                  </p:stCondLst>
-                                  <p:childTnLst>
-                                    <p:animEffect transition="in" filter="fade">
-                                      <p:cBhvr additive="repl">
-                                        <p:cTn id="6" dur="500"/>
-                                        <p:tgtEl>
-                                          <p:spTgt spid="176"/>
-                                        </p:tgtEl>
-                                      </p:cBhvr>
-                                    </p:animEffect>
-                                  </p:childTnLst>
-                                </p:cTn>
-                              </p:par>
-                            </p:childTnLst>
-                          </p:cTn>
-                        </p:par>
-                      </p:childTnLst>
-                    </p:cTn>
-                  </p:par>
-                  <p:par>
-                    <p:cTn id="7" fill="hold">
-                      <p:stCondLst>
-                        <p:cond delay="indefinite"/>
-                      </p:stCondLst>
-                      <p:childTnLst>
-                        <p:par>
-                          <p:cTn id="8" fill="hold">
-                            <p:stCondLst>
-                              <p:cond delay="0"/>
-                            </p:stCondLst>
-                            <p:childTnLst>
-                              <p:par>
-                                <p:cTn id="9" presetID="22" presetClass="entr" presetSubtype="8" fill="hold" nodeType="clickEffect">
-                                  <p:stCondLst>
-                                    <p:cond delay="0"/>
-                                  </p:stCondLst>
-                                  <p:childTnLst>
-                                    <p:set>
-                                      <p:cBhvr>
-                                        <p:cTn id="10" dur="1" fill="hold">
-                                          <p:stCondLst>
-                                            <p:cond delay="0"/>
-                                          </p:stCondLst>
-                                        </p:cTn>
-                                        <p:tgtEl/>
-                                        <p:attrNameLst>
-                                          <p:attrName>style.visibility</p:attrName>
-                                        </p:attrNameLst>
-                                      </p:cBhvr>
-                                      <p:to>
-                                        <p:strVal val="visible"/>
-                                      </p:to>
-                                    </p:set>
-                                    <p:animEffect transition="in" filter="wipe(left)">
-                                      <p:cBhvr additive="repl">
-                                        <p:cTn id="11" dur="500"/>
-                                        <p:tgtEl/>
-                                      </p:cBhvr>
-                                    </p:animEffect>
-                                  </p:childTnLst>
-                                </p:cTn>
-                              </p:par>
-                            </p:childTnLst>
-                          </p:cTn>
-                        </p:par>
-                      </p:childTnLst>
-                    </p:cTn>
-                  </p:par>
-                </p:childTnLst>
-              </p:cTn>
-              <p:prevCondLst>
-                <p:cond evt="onPrev" delay="0">
-                  <p:tgtEl>
-                    <p:sldTgt/>
-                  </p:tgtEl>
-                </p:cond>
-              </p:prevCondLst>
-              <p:nextCondLst>
-                <p:cond evt="onNext" delay="0">
-                  <p:tgtEl>
-                    <p:sldTgt/>
-                  </p:tgtEl>
-                </p:cond>
-              </p:nextCondLst>
-            </p:seq>
-          </p:childTnLst>
-        </p:cTn>
+        <p:cTn id="1" dur="indefinite" restart="never" nodeType="tmRoot"/>
       </p:par>
     </p:tnLst>
   </p:timing>
@@ -13942,7 +13728,7 @@
               <a:t>Di dalam penelitian tersebut, dilakukan analisis perba</a:t>
             </a:r>
             <a:r>
-              <a:rPr lang="" altLang="en-US" sz="1200" b="0" strike="noStrike" spc="-1">
+              <a:rPr lang="en-US" altLang="en-US" sz="1200" b="0" strike="noStrike" spc="-1">
                 <a:solidFill>
                   <a:srgbClr val="000000"/>
                 </a:solidFill>
@@ -13972,7 +13758,7 @@
               <a:t>dingan delay </a:t>
             </a:r>
             <a:r>
-              <a:rPr lang="" altLang="en-US" sz="1200" b="0" strike="noStrike" spc="-1">
+              <a:rPr lang="en-US" altLang="en-US" sz="1200" b="0" strike="noStrike" spc="-1">
                 <a:solidFill>
                   <a:srgbClr val="000000"/>
                 </a:solidFill>
@@ -13999,40 +13785,10 @@
                 <a:latin typeface="Caviar Dreams"/>
                 <a:ea typeface="DejaVu Sans" panose="020B0603030804020204"/>
               </a:rPr>
-              <a:t> besar resource CPU yang digunakan oleh teknologi SSE maupun Websocket dengan </a:t>
-            </a:r>
-            <a:r>
-              <a:rPr lang="" sz="1200" b="0" strike="noStrike" spc="-1">
-                <a:solidFill>
-                  <a:srgbClr val="000000"/>
-                </a:solidFill>
-                <a:uFill>
-                  <a:solidFill>
-                    <a:srgbClr val="FFFFFF"/>
-                  </a:solidFill>
-                </a:uFill>
-                <a:latin typeface="Caviar Dreams"/>
-                <a:ea typeface="DejaVu Sans" panose="020B0603030804020204"/>
-              </a:rPr>
-              <a:t>server </a:t>
-            </a:r>
-            <a:r>
-              <a:rPr lang="en-US" sz="1200" b="0" strike="noStrike" spc="-1">
-                <a:solidFill>
-                  <a:srgbClr val="000000"/>
-                </a:solidFill>
-                <a:uFill>
-                  <a:solidFill>
-                    <a:srgbClr val="FFFFFF"/>
-                  </a:solidFill>
-                </a:uFill>
-                <a:latin typeface="Caviar Dreams"/>
-                <a:ea typeface="DejaVu Sans" panose="020B0603030804020204"/>
-              </a:rPr>
-              <a:t>yang  dijalankan menggunakan bahasa python</a:t>
-            </a:r>
-            <a:r>
-              <a:rPr lang="" altLang="en-US" sz="1200" b="0" strike="noStrike" spc="-1">
+              <a:t> besar resource CPU yang digunakan oleh teknologi SSE maupun Websocket dengan server yang  dijalankan menggunakan bahasa python</a:t>
+            </a:r>
+            <a:r>
+              <a:rPr lang="en-US" altLang="en-US" sz="1200" b="0" strike="noStrike" spc="-1">
                 <a:solidFill>
                   <a:srgbClr val="000000"/>
                 </a:solidFill>
@@ -14548,114 +14304,7 @@
   <p:timing>
     <p:tnLst>
       <p:par>
-        <p:cTn id="1" dur="indefinite" restart="never" nodeType="tmRoot">
-          <p:childTnLst>
-            <p:seq concurrent="1" nextAc="seek">
-              <p:cTn id="2" dur="indefinite" nodeType="mainSeq">
-                <p:childTnLst>
-                  <p:par>
-                    <p:cTn id="3" fill="hold">
-                      <p:stCondLst>
-                        <p:cond delay="indefinite"/>
-                      </p:stCondLst>
-                      <p:childTnLst>
-                        <p:par>
-                          <p:cTn id="4" fill="hold">
-                            <p:stCondLst>
-                              <p:cond delay="0"/>
-                            </p:stCondLst>
-                            <p:childTnLst>
-                              <p:par>
-                                <p:cTn id="5" fill="hold" nodeType="clickEffect">
-                                  <p:stCondLst>
-                                    <p:cond delay="0"/>
-                                  </p:stCondLst>
-                                  <p:childTnLst>
-                                    <p:animEffect transition="in" filter="fade">
-                                      <p:cBhvr additive="repl">
-                                        <p:cTn id="6" dur="500"/>
-                                        <p:tgtEl>
-                                          <p:spTgt spid="186"/>
-                                        </p:tgtEl>
-                                      </p:cBhvr>
-                                    </p:animEffect>
-                                  </p:childTnLst>
-                                </p:cTn>
-                              </p:par>
-                            </p:childTnLst>
-                          </p:cTn>
-                        </p:par>
-                      </p:childTnLst>
-                    </p:cTn>
-                  </p:par>
-                  <p:par>
-                    <p:cTn id="7" fill="hold">
-                      <p:stCondLst>
-                        <p:cond delay="indefinite"/>
-                      </p:stCondLst>
-                      <p:childTnLst>
-                        <p:par>
-                          <p:cTn id="8" fill="hold">
-                            <p:stCondLst>
-                              <p:cond delay="0"/>
-                            </p:stCondLst>
-                            <p:childTnLst>
-                              <p:par>
-                                <p:cTn id="9" presetID="22" presetClass="entr" presetSubtype="8" fill="hold" nodeType="clickEffect">
-                                  <p:stCondLst>
-                                    <p:cond delay="0"/>
-                                  </p:stCondLst>
-                                  <p:childTnLst>
-                                    <p:set>
-                                      <p:cBhvr>
-                                        <p:cTn id="10" dur="1" fill="hold">
-                                          <p:stCondLst>
-                                            <p:cond delay="0"/>
-                                          </p:stCondLst>
-                                        </p:cTn>
-                                        <p:tgtEl/>
-                                        <p:attrNameLst>
-                                          <p:attrName>style.visibility</p:attrName>
-                                        </p:attrNameLst>
-                                      </p:cBhvr>
-                                      <p:to>
-                                        <p:strVal val="visible"/>
-                                      </p:to>
-                                    </p:set>
-                                    <p:animEffect transition="in" filter="wipe(left)">
-                                      <p:cBhvr additive="repl">
-                                        <p:cTn id="11" dur="500"/>
-                                        <p:tgtEl/>
-                                      </p:cBhvr>
-                                    </p:animEffect>
-                                  </p:childTnLst>
-                                </p:cTn>
-                              </p:par>
-                            </p:childTnLst>
-                          </p:cTn>
-                        </p:par>
-                      </p:childTnLst>
-                    </p:cTn>
-                  </p:par>
-                </p:childTnLst>
-              </p:cTn>
-              <p:prevCondLst>
-                <p:cond evt="onPrev" delay="0">
-                  <p:tgtEl>
-                    <p:sldTgt/>
-                  </p:tgtEl>
-                </p:cond>
-              </p:prevCondLst>
-              <p:nextCondLst>
-                <p:cond evt="onNext" delay="0">
-                  <p:tgtEl>
-                    <p:sldTgt/>
-                  </p:tgtEl>
-                </p:cond>
-              </p:nextCondLst>
-            </p:seq>
-          </p:childTnLst>
-        </p:cTn>
+        <p:cTn id="1" dur="indefinite" restart="never" nodeType="tmRoot"/>
       </p:par>
     </p:tnLst>
   </p:timing>
@@ -15492,114 +15141,7 @@
   <p:timing>
     <p:tnLst>
       <p:par>
-        <p:cTn id="1" dur="indefinite" restart="never" nodeType="tmRoot">
-          <p:childTnLst>
-            <p:seq concurrent="1" nextAc="seek">
-              <p:cTn id="2" dur="indefinite" nodeType="mainSeq">
-                <p:childTnLst>
-                  <p:par>
-                    <p:cTn id="3" fill="hold">
-                      <p:stCondLst>
-                        <p:cond delay="indefinite"/>
-                      </p:stCondLst>
-                      <p:childTnLst>
-                        <p:par>
-                          <p:cTn id="4" fill="hold">
-                            <p:stCondLst>
-                              <p:cond delay="0"/>
-                            </p:stCondLst>
-                            <p:childTnLst>
-                              <p:par>
-                                <p:cTn id="5" fill="hold" nodeType="clickEffect">
-                                  <p:stCondLst>
-                                    <p:cond delay="0"/>
-                                  </p:stCondLst>
-                                  <p:childTnLst>
-                                    <p:animEffect transition="in" filter="fade">
-                                      <p:cBhvr additive="repl">
-                                        <p:cTn id="6" dur="500"/>
-                                        <p:tgtEl>
-                                          <p:spTgt spid="196"/>
-                                        </p:tgtEl>
-                                      </p:cBhvr>
-                                    </p:animEffect>
-                                  </p:childTnLst>
-                                </p:cTn>
-                              </p:par>
-                            </p:childTnLst>
-                          </p:cTn>
-                        </p:par>
-                      </p:childTnLst>
-                    </p:cTn>
-                  </p:par>
-                  <p:par>
-                    <p:cTn id="7" fill="hold">
-                      <p:stCondLst>
-                        <p:cond delay="indefinite"/>
-                      </p:stCondLst>
-                      <p:childTnLst>
-                        <p:par>
-                          <p:cTn id="8" fill="hold">
-                            <p:stCondLst>
-                              <p:cond delay="0"/>
-                            </p:stCondLst>
-                            <p:childTnLst>
-                              <p:par>
-                                <p:cTn id="9" presetID="22" presetClass="entr" presetSubtype="8" fill="hold" nodeType="clickEffect">
-                                  <p:stCondLst>
-                                    <p:cond delay="0"/>
-                                  </p:stCondLst>
-                                  <p:childTnLst>
-                                    <p:set>
-                                      <p:cBhvr>
-                                        <p:cTn id="10" dur="1" fill="hold">
-                                          <p:stCondLst>
-                                            <p:cond delay="0"/>
-                                          </p:stCondLst>
-                                        </p:cTn>
-                                        <p:tgtEl/>
-                                        <p:attrNameLst>
-                                          <p:attrName>style.visibility</p:attrName>
-                                        </p:attrNameLst>
-                                      </p:cBhvr>
-                                      <p:to>
-                                        <p:strVal val="visible"/>
-                                      </p:to>
-                                    </p:set>
-                                    <p:animEffect transition="in" filter="wipe(left)">
-                                      <p:cBhvr additive="repl">
-                                        <p:cTn id="11" dur="500"/>
-                                        <p:tgtEl/>
-                                      </p:cBhvr>
-                                    </p:animEffect>
-                                  </p:childTnLst>
-                                </p:cTn>
-                              </p:par>
-                            </p:childTnLst>
-                          </p:cTn>
-                        </p:par>
-                      </p:childTnLst>
-                    </p:cTn>
-                  </p:par>
-                </p:childTnLst>
-              </p:cTn>
-              <p:prevCondLst>
-                <p:cond evt="onPrev" delay="0">
-                  <p:tgtEl>
-                    <p:sldTgt/>
-                  </p:tgtEl>
-                </p:cond>
-              </p:prevCondLst>
-              <p:nextCondLst>
-                <p:cond evt="onNext" delay="0">
-                  <p:tgtEl>
-                    <p:sldTgt/>
-                  </p:tgtEl>
-                </p:cond>
-              </p:nextCondLst>
-            </p:seq>
-          </p:childTnLst>
-        </p:cTn>
+        <p:cTn id="1" dur="indefinite" restart="never" nodeType="tmRoot"/>
       </p:par>
     </p:tnLst>
   </p:timing>
@@ -16436,114 +15978,7 @@
   <p:timing>
     <p:tnLst>
       <p:par>
-        <p:cTn id="1" dur="indefinite" restart="never" nodeType="tmRoot">
-          <p:childTnLst>
-            <p:seq concurrent="1" nextAc="seek">
-              <p:cTn id="2" dur="indefinite" nodeType="mainSeq">
-                <p:childTnLst>
-                  <p:par>
-                    <p:cTn id="3" fill="hold">
-                      <p:stCondLst>
-                        <p:cond delay="indefinite"/>
-                      </p:stCondLst>
-                      <p:childTnLst>
-                        <p:par>
-                          <p:cTn id="4" fill="hold">
-                            <p:stCondLst>
-                              <p:cond delay="0"/>
-                            </p:stCondLst>
-                            <p:childTnLst>
-                              <p:par>
-                                <p:cTn id="5" fill="hold" nodeType="clickEffect">
-                                  <p:stCondLst>
-                                    <p:cond delay="0"/>
-                                  </p:stCondLst>
-                                  <p:childTnLst>
-                                    <p:animEffect transition="in" filter="fade">
-                                      <p:cBhvr additive="repl">
-                                        <p:cTn id="6" dur="500"/>
-                                        <p:tgtEl>
-                                          <p:spTgt spid="206"/>
-                                        </p:tgtEl>
-                                      </p:cBhvr>
-                                    </p:animEffect>
-                                  </p:childTnLst>
-                                </p:cTn>
-                              </p:par>
-                            </p:childTnLst>
-                          </p:cTn>
-                        </p:par>
-                      </p:childTnLst>
-                    </p:cTn>
-                  </p:par>
-                  <p:par>
-                    <p:cTn id="7" fill="hold">
-                      <p:stCondLst>
-                        <p:cond delay="indefinite"/>
-                      </p:stCondLst>
-                      <p:childTnLst>
-                        <p:par>
-                          <p:cTn id="8" fill="hold">
-                            <p:stCondLst>
-                              <p:cond delay="0"/>
-                            </p:stCondLst>
-                            <p:childTnLst>
-                              <p:par>
-                                <p:cTn id="9" presetID="22" presetClass="entr" presetSubtype="8" fill="hold" nodeType="clickEffect">
-                                  <p:stCondLst>
-                                    <p:cond delay="0"/>
-                                  </p:stCondLst>
-                                  <p:childTnLst>
-                                    <p:set>
-                                      <p:cBhvr>
-                                        <p:cTn id="10" dur="1" fill="hold">
-                                          <p:stCondLst>
-                                            <p:cond delay="0"/>
-                                          </p:stCondLst>
-                                        </p:cTn>
-                                        <p:tgtEl/>
-                                        <p:attrNameLst>
-                                          <p:attrName>style.visibility</p:attrName>
-                                        </p:attrNameLst>
-                                      </p:cBhvr>
-                                      <p:to>
-                                        <p:strVal val="visible"/>
-                                      </p:to>
-                                    </p:set>
-                                    <p:animEffect transition="in" filter="wipe(left)">
-                                      <p:cBhvr additive="repl">
-                                        <p:cTn id="11" dur="500"/>
-                                        <p:tgtEl/>
-                                      </p:cBhvr>
-                                    </p:animEffect>
-                                  </p:childTnLst>
-                                </p:cTn>
-                              </p:par>
-                            </p:childTnLst>
-                          </p:cTn>
-                        </p:par>
-                      </p:childTnLst>
-                    </p:cTn>
-                  </p:par>
-                </p:childTnLst>
-              </p:cTn>
-              <p:prevCondLst>
-                <p:cond evt="onPrev" delay="0">
-                  <p:tgtEl>
-                    <p:sldTgt/>
-                  </p:tgtEl>
-                </p:cond>
-              </p:prevCondLst>
-              <p:nextCondLst>
-                <p:cond evt="onNext" delay="0">
-                  <p:tgtEl>
-                    <p:sldTgt/>
-                  </p:tgtEl>
-                </p:cond>
-              </p:nextCondLst>
-            </p:seq>
-          </p:childTnLst>
-        </p:cTn>
+        <p:cTn id="1" dur="indefinite" restart="never" nodeType="tmRoot"/>
       </p:par>
     </p:tnLst>
   </p:timing>
@@ -18677,7 +18112,7 @@
               <a:t>Berdasarkan kajian dari Tinjauan Pustaka, dapat dibuat hipotesis bahwa Server Sent Event</a:t>
             </a:r>
             <a:r>
-              <a:rPr lang="" altLang="en-US" sz="1600" b="0" strike="noStrike" spc="-1">
+              <a:rPr lang="en-US" altLang="en-US" sz="1600" b="0" strike="noStrike" spc="-1">
                 <a:solidFill>
                   <a:srgbClr val="000000"/>
                 </a:solidFill>
@@ -18707,7 +18142,7 @@
               <a:t> HTTP/2 </a:t>
             </a:r>
             <a:r>
-              <a:rPr lang="" altLang="en-US" sz="1600" b="0" strike="noStrike" spc="-1">
+              <a:rPr lang="en-US" altLang="en-US" sz="1600" b="0" strike="noStrike" spc="-1">
                 <a:solidFill>
                   <a:srgbClr val="000000"/>
                 </a:solidFill>
@@ -18737,7 +18172,7 @@
               <a:t>memiliki </a:t>
             </a:r>
             <a:r>
-              <a:rPr lang="" altLang="en-US" sz="1600" b="0" strike="noStrike" spc="-1">
+              <a:rPr lang="en-US" altLang="en-US" sz="1600" b="0" strike="noStrike" spc="-1">
                 <a:solidFill>
                   <a:srgbClr val="000000"/>
                 </a:solidFill>
@@ -18751,7 +18186,7 @@
               </a:rPr>
               <a:t>response time lebih kecil daripada Server Sent Events HTTP/1.1</a:t>
             </a:r>
-            <a:endParaRPr lang="" altLang="en-US" sz="1800" b="0" strike="noStrike" spc="-1">
+            <a:endParaRPr lang="en-US" altLang="en-US" sz="1800" b="0" strike="noStrike" spc="-1">
               <a:solidFill>
                 <a:srgbClr val="000000"/>
               </a:solidFill>
@@ -18776,65 +18211,7 @@
   <p:timing>
     <p:tnLst>
       <p:par>
-        <p:cTn id="1" dur="indefinite" restart="never" nodeType="tmRoot">
-          <p:childTnLst>
-            <p:seq concurrent="1" nextAc="seek">
-              <p:cTn id="2" dur="indefinite" nodeType="mainSeq">
-                <p:childTnLst>
-                  <p:par>
-                    <p:cTn id="3" fill="hold">
-                      <p:stCondLst>
-                        <p:cond delay="indefinite"/>
-                      </p:stCondLst>
-                      <p:childTnLst>
-                        <p:par>
-                          <p:cTn id="4" fill="hold">
-                            <p:stCondLst>
-                              <p:cond delay="0"/>
-                            </p:stCondLst>
-                            <p:childTnLst>
-                              <p:par>
-                                <p:cTn id="5" fill="hold" nodeType="clickEffect">
-                                  <p:stCondLst>
-                                    <p:cond delay="0"/>
-                                  </p:stCondLst>
-                                  <p:childTnLst>
-                                    <p:animEffect transition="in" filter="fade">
-                                      <p:cBhvr additive="repl">
-                                        <p:cTn id="6" dur="500"/>
-                                        <p:tgtEl>
-                                          <p:spTgt spid="215"/>
-                                        </p:tgtEl>
-                                      </p:cBhvr>
-                                    </p:animEffect>
-                                  </p:childTnLst>
-                                </p:cTn>
-                              </p:par>
-                            </p:childTnLst>
-                          </p:cTn>
-                        </p:par>
-                      </p:childTnLst>
-                    </p:cTn>
-                  </p:par>
-                </p:childTnLst>
-              </p:cTn>
-              <p:prevCondLst>
-                <p:cond evt="onPrev" delay="0">
-                  <p:tgtEl>
-                    <p:sldTgt/>
-                  </p:tgtEl>
-                </p:cond>
-              </p:prevCondLst>
-              <p:nextCondLst>
-                <p:cond evt="onNext" delay="0">
-                  <p:tgtEl>
-                    <p:sldTgt/>
-                  </p:tgtEl>
-                </p:cond>
-              </p:nextCondLst>
-            </p:seq>
-          </p:childTnLst>
-        </p:cTn>
+        <p:cTn id="1" dur="indefinite" restart="never" nodeType="tmRoot"/>
       </p:par>
     </p:tnLst>
   </p:timing>
@@ -20763,7 +20140,7 @@
                             </p:stCondLst>
                             <p:childTnLst>
                               <p:par>
-                                <p:cTn id="5" presetID="10" presetClass="entr" presetSubtype="0" fill="hold" nodeType="afterEffect">
+                                <p:cTn id="5" presetID="22" presetClass="entr" presetSubtype="8" fill="hold" nodeType="afterEffect">
                                   <p:stCondLst>
                                     <p:cond delay="0"/>
                                   </p:stCondLst>
@@ -20771,95 +20148,6 @@
                                     <p:set>
                                       <p:cBhvr>
                                         <p:cTn id="6" dur="1" fill="hold">
-                                          <p:stCondLst>
-                                            <p:cond delay="0"/>
-                                          </p:stCondLst>
-                                        </p:cTn>
-                                        <p:tgtEl/>
-                                        <p:attrNameLst>
-                                          <p:attrName>style.visibility</p:attrName>
-                                        </p:attrNameLst>
-                                      </p:cBhvr>
-                                      <p:to>
-                                        <p:strVal val="visible"/>
-                                      </p:to>
-                                    </p:set>
-                                    <p:animEffect transition="in" filter="fade">
-                                      <p:cBhvr additive="repl">
-                                        <p:cTn id="7" dur="250"/>
-                                        <p:tgtEl/>
-                                      </p:cBhvr>
-                                    </p:animEffect>
-                                  </p:childTnLst>
-                                </p:cTn>
-                              </p:par>
-                            </p:childTnLst>
-                          </p:cTn>
-                        </p:par>
-                      </p:childTnLst>
-                    </p:cTn>
-                  </p:par>
-                  <p:par>
-                    <p:cTn id="8" fill="hold">
-                      <p:stCondLst>
-                        <p:cond delay="indefinite"/>
-                      </p:stCondLst>
-                      <p:childTnLst>
-                        <p:par>
-                          <p:cTn id="9" fill="hold">
-                            <p:stCondLst>
-                              <p:cond delay="0"/>
-                            </p:stCondLst>
-                            <p:childTnLst>
-                              <p:par>
-                                <p:cTn id="10" presetID="22" presetClass="entr" presetSubtype="8" fill="hold" nodeType="clickEffect">
-                                  <p:stCondLst>
-                                    <p:cond delay="0"/>
-                                  </p:stCondLst>
-                                  <p:childTnLst>
-                                    <p:set>
-                                      <p:cBhvr>
-                                        <p:cTn id="11" dur="1" fill="hold">
-                                          <p:stCondLst>
-                                            <p:cond delay="0"/>
-                                          </p:stCondLst>
-                                        </p:cTn>
-                                        <p:tgtEl/>
-                                        <p:attrNameLst>
-                                          <p:attrName>style.visibility</p:attrName>
-                                        </p:attrNameLst>
-                                      </p:cBhvr>
-                                      <p:to>
-                                        <p:strVal val="visible"/>
-                                      </p:to>
-                                    </p:set>
-                                    <p:animEffect transition="in" filter="wipe(left)">
-                                      <p:cBhvr additive="repl">
-                                        <p:cTn id="12" dur="500"/>
-                                        <p:tgtEl/>
-                                      </p:cBhvr>
-                                    </p:animEffect>
-                                  </p:childTnLst>
-                                </p:cTn>
-                              </p:par>
-                            </p:childTnLst>
-                          </p:cTn>
-                        </p:par>
-                        <p:par>
-                          <p:cTn id="13" fill="hold">
-                            <p:stCondLst>
-                              <p:cond delay="500"/>
-                            </p:stCondLst>
-                            <p:childTnLst>
-                              <p:par>
-                                <p:cTn id="14" presetID="22" presetClass="entr" presetSubtype="8" fill="hold" nodeType="afterEffect">
-                                  <p:stCondLst>
-                                    <p:cond delay="0"/>
-                                  </p:stCondLst>
-                                  <p:childTnLst>
-                                    <p:set>
-                                      <p:cBhvr>
-                                        <p:cTn id="15" dur="1" fill="hold">
                                           <p:stCondLst>
                                             <p:cond delay="0"/>
                                           </p:stCondLst>
@@ -20877,7 +20165,7 @@
                                     </p:set>
                                     <p:animEffect transition="in" filter="wipe(left)">
                                       <p:cBhvr additive="repl">
-                                        <p:cTn id="16" dur="500"/>
+                                        <p:cTn id="7" dur="500"/>
                                         <p:tgtEl>
                                           <p:spTgt spid="224"/>
                                         </p:tgtEl>
@@ -20890,60 +20178,20 @@
                           </p:cTn>
                         </p:par>
                         <p:par>
-                          <p:cTn id="17" fill="hold">
+                          <p:cTn id="8" fill="hold">
                             <p:stCondLst>
-                              <p:cond delay="1000"/>
+                              <p:cond delay="500"/>
                             </p:stCondLst>
                             <p:childTnLst>
                               <p:par>
-                                <p:cTn id="18" presetID="22" presetClass="entr" presetSubtype="8" fill="hold" nodeType="afterEffect">
+                                <p:cTn id="9" presetID="22" presetClass="entr" presetSubtype="8" fill="hold" nodeType="afterEffect">
                                   <p:stCondLst>
                                     <p:cond delay="0"/>
                                   </p:stCondLst>
                                   <p:childTnLst>
                                     <p:set>
                                       <p:cBhvr>
-                                        <p:cTn id="19" dur="1" fill="hold">
-                                          <p:stCondLst>
-                                            <p:cond delay="0"/>
-                                          </p:stCondLst>
-                                        </p:cTn>
-                                        <p:tgtEl/>
-                                        <p:attrNameLst>
-                                          <p:attrName>style.visibility</p:attrName>
-                                        </p:attrNameLst>
-                                      </p:cBhvr>
-                                      <p:to>
-                                        <p:strVal val="visible"/>
-                                      </p:to>
-                                    </p:set>
-                                    <p:animEffect transition="in" filter="wipe(left)">
-                                      <p:cBhvr additive="repl">
-                                        <p:cTn id="20" dur="500"/>
-                                        <p:tgtEl/>
-                                      </p:cBhvr>
-                                    </p:animEffect>
-                                  </p:childTnLst>
-                                </p:cTn>
-                              </p:par>
-                            </p:childTnLst>
-                          </p:cTn>
-                        </p:par>
-                        <p:par>
-                          <p:cTn id="21" fill="hold">
-                            <p:stCondLst>
-                              <p:cond delay="1500"/>
-                            </p:stCondLst>
-                            <p:childTnLst>
-                              <p:par>
-                                <p:cTn id="22" presetID="22" presetClass="entr" presetSubtype="8" fill="hold" nodeType="afterEffect">
-                                  <p:stCondLst>
-                                    <p:cond delay="0"/>
-                                  </p:stCondLst>
-                                  <p:childTnLst>
-                                    <p:set>
-                                      <p:cBhvr>
-                                        <p:cTn id="23" dur="1" fill="hold">
+                                        <p:cTn id="10" dur="1" fill="hold">
                                           <p:stCondLst>
                                             <p:cond delay="0"/>
                                           </p:stCondLst>
@@ -20965,7 +20213,7 @@
                                     </p:set>
                                     <p:animEffect transition="in" filter="wipe(left)">
                                       <p:cBhvr additive="repl">
-                                        <p:cTn id="24" dur="500"/>
+                                        <p:cTn id="11" dur="500"/>
                                         <p:tgtEl>
                                           <p:spTgt spid="226">
                                             <p:txEl>
@@ -20982,60 +20230,20 @@
                           </p:cTn>
                         </p:par>
                         <p:par>
-                          <p:cTn id="25" fill="hold">
+                          <p:cTn id="12" fill="hold">
                             <p:stCondLst>
-                              <p:cond delay="2000"/>
+                              <p:cond delay="1000"/>
                             </p:stCondLst>
                             <p:childTnLst>
                               <p:par>
-                                <p:cTn id="26" presetID="22" presetClass="entr" presetSubtype="8" fill="hold" nodeType="afterEffect">
+                                <p:cTn id="13" presetID="22" presetClass="entr" presetSubtype="8" fill="hold" nodeType="afterEffect">
                                   <p:stCondLst>
                                     <p:cond delay="0"/>
                                   </p:stCondLst>
                                   <p:childTnLst>
                                     <p:set>
                                       <p:cBhvr>
-                                        <p:cTn id="27" dur="1" fill="hold">
-                                          <p:stCondLst>
-                                            <p:cond delay="0"/>
-                                          </p:stCondLst>
-                                        </p:cTn>
-                                        <p:tgtEl/>
-                                        <p:attrNameLst>
-                                          <p:attrName>style.visibility</p:attrName>
-                                        </p:attrNameLst>
-                                      </p:cBhvr>
-                                      <p:to>
-                                        <p:strVal val="visible"/>
-                                      </p:to>
-                                    </p:set>
-                                    <p:animEffect transition="in" filter="wipe(left)">
-                                      <p:cBhvr additive="repl">
-                                        <p:cTn id="28" dur="500"/>
-                                        <p:tgtEl/>
-                                      </p:cBhvr>
-                                    </p:animEffect>
-                                  </p:childTnLst>
-                                </p:cTn>
-                              </p:par>
-                            </p:childTnLst>
-                          </p:cTn>
-                        </p:par>
-                        <p:par>
-                          <p:cTn id="29" fill="hold">
-                            <p:stCondLst>
-                              <p:cond delay="2500"/>
-                            </p:stCondLst>
-                            <p:childTnLst>
-                              <p:par>
-                                <p:cTn id="30" presetID="22" presetClass="entr" presetSubtype="8" fill="hold" nodeType="afterEffect">
-                                  <p:stCondLst>
-                                    <p:cond delay="0"/>
-                                  </p:stCondLst>
-                                  <p:childTnLst>
-                                    <p:set>
-                                      <p:cBhvr>
-                                        <p:cTn id="31" dur="1" fill="hold">
+                                        <p:cTn id="14" dur="1" fill="hold">
                                           <p:stCondLst>
                                             <p:cond delay="0"/>
                                           </p:stCondLst>
@@ -21057,7 +20265,7 @@
                                     </p:set>
                                     <p:animEffect transition="in" filter="wipe(left)">
                                       <p:cBhvr additive="repl">
-                                        <p:cTn id="32" dur="500"/>
+                                        <p:cTn id="15" dur="500"/>
                                         <p:tgtEl>
                                           <p:spTgt spid="227">
                                             <p:txEl>
@@ -21074,60 +20282,20 @@
                           </p:cTn>
                         </p:par>
                         <p:par>
-                          <p:cTn id="33" fill="hold">
+                          <p:cTn id="16" fill="hold">
                             <p:stCondLst>
-                              <p:cond delay="3000"/>
+                              <p:cond delay="1500"/>
                             </p:stCondLst>
                             <p:childTnLst>
                               <p:par>
-                                <p:cTn id="34" presetID="22" presetClass="entr" presetSubtype="8" fill="hold" nodeType="afterEffect">
+                                <p:cTn id="17" presetID="22" presetClass="entr" presetSubtype="8" fill="hold" nodeType="afterEffect">
                                   <p:stCondLst>
                                     <p:cond delay="0"/>
                                   </p:stCondLst>
                                   <p:childTnLst>
                                     <p:set>
                                       <p:cBhvr>
-                                        <p:cTn id="35" dur="1" fill="hold">
-                                          <p:stCondLst>
-                                            <p:cond delay="0"/>
-                                          </p:stCondLst>
-                                        </p:cTn>
-                                        <p:tgtEl/>
-                                        <p:attrNameLst>
-                                          <p:attrName>style.visibility</p:attrName>
-                                        </p:attrNameLst>
-                                      </p:cBhvr>
-                                      <p:to>
-                                        <p:strVal val="visible"/>
-                                      </p:to>
-                                    </p:set>
-                                    <p:animEffect transition="in" filter="wipe(left)">
-                                      <p:cBhvr additive="repl">
-                                        <p:cTn id="36" dur="500"/>
-                                        <p:tgtEl/>
-                                      </p:cBhvr>
-                                    </p:animEffect>
-                                  </p:childTnLst>
-                                </p:cTn>
-                              </p:par>
-                            </p:childTnLst>
-                          </p:cTn>
-                        </p:par>
-                        <p:par>
-                          <p:cTn id="37" fill="hold">
-                            <p:stCondLst>
-                              <p:cond delay="3500"/>
-                            </p:stCondLst>
-                            <p:childTnLst>
-                              <p:par>
-                                <p:cTn id="38" presetID="22" presetClass="entr" presetSubtype="8" fill="hold" nodeType="afterEffect">
-                                  <p:stCondLst>
-                                    <p:cond delay="0"/>
-                                  </p:stCondLst>
-                                  <p:childTnLst>
-                                    <p:set>
-                                      <p:cBhvr>
-                                        <p:cTn id="39" dur="1" fill="hold">
+                                        <p:cTn id="18" dur="1" fill="hold">
                                           <p:stCondLst>
                                             <p:cond delay="0"/>
                                           </p:stCondLst>
@@ -21149,7 +20317,7 @@
                                     </p:set>
                                     <p:animEffect transition="in" filter="wipe(left)">
                                       <p:cBhvr additive="repl">
-                                        <p:cTn id="40" dur="500"/>
+                                        <p:cTn id="19" dur="500"/>
                                         <p:tgtEl>
                                           <p:spTgt spid="228">
                                             <p:txEl>
@@ -21166,60 +20334,20 @@
                           </p:cTn>
                         </p:par>
                         <p:par>
-                          <p:cTn id="41" fill="hold">
+                          <p:cTn id="20" fill="hold">
                             <p:stCondLst>
-                              <p:cond delay="4000"/>
+                              <p:cond delay="2000"/>
                             </p:stCondLst>
                             <p:childTnLst>
                               <p:par>
-                                <p:cTn id="42" presetID="22" presetClass="entr" presetSubtype="8" fill="hold" nodeType="afterEffect">
+                                <p:cTn id="21" presetID="22" presetClass="entr" presetSubtype="8" fill="hold" nodeType="afterEffect">
                                   <p:stCondLst>
                                     <p:cond delay="0"/>
                                   </p:stCondLst>
                                   <p:childTnLst>
                                     <p:set>
                                       <p:cBhvr>
-                                        <p:cTn id="43" dur="1" fill="hold">
-                                          <p:stCondLst>
-                                            <p:cond delay="0"/>
-                                          </p:stCondLst>
-                                        </p:cTn>
-                                        <p:tgtEl/>
-                                        <p:attrNameLst>
-                                          <p:attrName>style.visibility</p:attrName>
-                                        </p:attrNameLst>
-                                      </p:cBhvr>
-                                      <p:to>
-                                        <p:strVal val="visible"/>
-                                      </p:to>
-                                    </p:set>
-                                    <p:animEffect transition="in" filter="wipe(left)">
-                                      <p:cBhvr additive="repl">
-                                        <p:cTn id="44" dur="500"/>
-                                        <p:tgtEl/>
-                                      </p:cBhvr>
-                                    </p:animEffect>
-                                  </p:childTnLst>
-                                </p:cTn>
-                              </p:par>
-                            </p:childTnLst>
-                          </p:cTn>
-                        </p:par>
-                        <p:par>
-                          <p:cTn id="45" fill="hold">
-                            <p:stCondLst>
-                              <p:cond delay="4500"/>
-                            </p:stCondLst>
-                            <p:childTnLst>
-                              <p:par>
-                                <p:cTn id="46" presetID="22" presetClass="entr" presetSubtype="8" fill="hold" nodeType="afterEffect">
-                                  <p:stCondLst>
-                                    <p:cond delay="0"/>
-                                  </p:stCondLst>
-                                  <p:childTnLst>
-                                    <p:set>
-                                      <p:cBhvr>
-                                        <p:cTn id="47" dur="1" fill="hold">
+                                        <p:cTn id="22" dur="1" fill="hold">
                                           <p:stCondLst>
                                             <p:cond delay="0"/>
                                           </p:stCondLst>
@@ -21241,7 +20369,7 @@
                                     </p:set>
                                     <p:animEffect transition="in" filter="wipe(left)">
                                       <p:cBhvr additive="repl">
-                                        <p:cTn id="48" dur="500"/>
+                                        <p:cTn id="23" dur="500"/>
                                         <p:tgtEl>
                                           <p:spTgt spid="232">
                                             <p:txEl>
@@ -21258,60 +20386,20 @@
                           </p:cTn>
                         </p:par>
                         <p:par>
-                          <p:cTn id="49" fill="hold">
+                          <p:cTn id="24" fill="hold">
                             <p:stCondLst>
-                              <p:cond delay="5000"/>
+                              <p:cond delay="2500"/>
                             </p:stCondLst>
                             <p:childTnLst>
                               <p:par>
-                                <p:cTn id="50" presetID="22" presetClass="entr" presetSubtype="8" fill="hold" nodeType="afterEffect">
+                                <p:cTn id="25" presetID="22" presetClass="entr" presetSubtype="8" fill="hold" nodeType="afterEffect">
                                   <p:stCondLst>
                                     <p:cond delay="0"/>
                                   </p:stCondLst>
                                   <p:childTnLst>
                                     <p:set>
                                       <p:cBhvr>
-                                        <p:cTn id="51" dur="1" fill="hold">
-                                          <p:stCondLst>
-                                            <p:cond delay="0"/>
-                                          </p:stCondLst>
-                                        </p:cTn>
-                                        <p:tgtEl/>
-                                        <p:attrNameLst>
-                                          <p:attrName>style.visibility</p:attrName>
-                                        </p:attrNameLst>
-                                      </p:cBhvr>
-                                      <p:to>
-                                        <p:strVal val="visible"/>
-                                      </p:to>
-                                    </p:set>
-                                    <p:animEffect transition="in" filter="wipe(left)">
-                                      <p:cBhvr additive="repl">
-                                        <p:cTn id="52" dur="500"/>
-                                        <p:tgtEl/>
-                                      </p:cBhvr>
-                                    </p:animEffect>
-                                  </p:childTnLst>
-                                </p:cTn>
-                              </p:par>
-                            </p:childTnLst>
-                          </p:cTn>
-                        </p:par>
-                        <p:par>
-                          <p:cTn id="53" fill="hold">
-                            <p:stCondLst>
-                              <p:cond delay="5500"/>
-                            </p:stCondLst>
-                            <p:childTnLst>
-                              <p:par>
-                                <p:cTn id="54" presetID="22" presetClass="entr" presetSubtype="8" fill="hold" nodeType="afterEffect">
-                                  <p:stCondLst>
-                                    <p:cond delay="0"/>
-                                  </p:stCondLst>
-                                  <p:childTnLst>
-                                    <p:set>
-                                      <p:cBhvr>
-                                        <p:cTn id="55" dur="1" fill="hold">
+                                        <p:cTn id="26" dur="1" fill="hold">
                                           <p:stCondLst>
                                             <p:cond delay="0"/>
                                           </p:stCondLst>
@@ -21333,7 +20421,7 @@
                                     </p:set>
                                     <p:animEffect transition="in" filter="wipe(left)">
                                       <p:cBhvr additive="repl">
-                                        <p:cTn id="56" dur="500"/>
+                                        <p:cTn id="27" dur="500"/>
                                         <p:tgtEl>
                                           <p:spTgt spid="229">
                                             <p:txEl>
@@ -21349,70 +20437,21 @@
                             </p:childTnLst>
                           </p:cTn>
                         </p:par>
-                      </p:childTnLst>
-                    </p:cTn>
-                  </p:par>
-                  <p:par>
-                    <p:cTn id="57" fill="hold">
-                      <p:stCondLst>
-                        <p:cond delay="indefinite"/>
-                      </p:stCondLst>
-                      <p:childTnLst>
                         <p:par>
-                          <p:cTn id="58" fill="hold">
+                          <p:cTn id="28" fill="hold">
                             <p:stCondLst>
-                              <p:cond delay="0"/>
+                              <p:cond delay="3000"/>
                             </p:stCondLst>
                             <p:childTnLst>
                               <p:par>
-                                <p:cTn id="59" presetID="22" presetClass="entr" presetSubtype="8" fill="hold" nodeType="clickEffect">
+                                <p:cTn id="29" presetID="22" presetClass="entr" presetSubtype="8" fill="hold" nodeType="afterEffect">
                                   <p:stCondLst>
                                     <p:cond delay="0"/>
                                   </p:stCondLst>
                                   <p:childTnLst>
                                     <p:set>
                                       <p:cBhvr>
-                                        <p:cTn id="60" dur="1" fill="hold">
-                                          <p:stCondLst>
-                                            <p:cond delay="0"/>
-                                          </p:stCondLst>
-                                        </p:cTn>
-                                        <p:tgtEl/>
-                                        <p:attrNameLst>
-                                          <p:attrName>style.visibility</p:attrName>
-                                        </p:attrNameLst>
-                                      </p:cBhvr>
-                                      <p:to>
-                                        <p:strVal val="visible"/>
-                                      </p:to>
-                                    </p:set>
-                                    <p:animEffect transition="in" filter="wipe(left)">
-                                      <p:cBhvr additive="repl">
-                                        <p:cTn id="61" dur="500"/>
-                                        <p:tgtEl/>
-                                      </p:cBhvr>
-                                    </p:animEffect>
-                                  </p:childTnLst>
-                                </p:cTn>
-                              </p:par>
-                            </p:childTnLst>
-                          </p:cTn>
-                        </p:par>
-                        <p:par>
-                          <p:cTn id="62" fill="hold">
-                            <p:stCondLst>
-                              <p:cond delay="500"/>
-                            </p:stCondLst>
-                            <p:childTnLst>
-                              <p:par>
-                                <p:cTn id="63" presetID="22" presetClass="entr" presetSubtype="8" fill="hold" nodeType="afterEffect">
-                                  <p:stCondLst>
-                                    <p:cond delay="0"/>
-                                  </p:stCondLst>
-                                  <p:childTnLst>
-                                    <p:set>
-                                      <p:cBhvr>
-                                        <p:cTn id="64" dur="1" fill="hold">
+                                        <p:cTn id="30" dur="1" fill="hold">
                                           <p:stCondLst>
                                             <p:cond delay="0"/>
                                           </p:stCondLst>
@@ -21430,7 +20469,7 @@
                                     </p:set>
                                     <p:animEffect transition="in" filter="wipe(left)">
                                       <p:cBhvr additive="repl">
-                                        <p:cTn id="65" dur="500"/>
+                                        <p:cTn id="31" dur="500"/>
                                         <p:tgtEl>
                                           <p:spTgt spid="225"/>
                                         </p:tgtEl>
@@ -21443,100 +20482,20 @@
                           </p:cTn>
                         </p:par>
                         <p:par>
-                          <p:cTn id="66" fill="hold">
+                          <p:cTn id="32" fill="hold">
                             <p:stCondLst>
-                              <p:cond delay="1000"/>
+                              <p:cond delay="3500"/>
                             </p:stCondLst>
                             <p:childTnLst>
                               <p:par>
-                                <p:cTn id="67" presetID="22" presetClass="entr" presetSubtype="8" fill="hold" nodeType="afterEffect">
+                                <p:cTn id="33" presetID="22" presetClass="entr" presetSubtype="8" fill="hold" nodeType="afterEffect">
                                   <p:stCondLst>
                                     <p:cond delay="0"/>
                                   </p:stCondLst>
                                   <p:childTnLst>
                                     <p:set>
                                       <p:cBhvr>
-                                        <p:cTn id="68" dur="1" fill="hold">
-                                          <p:stCondLst>
-                                            <p:cond delay="0"/>
-                                          </p:stCondLst>
-                                        </p:cTn>
-                                        <p:tgtEl/>
-                                        <p:attrNameLst>
-                                          <p:attrName>style.visibility</p:attrName>
-                                        </p:attrNameLst>
-                                      </p:cBhvr>
-                                      <p:to>
-                                        <p:strVal val="visible"/>
-                                      </p:to>
-                                    </p:set>
-                                    <p:animEffect transition="in" filter="wipe(left)">
-                                      <p:cBhvr additive="repl">
-                                        <p:cTn id="69" dur="500"/>
-                                        <p:tgtEl/>
-                                      </p:cBhvr>
-                                    </p:animEffect>
-                                  </p:childTnLst>
-                                </p:cTn>
-                              </p:par>
-                            </p:childTnLst>
-                          </p:cTn>
-                        </p:par>
-                        <p:par>
-                          <p:cTn id="70" fill="hold">
-                            <p:stCondLst>
-                              <p:cond delay="1500"/>
-                            </p:stCondLst>
-                            <p:childTnLst>
-                              <p:par>
-                                <p:cTn id="71" presetID="22" presetClass="entr" presetSubtype="8" fill="hold" nodeType="afterEffect">
-                                  <p:stCondLst>
-                                    <p:cond delay="0"/>
-                                  </p:stCondLst>
-                                  <p:childTnLst>
-                                    <p:set>
-                                      <p:cBhvr>
-                                        <p:cTn id="72" dur="1" fill="hold">
-                                          <p:stCondLst>
-                                            <p:cond delay="0"/>
-                                          </p:stCondLst>
-                                        </p:cTn>
-                                        <p:tgtEl/>
-                                        <p:attrNameLst>
-                                          <p:attrName>style.visibility</p:attrName>
-                                        </p:attrNameLst>
-                                      </p:cBhvr>
-                                      <p:to>
-                                        <p:strVal val="visible"/>
-                                      </p:to>
-                                    </p:set>
-                                    <p:animEffect transition="in" filter="wipe(left)">
-                                      <p:cBhvr additive="repl">
-                                        <p:cTn id="73" dur="500"/>
-                                        <p:tgtEl/>
-                                      </p:cBhvr>
-                                    </p:animEffect>
-                                  </p:childTnLst>
-                                </p:cTn>
-                              </p:par>
-                            </p:childTnLst>
-                          </p:cTn>
-                        </p:par>
-                        <p:par>
-                          <p:cTn id="74" fill="hold">
-                            <p:stCondLst>
-                              <p:cond delay="2000"/>
-                            </p:stCondLst>
-                            <p:childTnLst>
-                              <p:par>
-                                <p:cTn id="75" presetID="22" presetClass="entr" presetSubtype="8" fill="hold" nodeType="afterEffect">
-                                  <p:stCondLst>
-                                    <p:cond delay="0"/>
-                                  </p:stCondLst>
-                                  <p:childTnLst>
-                                    <p:set>
-                                      <p:cBhvr>
-                                        <p:cTn id="76" dur="1" fill="hold">
+                                        <p:cTn id="34" dur="1" fill="hold">
                                           <p:stCondLst>
                                             <p:cond delay="0"/>
                                           </p:stCondLst>
@@ -21558,7 +20517,7 @@
                                     </p:set>
                                     <p:animEffect transition="in" filter="wipe(left)">
                                       <p:cBhvr additive="repl">
-                                        <p:cTn id="77" dur="500"/>
+                                        <p:cTn id="35" dur="500"/>
                                         <p:tgtEl>
                                           <p:spTgt spid="230">
                                             <p:txEl>
@@ -21575,60 +20534,20 @@
                           </p:cTn>
                         </p:par>
                         <p:par>
-                          <p:cTn id="78" fill="hold">
+                          <p:cTn id="36" fill="hold">
                             <p:stCondLst>
-                              <p:cond delay="2500"/>
+                              <p:cond delay="4000"/>
                             </p:stCondLst>
                             <p:childTnLst>
                               <p:par>
-                                <p:cTn id="79" presetID="22" presetClass="entr" presetSubtype="8" fill="hold" nodeType="afterEffect">
+                                <p:cTn id="37" presetID="22" presetClass="entr" presetSubtype="8" fill="hold" nodeType="afterEffect">
                                   <p:stCondLst>
                                     <p:cond delay="0"/>
                                   </p:stCondLst>
                                   <p:childTnLst>
                                     <p:set>
                                       <p:cBhvr>
-                                        <p:cTn id="80" dur="1" fill="hold">
-                                          <p:stCondLst>
-                                            <p:cond delay="0"/>
-                                          </p:stCondLst>
-                                        </p:cTn>
-                                        <p:tgtEl/>
-                                        <p:attrNameLst>
-                                          <p:attrName>style.visibility</p:attrName>
-                                        </p:attrNameLst>
-                                      </p:cBhvr>
-                                      <p:to>
-                                        <p:strVal val="visible"/>
-                                      </p:to>
-                                    </p:set>
-                                    <p:animEffect transition="in" filter="wipe(left)">
-                                      <p:cBhvr additive="repl">
-                                        <p:cTn id="81" dur="500"/>
-                                        <p:tgtEl/>
-                                      </p:cBhvr>
-                                    </p:animEffect>
-                                  </p:childTnLst>
-                                </p:cTn>
-                              </p:par>
-                            </p:childTnLst>
-                          </p:cTn>
-                        </p:par>
-                        <p:par>
-                          <p:cTn id="82" fill="hold">
-                            <p:stCondLst>
-                              <p:cond delay="3000"/>
-                            </p:stCondLst>
-                            <p:childTnLst>
-                              <p:par>
-                                <p:cTn id="83" presetID="22" presetClass="entr" presetSubtype="8" fill="hold" nodeType="afterEffect">
-                                  <p:stCondLst>
-                                    <p:cond delay="0"/>
-                                  </p:stCondLst>
-                                  <p:childTnLst>
-                                    <p:set>
-                                      <p:cBhvr>
-                                        <p:cTn id="84" dur="1" fill="hold">
+                                        <p:cTn id="38" dur="1" fill="hold">
                                           <p:stCondLst>
                                             <p:cond delay="0"/>
                                           </p:stCondLst>
@@ -21650,7 +20569,7 @@
                                     </p:set>
                                     <p:animEffect transition="in" filter="wipe(left)">
                                       <p:cBhvr additive="repl">
-                                        <p:cTn id="85" dur="500"/>
+                                        <p:cTn id="39" dur="500"/>
                                         <p:tgtEl>
                                           <p:spTgt spid="231">
                                             <p:txEl>
@@ -21667,60 +20586,20 @@
                           </p:cTn>
                         </p:par>
                         <p:par>
-                          <p:cTn id="86" fill="hold">
+                          <p:cTn id="40" fill="hold">
                             <p:stCondLst>
-                              <p:cond delay="3500"/>
+                              <p:cond delay="4500"/>
                             </p:stCondLst>
                             <p:childTnLst>
                               <p:par>
-                                <p:cTn id="87" presetID="22" presetClass="entr" presetSubtype="8" fill="hold" nodeType="afterEffect">
+                                <p:cTn id="41" presetID="22" presetClass="entr" presetSubtype="8" fill="hold" nodeType="afterEffect">
                                   <p:stCondLst>
                                     <p:cond delay="0"/>
                                   </p:stCondLst>
                                   <p:childTnLst>
                                     <p:set>
                                       <p:cBhvr>
-                                        <p:cTn id="88" dur="1" fill="hold">
-                                          <p:stCondLst>
-                                            <p:cond delay="0"/>
-                                          </p:stCondLst>
-                                        </p:cTn>
-                                        <p:tgtEl/>
-                                        <p:attrNameLst>
-                                          <p:attrName>style.visibility</p:attrName>
-                                        </p:attrNameLst>
-                                      </p:cBhvr>
-                                      <p:to>
-                                        <p:strVal val="visible"/>
-                                      </p:to>
-                                    </p:set>
-                                    <p:animEffect transition="in" filter="wipe(left)">
-                                      <p:cBhvr additive="repl">
-                                        <p:cTn id="89" dur="500"/>
-                                        <p:tgtEl/>
-                                      </p:cBhvr>
-                                    </p:animEffect>
-                                  </p:childTnLst>
-                                </p:cTn>
-                              </p:par>
-                            </p:childTnLst>
-                          </p:cTn>
-                        </p:par>
-                        <p:par>
-                          <p:cTn id="90" fill="hold">
-                            <p:stCondLst>
-                              <p:cond delay="4000"/>
-                            </p:stCondLst>
-                            <p:childTnLst>
-                              <p:par>
-                                <p:cTn id="91" presetID="22" presetClass="entr" presetSubtype="8" fill="hold" nodeType="afterEffect">
-                                  <p:stCondLst>
-                                    <p:cond delay="0"/>
-                                  </p:stCondLst>
-                                  <p:childTnLst>
-                                    <p:set>
-                                      <p:cBhvr>
-                                        <p:cTn id="92" dur="1" fill="hold">
+                                        <p:cTn id="42" dur="1" fill="hold">
                                           <p:stCondLst>
                                             <p:cond delay="0"/>
                                           </p:stCondLst>
@@ -21742,7 +20621,7 @@
                                     </p:set>
                                     <p:animEffect transition="in" filter="wipe(left)">
                                       <p:cBhvr additive="repl">
-                                        <p:cTn id="93" dur="500"/>
+                                        <p:cTn id="43" dur="500"/>
                                         <p:tgtEl>
                                           <p:spTgt spid="233">
                                             <p:txEl>
@@ -21759,20 +20638,20 @@
                           </p:cTn>
                         </p:par>
                         <p:par>
-                          <p:cTn id="94" fill="hold">
+                          <p:cTn id="44" fill="hold">
                             <p:stCondLst>
-                              <p:cond delay="4500"/>
+                              <p:cond delay="5000"/>
                             </p:stCondLst>
                             <p:childTnLst>
                               <p:par>
-                                <p:cTn id="95" presetID="22" presetClass="entr" presetSubtype="8" fill="hold" nodeType="afterEffect">
+                                <p:cTn id="45" presetID="22" presetClass="entr" presetSubtype="8" fill="hold" nodeType="afterEffect">
                                   <p:stCondLst>
                                     <p:cond delay="0"/>
                                   </p:stCondLst>
                                   <p:childTnLst>
                                     <p:set>
                                       <p:cBhvr>
-                                        <p:cTn id="96" dur="1" fill="hold">
+                                        <p:cTn id="46" dur="1" fill="hold">
                                           <p:stCondLst>
                                             <p:cond delay="0"/>
                                           </p:stCondLst>
@@ -21794,7 +20673,7 @@
                                     </p:set>
                                     <p:animEffect transition="in" filter="wipe(left)">
                                       <p:cBhvr additive="repl">
-                                        <p:cTn id="97" dur="500"/>
+                                        <p:cTn id="47" dur="500"/>
                                         <p:tgtEl>
                                           <p:spTgt spid="234">
                                             <p:txEl>
@@ -21811,135 +20690,20 @@
                           </p:cTn>
                         </p:par>
                         <p:par>
-                          <p:cTn id="98" fill="hold">
+                          <p:cTn id="48" fill="hold">
                             <p:stCondLst>
-                              <p:cond delay="5000"/>
+                              <p:cond delay="5500"/>
                             </p:stCondLst>
                             <p:childTnLst>
                               <p:par>
-                                <p:cTn id="99" presetID="22" presetClass="entr" presetSubtype="8" fill="hold" nodeType="afterEffect">
+                                <p:cTn id="49" presetID="22" presetClass="entr" presetSubtype="8" fill="hold" nodeType="afterEffect">
                                   <p:stCondLst>
                                     <p:cond delay="0"/>
                                   </p:stCondLst>
                                   <p:childTnLst>
                                     <p:set>
                                       <p:cBhvr>
-                                        <p:cTn id="100" dur="1" fill="hold">
-                                          <p:stCondLst>
-                                            <p:cond delay="0"/>
-                                          </p:stCondLst>
-                                        </p:cTn>
-                                        <p:tgtEl/>
-                                        <p:attrNameLst>
-                                          <p:attrName>style.visibility</p:attrName>
-                                        </p:attrNameLst>
-                                      </p:cBhvr>
-                                      <p:to>
-                                        <p:strVal val="visible"/>
-                                      </p:to>
-                                    </p:set>
-                                    <p:animEffect transition="in" filter="wipe(left)">
-                                      <p:cBhvr additive="repl">
-                                        <p:cTn id="101" dur="500"/>
-                                        <p:tgtEl/>
-                                      </p:cBhvr>
-                                    </p:animEffect>
-                                  </p:childTnLst>
-                                </p:cTn>
-                              </p:par>
-                            </p:childTnLst>
-                          </p:cTn>
-                        </p:par>
-                        <p:par>
-                          <p:cTn id="102" fill="hold">
-                            <p:stCondLst>
-                              <p:cond delay="5500"/>
-                            </p:stCondLst>
-                            <p:childTnLst>
-                              <p:par>
-                                <p:cTn id="103" presetID="22" presetClass="entr" presetSubtype="8" fill="hold" nodeType="afterEffect">
-                                  <p:stCondLst>
-                                    <p:cond delay="0"/>
-                                  </p:stCondLst>
-                                  <p:childTnLst>
-                                    <p:set>
-                                      <p:cBhvr>
-                                        <p:cTn id="104" dur="1" fill="hold">
-                                          <p:stCondLst>
-                                            <p:cond delay="0"/>
-                                          </p:stCondLst>
-                                        </p:cTn>
-                                        <p:tgtEl/>
-                                        <p:attrNameLst>
-                                          <p:attrName>style.visibility</p:attrName>
-                                        </p:attrNameLst>
-                                      </p:cBhvr>
-                                      <p:to>
-                                        <p:strVal val="visible"/>
-                                      </p:to>
-                                    </p:set>
-                                    <p:animEffect transition="in" filter="wipe(left)">
-                                      <p:cBhvr additive="repl">
-                                        <p:cTn id="105" dur="500"/>
-                                        <p:tgtEl/>
-                                      </p:cBhvr>
-                                    </p:animEffect>
-                                  </p:childTnLst>
-                                </p:cTn>
-                              </p:par>
-                            </p:childTnLst>
-                          </p:cTn>
-                        </p:par>
-                      </p:childTnLst>
-                    </p:cTn>
-                  </p:par>
-                  <p:par>
-                    <p:cTn id="106" fill="hold">
-                      <p:stCondLst>
-                        <p:cond delay="indefinite"/>
-                      </p:stCondLst>
-                      <p:childTnLst>
-                        <p:par>
-                          <p:cTn id="107" fill="hold">
-                            <p:stCondLst>
-                              <p:cond delay="0"/>
-                            </p:stCondLst>
-                            <p:childTnLst>
-                              <p:par>
-                                <p:cTn id="108" fill="hold" nodeType="clickEffect">
-                                  <p:stCondLst>
-                                    <p:cond delay="0"/>
-                                  </p:stCondLst>
-                                  <p:childTnLst>
-                                    <p:animEffect transition="in" filter="fade">
-                                      <p:cBhvr additive="repl">
-                                        <p:cTn id="109" dur="500"/>
-                                        <p:tgtEl>
-                                          <p:spTgt spid="239"/>
-                                        </p:tgtEl>
-                                      </p:cBhvr>
-                                    </p:animEffect>
-                                  </p:childTnLst>
-                                </p:cTn>
-                              </p:par>
-                            </p:childTnLst>
-                          </p:cTn>
-                        </p:par>
-                        <p:par>
-                          <p:cTn id="110" fill="hold">
-                            <p:stCondLst>
-                              <p:cond delay="500"/>
-                            </p:stCondLst>
-                            <p:childTnLst>
-                              <p:par>
-                                <p:cTn id="111" presetID="22" presetClass="entr" presetSubtype="8" fill="hold" nodeType="afterEffect">
-                                  <p:stCondLst>
-                                    <p:cond delay="0"/>
-                                  </p:stCondLst>
-                                  <p:childTnLst>
-                                    <p:set>
-                                      <p:cBhvr>
-                                        <p:cTn id="112" dur="1" fill="hold">
+                                        <p:cTn id="50" dur="1" fill="hold">
                                           <p:stCondLst>
                                             <p:cond delay="0"/>
                                           </p:stCondLst>
@@ -21961,7 +20725,7 @@
                                     </p:set>
                                     <p:animEffect transition="in" filter="wipe(left)">
                                       <p:cBhvr additive="repl">
-                                        <p:cTn id="113" dur="500"/>
+                                        <p:cTn id="51" dur="500"/>
                                         <p:tgtEl>
                                           <p:spTgt spid="241">
                                             <p:txEl>
@@ -21969,46 +20733,6 @@
                                             </p:txEl>
                                           </p:spTgt>
                                         </p:tgtEl>
-                                      </p:cBhvr>
-                                    </p:animEffect>
-                                  </p:childTnLst>
-                                </p:cTn>
-                              </p:par>
-                            </p:childTnLst>
-                          </p:cTn>
-                        </p:par>
-                        <p:par>
-                          <p:cTn id="114" fill="hold">
-                            <p:stCondLst>
-                              <p:cond delay="1000"/>
-                            </p:stCondLst>
-                            <p:childTnLst>
-                              <p:par>
-                                <p:cTn id="115" presetID="22" presetClass="entr" presetSubtype="8" fill="hold" nodeType="afterEffect">
-                                  <p:stCondLst>
-                                    <p:cond delay="0"/>
-                                  </p:stCondLst>
-                                  <p:childTnLst>
-                                    <p:set>
-                                      <p:cBhvr>
-                                        <p:cTn id="116" dur="1" fill="hold">
-                                          <p:stCondLst>
-                                            <p:cond delay="0"/>
-                                          </p:stCondLst>
-                                        </p:cTn>
-                                        <p:tgtEl/>
-                                        <p:attrNameLst>
-                                          <p:attrName>style.visibility</p:attrName>
-                                        </p:attrNameLst>
-                                      </p:cBhvr>
-                                      <p:to>
-                                        <p:strVal val="visible"/>
-                                      </p:to>
-                                    </p:set>
-                                    <p:animEffect transition="in" filter="wipe(left)">
-                                      <p:cBhvr additive="repl">
-                                        <p:cTn id="117" dur="500"/>
-                                        <p:tgtEl/>
                                       </p:cBhvr>
                                     </p:animEffect>
                                   </p:childTnLst>
@@ -22337,37 +21061,7 @@
                 <a:latin typeface="Caviar Dreams"/>
                 <a:ea typeface="Open Sans Extrabold"/>
               </a:rPr>
-              <a:t>(</a:t>
-            </a:r>
-            <a:r>
-              <a:rPr lang="" altLang="en-US" sz="1600" b="1" strike="noStrike" spc="-1">
-                <a:solidFill>
-                  <a:srgbClr val="111C76"/>
-                </a:solidFill>
-                <a:uFill>
-                  <a:solidFill>
-                    <a:srgbClr val="FFFFFF"/>
-                  </a:solidFill>
-                </a:uFill>
-                <a:latin typeface="Caviar Dreams"/>
-                <a:ea typeface="Open Sans Extrabold"/>
-              </a:rPr>
-              <a:t>physical</a:t>
-            </a:r>
-            <a:r>
-              <a:rPr lang="en-US" altLang="en-US" sz="1600" b="1" strike="noStrike" spc="-1">
-                <a:solidFill>
-                  <a:srgbClr val="111C76"/>
-                </a:solidFill>
-                <a:uFill>
-                  <a:solidFill>
-                    <a:srgbClr val="FFFFFF"/>
-                  </a:solidFill>
-                </a:uFill>
-                <a:latin typeface="Caviar Dreams"/>
-                <a:ea typeface="Open Sans Extrabold"/>
-              </a:rPr>
-              <a:t>)</a:t>
+              <a:t>(physical)</a:t>
             </a:r>
             <a:endParaRPr lang="en-US" altLang="en-US" sz="1600" b="1" strike="noStrike" spc="-1">
               <a:solidFill>
@@ -23168,7 +21862,7 @@
               </a:lnSpc>
             </a:pPr>
             <a:r>
-              <a:rPr lang="" altLang="en-US" sz="1600" b="1" strike="noStrike" spc="-1">
+              <a:rPr lang="en-US" altLang="en-US" sz="1600" b="1" strike="noStrike" spc="-1">
                 <a:solidFill>
                   <a:srgbClr val="111C76"/>
                 </a:solidFill>
@@ -23182,7 +21876,7 @@
               </a:rPr>
               <a:t>(logical)</a:t>
             </a:r>
-            <a:endParaRPr lang="" altLang="en-US" sz="1600" b="1" strike="noStrike" spc="-1">
+            <a:endParaRPr lang="en-US" altLang="en-US" sz="1600" b="1" strike="noStrike" spc="-1">
               <a:solidFill>
                 <a:srgbClr val="111C76"/>
               </a:solidFill>
@@ -23695,117 +22389,7 @@
   <p:timing>
     <p:tnLst>
       <p:par>
-        <p:cTn id="1" dur="indefinite" restart="never" nodeType="tmRoot">
-          <p:childTnLst>
-            <p:seq concurrent="1" nextAc="seek">
-              <p:cTn id="2" dur="indefinite" nodeType="mainSeq">
-                <p:childTnLst>
-                  <p:par>
-                    <p:cTn id="3" fill="hold">
-                      <p:stCondLst>
-                        <p:cond delay="indefinite"/>
-                        <p:cond evt="onBegin" delay="0">
-                          <p:tn val="2"/>
-                        </p:cond>
-                      </p:stCondLst>
-                      <p:childTnLst>
-                        <p:par>
-                          <p:cTn id="4" fill="hold">
-                            <p:stCondLst>
-                              <p:cond delay="0"/>
-                            </p:stCondLst>
-                            <p:childTnLst>
-                              <p:par>
-                                <p:cTn id="5" presetID="10" presetClass="entr" presetSubtype="0" fill="hold" nodeType="afterEffect">
-                                  <p:stCondLst>
-                                    <p:cond delay="0"/>
-                                  </p:stCondLst>
-                                  <p:childTnLst>
-                                    <p:set>
-                                      <p:cBhvr>
-                                        <p:cTn id="6" dur="1" fill="hold">
-                                          <p:stCondLst>
-                                            <p:cond delay="0"/>
-                                          </p:stCondLst>
-                                        </p:cTn>
-                                        <p:tgtEl/>
-                                        <p:attrNameLst>
-                                          <p:attrName>style.visibility</p:attrName>
-                                        </p:attrNameLst>
-                                      </p:cBhvr>
-                                      <p:to>
-                                        <p:strVal val="visible"/>
-                                      </p:to>
-                                    </p:set>
-                                    <p:animEffect transition="in" filter="fade">
-                                      <p:cBhvr additive="repl">
-                                        <p:cTn id="7" dur="250"/>
-                                        <p:tgtEl/>
-                                      </p:cBhvr>
-                                    </p:animEffect>
-                                  </p:childTnLst>
-                                </p:cTn>
-                              </p:par>
-                            </p:childTnLst>
-                          </p:cTn>
-                        </p:par>
-                      </p:childTnLst>
-                    </p:cTn>
-                  </p:par>
-                  <p:par>
-                    <p:cTn id="8" fill="hold">
-                      <p:stCondLst>
-                        <p:cond delay="indefinite"/>
-                      </p:stCondLst>
-                      <p:childTnLst>
-                        <p:par>
-                          <p:cTn id="9" fill="hold">
-                            <p:stCondLst>
-                              <p:cond delay="0"/>
-                            </p:stCondLst>
-                            <p:childTnLst>
-                              <p:par>
-                                <p:cTn id="10" fill="hold" nodeType="clickEffect">
-                                  <p:stCondLst>
-                                    <p:cond delay="0"/>
-                                  </p:stCondLst>
-                                  <p:childTnLst>
-                                    <p:animEffect transition="in" filter="fade">
-                                      <p:cBhvr additive="repl">
-                                        <p:cTn id="11" dur="500"/>
-                                        <p:tgtEl>
-                                          <p:spTgt spid="264"/>
-                                        </p:tgtEl>
-                                      </p:cBhvr>
-                                    </p:animEffect>
-                                  </p:childTnLst>
-                                </p:cTn>
-                              </p:par>
-                            </p:childTnLst>
-                          </p:cTn>
-                        </p:par>
-                      </p:childTnLst>
-                    </p:cTn>
-                  </p:par>
-                </p:childTnLst>
-              </p:cTn>
-              <p:prevCondLst>
-                <p:cond evt="onPrev" delay="0">
-                  <p:tgtEl>
-                    <p:sldTgt/>
-                  </p:tgtEl>
-                </p:cond>
-              </p:prevCondLst>
-              <p:nextCondLst>
-                <p:cond evt="onNext" delay="0">
-                  <p:tgtEl>
-                    <p:sldTgt/>
-                  </p:tgtEl>
-                </p:cond>
-              </p:nextCondLst>
-            </p:seq>
-          </p:childTnLst>
-        </p:cTn>
+        <p:cTn id="1" dur="indefinite" restart="never" nodeType="tmRoot"/>
       </p:par>
     </p:tnLst>
   </p:timing>
@@ -24006,7 +22590,7 @@
               </a:lnSpc>
             </a:pPr>
             <a:r>
-              <a:rPr lang="" altLang="en-US" sz="1600" b="1" strike="noStrike" spc="-1">
+              <a:rPr lang="en-US" altLang="en-US" sz="1600" b="1" strike="noStrike" spc="-1">
                 <a:solidFill>
                   <a:srgbClr val="111C76"/>
                 </a:solidFill>
@@ -24020,7 +22604,7 @@
               </a:rPr>
               <a:t>Pengujian</a:t>
             </a:r>
-            <a:endParaRPr lang="" altLang="en-US" sz="1800" b="0" strike="noStrike" spc="-1">
+            <a:endParaRPr lang="en-US" altLang="en-US" sz="1800" b="0" strike="noStrike" spc="-1">
               <a:solidFill>
                 <a:srgbClr val="000000"/>
               </a:solidFill>
@@ -24076,7 +22660,7 @@
               <a:buChar char="•"/>
             </a:pPr>
             <a:r>
-              <a:rPr lang="" altLang="en-US" sz="1400" b="0" strike="noStrike" spc="-1">
+              <a:rPr lang="en-US" altLang="en-US" sz="1400" b="0" strike="noStrike" spc="-1">
                 <a:solidFill>
                   <a:srgbClr val="111C76"/>
                 </a:solidFill>
@@ -24091,7 +22675,7 @@
               <a:t>Pengujian Response Time dilakukan dengan menghitung </a:t>
             </a:r>
             <a:r>
-              <a:rPr lang="" altLang="en-US" sz="1400" b="0" i="1" strike="noStrike" spc="-1">
+              <a:rPr lang="en-US" altLang="en-US" sz="1400" b="0" i="1" strike="noStrike" spc="-1">
                 <a:solidFill>
                   <a:srgbClr val="111C76"/>
                 </a:solidFill>
@@ -24106,7 +22690,7 @@
               <a:t>response time</a:t>
             </a:r>
             <a:r>
-              <a:rPr lang="" altLang="en-US" sz="1400" b="0" strike="noStrike" spc="-1">
+              <a:rPr lang="en-US" altLang="en-US" sz="1400" b="0" strike="noStrike" spc="-1">
                 <a:solidFill>
                   <a:srgbClr val="111C76"/>
                 </a:solidFill>
@@ -24120,7 +22704,7 @@
               </a:rPr>
               <a:t> setelah dilakukannya pengiriman perintah dari website sampai mendapatkan status arduino terbaru</a:t>
             </a:r>
-            <a:endParaRPr lang="" altLang="en-US" sz="1400" b="0" strike="noStrike" spc="-1">
+            <a:endParaRPr lang="en-US" altLang="en-US" sz="1400" b="0" strike="noStrike" spc="-1">
               <a:solidFill>
                 <a:srgbClr val="111C76"/>
               </a:solidFill>
@@ -24141,7 +22725,7 @@
               <a:buFont typeface="Arial" panose="020B0604020202020204" pitchFamily="34" charset="0"/>
               <a:buChar char="•"/>
             </a:pPr>
-            <a:endParaRPr lang="" altLang="en-US" sz="1400" b="0" strike="noStrike" spc="-1">
+            <a:endParaRPr lang="en-US" altLang="en-US" sz="1400" b="0" strike="noStrike" spc="-1">
               <a:solidFill>
                 <a:srgbClr val="000000"/>
               </a:solidFill>
@@ -24175,10 +22759,10 @@
                 <a:ea typeface="DejaVu Sans" panose="020B0603030804020204"/>
                 <a:sym typeface="+mn-ea"/>
               </a:rPr>
-              <a:t>Pengujian </a:t>
-            </a:r>
-            <a:r>
-              <a:rPr lang="" altLang="en-US" sz="1400" spc="-1">
+              <a:t>Pengujian Multiplexing dilakukan dengan menghitung </a:t>
+            </a:r>
+            <a:r>
+              <a:rPr lang="en-US" altLang="en-US" sz="1400" i="1" spc="-1">
                 <a:solidFill>
                   <a:srgbClr val="111C76"/>
                 </a:solidFill>
@@ -24191,10 +22775,10 @@
                 <a:ea typeface="DejaVu Sans" panose="020B0603030804020204"/>
                 <a:sym typeface="+mn-ea"/>
               </a:rPr>
-              <a:t>Multiplexing</a:t>
-            </a:r>
-            <a:r>
-              <a:rPr lang="" altLang="en-US" sz="1400" spc="-1">
+              <a:t>response time</a:t>
+            </a:r>
+            <a:r>
+              <a:rPr lang="en-US" altLang="en-US" sz="1400" spc="-1">
                 <a:solidFill>
                   <a:srgbClr val="111C76"/>
                 </a:solidFill>
@@ -24207,87 +22791,7 @@
                 <a:ea typeface="DejaVu Sans" panose="020B0603030804020204"/>
                 <a:sym typeface="+mn-ea"/>
               </a:rPr>
-              <a:t> </a:t>
-            </a:r>
-            <a:r>
-              <a:rPr lang="en-US" altLang="en-US" sz="1400" spc="-1">
-                <a:solidFill>
-                  <a:srgbClr val="111C76"/>
-                </a:solidFill>
-                <a:uFill>
-                  <a:solidFill>
-                    <a:srgbClr val="FFFFFF"/>
-                  </a:solidFill>
-                </a:uFill>
-                <a:latin typeface="Caviar Dreams"/>
-                <a:ea typeface="DejaVu Sans" panose="020B0603030804020204"/>
-                <a:sym typeface="+mn-ea"/>
-              </a:rPr>
-              <a:t>dilakukan dengan menghitung </a:t>
-            </a:r>
-            <a:r>
-              <a:rPr lang="en-US" altLang="en-US" sz="1400" i="1" spc="-1">
-                <a:solidFill>
-                  <a:srgbClr val="111C76"/>
-                </a:solidFill>
-                <a:uFill>
-                  <a:solidFill>
-                    <a:srgbClr val="FFFFFF"/>
-                  </a:solidFill>
-                </a:uFill>
-                <a:latin typeface="Caviar Dreams"/>
-                <a:ea typeface="DejaVu Sans" panose="020B0603030804020204"/>
-                <a:sym typeface="+mn-ea"/>
-              </a:rPr>
-              <a:t>response time</a:t>
-            </a:r>
-            <a:r>
-              <a:rPr lang="en-US" altLang="en-US" sz="1400" spc="-1">
-                <a:solidFill>
-                  <a:srgbClr val="111C76"/>
-                </a:solidFill>
-                <a:uFill>
-                  <a:solidFill>
-                    <a:srgbClr val="FFFFFF"/>
-                  </a:solidFill>
-                </a:uFill>
-                <a:latin typeface="Caviar Dreams"/>
-                <a:ea typeface="DejaVu Sans" panose="020B0603030804020204"/>
-                <a:sym typeface="+mn-ea"/>
-              </a:rPr>
-              <a:t> setelah dilakukannya pengiriman perintah dari website sampai mendapatkan status arduino terbaru </a:t>
-            </a:r>
-            <a:r>
-              <a:rPr lang="en-US" altLang="en-US" sz="1400" spc="-1">
-                <a:solidFill>
-                  <a:srgbClr val="111C76"/>
-                </a:solidFill>
-                <a:uFill>
-                  <a:solidFill>
-                    <a:srgbClr val="FFFFFF"/>
-                  </a:solidFill>
-                </a:uFill>
-                <a:latin typeface="Caviar Dreams"/>
-                <a:ea typeface="DejaVu Sans" panose="020B0603030804020204"/>
-                <a:sym typeface="+mn-ea"/>
-              </a:rPr>
-              <a:t>dengan rentang waktu </a:t>
-            </a:r>
-            <a:r>
-              <a:rPr lang="" altLang="en-US" sz="1400" spc="-1">
-                <a:solidFill>
-                  <a:srgbClr val="111C76"/>
-                </a:solidFill>
-                <a:uFill>
-                  <a:solidFill>
-                    <a:srgbClr val="FFFFFF"/>
-                  </a:solidFill>
-                </a:uFill>
-                <a:latin typeface="Caviar Dreams"/>
-                <a:ea typeface="DejaVu Sans" panose="020B0603030804020204"/>
-                <a:sym typeface="+mn-ea"/>
-              </a:rPr>
-              <a:t>yang semakin pendek, namun pengujian ini terkendala dengan tingkat processing arduino yang rendah</a:t>
+              <a:t> setelah dilakukannya pengiriman perintah dari website sampai mendapatkan status arduino terbaru dengan rentang waktu yang semakin pendek, namun pengujian ini terkendala dengan tingkat processing arduino yang rendah</a:t>
             </a:r>
             <a:endParaRPr lang="en-US" altLang="en-US" sz="1400" b="0" strike="noStrike" spc="-1">
               <a:solidFill>
@@ -24307,7 +22811,7 @@
                 <a:spcPct val="130000"/>
               </a:lnSpc>
             </a:pPr>
-            <a:endParaRPr lang="" altLang="en-US" sz="1400" b="0" strike="noStrike" spc="-1">
+            <a:endParaRPr lang="en-US" altLang="en-US" sz="1400" b="0" strike="noStrike" spc="-1">
               <a:solidFill>
                 <a:srgbClr val="000000"/>
               </a:solidFill>
@@ -25440,7 +23944,7 @@
               <a:t> adalah SSE HTTP/1.1, SSE HTTP/2 dan Websocket. Untuk data yang diambil berupa perbandingan </a:t>
             </a:r>
             <a:r>
-              <a:rPr lang="" altLang="en-US" sz="1400" b="0" i="1" strike="noStrike" spc="-1">
+              <a:rPr lang="en-US" altLang="en-US" sz="1400" b="0" i="1" strike="noStrike" spc="-1">
                 <a:solidFill>
                   <a:srgbClr val="111C76"/>
                 </a:solidFill>
@@ -25990,6 +24494,9 @@
                     <p:cTn id="3" fill="hold">
                       <p:stCondLst>
                         <p:cond delay="indefinite"/>
+                        <p:cond evt="onBegin" delay="0">
+                          <p:tn val="2"/>
+                        </p:cond>
                       </p:stCondLst>
                       <p:childTnLst>
                         <p:par>
@@ -25999,7 +24506,7 @@
                             </p:stCondLst>
                             <p:childTnLst>
                               <p:par>
-                                <p:cTn id="5" presetID="22" presetClass="entr" presetSubtype="1" fill="hold" nodeType="clickEffect">
+                                <p:cTn id="5" presetID="47" presetClass="entr" presetSubtype="0" fill="hold" nodeType="afterEffect">
                                   <p:stCondLst>
                                     <p:cond delay="0"/>
                                   </p:stCondLst>
@@ -26007,46 +24514,6 @@
                                     <p:set>
                                       <p:cBhvr>
                                         <p:cTn id="6" dur="1" fill="hold">
-                                          <p:stCondLst>
-                                            <p:cond delay="0"/>
-                                          </p:stCondLst>
-                                        </p:cTn>
-                                        <p:tgtEl/>
-                                        <p:attrNameLst>
-                                          <p:attrName>style.visibility</p:attrName>
-                                        </p:attrNameLst>
-                                      </p:cBhvr>
-                                      <p:to>
-                                        <p:strVal val="visible"/>
-                                      </p:to>
-                                    </p:set>
-                                    <p:animEffect transition="in" filter="wipe(up)">
-                                      <p:cBhvr additive="repl">
-                                        <p:cTn id="7" dur="500"/>
-                                        <p:tgtEl/>
-                                      </p:cBhvr>
-                                    </p:animEffect>
-                                  </p:childTnLst>
-                                </p:cTn>
-                              </p:par>
-                            </p:childTnLst>
-                          </p:cTn>
-                        </p:par>
-                        <p:par>
-                          <p:cTn id="8" fill="hold">
-                            <p:stCondLst>
-                              <p:cond delay="500"/>
-                            </p:stCondLst>
-                            <p:childTnLst>
-                              <p:par>
-                                <p:cTn id="9" presetID="47" presetClass="entr" presetSubtype="0" fill="hold" nodeType="afterEffect">
-                                  <p:stCondLst>
-                                    <p:cond delay="0"/>
-                                  </p:stCondLst>
-                                  <p:childTnLst>
-                                    <p:set>
-                                      <p:cBhvr>
-                                        <p:cTn id="10" dur="1" fill="hold">
                                           <p:stCondLst>
                                             <p:cond delay="0"/>
                                           </p:stCondLst>
@@ -26068,7 +24535,7 @@
                                     </p:set>
                                     <p:animEffect transition="in" filter="fade">
                                       <p:cBhvr additive="repl">
-                                        <p:cTn id="11" dur="1000"/>
+                                        <p:cTn id="7" dur="1000"/>
                                         <p:tgtEl>
                                           <p:spTgt spid="270">
                                             <p:txEl>
@@ -26080,7 +24547,7 @@
                                     </p:animEffect>
                                     <p:anim calcmode="lin" valueType="num">
                                       <p:cBhvr additive="repl">
-                                        <p:cTn id="12" dur="1000" fill="hold"/>
+                                        <p:cTn id="8" dur="1000" fill="hold"/>
                                         <p:tgtEl>
                                           <p:spTgt spid="270">
                                             <p:txEl>
@@ -26107,7 +24574,7 @@
                                     </p:anim>
                                     <p:anim calcmode="lin" valueType="num">
                                       <p:cBhvr additive="repl">
-                                        <p:cTn id="13" dur="1000" fill="hold"/>
+                                        <p:cTn id="9" dur="1000" fill="hold"/>
                                         <p:tgtEl>
                                           <p:spTgt spid="270">
                                             <p:txEl>
@@ -26132,41 +24599,6 @@
                                         </p:tav>
                                       </p:tavLst>
                                     </p:anim>
-                                  </p:childTnLst>
-                                </p:cTn>
-                              </p:par>
-                            </p:childTnLst>
-                          </p:cTn>
-                        </p:par>
-                      </p:childTnLst>
-                    </p:cTn>
-                  </p:par>
-                  <p:par>
-                    <p:cTn id="14" fill="hold">
-                      <p:stCondLst>
-                        <p:cond delay="indefinite"/>
-                      </p:stCondLst>
-                      <p:childTnLst>
-                        <p:par>
-                          <p:cTn id="15" fill="hold">
-                            <p:stCondLst>
-                              <p:cond delay="0"/>
-                            </p:stCondLst>
-                            <p:childTnLst>
-                              <p:par>
-                                <p:cTn id="16" fill="hold" nodeType="clickEffect">
-                                  <p:stCondLst>
-                                    <p:cond delay="0"/>
-                                  </p:stCondLst>
-                                  <p:childTnLst>
-                                    <p:animEffect transition="in" filter="fade">
-                                      <p:cBhvr additive="repl">
-                                        <p:cTn id="17" dur="500"/>
-                                        <p:tgtEl>
-                                          <p:spTgt spid="275"/>
-                                        </p:tgtEl>
-                                      </p:cBhvr>
-                                    </p:animEffect>
                                   </p:childTnLst>
                                 </p:cTn>
                               </p:par>
@@ -26884,7 +25316,7 @@
               </a:lnSpc>
             </a:pPr>
             <a:r>
-              <a:rPr lang="" altLang="en-US" sz="800" b="0" strike="noStrike" spc="-1">
+              <a:rPr lang="en-US" altLang="en-US" sz="800" b="0" strike="noStrike" spc="-1">
                 <a:solidFill>
                   <a:srgbClr val="1F497D"/>
                 </a:solidFill>
@@ -26896,24 +25328,9 @@
                 <a:latin typeface="Caviar Dreams"/>
                 <a:ea typeface="DejaVu Sans" panose="020B0603030804020204"/>
               </a:rPr>
-              <a:t>“</a:t>
-            </a:r>
-            <a:r>
-              <a:rPr lang="" altLang="en-US" sz="800" b="0" strike="noStrike" spc="-1">
-                <a:solidFill>
-                  <a:srgbClr val="1F497D"/>
-                </a:solidFill>
-                <a:uFill>
-                  <a:solidFill>
-                    <a:srgbClr val="FFFFFF"/>
-                  </a:solidFill>
-                </a:uFill>
-                <a:latin typeface="Caviar Dreams"/>
-                <a:ea typeface="DejaVu Sans" panose="020B0603030804020204"/>
-              </a:rPr>
-              <a:t>Penerapan HTTP/2 SSE dan Websocket pada Rumah Pintar”</a:t>
-            </a:r>
-            <a:endParaRPr lang="" altLang="en-US" sz="800" b="0" strike="noStrike" spc="-1">
+              <a:t>“Penerapan HTTP/2 SSE dan Websocket pada Rumah Pintar”</a:t>
+            </a:r>
+            <a:endParaRPr lang="en-US" altLang="en-US" sz="800" b="0" strike="noStrike" spc="-1">
               <a:solidFill>
                 <a:srgbClr val="1F497D"/>
               </a:solidFill>
@@ -27102,6 +25519,764 @@
           <a:xfrm>
             <a:off x="4480560" y="1424520"/>
             <a:ext cx="3748680" cy="3349440"/>
+          </a:xfrm>
+          <a:prstGeom prst="rect">
+            <a:avLst/>
+          </a:prstGeom>
+          <a:ln>
+            <a:noFill/>
+          </a:ln>
+        </p:spPr>
+      </p:pic>
+    </p:spTree>
+  </p:cSld>
+  <p:clrMapOvr>
+    <a:masterClrMapping/>
+  </p:clrMapOvr>
+  <p:transition spd="slow">
+    <p:push dir="d"/>
+  </p:transition>
+  <p:timing>
+    <p:tnLst>
+      <p:par>
+        <p:cTn id="1" dur="indefinite" restart="never" nodeType="tmRoot"/>
+      </p:par>
+    </p:tnLst>
+  </p:timing>
+</p:sld>
+</file>
+
+<file path=ppt/slides/slide4.xml><?xml version="1.0" encoding="utf-8"?>
+<p:sld xmlns:a="http://schemas.openxmlformats.org/drawingml/2006/main" xmlns:r="http://schemas.openxmlformats.org/officeDocument/2006/relationships" xmlns:p="http://schemas.openxmlformats.org/presentationml/2006/main">
+  <p:cSld>
+    <p:spTree>
+      <p:nvGrpSpPr>
+        <p:cNvPr id="1" name=""/>
+        <p:cNvGrpSpPr/>
+        <p:nvPr/>
+      </p:nvGrpSpPr>
+      <p:grpSpPr>
+        <a:xfrm>
+          <a:off x="0" y="0"/>
+          <a:ext cx="0" cy="0"/>
+          <a:chOff x="0" y="0"/>
+          <a:chExt cx="0" cy="0"/>
+        </a:xfrm>
+      </p:grpSpPr>
+      <p:sp>
+        <p:nvSpPr>
+          <p:cNvPr id="115" name="CustomShape 1"/>
+          <p:cNvSpPr/>
+          <p:nvPr/>
+        </p:nvSpPr>
+        <p:spPr>
+          <a:xfrm>
+            <a:off x="1250640" y="844560"/>
+            <a:ext cx="1619640" cy="510120"/>
+          </a:xfrm>
+          <a:prstGeom prst="chevron">
+            <a:avLst>
+              <a:gd name="adj" fmla="val 50000"/>
+            </a:avLst>
+          </a:prstGeom>
+          <a:solidFill>
+            <a:srgbClr val="111C76"/>
+          </a:solidFill>
+          <a:ln w="3240">
+            <a:solidFill>
+              <a:schemeClr val="bg1"/>
+            </a:solidFill>
+            <a:round/>
+          </a:ln>
+        </p:spPr>
+        <p:style>
+          <a:lnRef idx="2">
+            <a:schemeClr val="accent1">
+              <a:shade val="50000"/>
+            </a:schemeClr>
+          </a:lnRef>
+          <a:fillRef idx="1">
+            <a:schemeClr val="accent1"/>
+          </a:fillRef>
+          <a:effectRef idx="0">
+            <a:schemeClr val="accent1"/>
+          </a:effectRef>
+          <a:fontRef idx="minor"/>
+        </p:style>
+        <p:txBody>
+          <a:bodyPr lIns="90000" tIns="45000" rIns="90000" bIns="45000" anchor="ctr"/>
+          <a:p>
+            <a:pPr algn="ctr">
+              <a:lnSpc>
+                <a:spcPct val="100000"/>
+              </a:lnSpc>
+            </a:pPr>
+            <a:r>
+              <a:rPr lang="en-US" sz="1100" b="0" strike="noStrike" spc="-1">
+                <a:solidFill>
+                  <a:srgbClr val="FFFFFF"/>
+                </a:solidFill>
+                <a:uFill>
+                  <a:solidFill>
+                    <a:srgbClr val="FFFFFF"/>
+                  </a:solidFill>
+                </a:uFill>
+                <a:latin typeface="Caviar Dreams"/>
+                <a:ea typeface="DejaVu Sans" panose="020B0603030804020204"/>
+              </a:rPr>
+              <a:t>Rumusan Masalah</a:t>
+            </a:r>
+            <a:endParaRPr lang="en-US" sz="1800" b="0" strike="noStrike" spc="-1">
+              <a:solidFill>
+                <a:srgbClr val="000000"/>
+              </a:solidFill>
+              <a:uFill>
+                <a:solidFill>
+                  <a:srgbClr val="FFFFFF"/>
+                </a:solidFill>
+              </a:uFill>
+              <a:latin typeface="Arial" panose="020B0604020202020204"/>
+            </a:endParaRPr>
+          </a:p>
+        </p:txBody>
+      </p:sp>
+      <p:sp>
+        <p:nvSpPr>
+          <p:cNvPr id="116" name="CustomShape 2"/>
+          <p:cNvSpPr/>
+          <p:nvPr/>
+        </p:nvSpPr>
+        <p:spPr>
+          <a:xfrm>
+            <a:off x="2614680" y="844560"/>
+            <a:ext cx="1623600" cy="510120"/>
+          </a:xfrm>
+          <a:prstGeom prst="chevron">
+            <a:avLst>
+              <a:gd name="adj" fmla="val 50000"/>
+            </a:avLst>
+          </a:prstGeom>
+          <a:solidFill>
+            <a:srgbClr val="111C76"/>
+          </a:solidFill>
+          <a:ln w="3240">
+            <a:solidFill>
+              <a:schemeClr val="bg1"/>
+            </a:solidFill>
+            <a:round/>
+          </a:ln>
+        </p:spPr>
+        <p:style>
+          <a:lnRef idx="2">
+            <a:schemeClr val="accent1">
+              <a:shade val="50000"/>
+            </a:schemeClr>
+          </a:lnRef>
+          <a:fillRef idx="1">
+            <a:schemeClr val="accent1"/>
+          </a:fillRef>
+          <a:effectRef idx="0">
+            <a:schemeClr val="accent1"/>
+          </a:effectRef>
+          <a:fontRef idx="minor"/>
+        </p:style>
+        <p:txBody>
+          <a:bodyPr lIns="90000" tIns="45000" rIns="90000" bIns="45000" anchor="ctr"/>
+          <a:p>
+            <a:pPr algn="ctr">
+              <a:lnSpc>
+                <a:spcPct val="100000"/>
+              </a:lnSpc>
+            </a:pPr>
+            <a:r>
+              <a:rPr lang="en-US" sz="1100" b="0" strike="noStrike" spc="-1">
+                <a:solidFill>
+                  <a:srgbClr val="FFFFFF"/>
+                </a:solidFill>
+                <a:uFill>
+                  <a:solidFill>
+                    <a:srgbClr val="FFFFFF"/>
+                  </a:solidFill>
+                </a:uFill>
+                <a:latin typeface="Caviar Dreams"/>
+                <a:ea typeface="DejaVu Sans" panose="020B0603030804020204"/>
+              </a:rPr>
+              <a:t>Tujuan Proyek Akhir</a:t>
+            </a:r>
+            <a:endParaRPr lang="en-US" sz="1800" b="0" strike="noStrike" spc="-1">
+              <a:solidFill>
+                <a:srgbClr val="000000"/>
+              </a:solidFill>
+              <a:uFill>
+                <a:solidFill>
+                  <a:srgbClr val="FFFFFF"/>
+                </a:solidFill>
+              </a:uFill>
+              <a:latin typeface="Arial" panose="020B0604020202020204"/>
+            </a:endParaRPr>
+          </a:p>
+        </p:txBody>
+      </p:sp>
+      <p:sp>
+        <p:nvSpPr>
+          <p:cNvPr id="117" name="CustomShape 3"/>
+          <p:cNvSpPr/>
+          <p:nvPr/>
+        </p:nvSpPr>
+        <p:spPr>
+          <a:xfrm>
+            <a:off x="3924000" y="848520"/>
+            <a:ext cx="1727640" cy="510120"/>
+          </a:xfrm>
+          <a:prstGeom prst="chevron">
+            <a:avLst>
+              <a:gd name="adj" fmla="val 50000"/>
+            </a:avLst>
+          </a:prstGeom>
+          <a:solidFill>
+            <a:srgbClr val="111C76"/>
+          </a:solidFill>
+          <a:ln w="3240">
+            <a:solidFill>
+              <a:schemeClr val="bg1"/>
+            </a:solidFill>
+            <a:round/>
+          </a:ln>
+        </p:spPr>
+        <p:style>
+          <a:lnRef idx="2">
+            <a:schemeClr val="accent1">
+              <a:shade val="50000"/>
+            </a:schemeClr>
+          </a:lnRef>
+          <a:fillRef idx="1">
+            <a:schemeClr val="accent1"/>
+          </a:fillRef>
+          <a:effectRef idx="0">
+            <a:schemeClr val="accent1"/>
+          </a:effectRef>
+          <a:fontRef idx="minor"/>
+        </p:style>
+        <p:txBody>
+          <a:bodyPr lIns="90000" tIns="45000" rIns="90000" bIns="45000" anchor="ctr"/>
+          <a:p>
+            <a:pPr algn="ctr">
+              <a:lnSpc>
+                <a:spcPct val="100000"/>
+              </a:lnSpc>
+            </a:pPr>
+            <a:r>
+              <a:rPr lang="en-US" sz="1100" b="0" strike="noStrike" spc="-1">
+                <a:solidFill>
+                  <a:srgbClr val="FFFFFF"/>
+                </a:solidFill>
+                <a:uFill>
+                  <a:solidFill>
+                    <a:srgbClr val="FFFFFF"/>
+                  </a:solidFill>
+                </a:uFill>
+                <a:latin typeface="Caviar Dreams"/>
+                <a:ea typeface="DejaVu Sans" panose="020B0603030804020204"/>
+              </a:rPr>
+              <a:t>Tinjauan Pustaka</a:t>
+            </a:r>
+            <a:endParaRPr lang="en-US" sz="1800" b="0" strike="noStrike" spc="-1">
+              <a:solidFill>
+                <a:srgbClr val="000000"/>
+              </a:solidFill>
+              <a:uFill>
+                <a:solidFill>
+                  <a:srgbClr val="FFFFFF"/>
+                </a:solidFill>
+              </a:uFill>
+              <a:latin typeface="Arial" panose="020B0604020202020204"/>
+            </a:endParaRPr>
+          </a:p>
+        </p:txBody>
+      </p:sp>
+      <p:sp>
+        <p:nvSpPr>
+          <p:cNvPr id="118" name="CustomShape 4"/>
+          <p:cNvSpPr/>
+          <p:nvPr/>
+        </p:nvSpPr>
+        <p:spPr>
+          <a:xfrm>
+            <a:off x="5402160" y="851400"/>
+            <a:ext cx="1755720" cy="503280"/>
+          </a:xfrm>
+          <a:prstGeom prst="chevron">
+            <a:avLst>
+              <a:gd name="adj" fmla="val 50000"/>
+            </a:avLst>
+          </a:prstGeom>
+          <a:solidFill>
+            <a:srgbClr val="111C76"/>
+          </a:solidFill>
+          <a:ln w="3240">
+            <a:solidFill>
+              <a:schemeClr val="bg1"/>
+            </a:solidFill>
+            <a:round/>
+          </a:ln>
+        </p:spPr>
+        <p:style>
+          <a:lnRef idx="2">
+            <a:schemeClr val="accent1">
+              <a:shade val="50000"/>
+            </a:schemeClr>
+          </a:lnRef>
+          <a:fillRef idx="1">
+            <a:schemeClr val="accent1"/>
+          </a:fillRef>
+          <a:effectRef idx="0">
+            <a:schemeClr val="accent1"/>
+          </a:effectRef>
+          <a:fontRef idx="minor"/>
+        </p:style>
+        <p:txBody>
+          <a:bodyPr lIns="90000" tIns="45000" rIns="90000" bIns="45000" anchor="ctr"/>
+          <a:p>
+            <a:pPr algn="ctr">
+              <a:lnSpc>
+                <a:spcPct val="100000"/>
+              </a:lnSpc>
+            </a:pPr>
+            <a:r>
+              <a:rPr lang="en-US" sz="1100" b="0" strike="noStrike" spc="-1">
+                <a:solidFill>
+                  <a:srgbClr val="FFFFFF"/>
+                </a:solidFill>
+                <a:uFill>
+                  <a:solidFill>
+                    <a:srgbClr val="FFFFFF"/>
+                  </a:solidFill>
+                </a:uFill>
+                <a:latin typeface="Caviar Dreams"/>
+                <a:ea typeface="DejaVu Sans" panose="020B0603030804020204"/>
+              </a:rPr>
+              <a:t>Hipotesis</a:t>
+            </a:r>
+            <a:endParaRPr lang="en-US" sz="1800" b="0" strike="noStrike" spc="-1">
+              <a:solidFill>
+                <a:srgbClr val="000000"/>
+              </a:solidFill>
+              <a:uFill>
+                <a:solidFill>
+                  <a:srgbClr val="FFFFFF"/>
+                </a:solidFill>
+              </a:uFill>
+              <a:latin typeface="Arial" panose="020B0604020202020204"/>
+            </a:endParaRPr>
+          </a:p>
+        </p:txBody>
+      </p:sp>
+      <p:sp>
+        <p:nvSpPr>
+          <p:cNvPr id="119" name="CustomShape 5"/>
+          <p:cNvSpPr/>
+          <p:nvPr/>
+        </p:nvSpPr>
+        <p:spPr>
+          <a:xfrm>
+            <a:off x="4624070" y="227330"/>
+            <a:ext cx="3621405" cy="699135"/>
+          </a:xfrm>
+          <a:prstGeom prst="rect">
+            <a:avLst/>
+          </a:prstGeom>
+          <a:noFill/>
+          <a:ln>
+            <a:noFill/>
+          </a:ln>
+        </p:spPr>
+        <p:style>
+          <a:lnRef idx="0">
+            <a:srgbClr val="FFFFFF"/>
+          </a:lnRef>
+          <a:fillRef idx="0">
+            <a:srgbClr val="FFFFFF"/>
+          </a:fillRef>
+          <a:effectRef idx="0">
+            <a:srgbClr val="FFFFFF"/>
+          </a:effectRef>
+          <a:fontRef idx="minor"/>
+        </p:style>
+        <p:txBody>
+          <a:bodyPr lIns="90000" tIns="45000" rIns="90000" bIns="45000"/>
+          <a:p>
+            <a:pPr algn="ctr">
+              <a:lnSpc>
+                <a:spcPct val="100000"/>
+              </a:lnSpc>
+            </a:pPr>
+            <a:r>
+              <a:rPr lang="en-US" sz="2000" b="1" strike="noStrike" spc="-1">
+                <a:solidFill>
+                  <a:srgbClr val="1F497D"/>
+                </a:solidFill>
+                <a:uFill>
+                  <a:solidFill>
+                    <a:srgbClr val="FFFFFF"/>
+                  </a:solidFill>
+                </a:uFill>
+                <a:latin typeface="Capsuula"/>
+                <a:ea typeface="DejaVu Sans" panose="020B0603030804020204"/>
+              </a:rPr>
+              <a:t>Universitas Gadjah Mada</a:t>
+            </a:r>
+            <a:endParaRPr lang="en-US" sz="1800" b="0" strike="noStrike" spc="-1">
+              <a:solidFill>
+                <a:srgbClr val="000000"/>
+              </a:solidFill>
+              <a:uFill>
+                <a:solidFill>
+                  <a:srgbClr val="FFFFFF"/>
+                </a:solidFill>
+              </a:uFill>
+              <a:latin typeface="Arial" panose="020B0604020202020204"/>
+            </a:endParaRPr>
+          </a:p>
+        </p:txBody>
+      </p:sp>
+      <p:sp>
+        <p:nvSpPr>
+          <p:cNvPr id="120" name="CustomShape 6"/>
+          <p:cNvSpPr/>
+          <p:nvPr/>
+        </p:nvSpPr>
+        <p:spPr>
+          <a:xfrm>
+            <a:off x="6849360" y="851400"/>
+            <a:ext cx="1703880" cy="503280"/>
+          </a:xfrm>
+          <a:prstGeom prst="chevron">
+            <a:avLst>
+              <a:gd name="adj" fmla="val 50000"/>
+            </a:avLst>
+          </a:prstGeom>
+          <a:solidFill>
+            <a:srgbClr val="111C76"/>
+          </a:solidFill>
+          <a:ln w="3240">
+            <a:solidFill>
+              <a:schemeClr val="bg1"/>
+            </a:solidFill>
+            <a:round/>
+          </a:ln>
+        </p:spPr>
+        <p:style>
+          <a:lnRef idx="2">
+            <a:schemeClr val="accent1">
+              <a:shade val="50000"/>
+            </a:schemeClr>
+          </a:lnRef>
+          <a:fillRef idx="1">
+            <a:schemeClr val="accent1"/>
+          </a:fillRef>
+          <a:effectRef idx="0">
+            <a:schemeClr val="accent1"/>
+          </a:effectRef>
+          <a:fontRef idx="minor"/>
+        </p:style>
+        <p:txBody>
+          <a:bodyPr lIns="90000" tIns="45000" rIns="90000" bIns="45000" anchor="ctr"/>
+          <a:p>
+            <a:pPr algn="ctr">
+              <a:lnSpc>
+                <a:spcPct val="100000"/>
+              </a:lnSpc>
+            </a:pPr>
+            <a:r>
+              <a:rPr lang="en-US" sz="1100" b="0" strike="noStrike" spc="-1">
+                <a:solidFill>
+                  <a:srgbClr val="FFFFFF"/>
+                </a:solidFill>
+                <a:uFill>
+                  <a:solidFill>
+                    <a:srgbClr val="FFFFFF"/>
+                  </a:solidFill>
+                </a:uFill>
+                <a:latin typeface="Caviar Dreams"/>
+                <a:ea typeface="DejaVu Sans" panose="020B0603030804020204"/>
+              </a:rPr>
+              <a:t>Metodologi</a:t>
+            </a:r>
+            <a:endParaRPr lang="en-US" sz="1800" b="0" strike="noStrike" spc="-1">
+              <a:solidFill>
+                <a:srgbClr val="000000"/>
+              </a:solidFill>
+              <a:uFill>
+                <a:solidFill>
+                  <a:srgbClr val="FFFFFF"/>
+                </a:solidFill>
+              </a:uFill>
+              <a:latin typeface="Arial" panose="020B0604020202020204"/>
+            </a:endParaRPr>
+          </a:p>
+        </p:txBody>
+      </p:sp>
+      <p:sp>
+        <p:nvSpPr>
+          <p:cNvPr id="121" name="CustomShape 7"/>
+          <p:cNvSpPr/>
+          <p:nvPr/>
+        </p:nvSpPr>
+        <p:spPr>
+          <a:xfrm>
+            <a:off x="20880" y="177840"/>
+            <a:ext cx="5270400" cy="576000"/>
+          </a:xfrm>
+          <a:prstGeom prst="rect">
+            <a:avLst/>
+          </a:prstGeom>
+          <a:noFill/>
+          <a:ln>
+            <a:noFill/>
+          </a:ln>
+        </p:spPr>
+        <p:style>
+          <a:lnRef idx="0">
+            <a:srgbClr val="FFFFFF"/>
+          </a:lnRef>
+          <a:fillRef idx="0">
+            <a:srgbClr val="FFFFFF"/>
+          </a:fillRef>
+          <a:effectRef idx="0">
+            <a:srgbClr val="FFFFFF"/>
+          </a:effectRef>
+          <a:fontRef idx="minor"/>
+        </p:style>
+        <p:txBody>
+          <a:bodyPr lIns="90000" tIns="45000" rIns="90000" bIns="45000"/>
+          <a:p>
+            <a:pPr>
+              <a:lnSpc>
+                <a:spcPct val="150000"/>
+              </a:lnSpc>
+            </a:pPr>
+            <a:r>
+              <a:rPr lang="en-US" altLang="en-US" sz="800" spc="-1">
+                <a:solidFill>
+                  <a:srgbClr val="1F497D"/>
+                </a:solidFill>
+                <a:uFill>
+                  <a:solidFill>
+                    <a:srgbClr val="FFFFFF"/>
+                  </a:solidFill>
+                </a:uFill>
+                <a:latin typeface="Caviar Dreams"/>
+                <a:ea typeface="DejaVu Sans" panose="020B0603030804020204"/>
+                <a:sym typeface="+mn-ea"/>
+              </a:rPr>
+              <a:t>“Penerapan HTTP/2 SSE dan Websocket pada Rumah Pintar”</a:t>
+            </a:r>
+            <a:endParaRPr lang="en-US" sz="1800" b="0" strike="noStrike" spc="-1">
+              <a:solidFill>
+                <a:srgbClr val="000000"/>
+              </a:solidFill>
+              <a:uFill>
+                <a:solidFill>
+                  <a:srgbClr val="FFFFFF"/>
+                </a:solidFill>
+              </a:uFill>
+              <a:latin typeface="Arial" panose="020B0604020202020204"/>
+            </a:endParaRPr>
+          </a:p>
+        </p:txBody>
+      </p:sp>
+      <p:sp>
+        <p:nvSpPr>
+          <p:cNvPr id="122" name="CustomShape 8"/>
+          <p:cNvSpPr/>
+          <p:nvPr/>
+        </p:nvSpPr>
+        <p:spPr>
+          <a:xfrm>
+            <a:off x="0" y="843480"/>
+            <a:ext cx="1505160" cy="510120"/>
+          </a:xfrm>
+          <a:prstGeom prst="homePlate">
+            <a:avLst>
+              <a:gd name="adj" fmla="val 50000"/>
+            </a:avLst>
+          </a:prstGeom>
+          <a:solidFill>
+            <a:srgbClr val="F9C534"/>
+          </a:solidFill>
+          <a:ln w="3240">
+            <a:solidFill>
+              <a:srgbClr val="111C76"/>
+            </a:solidFill>
+            <a:round/>
+          </a:ln>
+        </p:spPr>
+        <p:style>
+          <a:lnRef idx="2">
+            <a:schemeClr val="accent1">
+              <a:shade val="50000"/>
+            </a:schemeClr>
+          </a:lnRef>
+          <a:fillRef idx="1">
+            <a:schemeClr val="accent1"/>
+          </a:fillRef>
+          <a:effectRef idx="0">
+            <a:schemeClr val="accent1"/>
+          </a:effectRef>
+          <a:fontRef idx="minor"/>
+        </p:style>
+        <p:txBody>
+          <a:bodyPr lIns="90000" tIns="45000" rIns="90000" bIns="45000" anchor="ctr"/>
+          <a:p>
+            <a:pPr algn="ctr">
+              <a:lnSpc>
+                <a:spcPct val="100000"/>
+              </a:lnSpc>
+            </a:pPr>
+            <a:r>
+              <a:rPr lang="en-US" sz="1100" b="0" strike="noStrike" spc="-1">
+                <a:solidFill>
+                  <a:srgbClr val="111C76"/>
+                </a:solidFill>
+                <a:uFill>
+                  <a:solidFill>
+                    <a:srgbClr val="FFFFFF"/>
+                  </a:solidFill>
+                </a:uFill>
+                <a:latin typeface="Caviar Dreams"/>
+                <a:ea typeface="DejaVu Sans" panose="020B0603030804020204"/>
+              </a:rPr>
+              <a:t>Latar Belakang</a:t>
+            </a:r>
+            <a:endParaRPr lang="en-US" sz="1800" b="0" strike="noStrike" spc="-1">
+              <a:solidFill>
+                <a:srgbClr val="000000"/>
+              </a:solidFill>
+              <a:uFill>
+                <a:solidFill>
+                  <a:srgbClr val="FFFFFF"/>
+                </a:solidFill>
+              </a:uFill>
+              <a:latin typeface="Arial" panose="020B0604020202020204"/>
+            </a:endParaRPr>
+          </a:p>
+        </p:txBody>
+      </p:sp>
+      <p:sp>
+        <p:nvSpPr>
+          <p:cNvPr id="123" name="CustomShape 9"/>
+          <p:cNvSpPr/>
+          <p:nvPr/>
+        </p:nvSpPr>
+        <p:spPr>
+          <a:xfrm>
+            <a:off x="59040" y="1590120"/>
+            <a:ext cx="3720240" cy="2707920"/>
+          </a:xfrm>
+          <a:prstGeom prst="rect">
+            <a:avLst/>
+          </a:prstGeom>
+          <a:solidFill>
+            <a:schemeClr val="accent3">
+              <a:lumMod val="20000"/>
+              <a:lumOff val="80000"/>
+            </a:schemeClr>
+          </a:solidFill>
+          <a:ln>
+            <a:noFill/>
+          </a:ln>
+        </p:spPr>
+        <p:style>
+          <a:lnRef idx="0">
+            <a:srgbClr val="FFFFFF"/>
+          </a:lnRef>
+          <a:fillRef idx="0">
+            <a:srgbClr val="FFFFFF"/>
+          </a:fillRef>
+          <a:effectRef idx="0">
+            <a:srgbClr val="FFFFFF"/>
+          </a:effectRef>
+          <a:fontRef idx="minor"/>
+        </p:style>
+        <p:txBody>
+          <a:bodyPr lIns="90000" tIns="45000" rIns="90000" bIns="45000"/>
+          <a:p>
+            <a:pPr algn="just"/>
+            <a:r>
+              <a:rPr lang="en-GB" sz="1400" b="0" strike="noStrike" spc="-1">
+                <a:solidFill>
+                  <a:srgbClr val="000000"/>
+                </a:solidFill>
+                <a:uFill>
+                  <a:solidFill>
+                    <a:srgbClr val="FFFFFF"/>
+                  </a:solidFill>
+                </a:uFill>
+                <a:latin typeface="Caviar Dreams"/>
+                <a:ea typeface="Times New Roman" panose="02020603050405020304"/>
+              </a:rPr>
+              <a:t>Salah satu penerapan dari </a:t>
+            </a:r>
+            <a:r>
+              <a:rPr lang="en-GB" sz="1400" b="0" i="1" strike="noStrike" spc="-1">
+                <a:solidFill>
+                  <a:srgbClr val="000000"/>
+                </a:solidFill>
+                <a:uFill>
+                  <a:solidFill>
+                    <a:srgbClr val="FFFFFF"/>
+                  </a:solidFill>
+                </a:uFill>
+                <a:latin typeface="Caviar Dreams"/>
+                <a:ea typeface="Times New Roman" panose="02020603050405020304"/>
+              </a:rPr>
+              <a:t>Internet of Things</a:t>
+            </a:r>
+            <a:r>
+              <a:rPr lang="en-GB" sz="1400" b="0" strike="noStrike" spc="-1">
+                <a:solidFill>
+                  <a:srgbClr val="000000"/>
+                </a:solidFill>
+                <a:uFill>
+                  <a:solidFill>
+                    <a:srgbClr val="FFFFFF"/>
+                  </a:solidFill>
+                </a:uFill>
+                <a:latin typeface="Caviar Dreams"/>
+                <a:ea typeface="Times New Roman" panose="02020603050405020304"/>
+              </a:rPr>
+              <a:t> adalah rumah pintar. Bagian terpenting dari rumah pintar adalah jaringan, yang mana menghubungkan informasi yang dihasilkan dari dalam rumah dengan penghuni rumah tersebut</a:t>
+            </a:r>
+            <a:endParaRPr lang="en-GB" sz="1800" b="0" strike="noStrike" spc="-1">
+              <a:solidFill>
+                <a:srgbClr val="000000"/>
+              </a:solidFill>
+              <a:uFill>
+                <a:solidFill>
+                  <a:srgbClr val="FFFFFF"/>
+                </a:solidFill>
+              </a:uFill>
+              <a:latin typeface="Arial" panose="020B0604020202020204"/>
+            </a:endParaRPr>
+          </a:p>
+        </p:txBody>
+      </p:sp>
+      <p:pic>
+        <p:nvPicPr>
+          <p:cNvPr id="124" name="Picture 123"/>
+          <p:cNvPicPr/>
+          <p:nvPr/>
+        </p:nvPicPr>
+        <p:blipFill>
+          <a:blip r:embed="rId1"/>
+          <a:stretch>
+            <a:fillRect/>
+          </a:stretch>
+        </p:blipFill>
+        <p:spPr>
+          <a:xfrm>
+            <a:off x="4846320" y="1714680"/>
+            <a:ext cx="2857320" cy="2857320"/>
           </a:xfrm>
           <a:prstGeom prst="rect">
             <a:avLst/>
@@ -27140,914 +26315,14 @@
                             </p:stCondLst>
                             <p:childTnLst>
                               <p:par>
-                                <p:cTn id="5" fill="hold" nodeType="clickEffect">
-                                  <p:stCondLst>
-                                    <p:cond delay="0"/>
-                                  </p:stCondLst>
-                                  <p:childTnLst>
-                                    <p:animEffect transition="in" filter="fade">
-                                      <p:cBhvr additive="repl">
-                                        <p:cTn id="6" dur="500"/>
-                                        <p:tgtEl>
-                                          <p:spTgt spid="112"/>
-                                        </p:tgtEl>
-                                      </p:cBhvr>
-                                    </p:animEffect>
-                                  </p:childTnLst>
-                                </p:cTn>
-                              </p:par>
-                            </p:childTnLst>
-                          </p:cTn>
-                        </p:par>
-                      </p:childTnLst>
-                    </p:cTn>
-                  </p:par>
-                  <p:par>
-                    <p:cTn id="7" fill="hold">
-                      <p:stCondLst>
-                        <p:cond delay="indefinite"/>
-                      </p:stCondLst>
-                      <p:childTnLst>
-                        <p:par>
-                          <p:cTn id="8" fill="hold">
-                            <p:stCondLst>
-                              <p:cond delay="0"/>
-                            </p:stCondLst>
-                            <p:childTnLst>
-                              <p:par>
-                                <p:cTn id="9" presetID="22" presetClass="entr" presetSubtype="2" fill="hold" nodeType="clickEffect">
+                                <p:cTn id="5" presetID="22" presetClass="entr" presetSubtype="2" fill="hold" nodeType="clickEffect">
                                   <p:stCondLst>
                                     <p:cond delay="0"/>
                                   </p:stCondLst>
                                   <p:childTnLst>
                                     <p:set>
                                       <p:cBhvr>
-                                        <p:cTn id="10" dur="1" fill="hold">
-                                          <p:stCondLst>
-                                            <p:cond delay="0"/>
-                                          </p:stCondLst>
-                                        </p:cTn>
-                                        <p:tgtEl/>
-                                        <p:attrNameLst>
-                                          <p:attrName>style.visibility</p:attrName>
-                                        </p:attrNameLst>
-                                      </p:cBhvr>
-                                      <p:to>
-                                        <p:strVal val="visible"/>
-                                      </p:to>
-                                    </p:set>
-                                    <p:animEffect transition="out" filter="wipe(right)">
-                                      <p:cBhvr additive="repl">
-                                        <p:cTn id="11" dur="500"/>
-                                        <p:tgtEl/>
-                                      </p:cBhvr>
-                                    </p:animEffect>
-                                  </p:childTnLst>
-                                </p:cTn>
-                              </p:par>
-                            </p:childTnLst>
-                          </p:cTn>
-                        </p:par>
-                      </p:childTnLst>
-                    </p:cTn>
-                  </p:par>
-                </p:childTnLst>
-              </p:cTn>
-              <p:prevCondLst>
-                <p:cond evt="onPrev" delay="0">
-                  <p:tgtEl>
-                    <p:sldTgt/>
-                  </p:tgtEl>
-                </p:cond>
-              </p:prevCondLst>
-              <p:nextCondLst>
-                <p:cond evt="onNext" delay="0">
-                  <p:tgtEl>
-                    <p:sldTgt/>
-                  </p:tgtEl>
-                </p:cond>
-              </p:nextCondLst>
-            </p:seq>
-          </p:childTnLst>
-        </p:cTn>
-      </p:par>
-    </p:tnLst>
-  </p:timing>
-</p:sld>
-</file>
-
-<file path=ppt/slides/slide4.xml><?xml version="1.0" encoding="utf-8"?>
-<p:sld xmlns:a="http://schemas.openxmlformats.org/drawingml/2006/main" xmlns:r="http://schemas.openxmlformats.org/officeDocument/2006/relationships" xmlns:p="http://schemas.openxmlformats.org/presentationml/2006/main">
-  <p:cSld>
-    <p:spTree>
-      <p:nvGrpSpPr>
-        <p:cNvPr id="1" name=""/>
-        <p:cNvGrpSpPr/>
-        <p:nvPr/>
-      </p:nvGrpSpPr>
-      <p:grpSpPr>
-        <a:xfrm>
-          <a:off x="0" y="0"/>
-          <a:ext cx="0" cy="0"/>
-          <a:chOff x="0" y="0"/>
-          <a:chExt cx="0" cy="0"/>
-        </a:xfrm>
-      </p:grpSpPr>
-      <p:sp>
-        <p:nvSpPr>
-          <p:cNvPr id="115" name="CustomShape 1"/>
-          <p:cNvSpPr/>
-          <p:nvPr/>
-        </p:nvSpPr>
-        <p:spPr>
-          <a:xfrm>
-            <a:off x="1250640" y="844560"/>
-            <a:ext cx="1619640" cy="510120"/>
-          </a:xfrm>
-          <a:prstGeom prst="chevron">
-            <a:avLst>
-              <a:gd name="adj" fmla="val 50000"/>
-            </a:avLst>
-          </a:prstGeom>
-          <a:solidFill>
-            <a:srgbClr val="111C76"/>
-          </a:solidFill>
-          <a:ln w="3240">
-            <a:solidFill>
-              <a:schemeClr val="bg1"/>
-            </a:solidFill>
-            <a:round/>
-          </a:ln>
-        </p:spPr>
-        <p:style>
-          <a:lnRef idx="2">
-            <a:schemeClr val="accent1">
-              <a:shade val="50000"/>
-            </a:schemeClr>
-          </a:lnRef>
-          <a:fillRef idx="1">
-            <a:schemeClr val="accent1"/>
-          </a:fillRef>
-          <a:effectRef idx="0">
-            <a:schemeClr val="accent1"/>
-          </a:effectRef>
-          <a:fontRef idx="minor"/>
-        </p:style>
-        <p:txBody>
-          <a:bodyPr lIns="90000" tIns="45000" rIns="90000" bIns="45000" anchor="ctr"/>
-          <a:p>
-            <a:pPr algn="ctr">
-              <a:lnSpc>
-                <a:spcPct val="100000"/>
-              </a:lnSpc>
-            </a:pPr>
-            <a:r>
-              <a:rPr lang="en-US" sz="1100" b="0" strike="noStrike" spc="-1">
-                <a:solidFill>
-                  <a:srgbClr val="FFFFFF"/>
-                </a:solidFill>
-                <a:uFill>
-                  <a:solidFill>
-                    <a:srgbClr val="FFFFFF"/>
-                  </a:solidFill>
-                </a:uFill>
-                <a:latin typeface="Caviar Dreams"/>
-                <a:ea typeface="DejaVu Sans" panose="020B0603030804020204"/>
-              </a:rPr>
-              <a:t>Rumusan Masalah</a:t>
-            </a:r>
-            <a:endParaRPr lang="en-US" sz="1800" b="0" strike="noStrike" spc="-1">
-              <a:solidFill>
-                <a:srgbClr val="000000"/>
-              </a:solidFill>
-              <a:uFill>
-                <a:solidFill>
-                  <a:srgbClr val="FFFFFF"/>
-                </a:solidFill>
-              </a:uFill>
-              <a:latin typeface="Arial" panose="020B0604020202020204"/>
-            </a:endParaRPr>
-          </a:p>
-        </p:txBody>
-      </p:sp>
-      <p:sp>
-        <p:nvSpPr>
-          <p:cNvPr id="116" name="CustomShape 2"/>
-          <p:cNvSpPr/>
-          <p:nvPr/>
-        </p:nvSpPr>
-        <p:spPr>
-          <a:xfrm>
-            <a:off x="2614680" y="844560"/>
-            <a:ext cx="1623600" cy="510120"/>
-          </a:xfrm>
-          <a:prstGeom prst="chevron">
-            <a:avLst>
-              <a:gd name="adj" fmla="val 50000"/>
-            </a:avLst>
-          </a:prstGeom>
-          <a:solidFill>
-            <a:srgbClr val="111C76"/>
-          </a:solidFill>
-          <a:ln w="3240">
-            <a:solidFill>
-              <a:schemeClr val="bg1"/>
-            </a:solidFill>
-            <a:round/>
-          </a:ln>
-        </p:spPr>
-        <p:style>
-          <a:lnRef idx="2">
-            <a:schemeClr val="accent1">
-              <a:shade val="50000"/>
-            </a:schemeClr>
-          </a:lnRef>
-          <a:fillRef idx="1">
-            <a:schemeClr val="accent1"/>
-          </a:fillRef>
-          <a:effectRef idx="0">
-            <a:schemeClr val="accent1"/>
-          </a:effectRef>
-          <a:fontRef idx="minor"/>
-        </p:style>
-        <p:txBody>
-          <a:bodyPr lIns="90000" tIns="45000" rIns="90000" bIns="45000" anchor="ctr"/>
-          <a:p>
-            <a:pPr algn="ctr">
-              <a:lnSpc>
-                <a:spcPct val="100000"/>
-              </a:lnSpc>
-            </a:pPr>
-            <a:r>
-              <a:rPr lang="en-US" sz="1100" b="0" strike="noStrike" spc="-1">
-                <a:solidFill>
-                  <a:srgbClr val="FFFFFF"/>
-                </a:solidFill>
-                <a:uFill>
-                  <a:solidFill>
-                    <a:srgbClr val="FFFFFF"/>
-                  </a:solidFill>
-                </a:uFill>
-                <a:latin typeface="Caviar Dreams"/>
-                <a:ea typeface="DejaVu Sans" panose="020B0603030804020204"/>
-              </a:rPr>
-              <a:t>Tujuan Proyek Akhir</a:t>
-            </a:r>
-            <a:endParaRPr lang="en-US" sz="1800" b="0" strike="noStrike" spc="-1">
-              <a:solidFill>
-                <a:srgbClr val="000000"/>
-              </a:solidFill>
-              <a:uFill>
-                <a:solidFill>
-                  <a:srgbClr val="FFFFFF"/>
-                </a:solidFill>
-              </a:uFill>
-              <a:latin typeface="Arial" panose="020B0604020202020204"/>
-            </a:endParaRPr>
-          </a:p>
-        </p:txBody>
-      </p:sp>
-      <p:sp>
-        <p:nvSpPr>
-          <p:cNvPr id="117" name="CustomShape 3"/>
-          <p:cNvSpPr/>
-          <p:nvPr/>
-        </p:nvSpPr>
-        <p:spPr>
-          <a:xfrm>
-            <a:off x="3924000" y="848520"/>
-            <a:ext cx="1727640" cy="510120"/>
-          </a:xfrm>
-          <a:prstGeom prst="chevron">
-            <a:avLst>
-              <a:gd name="adj" fmla="val 50000"/>
-            </a:avLst>
-          </a:prstGeom>
-          <a:solidFill>
-            <a:srgbClr val="111C76"/>
-          </a:solidFill>
-          <a:ln w="3240">
-            <a:solidFill>
-              <a:schemeClr val="bg1"/>
-            </a:solidFill>
-            <a:round/>
-          </a:ln>
-        </p:spPr>
-        <p:style>
-          <a:lnRef idx="2">
-            <a:schemeClr val="accent1">
-              <a:shade val="50000"/>
-            </a:schemeClr>
-          </a:lnRef>
-          <a:fillRef idx="1">
-            <a:schemeClr val="accent1"/>
-          </a:fillRef>
-          <a:effectRef idx="0">
-            <a:schemeClr val="accent1"/>
-          </a:effectRef>
-          <a:fontRef idx="minor"/>
-        </p:style>
-        <p:txBody>
-          <a:bodyPr lIns="90000" tIns="45000" rIns="90000" bIns="45000" anchor="ctr"/>
-          <a:p>
-            <a:pPr algn="ctr">
-              <a:lnSpc>
-                <a:spcPct val="100000"/>
-              </a:lnSpc>
-            </a:pPr>
-            <a:r>
-              <a:rPr lang="en-US" sz="1100" b="0" strike="noStrike" spc="-1">
-                <a:solidFill>
-                  <a:srgbClr val="FFFFFF"/>
-                </a:solidFill>
-                <a:uFill>
-                  <a:solidFill>
-                    <a:srgbClr val="FFFFFF"/>
-                  </a:solidFill>
-                </a:uFill>
-                <a:latin typeface="Caviar Dreams"/>
-                <a:ea typeface="DejaVu Sans" panose="020B0603030804020204"/>
-              </a:rPr>
-              <a:t>Tinjauan Pustaka</a:t>
-            </a:r>
-            <a:endParaRPr lang="en-US" sz="1800" b="0" strike="noStrike" spc="-1">
-              <a:solidFill>
-                <a:srgbClr val="000000"/>
-              </a:solidFill>
-              <a:uFill>
-                <a:solidFill>
-                  <a:srgbClr val="FFFFFF"/>
-                </a:solidFill>
-              </a:uFill>
-              <a:latin typeface="Arial" panose="020B0604020202020204"/>
-            </a:endParaRPr>
-          </a:p>
-        </p:txBody>
-      </p:sp>
-      <p:sp>
-        <p:nvSpPr>
-          <p:cNvPr id="118" name="CustomShape 4"/>
-          <p:cNvSpPr/>
-          <p:nvPr/>
-        </p:nvSpPr>
-        <p:spPr>
-          <a:xfrm>
-            <a:off x="5402160" y="851400"/>
-            <a:ext cx="1755720" cy="503280"/>
-          </a:xfrm>
-          <a:prstGeom prst="chevron">
-            <a:avLst>
-              <a:gd name="adj" fmla="val 50000"/>
-            </a:avLst>
-          </a:prstGeom>
-          <a:solidFill>
-            <a:srgbClr val="111C76"/>
-          </a:solidFill>
-          <a:ln w="3240">
-            <a:solidFill>
-              <a:schemeClr val="bg1"/>
-            </a:solidFill>
-            <a:round/>
-          </a:ln>
-        </p:spPr>
-        <p:style>
-          <a:lnRef idx="2">
-            <a:schemeClr val="accent1">
-              <a:shade val="50000"/>
-            </a:schemeClr>
-          </a:lnRef>
-          <a:fillRef idx="1">
-            <a:schemeClr val="accent1"/>
-          </a:fillRef>
-          <a:effectRef idx="0">
-            <a:schemeClr val="accent1"/>
-          </a:effectRef>
-          <a:fontRef idx="minor"/>
-        </p:style>
-        <p:txBody>
-          <a:bodyPr lIns="90000" tIns="45000" rIns="90000" bIns="45000" anchor="ctr"/>
-          <a:p>
-            <a:pPr algn="ctr">
-              <a:lnSpc>
-                <a:spcPct val="100000"/>
-              </a:lnSpc>
-            </a:pPr>
-            <a:r>
-              <a:rPr lang="en-US" sz="1100" b="0" strike="noStrike" spc="-1">
-                <a:solidFill>
-                  <a:srgbClr val="FFFFFF"/>
-                </a:solidFill>
-                <a:uFill>
-                  <a:solidFill>
-                    <a:srgbClr val="FFFFFF"/>
-                  </a:solidFill>
-                </a:uFill>
-                <a:latin typeface="Caviar Dreams"/>
-                <a:ea typeface="DejaVu Sans" panose="020B0603030804020204"/>
-              </a:rPr>
-              <a:t>Hipotesis</a:t>
-            </a:r>
-            <a:endParaRPr lang="en-US" sz="1800" b="0" strike="noStrike" spc="-1">
-              <a:solidFill>
-                <a:srgbClr val="000000"/>
-              </a:solidFill>
-              <a:uFill>
-                <a:solidFill>
-                  <a:srgbClr val="FFFFFF"/>
-                </a:solidFill>
-              </a:uFill>
-              <a:latin typeface="Arial" panose="020B0604020202020204"/>
-            </a:endParaRPr>
-          </a:p>
-        </p:txBody>
-      </p:sp>
-      <p:sp>
-        <p:nvSpPr>
-          <p:cNvPr id="119" name="CustomShape 5"/>
-          <p:cNvSpPr/>
-          <p:nvPr/>
-        </p:nvSpPr>
-        <p:spPr>
-          <a:xfrm>
-            <a:off x="4624070" y="227330"/>
-            <a:ext cx="3621405" cy="699135"/>
-          </a:xfrm>
-          <a:prstGeom prst="rect">
-            <a:avLst/>
-          </a:prstGeom>
-          <a:noFill/>
-          <a:ln>
-            <a:noFill/>
-          </a:ln>
-        </p:spPr>
-        <p:style>
-          <a:lnRef idx="0">
-            <a:srgbClr val="FFFFFF"/>
-          </a:lnRef>
-          <a:fillRef idx="0">
-            <a:srgbClr val="FFFFFF"/>
-          </a:fillRef>
-          <a:effectRef idx="0">
-            <a:srgbClr val="FFFFFF"/>
-          </a:effectRef>
-          <a:fontRef idx="minor"/>
-        </p:style>
-        <p:txBody>
-          <a:bodyPr lIns="90000" tIns="45000" rIns="90000" bIns="45000"/>
-          <a:p>
-            <a:pPr algn="ctr">
-              <a:lnSpc>
-                <a:spcPct val="100000"/>
-              </a:lnSpc>
-            </a:pPr>
-            <a:r>
-              <a:rPr lang="en-US" sz="2000" b="1" strike="noStrike" spc="-1">
-                <a:solidFill>
-                  <a:srgbClr val="1F497D"/>
-                </a:solidFill>
-                <a:uFill>
-                  <a:solidFill>
-                    <a:srgbClr val="FFFFFF"/>
-                  </a:solidFill>
-                </a:uFill>
-                <a:latin typeface="Capsuula"/>
-                <a:ea typeface="DejaVu Sans" panose="020B0603030804020204"/>
-              </a:rPr>
-              <a:t>Universitas Gadjah Mada</a:t>
-            </a:r>
-            <a:endParaRPr lang="en-US" sz="1800" b="0" strike="noStrike" spc="-1">
-              <a:solidFill>
-                <a:srgbClr val="000000"/>
-              </a:solidFill>
-              <a:uFill>
-                <a:solidFill>
-                  <a:srgbClr val="FFFFFF"/>
-                </a:solidFill>
-              </a:uFill>
-              <a:latin typeface="Arial" panose="020B0604020202020204"/>
-            </a:endParaRPr>
-          </a:p>
-        </p:txBody>
-      </p:sp>
-      <p:sp>
-        <p:nvSpPr>
-          <p:cNvPr id="120" name="CustomShape 6"/>
-          <p:cNvSpPr/>
-          <p:nvPr/>
-        </p:nvSpPr>
-        <p:spPr>
-          <a:xfrm>
-            <a:off x="6849360" y="851400"/>
-            <a:ext cx="1703880" cy="503280"/>
-          </a:xfrm>
-          <a:prstGeom prst="chevron">
-            <a:avLst>
-              <a:gd name="adj" fmla="val 50000"/>
-            </a:avLst>
-          </a:prstGeom>
-          <a:solidFill>
-            <a:srgbClr val="111C76"/>
-          </a:solidFill>
-          <a:ln w="3240">
-            <a:solidFill>
-              <a:schemeClr val="bg1"/>
-            </a:solidFill>
-            <a:round/>
-          </a:ln>
-        </p:spPr>
-        <p:style>
-          <a:lnRef idx="2">
-            <a:schemeClr val="accent1">
-              <a:shade val="50000"/>
-            </a:schemeClr>
-          </a:lnRef>
-          <a:fillRef idx="1">
-            <a:schemeClr val="accent1"/>
-          </a:fillRef>
-          <a:effectRef idx="0">
-            <a:schemeClr val="accent1"/>
-          </a:effectRef>
-          <a:fontRef idx="minor"/>
-        </p:style>
-        <p:txBody>
-          <a:bodyPr lIns="90000" tIns="45000" rIns="90000" bIns="45000" anchor="ctr"/>
-          <a:p>
-            <a:pPr algn="ctr">
-              <a:lnSpc>
-                <a:spcPct val="100000"/>
-              </a:lnSpc>
-            </a:pPr>
-            <a:r>
-              <a:rPr lang="en-US" sz="1100" b="0" strike="noStrike" spc="-1">
-                <a:solidFill>
-                  <a:srgbClr val="FFFFFF"/>
-                </a:solidFill>
-                <a:uFill>
-                  <a:solidFill>
-                    <a:srgbClr val="FFFFFF"/>
-                  </a:solidFill>
-                </a:uFill>
-                <a:latin typeface="Caviar Dreams"/>
-                <a:ea typeface="DejaVu Sans" panose="020B0603030804020204"/>
-              </a:rPr>
-              <a:t>Metodologi</a:t>
-            </a:r>
-            <a:endParaRPr lang="en-US" sz="1800" b="0" strike="noStrike" spc="-1">
-              <a:solidFill>
-                <a:srgbClr val="000000"/>
-              </a:solidFill>
-              <a:uFill>
-                <a:solidFill>
-                  <a:srgbClr val="FFFFFF"/>
-                </a:solidFill>
-              </a:uFill>
-              <a:latin typeface="Arial" panose="020B0604020202020204"/>
-            </a:endParaRPr>
-          </a:p>
-        </p:txBody>
-      </p:sp>
-      <p:sp>
-        <p:nvSpPr>
-          <p:cNvPr id="121" name="CustomShape 7"/>
-          <p:cNvSpPr/>
-          <p:nvPr/>
-        </p:nvSpPr>
-        <p:spPr>
-          <a:xfrm>
-            <a:off x="20880" y="177840"/>
-            <a:ext cx="5270400" cy="576000"/>
-          </a:xfrm>
-          <a:prstGeom prst="rect">
-            <a:avLst/>
-          </a:prstGeom>
-          <a:noFill/>
-          <a:ln>
-            <a:noFill/>
-          </a:ln>
-        </p:spPr>
-        <p:style>
-          <a:lnRef idx="0">
-            <a:srgbClr val="FFFFFF"/>
-          </a:lnRef>
-          <a:fillRef idx="0">
-            <a:srgbClr val="FFFFFF"/>
-          </a:fillRef>
-          <a:effectRef idx="0">
-            <a:srgbClr val="FFFFFF"/>
-          </a:effectRef>
-          <a:fontRef idx="minor"/>
-        </p:style>
-        <p:txBody>
-          <a:bodyPr lIns="90000" tIns="45000" rIns="90000" bIns="45000"/>
-          <a:p>
-            <a:pPr>
-              <a:lnSpc>
-                <a:spcPct val="150000"/>
-              </a:lnSpc>
-            </a:pPr>
-            <a:r>
-              <a:rPr lang="en-US" altLang="en-US" sz="800" spc="-1">
-                <a:solidFill>
-                  <a:srgbClr val="1F497D"/>
-                </a:solidFill>
-                <a:uFill>
-                  <a:solidFill>
-                    <a:srgbClr val="FFFFFF"/>
-                  </a:solidFill>
-                </a:uFill>
-                <a:latin typeface="Caviar Dreams"/>
-                <a:ea typeface="DejaVu Sans" panose="020B0603030804020204"/>
-                <a:sym typeface="+mn-ea"/>
-              </a:rPr>
-              <a:t>“Penerapan HTTP/2 SSE dan Websocket pada Rumah Pintar”</a:t>
-            </a:r>
-            <a:endParaRPr lang="en-US" sz="1800" b="0" strike="noStrike" spc="-1">
-              <a:solidFill>
-                <a:srgbClr val="000000"/>
-              </a:solidFill>
-              <a:uFill>
-                <a:solidFill>
-                  <a:srgbClr val="FFFFFF"/>
-                </a:solidFill>
-              </a:uFill>
-              <a:latin typeface="Arial" panose="020B0604020202020204"/>
-            </a:endParaRPr>
-          </a:p>
-        </p:txBody>
-      </p:sp>
-      <p:sp>
-        <p:nvSpPr>
-          <p:cNvPr id="122" name="CustomShape 8"/>
-          <p:cNvSpPr/>
-          <p:nvPr/>
-        </p:nvSpPr>
-        <p:spPr>
-          <a:xfrm>
-            <a:off x="0" y="843480"/>
-            <a:ext cx="1505160" cy="510120"/>
-          </a:xfrm>
-          <a:prstGeom prst="homePlate">
-            <a:avLst>
-              <a:gd name="adj" fmla="val 50000"/>
-            </a:avLst>
-          </a:prstGeom>
-          <a:solidFill>
-            <a:srgbClr val="F9C534"/>
-          </a:solidFill>
-          <a:ln w="3240">
-            <a:solidFill>
-              <a:srgbClr val="111C76"/>
-            </a:solidFill>
-            <a:round/>
-          </a:ln>
-        </p:spPr>
-        <p:style>
-          <a:lnRef idx="2">
-            <a:schemeClr val="accent1">
-              <a:shade val="50000"/>
-            </a:schemeClr>
-          </a:lnRef>
-          <a:fillRef idx="1">
-            <a:schemeClr val="accent1"/>
-          </a:fillRef>
-          <a:effectRef idx="0">
-            <a:schemeClr val="accent1"/>
-          </a:effectRef>
-          <a:fontRef idx="minor"/>
-        </p:style>
-        <p:txBody>
-          <a:bodyPr lIns="90000" tIns="45000" rIns="90000" bIns="45000" anchor="ctr"/>
-          <a:p>
-            <a:pPr algn="ctr">
-              <a:lnSpc>
-                <a:spcPct val="100000"/>
-              </a:lnSpc>
-            </a:pPr>
-            <a:r>
-              <a:rPr lang="en-US" sz="1100" b="0" strike="noStrike" spc="-1">
-                <a:solidFill>
-                  <a:srgbClr val="111C76"/>
-                </a:solidFill>
-                <a:uFill>
-                  <a:solidFill>
-                    <a:srgbClr val="FFFFFF"/>
-                  </a:solidFill>
-                </a:uFill>
-                <a:latin typeface="Caviar Dreams"/>
-                <a:ea typeface="DejaVu Sans" panose="020B0603030804020204"/>
-              </a:rPr>
-              <a:t>Latar Belakang</a:t>
-            </a:r>
-            <a:endParaRPr lang="en-US" sz="1800" b="0" strike="noStrike" spc="-1">
-              <a:solidFill>
-                <a:srgbClr val="000000"/>
-              </a:solidFill>
-              <a:uFill>
-                <a:solidFill>
-                  <a:srgbClr val="FFFFFF"/>
-                </a:solidFill>
-              </a:uFill>
-              <a:latin typeface="Arial" panose="020B0604020202020204"/>
-            </a:endParaRPr>
-          </a:p>
-        </p:txBody>
-      </p:sp>
-      <p:sp>
-        <p:nvSpPr>
-          <p:cNvPr id="123" name="CustomShape 9"/>
-          <p:cNvSpPr/>
-          <p:nvPr/>
-        </p:nvSpPr>
-        <p:spPr>
-          <a:xfrm>
-            <a:off x="59040" y="1590120"/>
-            <a:ext cx="3720240" cy="2707920"/>
-          </a:xfrm>
-          <a:prstGeom prst="rect">
-            <a:avLst/>
-          </a:prstGeom>
-          <a:solidFill>
-            <a:schemeClr val="accent3">
-              <a:lumMod val="20000"/>
-              <a:lumOff val="80000"/>
-            </a:schemeClr>
-          </a:solidFill>
-          <a:ln>
-            <a:noFill/>
-          </a:ln>
-        </p:spPr>
-        <p:style>
-          <a:lnRef idx="0">
-            <a:srgbClr val="FFFFFF"/>
-          </a:lnRef>
-          <a:fillRef idx="0">
-            <a:srgbClr val="FFFFFF"/>
-          </a:fillRef>
-          <a:effectRef idx="0">
-            <a:srgbClr val="FFFFFF"/>
-          </a:effectRef>
-          <a:fontRef idx="minor"/>
-        </p:style>
-        <p:txBody>
-          <a:bodyPr lIns="90000" tIns="45000" rIns="90000" bIns="45000"/>
-          <a:p>
-            <a:pPr algn="just"/>
-            <a:r>
-              <a:rPr lang="en-GB" sz="1400" b="0" strike="noStrike" spc="-1">
-                <a:solidFill>
-                  <a:srgbClr val="000000"/>
-                </a:solidFill>
-                <a:uFill>
-                  <a:solidFill>
-                    <a:srgbClr val="FFFFFF"/>
-                  </a:solidFill>
-                </a:uFill>
-                <a:latin typeface="Caviar Dreams"/>
-                <a:ea typeface="Times New Roman" panose="02020603050405020304"/>
-              </a:rPr>
-              <a:t>Salah satu penerapan dari </a:t>
-            </a:r>
-            <a:r>
-              <a:rPr lang="en-GB" sz="1400" b="0" i="1" strike="noStrike" spc="-1">
-                <a:solidFill>
-                  <a:srgbClr val="000000"/>
-                </a:solidFill>
-                <a:uFill>
-                  <a:solidFill>
-                    <a:srgbClr val="FFFFFF"/>
-                  </a:solidFill>
-                </a:uFill>
-                <a:latin typeface="Caviar Dreams"/>
-                <a:ea typeface="Times New Roman" panose="02020603050405020304"/>
-              </a:rPr>
-              <a:t>Internet of Things</a:t>
-            </a:r>
-            <a:r>
-              <a:rPr lang="en-GB" sz="1400" b="0" strike="noStrike" spc="-1">
-                <a:solidFill>
-                  <a:srgbClr val="000000"/>
-                </a:solidFill>
-                <a:uFill>
-                  <a:solidFill>
-                    <a:srgbClr val="FFFFFF"/>
-                  </a:solidFill>
-                </a:uFill>
-                <a:latin typeface="Caviar Dreams"/>
-                <a:ea typeface="Times New Roman" panose="02020603050405020304"/>
-              </a:rPr>
-              <a:t> adalah rumah pintar. Bagian terpenting dari rumah pintar adalah jaringan, yang mana menghubungkan informasi yang dihasilkan dari dalam rumah dengan penghuni rumah tersebut</a:t>
-            </a:r>
-            <a:endParaRPr lang="en-GB" sz="1800" b="0" strike="noStrike" spc="-1">
-              <a:solidFill>
-                <a:srgbClr val="000000"/>
-              </a:solidFill>
-              <a:uFill>
-                <a:solidFill>
-                  <a:srgbClr val="FFFFFF"/>
-                </a:solidFill>
-              </a:uFill>
-              <a:latin typeface="Arial" panose="020B0604020202020204"/>
-            </a:endParaRPr>
-          </a:p>
-        </p:txBody>
-      </p:sp>
-      <p:pic>
-        <p:nvPicPr>
-          <p:cNvPr id="124" name="Picture 123"/>
-          <p:cNvPicPr/>
-          <p:nvPr/>
-        </p:nvPicPr>
-        <p:blipFill>
-          <a:blip r:embed="rId1"/>
-          <a:stretch>
-            <a:fillRect/>
-          </a:stretch>
-        </p:blipFill>
-        <p:spPr>
-          <a:xfrm>
-            <a:off x="4846320" y="1714680"/>
-            <a:ext cx="2857320" cy="2857320"/>
-          </a:xfrm>
-          <a:prstGeom prst="rect">
-            <a:avLst/>
-          </a:prstGeom>
-          <a:ln>
-            <a:noFill/>
-          </a:ln>
-        </p:spPr>
-      </p:pic>
-    </p:spTree>
-  </p:cSld>
-  <p:clrMapOvr>
-    <a:masterClrMapping/>
-  </p:clrMapOvr>
-  <p:transition spd="slow">
-    <p:push dir="d"/>
-  </p:transition>
-  <p:timing>
-    <p:tnLst>
-      <p:par>
-        <p:cTn id="1" dur="indefinite" restart="never" nodeType="tmRoot">
-          <p:childTnLst>
-            <p:seq concurrent="1" nextAc="seek">
-              <p:cTn id="2" dur="indefinite" nodeType="mainSeq">
-                <p:childTnLst>
-                  <p:par>
-                    <p:cTn id="3" fill="hold">
-                      <p:stCondLst>
-                        <p:cond delay="indefinite"/>
-                      </p:stCondLst>
-                      <p:childTnLst>
-                        <p:par>
-                          <p:cTn id="4" fill="hold">
-                            <p:stCondLst>
-                              <p:cond delay="0"/>
-                            </p:stCondLst>
-                            <p:childTnLst>
-                              <p:par>
-                                <p:cTn id="5" fill="hold" nodeType="clickEffect">
-                                  <p:stCondLst>
-                                    <p:cond delay="0"/>
-                                  </p:stCondLst>
-                                  <p:childTnLst>
-                                    <p:animEffect transition="in" filter="fade">
-                                      <p:cBhvr additive="repl">
-                                        <p:cTn id="6" dur="500"/>
-                                        <p:tgtEl>
-                                          <p:spTgt spid="122"/>
-                                        </p:tgtEl>
-                                      </p:cBhvr>
-                                    </p:animEffect>
-                                  </p:childTnLst>
-                                </p:cTn>
-                              </p:par>
-                            </p:childTnLst>
-                          </p:cTn>
-                        </p:par>
-                      </p:childTnLst>
-                    </p:cTn>
-                  </p:par>
-                  <p:par>
-                    <p:cTn id="7" fill="hold">
-                      <p:stCondLst>
-                        <p:cond delay="indefinite"/>
-                      </p:stCondLst>
-                      <p:childTnLst>
-                        <p:par>
-                          <p:cTn id="8" fill="hold">
-                            <p:stCondLst>
-                              <p:cond delay="0"/>
-                            </p:stCondLst>
-                            <p:childTnLst>
-                              <p:par>
-                                <p:cTn id="9" presetID="22" presetClass="entr" presetSubtype="2" fill="hold" nodeType="clickEffect">
-                                  <p:stCondLst>
-                                    <p:cond delay="0"/>
-                                  </p:stCondLst>
-                                  <p:childTnLst>
-                                    <p:set>
-                                      <p:cBhvr>
-                                        <p:cTn id="10" dur="1" fill="hold">
+                                        <p:cTn id="6" dur="1" fill="hold">
                                           <p:stCondLst>
                                             <p:cond delay="0"/>
                                           </p:stCondLst>
@@ -28065,7 +26340,7 @@
                                     </p:set>
                                     <p:animEffect transition="out" filter="wipe(right)">
                                       <p:cBhvr additive="repl">
-                                        <p:cTn id="11" dur="500"/>
+                                        <p:cTn id="7" dur="500"/>
                                         <p:tgtEl>
                                           <p:spTgt spid="123"/>
                                         </p:tgtEl>
@@ -28964,49 +27239,14 @@
                             </p:stCondLst>
                             <p:childTnLst>
                               <p:par>
-                                <p:cTn id="5" fill="hold" nodeType="clickEffect">
-                                  <p:stCondLst>
-                                    <p:cond delay="0"/>
-                                  </p:stCondLst>
-                                  <p:childTnLst>
-                                    <p:animEffect transition="in" filter="fade">
-                                      <p:cBhvr additive="repl">
-                                        <p:cTn id="6" dur="500"/>
-                                        <p:tgtEl>
-                                          <p:spTgt spid="132"/>
-                                        </p:tgtEl>
-                                      </p:cBhvr>
-                                    </p:animEffect>
-                                  </p:childTnLst>
-                                </p:cTn>
-                              </p:par>
-                            </p:childTnLst>
-                          </p:cTn>
-                        </p:par>
-                      </p:childTnLst>
-                    </p:cTn>
-                  </p:par>
-                  <p:par>
-                    <p:cTn id="7" fill="hold">
-                      <p:stCondLst>
-                        <p:cond delay="indefinite"/>
-                      </p:stCondLst>
-                      <p:childTnLst>
-                        <p:par>
-                          <p:cTn id="8" fill="hold">
-                            <p:stCondLst>
-                              <p:cond delay="0"/>
-                            </p:stCondLst>
-                            <p:childTnLst>
-                              <p:par>
-                                <p:cTn id="9" presetID="22" presetClass="entr" presetSubtype="2" fill="hold" nodeType="clickEffect">
+                                <p:cTn id="5" presetID="22" presetClass="entr" presetSubtype="2" fill="hold" nodeType="clickEffect">
                                   <p:stCondLst>
                                     <p:cond delay="0"/>
                                   </p:stCondLst>
                                   <p:childTnLst>
                                     <p:set>
                                       <p:cBhvr>
-                                        <p:cTn id="10" dur="1" fill="hold">
+                                        <p:cTn id="6" dur="1" fill="hold">
                                           <p:stCondLst>
                                             <p:cond delay="0"/>
                                           </p:stCondLst>
@@ -29024,7 +27264,7 @@
                                     </p:set>
                                     <p:animEffect transition="out" filter="wipe(right)">
                                       <p:cBhvr additive="repl">
-                                        <p:cTn id="11" dur="500"/>
+                                        <p:cTn id="7" dur="500"/>
                                         <p:tgtEl>
                                           <p:spTgt spid="133"/>
                                         </p:tgtEl>
@@ -29294,7 +27534,7 @@
               </a:lnSpc>
             </a:pPr>
             <a:r>
-              <a:rPr lang="" altLang="en-US" sz="1800" b="0" strike="noStrike" spc="-1">
+              <a:rPr lang="en-US" altLang="en-US" sz="1800" b="0" strike="noStrike" spc="-1">
                 <a:solidFill>
                   <a:srgbClr val="000000"/>
                 </a:solidFill>
@@ -29323,7 +27563,7 @@
               <a:t>HTTP/2 SSE atau Websocket </a:t>
             </a:r>
             <a:r>
-              <a:rPr lang="" altLang="en-US" sz="1800" b="0" strike="noStrike" spc="-1">
+              <a:rPr lang="en-US" altLang="en-US" sz="1800" b="0" strike="noStrike" spc="-1">
                 <a:solidFill>
                   <a:srgbClr val="000000"/>
                 </a:solidFill>
@@ -29368,7 +27608,7 @@
               <a:t>website </a:t>
             </a:r>
             <a:r>
-              <a:rPr lang="" altLang="en-US" sz="1800" b="0" strike="noStrike" spc="-1">
+              <a:rPr lang="en-US" altLang="en-US" sz="1800" b="0" strike="noStrike" spc="-1">
                 <a:solidFill>
                   <a:srgbClr val="000000"/>
                 </a:solidFill>
@@ -29382,7 +27622,7 @@
               </a:rPr>
               <a:t>dan bagaimana perbandingan antara keduanya</a:t>
             </a:r>
-            <a:endParaRPr lang="" altLang="en-US" sz="1800" b="0" i="1" strike="noStrike" spc="-1">
+            <a:endParaRPr lang="en-US" altLang="en-US" sz="1800" b="0" i="1" strike="noStrike" spc="-1">
               <a:solidFill>
                 <a:srgbClr val="000000"/>
               </a:solidFill>
@@ -29879,6 +28119,9 @@
                     <p:cTn id="3" fill="hold">
                       <p:stCondLst>
                         <p:cond delay="indefinite"/>
+                        <p:cond evt="onBegin" delay="0">
+                          <p:tn val="2"/>
+                        </p:cond>
                       </p:stCondLst>
                       <p:childTnLst>
                         <p:par>
@@ -29888,40 +28131,14 @@
                             </p:stCondLst>
                             <p:childTnLst>
                               <p:par>
-                                <p:cTn id="5" fill="hold" nodeType="clickEffect">
-                                  <p:stCondLst>
-                                    <p:cond delay="0"/>
-                                  </p:stCondLst>
-                                  <p:childTnLst>
-                                    <p:animEffect transition="in" filter="fade">
-                                      <p:cBhvr additive="repl">
-                                        <p:cTn id="6" dur="500"/>
-                                        <p:tgtEl>
-                                          <p:spTgt spid="139"/>
-                                        </p:tgtEl>
-                                      </p:cBhvr>
-                                    </p:animEffect>
-                                  </p:childTnLst>
-                                </p:cTn>
-                              </p:par>
-                            </p:childTnLst>
-                          </p:cTn>
-                        </p:par>
-                        <p:par>
-                          <p:cTn id="7" fill="hold">
-                            <p:stCondLst>
-                              <p:cond delay="500"/>
-                            </p:stCondLst>
-                            <p:childTnLst>
-                              <p:par>
-                                <p:cTn id="8" presetID="47" presetClass="entr" presetSubtype="0" fill="hold" nodeType="afterEffect">
+                                <p:cTn id="5" presetID="47" presetClass="entr" presetSubtype="0" fill="hold" nodeType="afterEffect">
                                   <p:stCondLst>
                                     <p:cond delay="0"/>
                                   </p:stCondLst>
                                   <p:childTnLst>
                                     <p:set>
                                       <p:cBhvr>
-                                        <p:cTn id="9" dur="1" fill="hold">
+                                        <p:cTn id="6" dur="1" fill="hold">
                                           <p:stCondLst>
                                             <p:cond delay="0"/>
                                           </p:stCondLst>
@@ -29939,7 +28156,7 @@
                                     </p:set>
                                     <p:animEffect transition="in" filter="fade">
                                       <p:cBhvr additive="repl">
-                                        <p:cTn id="10" dur="1000"/>
+                                        <p:cTn id="7" dur="1000"/>
                                         <p:tgtEl>
                                           <p:spTgt spid="138"/>
                                         </p:tgtEl>
@@ -29947,7 +28164,7 @@
                                     </p:animEffect>
                                     <p:anim calcmode="lin" valueType="num">
                                       <p:cBhvr additive="repl">
-                                        <p:cTn id="11" dur="1000" fill="hold"/>
+                                        <p:cTn id="8" dur="1000" fill="hold"/>
                                         <p:tgtEl>
                                           <p:spTgt spid="138"/>
                                         </p:tgtEl>
@@ -29970,7 +28187,7 @@
                                     </p:anim>
                                     <p:anim calcmode="lin" valueType="num">
                                       <p:cBhvr additive="repl">
-                                        <p:cTn id="12" dur="1000" fill="hold"/>
+                                        <p:cTn id="9" dur="1000" fill="hold"/>
                                         <p:tgtEl>
                                           <p:spTgt spid="138"/>
                                         </p:tgtEl>
@@ -30364,7 +28581,7 @@
               <a:t>Mengimplementasi HTTP/2 SSE, HTTP/1.1 SSE, dan Websocket dalam pengiriman data dari rumah pintar </a:t>
             </a:r>
             <a:r>
-              <a:rPr lang="" altLang="en-US" sz="1600" b="0" strike="noStrike" spc="-1">
+              <a:rPr lang="en-US" altLang="en-US" sz="1600" b="0" strike="noStrike" spc="-1">
                 <a:solidFill>
                   <a:srgbClr val="111C76"/>
                 </a:solidFill>
@@ -31029,6 +29246,9 @@
                     <p:cTn id="3" fill="hold">
                       <p:stCondLst>
                         <p:cond delay="indefinite"/>
+                        <p:cond evt="onBegin" delay="0">
+                          <p:tn val="2"/>
+                        </p:cond>
                       </p:stCondLst>
                       <p:childTnLst>
                         <p:par>
@@ -31038,80 +29258,14 @@
                             </p:stCondLst>
                             <p:childTnLst>
                               <p:par>
-                                <p:cTn id="5" fill="hold" nodeType="clickEffect">
-                                  <p:stCondLst>
-                                    <p:cond delay="0"/>
-                                  </p:stCondLst>
-                                  <p:childTnLst>
-                                    <p:animEffect transition="in" filter="fade">
-                                      <p:cBhvr additive="repl">
-                                        <p:cTn id="6" dur="500"/>
-                                        <p:tgtEl>
-                                          <p:spTgt spid="155"/>
-                                        </p:tgtEl>
-                                      </p:cBhvr>
-                                    </p:animEffect>
-                                  </p:childTnLst>
-                                </p:cTn>
-                              </p:par>
-                            </p:childTnLst>
-                          </p:cTn>
-                        </p:par>
-                      </p:childTnLst>
-                    </p:cTn>
-                  </p:par>
-                  <p:par>
-                    <p:cTn id="7" fill="hold">
-                      <p:stCondLst>
-                        <p:cond delay="indefinite"/>
-                      </p:stCondLst>
-                      <p:childTnLst>
-                        <p:par>
-                          <p:cTn id="8" fill="hold">
-                            <p:stCondLst>
-                              <p:cond delay="0"/>
-                            </p:stCondLst>
-                            <p:childTnLst>
-                              <p:par>
-                                <p:cTn id="9" presetID="22" presetClass="entr" presetSubtype="1" fill="hold" nodeType="clickEffect">
+                                <p:cTn id="5" presetID="22" presetClass="entr" presetSubtype="1" fill="hold" nodeType="withEffect">
                                   <p:stCondLst>
                                     <p:cond delay="0"/>
                                   </p:stCondLst>
                                   <p:childTnLst>
                                     <p:set>
                                       <p:cBhvr>
-                                        <p:cTn id="10" dur="1" fill="hold">
-                                          <p:stCondLst>
-                                            <p:cond delay="0"/>
-                                          </p:stCondLst>
-                                        </p:cTn>
-                                        <p:tgtEl/>
-                                        <p:attrNameLst>
-                                          <p:attrName>style.visibility</p:attrName>
-                                        </p:attrNameLst>
-                                      </p:cBhvr>
-                                      <p:to>
-                                        <p:strVal val="visible"/>
-                                      </p:to>
-                                    </p:set>
-                                    <p:animEffect transition="in" filter="wipe(up)">
-                                      <p:cBhvr additive="repl">
-                                        <p:cTn id="11" dur="500"/>
-                                        <p:tgtEl/>
-                                      </p:cBhvr>
-                                    </p:animEffect>
-                                  </p:childTnLst>
-                                </p:cTn>
-                              </p:par>
-                              <p:par>
-                                <p:cTn id="12" presetID="22" presetClass="entr" presetSubtype="1" fill="hold" nodeType="withEffect">
-                                  <p:stCondLst>
-                                    <p:cond delay="0"/>
-                                  </p:stCondLst>
-                                  <p:childTnLst>
-                                    <p:set>
-                                      <p:cBhvr>
-                                        <p:cTn id="13" dur="1" fill="hold">
+                                        <p:cTn id="6" dur="1" fill="hold">
                                           <p:stCondLst>
                                             <p:cond delay="0"/>
                                           </p:stCondLst>
@@ -31129,50 +29283,10 @@
                                     </p:set>
                                     <p:animEffect transition="in" filter="wipe(up)">
                                       <p:cBhvr additive="repl">
-                                        <p:cTn id="14" dur="500"/>
+                                        <p:cTn id="7" dur="500"/>
                                         <p:tgtEl>
                                           <p:spTgt spid="153"/>
                                         </p:tgtEl>
-                                      </p:cBhvr>
-                                    </p:animEffect>
-                                  </p:childTnLst>
-                                </p:cTn>
-                              </p:par>
-                            </p:childTnLst>
-                          </p:cTn>
-                        </p:par>
-                        <p:par>
-                          <p:cTn id="15" fill="hold">
-                            <p:stCondLst>
-                              <p:cond delay="500"/>
-                            </p:stCondLst>
-                            <p:childTnLst>
-                              <p:par>
-                                <p:cTn id="16" presetID="22" presetClass="entr" presetSubtype="1" fill="hold" nodeType="afterEffect">
-                                  <p:stCondLst>
-                                    <p:cond delay="0"/>
-                                  </p:stCondLst>
-                                  <p:childTnLst>
-                                    <p:set>
-                                      <p:cBhvr>
-                                        <p:cTn id="17" dur="1" fill="hold">
-                                          <p:stCondLst>
-                                            <p:cond delay="0"/>
-                                          </p:stCondLst>
-                                        </p:cTn>
-                                        <p:tgtEl/>
-                                        <p:attrNameLst>
-                                          <p:attrName>style.visibility</p:attrName>
-                                        </p:attrNameLst>
-                                      </p:cBhvr>
-                                      <p:to>
-                                        <p:strVal val="visible"/>
-                                      </p:to>
-                                    </p:set>
-                                    <p:animEffect transition="in" filter="wipe(up)">
-                                      <p:cBhvr additive="repl">
-                                        <p:cTn id="18" dur="500"/>
-                                        <p:tgtEl/>
                                       </p:cBhvr>
                                     </p:animEffect>
                                   </p:childTnLst>
@@ -31417,7 +29531,7 @@
               </a:rPr>
               <a:t>Binary Protocol dan Plain Text Protocol</a:t>
             </a:r>
-            <a:endParaRPr lang="" altLang="en-US" sz="1800" b="0" strike="noStrike" spc="-1">
+            <a:endParaRPr lang="en-US" altLang="en-US" sz="1800" b="0" strike="noStrike" spc="-1">
               <a:solidFill>
                 <a:srgbClr val="000000"/>
               </a:solidFill>
@@ -31473,7 +29587,7 @@
               <a:buChar char="•"/>
             </a:pPr>
             <a:r>
-              <a:rPr lang="" altLang="en-US" sz="1200" b="0" strike="noStrike" spc="-1">
+              <a:rPr lang="en-US" altLang="en-US" sz="1200" b="0" strike="noStrike" spc="-1">
                 <a:solidFill>
                   <a:srgbClr val="000000"/>
                 </a:solidFill>
@@ -31487,7 +29601,7 @@
               </a:rPr>
               <a:t>Binary Protocol adalah protokol yang ditujukan untuk dibaca oleh mesin dibandingkan manusia, contohnya Websocket dan HTTP/2</a:t>
             </a:r>
-            <a:endParaRPr lang="" altLang="en-US" sz="1200" b="0" strike="noStrike" spc="-1">
+            <a:endParaRPr lang="en-US" altLang="en-US" sz="1200" b="0" strike="noStrike" spc="-1">
               <a:solidFill>
                 <a:srgbClr val="000000"/>
               </a:solidFill>
@@ -31508,7 +29622,7 @@
               <a:buFont typeface="Arial" panose="020B0604020202020204" pitchFamily="34" charset="0"/>
               <a:buChar char="•"/>
             </a:pPr>
-            <a:endParaRPr lang="" altLang="en-US" sz="1200" b="0" strike="noStrike" spc="-1">
+            <a:endParaRPr lang="en-US" altLang="en-US" sz="1200" b="0" strike="noStrike" spc="-1">
               <a:solidFill>
                 <a:srgbClr val="000000"/>
               </a:solidFill>
@@ -31530,7 +29644,7 @@
               <a:buChar char="•"/>
             </a:pPr>
             <a:r>
-              <a:rPr lang="" altLang="en-US" sz="1200" spc="-1">
+              <a:rPr lang="en-US" altLang="en-US" sz="1200" spc="-1">
                 <a:solidFill>
                   <a:srgbClr val="000000"/>
                 </a:solidFill>
@@ -31543,23 +29657,7 @@
                 <a:ea typeface="DejaVu Sans" panose="020B0603030804020204"/>
                 <a:sym typeface="+mn-ea"/>
               </a:rPr>
-              <a:t>Plain Text </a:t>
-            </a:r>
-            <a:r>
-              <a:rPr lang="en-US" altLang="en-US" sz="1200" spc="-1">
-                <a:solidFill>
-                  <a:srgbClr val="000000"/>
-                </a:solidFill>
-                <a:uFill>
-                  <a:solidFill>
-                    <a:srgbClr val="FFFFFF"/>
-                  </a:solidFill>
-                </a:uFill>
-                <a:latin typeface="Caviar Dreams"/>
-                <a:ea typeface="DejaVu Sans" panose="020B0603030804020204"/>
-                <a:sym typeface="+mn-ea"/>
-              </a:rPr>
-              <a:t>Protocol adalah protokol yang ditujukan untuk dibaca oleh mesin dibandingkan manusia, contohnya SMTP dan HTTP/1.1</a:t>
+              <a:t>Plain Text Protocol adalah protokol yang ditujukan untuk dibaca oleh mesin dibandingkan manusia, contohnya SMTP dan HTTP/1.1</a:t>
             </a:r>
             <a:endParaRPr lang="en-US" altLang="en-US" sz="1200" b="0" strike="noStrike" spc="-1">
               <a:solidFill>
@@ -31582,7 +29680,7 @@
               <a:buFont typeface="Arial" panose="020B0604020202020204" pitchFamily="34" charset="0"/>
               <a:buChar char="•"/>
             </a:pPr>
-            <a:endParaRPr lang="" altLang="en-US" sz="1200" b="0" strike="noStrike" spc="-1">
+            <a:endParaRPr lang="en-US" altLang="en-US" sz="1200" b="0" strike="noStrike" spc="-1">
               <a:solidFill>
                 <a:srgbClr val="000000"/>
               </a:solidFill>
@@ -32271,7 +30369,7 @@
               </a:lnSpc>
             </a:pPr>
             <a:r>
-              <a:rPr lang="" altLang="en-US" sz="1800" b="0" strike="noStrike" spc="-1">
+              <a:rPr lang="en-US" altLang="en-US" sz="1800" b="0" strike="noStrike" spc="-1">
                 <a:solidFill>
                   <a:srgbClr val="000000"/>
                 </a:solidFill>
@@ -32284,7 +30382,7 @@
               </a:rPr>
               <a:t>HTTP/2</a:t>
             </a:r>
-            <a:endParaRPr lang="" altLang="en-US" sz="1800" b="0" strike="noStrike" spc="-1">
+            <a:endParaRPr lang="en-US" altLang="en-US" sz="1800" b="0" strike="noStrike" spc="-1">
               <a:solidFill>
                 <a:srgbClr val="000000"/>
               </a:solidFill>
@@ -32339,7 +30437,7 @@
               <a:buNone/>
             </a:pPr>
             <a:r>
-              <a:rPr lang="" altLang="en-US" sz="1200" b="0" strike="noStrike" spc="-1">
+              <a:rPr lang="en-US" altLang="en-US" sz="1200" b="0" strike="noStrike" spc="-1">
                 <a:solidFill>
                   <a:srgbClr val="000000"/>
                 </a:solidFill>
@@ -32353,7 +30451,7 @@
               </a:rPr>
               <a:t>HTTP/2 merupakan hasil pengembangan dari SPDY (generasi setelah HTTP/1.1). Kelebihan dari penggunaan HTTP/2 dibandingkan HTTP/1.1 ialah :</a:t>
             </a:r>
-            <a:endParaRPr lang="" altLang="en-US" sz="1200" b="0" strike="noStrike" spc="-1">
+            <a:endParaRPr lang="en-US" altLang="en-US" sz="1200" b="0" strike="noStrike" spc="-1">
               <a:solidFill>
                 <a:srgbClr val="000000"/>
               </a:solidFill>
@@ -32375,7 +30473,7 @@
               <a:buChar char="•"/>
             </a:pPr>
             <a:r>
-              <a:rPr lang="" altLang="en-US" sz="1200" b="0" strike="noStrike" spc="-1">
+              <a:rPr lang="en-US" altLang="en-US" sz="1200" b="0" strike="noStrike" spc="-1">
                 <a:solidFill>
                   <a:srgbClr val="000000"/>
                 </a:solidFill>
@@ -32390,7 +30488,7 @@
               <a:t>Mampu menangani </a:t>
             </a:r>
             <a:r>
-              <a:rPr lang="" altLang="en-US" sz="1200" b="0" i="1" strike="noStrike" spc="-1">
+              <a:rPr lang="en-US" altLang="en-US" sz="1200" b="0" i="1" strike="noStrike" spc="-1">
                 <a:solidFill>
                   <a:srgbClr val="000000"/>
                 </a:solidFill>
@@ -32405,7 +30503,7 @@
               <a:t>Head of Line Blocking</a:t>
             </a:r>
             <a:r>
-              <a:rPr lang="" altLang="en-US" sz="1200" b="0" strike="noStrike" spc="-1">
+              <a:rPr lang="en-US" altLang="en-US" sz="1200" b="0" strike="noStrike" spc="-1">
                 <a:solidFill>
                   <a:srgbClr val="000000"/>
                 </a:solidFill>
@@ -32420,7 +30518,7 @@
               <a:t> sehingga memungkinkan multiplexing (beberapa </a:t>
             </a:r>
             <a:r>
-              <a:rPr lang="" altLang="en-US" sz="1200" b="0" i="1" strike="noStrike" spc="-1">
+              <a:rPr lang="en-US" altLang="en-US" sz="1200" b="0" i="1" strike="noStrike" spc="-1">
                 <a:solidFill>
                   <a:srgbClr val="000000"/>
                 </a:solidFill>
@@ -32435,7 +30533,7 @@
               <a:t>request </a:t>
             </a:r>
             <a:r>
-              <a:rPr lang="" altLang="en-US" sz="1200" b="0" strike="noStrike" spc="-1">
+              <a:rPr lang="en-US" altLang="en-US" sz="1200" b="0" strike="noStrike" spc="-1">
                 <a:solidFill>
                   <a:srgbClr val="000000"/>
                 </a:solidFill>
@@ -32450,7 +30548,7 @@
               <a:t>dan </a:t>
             </a:r>
             <a:r>
-              <a:rPr lang="" altLang="en-US" sz="1200" b="0" i="1" strike="noStrike" spc="-1">
+              <a:rPr lang="en-US" altLang="en-US" sz="1200" b="0" i="1" strike="noStrike" spc="-1">
                 <a:solidFill>
                   <a:srgbClr val="000000"/>
                 </a:solidFill>
@@ -32465,7 +30563,7 @@
               <a:t>response</a:t>
             </a:r>
             <a:r>
-              <a:rPr lang="" altLang="en-US" sz="1200" b="0" strike="noStrike" spc="-1">
+              <a:rPr lang="en-US" altLang="en-US" sz="1200" b="0" strike="noStrike" spc="-1">
                 <a:solidFill>
                   <a:srgbClr val="000000"/>
                 </a:solidFill>
@@ -32479,7 +30577,7 @@
               </a:rPr>
               <a:t> dalam satu waktu)</a:t>
             </a:r>
-            <a:endParaRPr lang="" altLang="en-US" sz="1200" b="0" strike="noStrike" spc="-1">
+            <a:endParaRPr lang="en-US" altLang="en-US" sz="1200" b="0" strike="noStrike" spc="-1">
               <a:solidFill>
                 <a:srgbClr val="000000"/>
               </a:solidFill>
@@ -32501,7 +30599,7 @@
               <a:buChar char="•"/>
             </a:pPr>
             <a:r>
-              <a:rPr lang="" altLang="en-US" sz="1200" b="0" strike="noStrike" spc="-1">
+              <a:rPr lang="en-US" altLang="en-US" sz="1200" b="0" strike="noStrike" spc="-1">
                 <a:solidFill>
                   <a:srgbClr val="000000"/>
                 </a:solidFill>
@@ -32515,7 +30613,7 @@
               </a:rPr>
               <a:t>Tidak membutuhkan koneksi tambahan untuk memungkinkan komunikasi paralel (dalam satu jalur TCP)</a:t>
             </a:r>
-            <a:endParaRPr lang="" altLang="en-US" sz="1200" b="0" strike="noStrike" spc="-1">
+            <a:endParaRPr lang="en-US" altLang="en-US" sz="1200" b="0" strike="noStrike" spc="-1">
               <a:solidFill>
                 <a:srgbClr val="000000"/>
               </a:solidFill>
@@ -32537,7 +30635,7 @@
               <a:buChar char="•"/>
             </a:pPr>
             <a:r>
-              <a:rPr lang="" altLang="en-US" sz="1200" b="0" strike="noStrike" spc="-1">
+              <a:rPr lang="en-US" altLang="en-US" sz="1200" b="0" strike="noStrike" spc="-1">
                 <a:solidFill>
                   <a:srgbClr val="000000"/>
                 </a:solidFill>
@@ -32552,7 +30650,7 @@
               <a:t>Mampu melakukan </a:t>
             </a:r>
             <a:r>
-              <a:rPr lang="" altLang="en-US" sz="1200" b="0" i="1" strike="noStrike" spc="-1">
+              <a:rPr lang="en-US" altLang="en-US" sz="1200" b="0" i="1" strike="noStrike" spc="-1">
                 <a:solidFill>
                   <a:srgbClr val="000000"/>
                 </a:solidFill>
@@ -32567,7 +30665,7 @@
               <a:t>header compression</a:t>
             </a:r>
             <a:r>
-              <a:rPr lang="" altLang="en-US" sz="1200" b="0" strike="noStrike" spc="-1">
+              <a:rPr lang="en-US" altLang="en-US" sz="1200" b="0" strike="noStrike" spc="-1">
                 <a:solidFill>
                   <a:srgbClr val="000000"/>
                 </a:solidFill>
@@ -32581,7 +30679,7 @@
               </a:rPr>
               <a:t> dengan HPACK</a:t>
             </a:r>
-            <a:endParaRPr lang="" altLang="en-US" sz="1200" b="0" strike="noStrike" spc="-1">
+            <a:endParaRPr lang="en-US" altLang="en-US" sz="1200" b="0" strike="noStrike" spc="-1">
               <a:solidFill>
                 <a:srgbClr val="000000"/>
               </a:solidFill>

--- a/berkas/ppt muham.pptx
+++ b/berkas/ppt muham.pptx
@@ -173,7 +173,7 @@
               <a:rPr lang="en-US" altLang="en-US"/>
               <a:t>Response Time</a:t>
             </a:r>
-            <a:endParaRPr lang="" altLang="en-US"/>
+            <a:endParaRPr lang="en-US" altLang="en-US"/>
           </a:p>
           <a:p>
             <a:pPr defTabSz="914400">
@@ -190,10 +190,10 @@
               </a:defRPr>
             </a:pPr>
             <a:r>
-              <a:rPr lang="" altLang="en-US"/>
+              <a:rPr lang="en-US" altLang="en-US"/>
               <a:t>Skenario Jaringan Privat</a:t>
             </a:r>
-            <a:endParaRPr lang="" altLang="en-US"/>
+            <a:endParaRPr lang="en-US" altLang="en-US"/>
           </a:p>
         </c:rich>
       </c:tx>
@@ -593,10 +593,10 @@
                   </a:defRPr>
                 </a:pPr>
                 <a:r>
-                  <a:rPr lang="" altLang="en-US"/>
+                  <a:rPr lang="en-US" altLang="en-US"/>
                   <a:t>Rata - Rata Response TIme (ms)</a:t>
                 </a:r>
-                <a:endParaRPr lang="" altLang="en-US"/>
+                <a:endParaRPr lang="en-US" altLang="en-US"/>
               </a:p>
             </c:rich>
           </c:tx>
@@ -745,13 +745,9 @@
             <a:r>
               <a:rPr lang="en-US" altLang="en-US"/>
               <a:t>Response Time-Skenario Jaringan </a:t>
-            </a:r>
-            <a:r>
-              <a:rPr lang="" altLang="en-US"/>
-              <a:t>Internet</a:t>
-            </a:r>
-            <a:endParaRPr lang="" altLang="en-US"/>
+Skenario Jaringan Internet</a:t>
+            </a:r>
+            <a:endParaRPr lang="en-US" altLang="en-US"/>
           </a:p>
         </c:rich>
       </c:tx>
@@ -1299,10 +1295,10 @@
               </a:defRPr>
             </a:pPr>
             <a:r>
-              <a:rPr lang="" altLang="en-US"/>
+              <a:rPr lang="en-US" altLang="en-US"/>
               <a:t>Presentase Penggunaan CPU</a:t>
             </a:r>
-            <a:endParaRPr lang="" altLang="en-US"/>
+            <a:endParaRPr lang="en-US" altLang="en-US"/>
           </a:p>
         </c:rich>
       </c:tx>
@@ -1678,10 +1674,10 @@
                   </a:defRPr>
                 </a:pPr>
                 <a:r>
-                  <a:rPr lang="" altLang="en-US"/>
+                  <a:rPr lang="en-US" altLang="en-US"/>
                   <a:t>Rata - Rata Penggunaan CPU (%)</a:t>
                 </a:r>
-                <a:endParaRPr lang="" altLang="en-US"/>
+                <a:endParaRPr lang="en-US" altLang="en-US"/>
               </a:p>
             </c:rich>
           </c:tx>
@@ -10503,7 +10499,7 @@
                 <a:latin typeface="Caviar Dreams"/>
                 <a:ea typeface="DejaVu Sans" panose="020B0603030804020204"/>
               </a:rPr>
-              <a:t>PROPOSAL PROYEK AKHIR</a:t>
+              <a:t>PROYEK AKHIR</a:t>
             </a:r>
             <a:endParaRPr lang="en-US" sz="1800" b="0" strike="noStrike" spc="-1">
               <a:solidFill>
@@ -11808,35 +11804,7 @@
                 </a:uFill>
                 <a:latin typeface="Arial" panose="020B0604020202020204"/>
               </a:rPr>
-              <a:t>Web</a:t>
-            </a:r>
-            <a:r>
-              <a:rPr lang="" altLang="en-US" sz="1800" b="0" strike="noStrike" spc="-1">
-                <a:solidFill>
-                  <a:srgbClr val="000000"/>
-                </a:solidFill>
-                <a:uFill>
-                  <a:solidFill>
-                    <a:srgbClr val="FFFFFF"/>
-                  </a:solidFill>
-                </a:uFill>
-                <a:latin typeface="Arial" panose="020B0604020202020204"/>
-              </a:rPr>
-              <a:t>S</a:t>
-            </a:r>
-            <a:r>
-              <a:rPr lang="en-US" altLang="en-US" sz="1800" b="0" strike="noStrike" spc="-1">
-                <a:solidFill>
-                  <a:srgbClr val="000000"/>
-                </a:solidFill>
-                <a:uFill>
-                  <a:solidFill>
-                    <a:srgbClr val="FFFFFF"/>
-                  </a:solidFill>
-                </a:uFill>
-                <a:latin typeface="Arial" panose="020B0604020202020204"/>
-              </a:rPr>
-              <a:t>ocket</a:t>
+              <a:t>WebSocket</a:t>
             </a:r>
             <a:endParaRPr lang="en-US" altLang="en-US" sz="1800" b="0" strike="noStrike" spc="-1">
               <a:solidFill>
@@ -11906,37 +11874,7 @@
                 <a:latin typeface="Caviar Dreams"/>
                 <a:ea typeface="DejaVu Sans" panose="020B0603030804020204"/>
               </a:rPr>
-              <a:t>Web</a:t>
-            </a:r>
-            <a:r>
-              <a:rPr lang="" altLang="en-US" sz="1200" b="0" strike="noStrike" spc="-1">
-                <a:solidFill>
-                  <a:srgbClr val="000000"/>
-                </a:solidFill>
-                <a:uFill>
-                  <a:solidFill>
-                    <a:srgbClr val="FFFFFF"/>
-                  </a:solidFill>
-                </a:uFill>
-                <a:latin typeface="Caviar Dreams"/>
-                <a:ea typeface="DejaVu Sans" panose="020B0603030804020204"/>
-              </a:rPr>
-              <a:t>S</a:t>
-            </a:r>
-            <a:r>
-              <a:rPr lang="en-US" altLang="en-US" sz="1200" b="0" strike="noStrike" spc="-1">
-                <a:solidFill>
-                  <a:srgbClr val="000000"/>
-                </a:solidFill>
-                <a:uFill>
-                  <a:solidFill>
-                    <a:srgbClr val="FFFFFF"/>
-                  </a:solidFill>
-                </a:uFill>
-                <a:latin typeface="Caviar Dreams"/>
-                <a:ea typeface="DejaVu Sans" panose="020B0603030804020204"/>
-              </a:rPr>
-              <a:t>ocket adalah protokol yang menyediakan komunikasi </a:t>
+              <a:t>WebSocket adalah protokol yang menyediakan komunikasi </a:t>
             </a:r>
             <a:r>
               <a:rPr lang="en-US" altLang="en-US" sz="1200" b="0" i="1" strike="noStrike" spc="-1">
@@ -12002,37 +11940,7 @@
                 <a:latin typeface="Caviar Dreams"/>
                 <a:ea typeface="DejaVu Sans" panose="020B0603030804020204"/>
               </a:rPr>
-              <a:t>Untuk menggunakan Web</a:t>
-            </a:r>
-            <a:r>
-              <a:rPr lang="" altLang="en-US" sz="1200" b="0" strike="noStrike" spc="-1">
-                <a:solidFill>
-                  <a:srgbClr val="000000"/>
-                </a:solidFill>
-                <a:uFill>
-                  <a:solidFill>
-                    <a:srgbClr val="FFFFFF"/>
-                  </a:solidFill>
-                </a:uFill>
-                <a:latin typeface="Caviar Dreams"/>
-                <a:ea typeface="DejaVu Sans" panose="020B0603030804020204"/>
-              </a:rPr>
-              <a:t>S</a:t>
-            </a:r>
-            <a:r>
-              <a:rPr lang="en-US" altLang="en-US" sz="1200" b="0" strike="noStrike" spc="-1">
-                <a:solidFill>
-                  <a:srgbClr val="000000"/>
-                </a:solidFill>
-                <a:uFill>
-                  <a:solidFill>
-                    <a:srgbClr val="FFFFFF"/>
-                  </a:solidFill>
-                </a:uFill>
-                <a:latin typeface="Caviar Dreams"/>
-                <a:ea typeface="DejaVu Sans" panose="020B0603030804020204"/>
-              </a:rPr>
-              <a:t>ocket, haruslah terlebih dahulu dilakukan upgrade HTTP.</a:t>
+              <a:t>Untuk menggunakan WebSocket, haruslah terlebih dahulu dilakukan upgrade HTTP.</a:t>
             </a:r>
             <a:endParaRPr lang="en-US" altLang="en-US" sz="1200" b="0" strike="noStrike" spc="-1">
               <a:solidFill>
@@ -13694,7 +13602,7 @@
               <a:t>Hudan Abdur </a:t>
             </a:r>
             <a:r>
-              <a:rPr lang="" altLang="en-GB" sz="1200" b="1" strike="noStrike" spc="-1">
+              <a:rPr lang="en-US" altLang="en-GB" sz="1200" b="1" strike="noStrike" spc="-1">
                 <a:solidFill>
                   <a:srgbClr val="000000"/>
                 </a:solidFill>
@@ -13792,7 +13700,7 @@
               </a:lnSpc>
             </a:pPr>
             <a:r>
-              <a:rPr lang="" sz="1200" b="0" strike="noStrike" spc="-1">
+              <a:rPr lang="en-US" sz="1200" b="0" strike="noStrike" spc="-1">
                 <a:solidFill>
                   <a:srgbClr val="000000"/>
                 </a:solidFill>
@@ -13806,7 +13714,7 @@
               <a:t>Pengujian </a:t>
             </a:r>
             <a:r>
-              <a:rPr lang="" sz="1200" b="0" i="1" strike="noStrike" spc="-1">
+              <a:rPr lang="en-US" sz="1200" b="0" i="1" strike="noStrike" spc="-1">
                 <a:solidFill>
                   <a:srgbClr val="000000"/>
                 </a:solidFill>
@@ -13820,7 +13728,7 @@
               <a:t>delta time</a:t>
             </a:r>
             <a:r>
-              <a:rPr lang="" sz="1200" b="0" strike="noStrike" spc="-1">
+              <a:rPr lang="en-US" sz="1200" b="0" strike="noStrike" spc="-1">
                 <a:solidFill>
                   <a:srgbClr val="000000"/>
                 </a:solidFill>
@@ -13848,7 +13756,7 @@
               <a:t> pesan data sensor setiap 10 milidetik, 100 milidetik, dan 1000 milidetik </a:t>
             </a:r>
             <a:r>
-              <a:rPr lang="" sz="1200" b="0" strike="noStrike" spc="-1">
+              <a:rPr lang="en-US" sz="1200" b="0" strike="noStrike" spc="-1">
                 <a:solidFill>
                   <a:srgbClr val="000000"/>
                 </a:solidFill>
@@ -13859,23 +13767,9 @@
                 </a:uFill>
                 <a:latin typeface="Caviar Dreams"/>
               </a:rPr>
-              <a:t>menuju server</a:t>
-            </a:r>
-            <a:r>
-              <a:rPr lang="" sz="1200" b="0" strike="noStrike" spc="-1">
-                <a:solidFill>
-                  <a:srgbClr val="000000"/>
-                </a:solidFill>
-                <a:uFill>
-                  <a:solidFill>
-                    <a:srgbClr val="FFFFFF"/>
-                  </a:solidFill>
-                </a:uFill>
-                <a:latin typeface="Caviar Dreams"/>
-              </a:rPr>
-              <a:t>. Selain itu dilakukan pula pengujian integritas data. Pada pengujian integritas data dilakukan dengan membandingkan 50 data sensor pertama yang diterima oleh server dengan 50 data pertama yang di-publish oleh masing – masing mikrokontroller yang terintegrasi oleh sensor.</a:t>
-            </a:r>
-            <a:endParaRPr lang="" sz="1200" b="0" strike="noStrike" spc="-1">
+              <a:t>menuju server. Selain itu dilakukan pula pengujian integritas data. Pada pengujian integritas data dilakukan dengan membandingkan 50 data sensor pertama yang diterima oleh server dengan 50 data pertama yang di-publish oleh masing – masing mikrokontroller yang terintegrasi oleh sensor.</a:t>
+            </a:r>
+            <a:endParaRPr lang="en-US" sz="1200" b="0" strike="noStrike" spc="-1">
               <a:solidFill>
                 <a:srgbClr val="000000"/>
               </a:solidFill>
@@ -13955,37 +13849,7 @@
                 <a:latin typeface="Caviar Dreams"/>
                 <a:ea typeface="DejaVu Sans" panose="020B0603030804020204"/>
               </a:rPr>
-              <a:t>-nya</a:t>
-            </a:r>
-            <a:r>
-              <a:rPr lang="" altLang="en-US" sz="1200" b="0" strike="noStrike" spc="-1">
-                <a:solidFill>
-                  <a:srgbClr val="000000"/>
-                </a:solidFill>
-                <a:uFill>
-                  <a:solidFill>
-                    <a:srgbClr val="FFFFFF"/>
-                  </a:solidFill>
-                </a:uFill>
-                <a:latin typeface="Caviar Dreams"/>
-                <a:ea typeface="DejaVu Sans" panose="020B0603030804020204"/>
-              </a:rPr>
-              <a:t>. Selain itu, </a:t>
-            </a:r>
-            <a:r>
-              <a:rPr lang="en-US" altLang="en-US" sz="1200" b="0" strike="noStrike" spc="-1">
-                <a:solidFill>
-                  <a:srgbClr val="000000"/>
-                </a:solidFill>
-                <a:uFill>
-                  <a:solidFill>
-                    <a:srgbClr val="FFFFFF"/>
-                  </a:solidFill>
-                </a:uFill>
-                <a:latin typeface="Caviar Dreams"/>
-                <a:ea typeface="DejaVu Sans" panose="020B0603030804020204"/>
-              </a:rPr>
-              <a:t>nilai integritas data yang dikirim dan diterima mencapai 100%.</a:t>
+              <a:t>-nya. Selain itu, nilai integritas data yang dikirim dan diterima mencapai 100%.</a:t>
             </a:r>
             <a:endParaRPr lang="en-US" altLang="en-US" sz="1200" b="0" strike="noStrike" spc="-1">
               <a:solidFill>
@@ -15014,7 +14878,7 @@
               </a:lnSpc>
             </a:pPr>
             <a:r>
-              <a:rPr lang="" altLang="en-US" sz="1200" b="0" strike="noStrike" spc="-1">
+              <a:rPr lang="en-US" altLang="en-US" sz="1200" b="0" strike="noStrike" spc="-1">
                 <a:solidFill>
                   <a:srgbClr val="000000"/>
                 </a:solidFill>
@@ -15029,7 +14893,7 @@
               <a:t>Kesimpulan : Ketika penggunaan </a:t>
             </a:r>
             <a:r>
-              <a:rPr lang="" altLang="en-US" sz="1200" b="0" i="1" strike="noStrike" spc="-1">
+              <a:rPr lang="en-US" altLang="en-US" sz="1200" b="0" i="1" strike="noStrike" spc="-1">
                 <a:solidFill>
                   <a:srgbClr val="000000"/>
                 </a:solidFill>
@@ -15044,7 +14908,7 @@
               <a:t>resource server</a:t>
             </a:r>
             <a:r>
-              <a:rPr lang="" altLang="en-US" sz="1200" b="0" strike="noStrike" spc="-1">
+              <a:rPr lang="en-US" altLang="en-US" sz="1200" b="0" strike="noStrike" spc="-1">
                 <a:solidFill>
                   <a:srgbClr val="000000"/>
                 </a:solidFill>
@@ -15059,7 +14923,7 @@
               <a:t> dinaikkan, </a:t>
             </a:r>
             <a:r>
-              <a:rPr lang="" altLang="en-US" sz="1200" b="0" i="1" strike="noStrike" spc="-1">
+              <a:rPr lang="en-US" altLang="en-US" sz="1200" b="0" i="1" strike="noStrike" spc="-1">
                 <a:solidFill>
                   <a:srgbClr val="000000"/>
                 </a:solidFill>
@@ -15074,7 +14938,7 @@
               <a:t>response time </a:t>
             </a:r>
             <a:r>
-              <a:rPr lang="" altLang="en-US" sz="1200" b="0" strike="noStrike" spc="-1">
+              <a:rPr lang="en-US" altLang="en-US" sz="1200" b="0" strike="noStrike" spc="-1">
                 <a:solidFill>
                   <a:srgbClr val="000000"/>
                 </a:solidFill>
@@ -15088,7 +14952,7 @@
               </a:rPr>
               <a:t>WebSocket relatif tetap.</a:t>
             </a:r>
-            <a:endParaRPr lang="" altLang="en-US" sz="1200" b="0" strike="noStrike" spc="-1">
+            <a:endParaRPr lang="en-US" altLang="en-US" sz="1200" b="0" strike="noStrike" spc="-1">
               <a:solidFill>
                 <a:srgbClr val="000000"/>
               </a:solidFill>
@@ -16105,7 +15969,7 @@
               </a:lnSpc>
             </a:pPr>
             <a:r>
-              <a:rPr lang="" altLang="en-US" sz="1200" b="0" strike="noStrike" spc="-1">
+              <a:rPr lang="en-US" altLang="en-US" sz="1200" b="0" strike="noStrike" spc="-1">
                 <a:solidFill>
                   <a:srgbClr val="000000"/>
                 </a:solidFill>
@@ -16120,7 +15984,7 @@
               <a:t>Kesimpulan : Besar latensi aplikasi pada penggunaan HTTP/2 SSE serta WebSocket relatif sama serta WebSocket lebih rentan di-block oleh  </a:t>
             </a:r>
             <a:r>
-              <a:rPr lang="" altLang="en-US" sz="1200" b="0" i="1" strike="noStrike" spc="-1">
+              <a:rPr lang="en-US" altLang="en-US" sz="1200" b="0" i="1" strike="noStrike" spc="-1">
                 <a:solidFill>
                   <a:srgbClr val="000000"/>
                 </a:solidFill>
@@ -16135,7 +15999,7 @@
               <a:t>proxy server</a:t>
             </a:r>
             <a:r>
-              <a:rPr lang="" altLang="en-US" sz="1200" b="0" strike="noStrike" spc="-1">
+              <a:rPr lang="en-US" altLang="en-US" sz="1200" b="0" strike="noStrike" spc="-1">
                 <a:solidFill>
                   <a:srgbClr val="000000"/>
                 </a:solidFill>
@@ -16149,7 +16013,7 @@
               </a:rPr>
               <a:t> dibandingkan HTTP/2.</a:t>
             </a:r>
-            <a:endParaRPr lang="" altLang="en-US" sz="1200" b="0" strike="noStrike" spc="-1">
+            <a:endParaRPr lang="en-US" altLang="en-US" sz="1200" b="0" strike="noStrike" spc="-1">
               <a:solidFill>
                 <a:srgbClr val="000000"/>
               </a:solidFill>
@@ -17299,7 +17163,7 @@
               <a:t>CPU dari SSE lebih kecil dibandingkan dengan menggunakan Webscoket</a:t>
             </a:r>
             <a:r>
-              <a:rPr lang="" altLang="en-US" sz="1200" b="0" strike="noStrike" spc="-1">
+              <a:rPr lang="en-US" altLang="en-US" sz="1200" b="0" strike="noStrike" spc="-1">
                 <a:solidFill>
                   <a:srgbClr val="000000"/>
                 </a:solidFill>
@@ -17332,7 +17196,7 @@
                 <a:spcPct val="130000"/>
               </a:lnSpc>
             </a:pPr>
-            <a:endParaRPr lang="" altLang="en-US" sz="1200" b="0" strike="noStrike" spc="-1">
+            <a:endParaRPr lang="en-US" altLang="en-US" sz="1200" b="0" strike="noStrike" spc="-1">
               <a:solidFill>
                 <a:srgbClr val="000000"/>
               </a:solidFill>
@@ -17352,7 +17216,7 @@
               </a:lnSpc>
             </a:pPr>
             <a:r>
-              <a:rPr lang="" altLang="en-US" sz="1200" b="0" strike="noStrike" spc="-1">
+              <a:rPr lang="en-US" altLang="en-US" sz="1200" b="0" strike="noStrike" spc="-1">
                 <a:solidFill>
                   <a:srgbClr val="000000"/>
                 </a:solidFill>
@@ -17367,7 +17231,7 @@
               <a:t>Kesimpulan : Rata-rata </a:t>
             </a:r>
             <a:r>
-              <a:rPr lang="" altLang="en-US" sz="1200" b="0" i="1" strike="noStrike" spc="-1">
+              <a:rPr lang="en-US" altLang="en-US" sz="1200" b="0" i="1" strike="noStrike" spc="-1">
                 <a:solidFill>
                   <a:srgbClr val="000000"/>
                 </a:solidFill>
@@ -17382,7 +17246,7 @@
               <a:t>delay </a:t>
             </a:r>
             <a:r>
-              <a:rPr lang="" altLang="en-US" sz="1200" b="0" strike="noStrike" spc="-1">
+              <a:rPr lang="en-US" altLang="en-US" sz="1200" b="0" strike="noStrike" spc="-1">
                 <a:solidFill>
                   <a:srgbClr val="000000"/>
                 </a:solidFill>
@@ -17396,7 +17260,7 @@
               </a:rPr>
               <a:t>pada protokol SSE lebih kecil dibandingkan dengan WebSocket begitu juga dengan presentase penggunaan CPU.</a:t>
             </a:r>
-            <a:endParaRPr lang="" altLang="en-US" sz="1200" b="0" strike="noStrike" spc="-1">
+            <a:endParaRPr lang="en-US" altLang="en-US" sz="1200" b="0" strike="noStrike" spc="-1">
               <a:solidFill>
                 <a:srgbClr val="000000"/>
               </a:solidFill>
@@ -18139,7 +18003,7 @@
               <a:t>Server</a:t>
             </a:r>
             <a:r>
-              <a:rPr lang="" altLang="en-US" sz="1200" b="1" i="1" strike="noStrike" spc="-1">
+              <a:rPr lang="en-US" altLang="en-US" sz="1200" b="1" i="1" strike="noStrike" spc="-1">
                 <a:solidFill>
                   <a:srgbClr val="000000"/>
                 </a:solidFill>
@@ -18375,7 +18239,7 @@
               <a:t>Server</a:t>
             </a:r>
             <a:r>
-              <a:rPr lang="" altLang="en-US" sz="1200" b="0" i="1" strike="noStrike" spc="-1">
+              <a:rPr lang="en-US" altLang="en-US" sz="1200" b="0" i="1" strike="noStrike" spc="-1">
                 <a:solidFill>
                   <a:srgbClr val="000000"/>
                 </a:solidFill>
@@ -18435,7 +18299,7 @@
               <a:t>Server</a:t>
             </a:r>
             <a:r>
-              <a:rPr lang="" altLang="en-US" sz="1200" b="0" i="1" strike="noStrike" spc="-1">
+              <a:rPr lang="en-US" altLang="en-US" sz="1200" b="0" i="1" strike="noStrike" spc="-1">
                 <a:solidFill>
                   <a:srgbClr val="000000"/>
                 </a:solidFill>
@@ -18480,7 +18344,7 @@
               <a:t> dan Websocket memiliki nilai penggunaan memori dan CPU terendah  serta perbedaan diantara keduanya sangat tipis</a:t>
             </a:r>
             <a:r>
-              <a:rPr lang="" altLang="en-US" sz="1200" b="0" strike="noStrike" spc="-1">
+              <a:rPr lang="en-US" altLang="en-US" sz="1200" b="0" strike="noStrike" spc="-1">
                 <a:solidFill>
                   <a:srgbClr val="000000"/>
                 </a:solidFill>
@@ -18494,7 +18358,7 @@
               </a:rPr>
               <a:t>.</a:t>
             </a:r>
-            <a:endParaRPr lang="" altLang="en-US" sz="1200" b="0" strike="noStrike" spc="-1">
+            <a:endParaRPr lang="en-US" altLang="en-US" sz="1200" b="0" strike="noStrike" spc="-1">
               <a:solidFill>
                 <a:srgbClr val="000000"/>
               </a:solidFill>
@@ -18513,7 +18377,7 @@
                 <a:spcPct val="130000"/>
               </a:lnSpc>
             </a:pPr>
-            <a:endParaRPr lang="" altLang="en-US" sz="1200" b="0" strike="noStrike" spc="-1">
+            <a:endParaRPr lang="en-US" altLang="en-US" sz="1200" b="0" strike="noStrike" spc="-1">
               <a:solidFill>
                 <a:srgbClr val="000000"/>
               </a:solidFill>
@@ -18533,7 +18397,7 @@
               </a:lnSpc>
             </a:pPr>
             <a:r>
-              <a:rPr lang="" altLang="en-US" sz="1200" b="0" strike="noStrike" spc="-1">
+              <a:rPr lang="en-US" altLang="en-US" sz="1200" b="0" strike="noStrike" spc="-1">
                 <a:solidFill>
                   <a:srgbClr val="000000"/>
                 </a:solidFill>
@@ -18548,7 +18412,7 @@
               <a:t>Kesimpulan : Penggunaan CPU, memori maupun </a:t>
             </a:r>
             <a:r>
-              <a:rPr lang="" altLang="en-US" sz="1200" b="0" i="1" strike="noStrike" spc="-1">
+              <a:rPr lang="en-US" altLang="en-US" sz="1200" b="0" i="1" strike="noStrike" spc="-1">
                 <a:solidFill>
                   <a:srgbClr val="000000"/>
                 </a:solidFill>
@@ -18563,7 +18427,7 @@
               <a:t>bandwith </a:t>
             </a:r>
             <a:r>
-              <a:rPr lang="" altLang="en-US" sz="1200" b="0" strike="noStrike" spc="-1">
+              <a:rPr lang="en-US" altLang="en-US" sz="1200" b="0" strike="noStrike" spc="-1">
                 <a:solidFill>
                   <a:srgbClr val="000000"/>
                 </a:solidFill>
@@ -18578,7 +18442,7 @@
               <a:t>pada SSE serta WebSocket lebih kecil dibandingkan dengan XHR </a:t>
             </a:r>
             <a:r>
-              <a:rPr lang="" altLang="en-US" sz="1200" b="0" i="1" strike="noStrike" spc="-1">
+              <a:rPr lang="en-US" altLang="en-US" sz="1200" b="0" i="1" strike="noStrike" spc="-1">
                 <a:solidFill>
                   <a:srgbClr val="000000"/>
                 </a:solidFill>
@@ -18593,7 +18457,7 @@
               <a:t>Polling</a:t>
             </a:r>
             <a:r>
-              <a:rPr lang="" altLang="en-US" sz="1200" b="0" strike="noStrike" spc="-1">
+              <a:rPr lang="en-US" altLang="en-US" sz="1200" b="0" strike="noStrike" spc="-1">
                 <a:solidFill>
                   <a:srgbClr val="000000"/>
                 </a:solidFill>
@@ -18608,7 +18472,7 @@
               <a:t> serta </a:t>
             </a:r>
             <a:r>
-              <a:rPr lang="" altLang="en-US" sz="1200" b="0" i="1" strike="noStrike" spc="-1">
+              <a:rPr lang="en-US" altLang="en-US" sz="1200" b="0" i="1" strike="noStrike" spc="-1">
                 <a:solidFill>
                   <a:srgbClr val="000000"/>
                 </a:solidFill>
@@ -18622,7 +18486,7 @@
               </a:rPr>
               <a:t>Long-Polling</a:t>
             </a:r>
-            <a:endParaRPr lang="" altLang="en-US" sz="1200" b="0" i="1" strike="noStrike" spc="-1">
+            <a:endParaRPr lang="en-US" altLang="en-US" sz="1200" b="0" i="1" strike="noStrike" spc="-1">
               <a:solidFill>
                 <a:srgbClr val="000000"/>
               </a:solidFill>
@@ -19496,7 +19360,7 @@
               <a:t> ketika menggunakan Web</a:t>
             </a:r>
             <a:r>
-              <a:rPr lang="" altLang="en-US" sz="1200" b="0" strike="noStrike" spc="-1">
+              <a:rPr lang="en-US" altLang="en-US" sz="1200" b="0" strike="noStrike" spc="-1">
                 <a:solidFill>
                   <a:srgbClr val="000000"/>
                 </a:solidFill>
@@ -19541,7 +19405,7 @@
               <a:t>Server</a:t>
             </a:r>
             <a:r>
-              <a:rPr lang="" altLang="en-US" sz="1200" b="0" i="1" strike="noStrike" spc="-1">
+              <a:rPr lang="en-US" altLang="en-US" sz="1200" b="0" i="1" strike="noStrike" spc="-1">
                 <a:solidFill>
                   <a:srgbClr val="000000"/>
                 </a:solidFill>
@@ -19631,7 +19495,7 @@
               <a:t>Server</a:t>
             </a:r>
             <a:r>
-              <a:rPr lang="" altLang="en-US" sz="1200" b="0" i="1" strike="noStrike" spc="-1">
+              <a:rPr lang="en-US" altLang="en-US" sz="1200" b="0" i="1" strike="noStrike" spc="-1">
                 <a:solidFill>
                   <a:srgbClr val="000000"/>
                 </a:solidFill>
@@ -19744,7 +19608,7 @@
               </a:lnSpc>
             </a:pPr>
             <a:r>
-              <a:rPr lang="" altLang="en-US" sz="1200" b="0" strike="noStrike" spc="-1">
+              <a:rPr lang="en-US" altLang="en-US" sz="1200" b="0" strike="noStrike" spc="-1">
                 <a:solidFill>
                   <a:srgbClr val="000000"/>
                 </a:solidFill>
@@ -19759,7 +19623,7 @@
               <a:t>Kesimpulan : Performa SSE maupun Websocket juga dipengaruhi oleh </a:t>
             </a:r>
             <a:r>
-              <a:rPr lang="" altLang="en-US" sz="1200" b="0" i="1" strike="noStrike" spc="-1">
+              <a:rPr lang="en-US" altLang="en-US" sz="1200" b="0" i="1" strike="noStrike" spc="-1">
                 <a:solidFill>
                   <a:srgbClr val="000000"/>
                 </a:solidFill>
@@ -19774,7 +19638,7 @@
               <a:t>web browser</a:t>
             </a:r>
             <a:r>
-              <a:rPr lang="" altLang="en-US" sz="1200" b="0" strike="noStrike" spc="-1">
+              <a:rPr lang="en-US" altLang="en-US" sz="1200" b="0" strike="noStrike" spc="-1">
                 <a:solidFill>
                   <a:srgbClr val="000000"/>
                 </a:solidFill>
@@ -19788,7 +19652,7 @@
               </a:rPr>
               <a:t> serta konfigurasi jaringan yang digunakan.</a:t>
             </a:r>
-            <a:endParaRPr lang="" altLang="en-US" sz="1200" b="0" strike="noStrike" spc="-1">
+            <a:endParaRPr lang="en-US" altLang="en-US" sz="1200" b="0" strike="noStrike" spc="-1">
               <a:solidFill>
                 <a:srgbClr val="000000"/>
               </a:solidFill>
@@ -20319,34 +20183,34 @@
           <a:p>
             <a:pPr algn="just"/>
             <a:r>
-              <a:rPr lang="" altLang="en-US"/>
+              <a:rPr lang="en-US" altLang="en-US"/>
               <a:t>Penelitian ini membandingkan </a:t>
             </a:r>
             <a:r>
-              <a:rPr lang="" altLang="en-US" i="1"/>
+              <a:rPr lang="en-US" altLang="en-US" i="1"/>
               <a:t>response time </a:t>
             </a:r>
             <a:r>
-              <a:rPr lang="" altLang="en-US"/>
+              <a:rPr lang="en-US" altLang="en-US"/>
               <a:t>serta presentase penggunaan CPU antara HTTP/1.1 SSE,  HTTPS SSE, HTTP/2 SSE dan WebSocket pada sistem kendali rumah pintar berbasis </a:t>
             </a:r>
             <a:r>
-              <a:rPr lang="" altLang="en-US" i="1"/>
+              <a:rPr lang="en-US" altLang="en-US" i="1"/>
               <a:t>web</a:t>
             </a:r>
             <a:r>
-              <a:rPr lang="" altLang="en-US"/>
+              <a:rPr lang="en-US" altLang="en-US"/>
               <a:t>. </a:t>
             </a:r>
             <a:r>
-              <a:rPr lang="" altLang="en-US" i="1"/>
+              <a:rPr lang="en-US" altLang="en-US" i="1"/>
               <a:t>Server</a:t>
             </a:r>
             <a:r>
-              <a:rPr lang="" altLang="en-US"/>
+              <a:rPr lang="en-US" altLang="en-US"/>
               <a:t> yang digunakan berupa Raspberry Pi 3 serta mampu diakses dari luar jaringan jaringan privat.</a:t>
             </a:r>
-            <a:endParaRPr lang="" altLang="en-US"/>
+            <a:endParaRPr lang="en-US" altLang="en-US"/>
           </a:p>
         </p:txBody>
       </p:sp>
@@ -27146,37 +27010,7 @@
                 <a:latin typeface="Caviar Dreams"/>
                 <a:ea typeface="Open Sans Extrabold"/>
               </a:rPr>
-              <a:t>(</a:t>
-            </a:r>
-            <a:r>
-              <a:rPr lang="" altLang="en-US" sz="1600" b="1" strike="noStrike" spc="-1">
-                <a:solidFill>
-                  <a:srgbClr val="111C76"/>
-                </a:solidFill>
-                <a:uFill>
-                  <a:solidFill>
-                    <a:srgbClr val="FFFFFF"/>
-                  </a:solidFill>
-                </a:uFill>
-                <a:latin typeface="Caviar Dreams"/>
-                <a:ea typeface="Open Sans Extrabold"/>
-              </a:rPr>
-              <a:t>Data</a:t>
-            </a:r>
-            <a:r>
-              <a:rPr lang="en-US" altLang="en-US" sz="1600" b="1" strike="noStrike" spc="-1">
-                <a:solidFill>
-                  <a:srgbClr val="111C76"/>
-                </a:solidFill>
-                <a:uFill>
-                  <a:solidFill>
-                    <a:srgbClr val="FFFFFF"/>
-                  </a:solidFill>
-                </a:uFill>
-                <a:latin typeface="Caviar Dreams"/>
-                <a:ea typeface="Open Sans Extrabold"/>
-              </a:rPr>
-              <a:t>)</a:t>
+              <a:t>(Data)</a:t>
             </a:r>
             <a:endParaRPr lang="en-US" altLang="en-US" sz="1600" b="1" strike="noStrike" spc="-1">
               <a:solidFill>
@@ -29199,7 +29033,7 @@
                         </a:rPr>
                         <a:t>SSE HTTP/1.1</a:t>
                       </a:r>
-                      <a:endParaRPr lang="" altLang="en-US" sz="1200" b="0">
+                      <a:endParaRPr lang="en-US" altLang="en-US" sz="1200" b="0">
                         <a:solidFill>
                           <a:srgbClr val="000000"/>
                         </a:solidFill>
@@ -29532,7 +29366,7 @@
                         <a:t>75,72 </a:t>
                       </a:r>
                       <a:r>
-                        <a:rPr lang="" altLang="en-US" sz="1200" b="0">
+                        <a:rPr lang="en-US" altLang="en-US" sz="1200" b="0">
                           <a:solidFill>
                             <a:srgbClr val="000000"/>
                           </a:solidFill>
@@ -29540,7 +29374,7 @@
                         </a:rPr>
                         <a:t>ms</a:t>
                       </a:r>
-                      <a:endParaRPr lang="" altLang="en-US" sz="1200" b="0">
+                      <a:endParaRPr lang="en-US" altLang="en-US" sz="1200" b="0">
                         <a:solidFill>
                           <a:srgbClr val="000000"/>
                         </a:solidFill>
@@ -29607,7 +29441,7 @@
                         <a:t>79,76 </a:t>
                       </a:r>
                       <a:r>
-                        <a:rPr lang="" altLang="en-US" sz="1200" b="0">
+                        <a:rPr lang="en-US" altLang="en-US" sz="1200" b="0">
                           <a:solidFill>
                             <a:srgbClr val="000000"/>
                           </a:solidFill>
@@ -29615,7 +29449,7 @@
                         </a:rPr>
                         <a:t>ms</a:t>
                       </a:r>
-                      <a:endParaRPr lang="" altLang="en-US" sz="1200" b="0">
+                      <a:endParaRPr lang="en-US" altLang="en-US" sz="1200" b="0">
                         <a:solidFill>
                           <a:srgbClr val="000000"/>
                         </a:solidFill>
@@ -29682,7 +29516,7 @@
                         <a:t>64,56 </a:t>
                       </a:r>
                       <a:r>
-                        <a:rPr lang="" altLang="en-US" sz="1200" b="0">
+                        <a:rPr lang="en-US" altLang="en-US" sz="1200" b="0">
                           <a:solidFill>
                             <a:srgbClr val="000000"/>
                           </a:solidFill>
@@ -29690,7 +29524,7 @@
                         </a:rPr>
                         <a:t>ms</a:t>
                       </a:r>
-                      <a:endParaRPr lang="" altLang="en-US" sz="1200" b="0">
+                      <a:endParaRPr lang="en-US" altLang="en-US" sz="1200" b="0">
                         <a:solidFill>
                           <a:srgbClr val="000000"/>
                         </a:solidFill>
@@ -29757,7 +29591,7 @@
                         <a:t>48,4 </a:t>
                       </a:r>
                       <a:r>
-                        <a:rPr lang="" altLang="en-US" sz="1200" b="0">
+                        <a:rPr lang="en-US" altLang="en-US" sz="1200" b="0">
                           <a:solidFill>
                             <a:srgbClr val="000000"/>
                           </a:solidFill>
@@ -29765,7 +29599,7 @@
                         </a:rPr>
                         <a:t>ms</a:t>
                       </a:r>
-                      <a:endParaRPr lang="" altLang="en-US" sz="1200" b="0">
+                      <a:endParaRPr lang="en-US" altLang="en-US" sz="1200" b="0">
                         <a:solidFill>
                           <a:srgbClr val="000000"/>
                         </a:solidFill>
@@ -29900,7 +29734,7 @@
                         <a:t>146,52 </a:t>
                       </a:r>
                       <a:r>
-                        <a:rPr lang="" altLang="en-US" sz="1200" b="0">
+                        <a:rPr lang="en-US" altLang="en-US" sz="1200" b="0">
                           <a:solidFill>
                             <a:srgbClr val="000000"/>
                           </a:solidFill>
@@ -29908,7 +29742,7 @@
                         </a:rPr>
                         <a:t>ms</a:t>
                       </a:r>
-                      <a:endParaRPr lang="" altLang="en-US" sz="1200" b="0">
+                      <a:endParaRPr lang="en-US" altLang="en-US" sz="1200" b="0">
                         <a:solidFill>
                           <a:srgbClr val="000000"/>
                         </a:solidFill>
@@ -29975,7 +29809,7 @@
                         <a:t>199,32 </a:t>
                       </a:r>
                       <a:r>
-                        <a:rPr lang="" altLang="en-US" sz="1200" b="0">
+                        <a:rPr lang="en-US" altLang="en-US" sz="1200" b="0">
                           <a:solidFill>
                             <a:srgbClr val="000000"/>
                           </a:solidFill>
@@ -29983,7 +29817,7 @@
                         </a:rPr>
                         <a:t>ms</a:t>
                       </a:r>
-                      <a:endParaRPr lang="" altLang="en-US" sz="1200" b="0">
+                      <a:endParaRPr lang="en-US" altLang="en-US" sz="1200" b="0">
                         <a:solidFill>
                           <a:srgbClr val="000000"/>
                         </a:solidFill>
@@ -30050,7 +29884,7 @@
                         <a:t>133,44 </a:t>
                       </a:r>
                       <a:r>
-                        <a:rPr lang="" altLang="en-US" sz="1200" b="0">
+                        <a:rPr lang="en-US" altLang="en-US" sz="1200" b="0">
                           <a:solidFill>
                             <a:srgbClr val="000000"/>
                           </a:solidFill>
@@ -30058,7 +29892,7 @@
                         </a:rPr>
                         <a:t>ms</a:t>
                       </a:r>
-                      <a:endParaRPr lang="" altLang="en-US" sz="1200" b="0">
+                      <a:endParaRPr lang="en-US" altLang="en-US" sz="1200" b="0">
                         <a:solidFill>
                           <a:srgbClr val="000000"/>
                         </a:solidFill>
@@ -30125,7 +29959,7 @@
                         <a:t>104,02 </a:t>
                       </a:r>
                       <a:r>
-                        <a:rPr lang="" altLang="en-US" sz="1200" b="0">
+                        <a:rPr lang="en-US" altLang="en-US" sz="1200" b="0">
                           <a:solidFill>
                             <a:srgbClr val="000000"/>
                           </a:solidFill>
@@ -30133,7 +29967,7 @@
                         </a:rPr>
                         <a:t>ms</a:t>
                       </a:r>
-                      <a:endParaRPr lang="" altLang="en-US" sz="1200" b="0">
+                      <a:endParaRPr lang="en-US" altLang="en-US" sz="1200" b="0">
                         <a:solidFill>
                           <a:srgbClr val="000000"/>
                         </a:solidFill>
@@ -30268,7 +30102,7 @@
                         <a:t>147,32 </a:t>
                       </a:r>
                       <a:r>
-                        <a:rPr lang="" altLang="en-US" sz="1200" b="0">
+                        <a:rPr lang="en-US" altLang="en-US" sz="1200" b="0">
                           <a:solidFill>
                             <a:srgbClr val="000000"/>
                           </a:solidFill>
@@ -30276,7 +30110,7 @@
                         </a:rPr>
                         <a:t>ms</a:t>
                       </a:r>
-                      <a:endParaRPr lang="" altLang="en-US" sz="1200" b="0">
+                      <a:endParaRPr lang="en-US" altLang="en-US" sz="1200" b="0">
                         <a:solidFill>
                           <a:srgbClr val="000000"/>
                         </a:solidFill>
@@ -30343,7 +30177,7 @@
                         <a:t>181,38 </a:t>
                       </a:r>
                       <a:r>
-                        <a:rPr lang="" altLang="en-US" sz="1200" b="0">
+                        <a:rPr lang="en-US" altLang="en-US" sz="1200" b="0">
                           <a:solidFill>
                             <a:srgbClr val="000000"/>
                           </a:solidFill>
@@ -30351,7 +30185,7 @@
                         </a:rPr>
                         <a:t>ms</a:t>
                       </a:r>
-                      <a:endParaRPr lang="" altLang="en-US" sz="1200" b="0">
+                      <a:endParaRPr lang="en-US" altLang="en-US" sz="1200" b="0">
                         <a:solidFill>
                           <a:srgbClr val="000000"/>
                         </a:solidFill>
@@ -30418,7 +30252,7 @@
                         <a:t>129,94 </a:t>
                       </a:r>
                       <a:r>
-                        <a:rPr lang="" altLang="en-US" sz="1200" b="0">
+                        <a:rPr lang="en-US" altLang="en-US" sz="1200" b="0">
                           <a:solidFill>
                             <a:srgbClr val="000000"/>
                           </a:solidFill>
@@ -30426,7 +30260,7 @@
                         </a:rPr>
                         <a:t>ms</a:t>
                       </a:r>
-                      <a:endParaRPr lang="" altLang="en-US" sz="1200" b="0">
+                      <a:endParaRPr lang="en-US" altLang="en-US" sz="1200" b="0">
                         <a:solidFill>
                           <a:srgbClr val="000000"/>
                         </a:solidFill>
@@ -30493,7 +30327,7 @@
                         <a:t>108,64 </a:t>
                       </a:r>
                       <a:r>
-                        <a:rPr lang="" altLang="en-US" sz="1200" b="0">
+                        <a:rPr lang="en-US" altLang="en-US" sz="1200" b="0">
                           <a:solidFill>
                             <a:srgbClr val="000000"/>
                           </a:solidFill>
@@ -30501,7 +30335,7 @@
                         </a:rPr>
                         <a:t>ms</a:t>
                       </a:r>
-                      <a:endParaRPr lang="" altLang="en-US" sz="1200" b="0">
+                      <a:endParaRPr lang="en-US" altLang="en-US" sz="1200" b="0">
                         <a:solidFill>
                           <a:srgbClr val="000000"/>
                         </a:solidFill>
@@ -30561,7 +30395,7 @@
                         <a:buNone/>
                       </a:pPr>
                       <a:r>
-                        <a:rPr lang="" altLang="en-US" sz="1200" b="0">
+                        <a:rPr lang="en-US" altLang="en-US" sz="1200" b="0">
                           <a:solidFill>
                             <a:srgbClr val="000000"/>
                           </a:solidFill>
@@ -30569,7 +30403,7 @@
                         </a:rPr>
                         <a:t>5000 ms</a:t>
                       </a:r>
-                      <a:endParaRPr lang="" altLang="en-US" sz="1200" b="0">
+                      <a:endParaRPr lang="en-US" altLang="en-US" sz="1200" b="0">
                         <a:solidFill>
                           <a:srgbClr val="000000"/>
                         </a:solidFill>
@@ -30636,7 +30470,7 @@
                         <a:t>133,16 </a:t>
                       </a:r>
                       <a:r>
-                        <a:rPr lang="" altLang="en-US" sz="1200" b="0">
+                        <a:rPr lang="en-US" altLang="en-US" sz="1200" b="0">
                           <a:solidFill>
                             <a:srgbClr val="000000"/>
                           </a:solidFill>
@@ -30644,7 +30478,7 @@
                         </a:rPr>
                         <a:t>ms</a:t>
                       </a:r>
-                      <a:endParaRPr lang="" altLang="en-US" sz="1200" b="0">
+                      <a:endParaRPr lang="en-US" altLang="en-US" sz="1200" b="0">
                         <a:solidFill>
                           <a:srgbClr val="000000"/>
                         </a:solidFill>
@@ -30711,7 +30545,7 @@
                         <a:t>181,82 </a:t>
                       </a:r>
                       <a:r>
-                        <a:rPr lang="" altLang="en-US" sz="1200" b="0">
+                        <a:rPr lang="en-US" altLang="en-US" sz="1200" b="0">
                           <a:solidFill>
                             <a:srgbClr val="000000"/>
                           </a:solidFill>
@@ -30719,7 +30553,7 @@
                         </a:rPr>
                         <a:t>ms</a:t>
                       </a:r>
-                      <a:endParaRPr lang="" altLang="en-US" sz="1200" b="0">
+                      <a:endParaRPr lang="en-US" altLang="en-US" sz="1200" b="0">
                         <a:solidFill>
                           <a:srgbClr val="000000"/>
                         </a:solidFill>
@@ -30786,7 +30620,7 @@
                         <a:t>130,28 </a:t>
                       </a:r>
                       <a:r>
-                        <a:rPr lang="" altLang="en-US" sz="1200" b="0">
+                        <a:rPr lang="en-US" altLang="en-US" sz="1200" b="0">
                           <a:solidFill>
                             <a:srgbClr val="000000"/>
                           </a:solidFill>
@@ -30794,7 +30628,7 @@
                         </a:rPr>
                         <a:t>ms</a:t>
                       </a:r>
-                      <a:endParaRPr lang="" altLang="en-US" sz="1200" b="0">
+                      <a:endParaRPr lang="en-US" altLang="en-US" sz="1200" b="0">
                         <a:solidFill>
                           <a:srgbClr val="000000"/>
                         </a:solidFill>
@@ -30861,7 +30695,7 @@
                         <a:t>106,54 </a:t>
                       </a:r>
                       <a:r>
-                        <a:rPr lang="" altLang="en-US" sz="1200" b="0">
+                        <a:rPr lang="en-US" altLang="en-US" sz="1200" b="0">
                           <a:solidFill>
                             <a:srgbClr val="000000"/>
                           </a:solidFill>
@@ -30869,7 +30703,7 @@
                         </a:rPr>
                         <a:t>ms</a:t>
                       </a:r>
-                      <a:endParaRPr lang="" altLang="en-US" sz="1200" b="0">
+                      <a:endParaRPr lang="en-US" altLang="en-US" sz="1200" b="0">
                         <a:solidFill>
                           <a:srgbClr val="000000"/>
                         </a:solidFill>
@@ -31127,7 +30961,7 @@
               </a:lnSpc>
             </a:pPr>
             <a:r>
-              <a:rPr lang="" altLang="en-US" sz="1100" b="0" strike="noStrike" spc="-1">
+              <a:rPr lang="en-US" altLang="en-US" sz="1100" b="0" strike="noStrike" spc="-1">
                 <a:solidFill>
                   <a:srgbClr val="FFFFFF"/>
                 </a:solidFill>
@@ -31141,7 +30975,7 @@
               </a:rPr>
               <a:t>Metodologi</a:t>
             </a:r>
-            <a:endParaRPr lang="" altLang="en-US" sz="1800" b="0" strike="noStrike" spc="-1">
+            <a:endParaRPr lang="en-US" altLang="en-US" sz="1800" b="0" strike="noStrike" spc="-1">
               <a:solidFill>
                 <a:srgbClr val="000000"/>
               </a:solidFill>
@@ -31358,7 +31192,7 @@
               </a:lnSpc>
             </a:pPr>
             <a:r>
-              <a:rPr lang="" altLang="en-US" sz="1100" spc="-1">
+              <a:rPr lang="en-US" altLang="en-US" sz="1100" spc="-1">
                 <a:solidFill>
                   <a:srgbClr val="111C76"/>
                 </a:solidFill>
@@ -31373,7 +31207,7 @@
               </a:rPr>
               <a:t>Pembahasan</a:t>
             </a:r>
-            <a:endParaRPr lang="" altLang="en-US" sz="1100" spc="-1">
+            <a:endParaRPr lang="en-US" altLang="en-US" sz="1100" spc="-1">
               <a:solidFill>
                 <a:srgbClr val="111C76"/>
               </a:solidFill>
@@ -34023,7 +33857,7 @@
                         <a:buNone/>
                       </a:pPr>
                       <a:r>
-                        <a:rPr lang="" altLang="en-US" sz="1200" b="0">
+                        <a:rPr lang="en-US" altLang="en-US" sz="1200" b="0">
                           <a:solidFill>
                             <a:srgbClr val="000000"/>
                           </a:solidFill>
@@ -34031,7 +33865,7 @@
                         </a:rPr>
                         <a:t>5000 ms</a:t>
                       </a:r>
-                      <a:endParaRPr lang="" altLang="en-US" sz="1200" b="0">
+                      <a:endParaRPr lang="en-US" altLang="en-US" sz="1200" b="0">
                         <a:solidFill>
                           <a:srgbClr val="000000"/>
                         </a:solidFill>
@@ -34098,7 +33932,7 @@
                         <a:t>1001,</a:t>
                       </a:r>
                       <a:r>
-                        <a:rPr lang="" altLang="en-US" sz="1200" b="0">
+                        <a:rPr lang="en-US" altLang="en-US" sz="1200" b="0">
                           <a:solidFill>
                             <a:srgbClr val="000000"/>
                           </a:solidFill>
@@ -34116,7 +33950,7 @@
                         <a:t> </a:t>
                       </a:r>
                       <a:r>
-                        <a:rPr lang="" altLang="en-US" sz="1200" b="0">
+                        <a:rPr lang="en-US" altLang="en-US" sz="1200" b="0">
                           <a:solidFill>
                             <a:srgbClr val="000000"/>
                           </a:solidFill>
@@ -34124,7 +33958,7 @@
                         </a:rPr>
                         <a:t>ms</a:t>
                       </a:r>
-                      <a:endParaRPr lang="" altLang="en-US" sz="1200" b="0">
+                      <a:endParaRPr lang="en-US" altLang="en-US" sz="1200" b="0">
                         <a:solidFill>
                           <a:srgbClr val="000000"/>
                         </a:solidFill>
@@ -34191,7 +34025,7 @@
                         <a:t>600,84 </a:t>
                       </a:r>
                       <a:r>
-                        <a:rPr lang="" altLang="en-US" sz="1200" b="0">
+                        <a:rPr lang="en-US" altLang="en-US" sz="1200" b="0">
                           <a:solidFill>
                             <a:srgbClr val="000000"/>
                           </a:solidFill>
@@ -34199,7 +34033,7 @@
                         </a:rPr>
                         <a:t>ms</a:t>
                       </a:r>
-                      <a:endParaRPr lang="" altLang="en-US" sz="1200" b="0">
+                      <a:endParaRPr lang="en-US" altLang="en-US" sz="1200" b="0">
                         <a:solidFill>
                           <a:srgbClr val="000000"/>
                         </a:solidFill>
@@ -34266,7 +34100,7 @@
                         <a:t>907,</a:t>
                       </a:r>
                       <a:r>
-                        <a:rPr lang="" altLang="en-US" sz="1200" b="0">
+                        <a:rPr lang="en-US" altLang="en-US" sz="1200" b="0">
                           <a:solidFill>
                             <a:srgbClr val="000000"/>
                           </a:solidFill>
@@ -34274,7 +34108,7 @@
                         </a:rPr>
                         <a:t>9 ms</a:t>
                       </a:r>
-                      <a:endParaRPr lang="" altLang="en-US" sz="1200" b="0">
+                      <a:endParaRPr lang="en-US" altLang="en-US" sz="1200" b="0">
                         <a:solidFill>
                           <a:srgbClr val="000000"/>
                         </a:solidFill>
@@ -34341,7 +34175,7 @@
                         <a:t>532,24 </a:t>
                       </a:r>
                       <a:r>
-                        <a:rPr lang="" altLang="en-US" sz="1200" b="0">
+                        <a:rPr lang="en-US" altLang="en-US" sz="1200" b="0">
                           <a:solidFill>
                             <a:srgbClr val="000000"/>
                           </a:solidFill>
@@ -34349,7 +34183,7 @@
                         </a:rPr>
                         <a:t>ms</a:t>
                       </a:r>
-                      <a:endParaRPr lang="" altLang="en-US" sz="1200" b="0">
+                      <a:endParaRPr lang="en-US" altLang="en-US" sz="1200" b="0">
                         <a:solidFill>
                           <a:srgbClr val="000000"/>
                         </a:solidFill>
@@ -37120,7 +36954,7 @@
               </a:lnSpc>
             </a:pPr>
             <a:r>
-              <a:rPr lang="" altLang="en-US" sz="1100" b="0" strike="noStrike" spc="-1">
+              <a:rPr lang="en-US" altLang="en-US" sz="1100" b="0" strike="noStrike" spc="-1">
                 <a:solidFill>
                   <a:srgbClr val="FFFFFF"/>
                 </a:solidFill>
@@ -37134,7 +36968,7 @@
               </a:rPr>
               <a:t>Pembahasan</a:t>
             </a:r>
-            <a:endParaRPr lang="" altLang="en-US" sz="1800" b="0" strike="noStrike" spc="-1">
+            <a:endParaRPr lang="en-US" altLang="en-US" sz="1800" b="0" strike="noStrike" spc="-1">
               <a:solidFill>
                 <a:srgbClr val="000000"/>
               </a:solidFill>
@@ -37265,7 +37099,7 @@
               </a:lnSpc>
             </a:pPr>
             <a:r>
-              <a:rPr lang="" altLang="en-US" sz="1100" b="0" strike="noStrike" spc="-1">
+              <a:rPr lang="en-US" altLang="en-US" sz="1100" b="0" strike="noStrike" spc="-1">
                 <a:solidFill>
                   <a:srgbClr val="FFFFFF"/>
                 </a:solidFill>
@@ -37279,7 +37113,7 @@
               </a:rPr>
               <a:t>Kesimpulan dan Saran</a:t>
             </a:r>
-            <a:endParaRPr lang="" altLang="en-US" sz="1800" b="0" strike="noStrike" spc="-1">
+            <a:endParaRPr lang="en-US" altLang="en-US" sz="1800" b="0" strike="noStrike" spc="-1">
               <a:solidFill>
                 <a:srgbClr val="000000"/>
               </a:solidFill>
@@ -40800,25 +40634,9 @@
                 <a:ea typeface="DejaVu Sans" panose="020B0603030804020204"/>
                 <a:sym typeface="+mn-ea"/>
               </a:rPr>
-              <a:t>Sumber :  Peon dan Ruellan, HPACK: Header Compression for HTTP/2</a:t>
-            </a:r>
-            <a:r>
-              <a:rPr lang="" altLang="en-US" sz="1000" spc="-1">
-                <a:solidFill>
-                  <a:srgbClr val="000000"/>
-                </a:solidFill>
-                <a:uFill>
-                  <a:solidFill>
-                    <a:srgbClr val="FFFFFF"/>
-                  </a:solidFill>
-                </a:uFill>
-                <a:latin typeface="Caviar Dreams"/>
-                <a:ea typeface="DejaVu Sans" panose="020B0603030804020204"/>
-                <a:sym typeface="+mn-ea"/>
-              </a:rPr>
-              <a:t>, https://www.rfc-editor.org/info/rfc7541</a:t>
-            </a:r>
-            <a:endParaRPr lang="" altLang="en-US" sz="1000" spc="-1">
+              <a:t>Sumber :  Peon dan Ruellan, HPACK: Header Compression for HTTP/2, https://www.rfc-editor.org/info/rfc7541</a:t>
+            </a:r>
+            <a:endParaRPr lang="en-US" altLang="en-US" sz="1000" spc="-1">
               <a:solidFill>
                 <a:srgbClr val="000000"/>
               </a:solidFill>
@@ -42216,35 +42034,7 @@
                 </a:uFill>
                 <a:latin typeface="Arial" panose="020B0604020202020204"/>
               </a:rPr>
-              <a:t>Server</a:t>
-            </a:r>
-            <a:r>
-              <a:rPr lang="" altLang="en-US" sz="1800" b="0" strike="noStrike" spc="-1">
-                <a:solidFill>
-                  <a:srgbClr val="000000"/>
-                </a:solidFill>
-                <a:uFill>
-                  <a:solidFill>
-                    <a:srgbClr val="FFFFFF"/>
-                  </a:solidFill>
-                </a:uFill>
-                <a:latin typeface="Arial" panose="020B0604020202020204"/>
-              </a:rPr>
-              <a:t>-</a:t>
-            </a:r>
-            <a:r>
-              <a:rPr lang="en-US" altLang="en-US" sz="1800" b="0" strike="noStrike" spc="-1">
-                <a:solidFill>
-                  <a:srgbClr val="000000"/>
-                </a:solidFill>
-                <a:uFill>
-                  <a:solidFill>
-                    <a:srgbClr val="FFFFFF"/>
-                  </a:solidFill>
-                </a:uFill>
-                <a:latin typeface="Arial" panose="020B0604020202020204"/>
-              </a:rPr>
-              <a:t>Sent Events</a:t>
+              <a:t>Server-Sent Events</a:t>
             </a:r>
             <a:endParaRPr lang="en-US" altLang="en-US" sz="1800" b="0" strike="noStrike" spc="-1">
               <a:solidFill>
@@ -42313,37 +42103,7 @@
                 <a:latin typeface="Caviar Dreams"/>
                 <a:ea typeface="DejaVu Sans" panose="020B0603030804020204"/>
               </a:rPr>
-              <a:t>Server</a:t>
-            </a:r>
-            <a:r>
-              <a:rPr lang="" altLang="en-US" sz="1200" b="0" strike="noStrike" spc="-1">
-                <a:solidFill>
-                  <a:srgbClr val="000000"/>
-                </a:solidFill>
-                <a:uFill>
-                  <a:solidFill>
-                    <a:srgbClr val="FFFFFF"/>
-                  </a:solidFill>
-                </a:uFill>
-                <a:latin typeface="Caviar Dreams"/>
-                <a:ea typeface="DejaVu Sans" panose="020B0603030804020204"/>
-              </a:rPr>
-              <a:t>-</a:t>
-            </a:r>
-            <a:r>
-              <a:rPr lang="en-US" altLang="en-US" sz="1200" b="0" strike="noStrike" spc="-1">
-                <a:solidFill>
-                  <a:srgbClr val="000000"/>
-                </a:solidFill>
-                <a:uFill>
-                  <a:solidFill>
-                    <a:srgbClr val="FFFFFF"/>
-                  </a:solidFill>
-                </a:uFill>
-                <a:latin typeface="Caviar Dreams"/>
-                <a:ea typeface="DejaVu Sans" panose="020B0603030804020204"/>
-              </a:rPr>
-              <a:t>Sent Events merupakan proses pengiriman data (</a:t>
+              <a:t>Server-Sent Events merupakan proses pengiriman data (</a:t>
             </a:r>
             <a:r>
               <a:rPr lang="en-US" altLang="en-US" sz="1200" b="0" i="1" strike="noStrike" spc="-1">
@@ -42464,71 +42224,7 @@
                 <a:ea typeface="DejaVu Sans" panose="020B0603030804020204"/>
                 <a:sym typeface="+mn-ea"/>
               </a:rPr>
-              <a:t>Sumber :  Julia Elman </a:t>
-            </a:r>
-            <a:r>
-              <a:rPr lang="" altLang="en-US" sz="1000" spc="-1">
-                <a:solidFill>
-                  <a:srgbClr val="000000"/>
-                </a:solidFill>
-                <a:uFill>
-                  <a:solidFill>
-                    <a:srgbClr val="FFFFFF"/>
-                  </a:solidFill>
-                </a:uFill>
-                <a:latin typeface="Caviar Dreams"/>
-                <a:ea typeface="DejaVu Sans" panose="020B0603030804020204"/>
-                <a:sym typeface="+mn-ea"/>
-              </a:rPr>
-              <a:t>dan</a:t>
-            </a:r>
-            <a:r>
-              <a:rPr lang="en-US" altLang="en-US" sz="1000" spc="-1">
-                <a:solidFill>
-                  <a:srgbClr val="000000"/>
-                </a:solidFill>
-                <a:uFill>
-                  <a:solidFill>
-                    <a:srgbClr val="FFFFFF"/>
-                  </a:solidFill>
-                </a:uFill>
-                <a:latin typeface="Caviar Dreams"/>
-                <a:ea typeface="DejaVu Sans" panose="020B0603030804020204"/>
-                <a:sym typeface="+mn-ea"/>
-              </a:rPr>
-              <a:t> Mark Lavin </a:t>
-            </a:r>
-            <a:r>
-              <a:rPr lang="" altLang="en-US" sz="1000" spc="-1">
-                <a:solidFill>
-                  <a:srgbClr val="000000"/>
-                </a:solidFill>
-                <a:uFill>
-                  <a:solidFill>
-                    <a:srgbClr val="FFFFFF"/>
-                  </a:solidFill>
-                </a:uFill>
-                <a:latin typeface="Caviar Dreams"/>
-                <a:ea typeface="DejaVu Sans" panose="020B0603030804020204"/>
-                <a:sym typeface="+mn-ea"/>
-              </a:rPr>
-              <a:t>. </a:t>
-            </a:r>
-            <a:r>
-              <a:rPr lang="en-US" altLang="en-US" sz="1000" spc="-1">
-                <a:solidFill>
-                  <a:srgbClr val="000000"/>
-                </a:solidFill>
-                <a:uFill>
-                  <a:solidFill>
-                    <a:srgbClr val="FFFFFF"/>
-                  </a:solidFill>
-                </a:uFill>
-                <a:latin typeface="Caviar Dreams"/>
-                <a:ea typeface="DejaVu Sans" panose="020B0603030804020204"/>
-                <a:sym typeface="+mn-ea"/>
-              </a:rPr>
-              <a:t>Lightweight Django: Using REST, WebSockets, and Backbone </a:t>
+              <a:t>Sumber :  Julia Elman dan Mark Lavin . Lightweight Django: Using REST, WebSockets, and Backbone </a:t>
             </a:r>
             <a:endParaRPr lang="en-US" altLang="en-US" sz="1000" spc="-1">
               <a:solidFill>

--- a/berkas/ppt muham.pptx
+++ b/berkas/ppt muham.pptx
@@ -21,22 +21,22 @@
     <p:sldId id="280" r:id="rId14"/>
     <p:sldId id="276" r:id="rId15"/>
     <p:sldId id="279" r:id="rId16"/>
-    <p:sldId id="314" r:id="rId17"/>
-    <p:sldId id="263" r:id="rId18"/>
-    <p:sldId id="264" r:id="rId19"/>
-    <p:sldId id="265" r:id="rId20"/>
-    <p:sldId id="266" r:id="rId21"/>
-    <p:sldId id="267" r:id="rId22"/>
-    <p:sldId id="313" r:id="rId23"/>
-    <p:sldId id="315" r:id="rId24"/>
-    <p:sldId id="298" r:id="rId25"/>
-    <p:sldId id="269" r:id="rId26"/>
-    <p:sldId id="273" r:id="rId27"/>
-    <p:sldId id="307" r:id="rId28"/>
-    <p:sldId id="282" r:id="rId29"/>
-    <p:sldId id="271" r:id="rId30"/>
-    <p:sldId id="299" r:id="rId31"/>
-    <p:sldId id="300" r:id="rId32"/>
+    <p:sldId id="263" r:id="rId17"/>
+    <p:sldId id="264" r:id="rId18"/>
+    <p:sldId id="265" r:id="rId19"/>
+    <p:sldId id="266" r:id="rId20"/>
+    <p:sldId id="267" r:id="rId21"/>
+    <p:sldId id="313" r:id="rId22"/>
+    <p:sldId id="315" r:id="rId23"/>
+    <p:sldId id="298" r:id="rId24"/>
+    <p:sldId id="269" r:id="rId25"/>
+    <p:sldId id="273" r:id="rId26"/>
+    <p:sldId id="307" r:id="rId27"/>
+    <p:sldId id="282" r:id="rId28"/>
+    <p:sldId id="271" r:id="rId29"/>
+    <p:sldId id="299" r:id="rId30"/>
+    <p:sldId id="300" r:id="rId31"/>
+    <p:sldId id="331" r:id="rId32"/>
     <p:sldId id="272" r:id="rId33"/>
   </p:sldIdLst>
   <p:sldSz cx="9144000" cy="5143500"/>
@@ -4491,187 +4491,6 @@
       </p:grpSpPr>
       <p:sp>
         <p:nvSpPr>
-          <p:cNvPr id="292" name="PlaceHolder 1"/>
-          <p:cNvSpPr>
-            <a:spLocks noGrp="1"/>
-          </p:cNvSpPr>
-          <p:nvPr>
-            <p:ph type="body"/>
-          </p:nvPr>
-        </p:nvSpPr>
-        <p:spPr>
-          <a:xfrm>
-            <a:off x="931320" y="3257640"/>
-            <a:ext cx="7450200" cy="3085560"/>
-          </a:xfrm>
-          <a:prstGeom prst="rect">
-            <a:avLst/>
-          </a:prstGeom>
-        </p:spPr>
-        <p:txBody>
-          <a:bodyPr lIns="0" tIns="0" rIns="0" bIns="0"/>
-          <a:p>
-            <a:r>
-              <a:rPr lang="en-US" sz="2000" b="0" strike="noStrike" spc="-1">
-                <a:solidFill>
-                  <a:srgbClr val="000000"/>
-                </a:solidFill>
-                <a:uFill>
-                  <a:solidFill>
-                    <a:srgbClr val="FFFFFF"/>
-                  </a:solidFill>
-                </a:uFill>
-                <a:latin typeface="Arial" panose="020B0604020202020204"/>
-              </a:rPr>
-              <a:t>Lulu liang = pada penelitian ini menggunakan serangan 3 method dos, yaoitu : DOS attack with using hping 3 with random source ip, simple syn flooding with spoofed ip, tcp connect flood. Data yang didapatkan pada penelitian ini pada setiap scenario packet ang dilancarkan adalah berupa time of successful attack, packet loss rate,  dan cpu utility. Dan setelah hasil ini didapatkan, akan dilakukan perbandingan terhadap 3 method serangan tersebut dan dapat diambil kesimpulan bahwa serangan paling bahaya dari 3 method tersebut kepada sistem iot(berdasarkan successful attack).</a:t>
-            </a:r>
-            <a:endParaRPr lang="en-US" sz="2000" b="0" strike="noStrike" spc="-1">
-              <a:solidFill>
-                <a:srgbClr val="000000"/>
-              </a:solidFill>
-              <a:uFill>
-                <a:solidFill>
-                  <a:srgbClr val="FFFFFF"/>
-                </a:solidFill>
-              </a:uFill>
-              <a:latin typeface="Arial" panose="020B0604020202020204"/>
-            </a:endParaRPr>
-          </a:p>
-          <a:p>
-            <a:r>
-              <a:rPr lang="en-US" sz="2000" b="0" strike="noStrike" spc="-1">
-                <a:solidFill>
-                  <a:srgbClr val="000000"/>
-                </a:solidFill>
-                <a:uFill>
-                  <a:solidFill>
-                    <a:srgbClr val="FFFFFF"/>
-                  </a:solidFill>
-                </a:uFill>
-                <a:latin typeface="Arial" panose="020B0604020202020204"/>
-              </a:rPr>
-              <a:t>Teuku Ridha Muhammad Saputra =pada peneltiain ini menggunakan wireless sensor network yang diterapkan pada kendang ayam, pada peneltiaan ini terdapat bebrapa sensor yang tereletak pada node node tertentu yang ada padan kendang ayam tersebut, contohnya terdapat suhu dan kelembapan, tanki dan pakar air serta berat pakan.  Pada panelitian ini suhu dan kelembapan pada peternakan ini dapat dikendalikan (jika terlalu panas kipas akan hidup). Sistem akan otomatis mengisi pakan jikapakan sudah habis</a:t>
-            </a:r>
-            <a:endParaRPr lang="en-US" sz="2000" b="0" strike="noStrike" spc="-1">
-              <a:solidFill>
-                <a:srgbClr val="000000"/>
-              </a:solidFill>
-              <a:uFill>
-                <a:solidFill>
-                  <a:srgbClr val="FFFFFF"/>
-                </a:solidFill>
-              </a:uFill>
-              <a:latin typeface="Arial" panose="020B0604020202020204"/>
-            </a:endParaRPr>
-          </a:p>
-          <a:p>
-            <a:endParaRPr lang="en-US" sz="2000" b="0" strike="noStrike" spc="-1">
-              <a:solidFill>
-                <a:srgbClr val="000000"/>
-              </a:solidFill>
-              <a:uFill>
-                <a:solidFill>
-                  <a:srgbClr val="FFFFFF"/>
-                </a:solidFill>
-              </a:uFill>
-              <a:latin typeface="Arial" panose="020B0604020202020204"/>
-            </a:endParaRPr>
-          </a:p>
-        </p:txBody>
-      </p:sp>
-      <p:sp>
-        <p:nvSpPr>
-          <p:cNvPr id="293" name="CustomShape 2"/>
-          <p:cNvSpPr/>
-          <p:nvPr/>
-        </p:nvSpPr>
-        <p:spPr>
-          <a:xfrm>
-            <a:off x="5275800" y="6513840"/>
-            <a:ext cx="4035240" cy="342360"/>
-          </a:xfrm>
-          <a:prstGeom prst="rect">
-            <a:avLst/>
-          </a:prstGeom>
-          <a:noFill/>
-          <a:ln>
-            <a:noFill/>
-          </a:ln>
-        </p:spPr>
-        <p:style>
-          <a:lnRef idx="0">
-            <a:srgbClr val="FFFFFF"/>
-          </a:lnRef>
-          <a:fillRef idx="0">
-            <a:srgbClr val="FFFFFF"/>
-          </a:fillRef>
-          <a:effectRef idx="0">
-            <a:srgbClr val="FFFFFF"/>
-          </a:effectRef>
-          <a:fontRef idx="minor"/>
-        </p:style>
-        <p:txBody>
-          <a:bodyPr lIns="90000" tIns="45000" rIns="90000" bIns="45000" anchor="b"/>
-          <a:p>
-            <a:pPr algn="r">
-              <a:lnSpc>
-                <a:spcPct val="100000"/>
-              </a:lnSpc>
-            </a:pPr>
-            <a:fld id="{5883848D-C9D4-47EC-938F-207C1D6CFDB7}" type="slidenum">
-              <a:rPr lang="en-US" sz="1200" b="0" strike="noStrike" spc="-1">
-                <a:solidFill>
-                  <a:srgbClr val="000000"/>
-                </a:solidFill>
-                <a:uFill>
-                  <a:solidFill>
-                    <a:srgbClr val="FFFFFF"/>
-                  </a:solidFill>
-                </a:uFill>
-                <a:latin typeface="Times New Roman" panose="02020603050405020304"/>
-              </a:rPr>
-            </a:fld>
-            <a:endParaRPr lang="en-US" sz="1800" b="0" strike="noStrike" spc="-1">
-              <a:solidFill>
-                <a:srgbClr val="000000"/>
-              </a:solidFill>
-              <a:uFill>
-                <a:solidFill>
-                  <a:srgbClr val="FFFFFF"/>
-                </a:solidFill>
-              </a:uFill>
-              <a:latin typeface="Arial" panose="020B0604020202020204"/>
-            </a:endParaRPr>
-          </a:p>
-        </p:txBody>
-      </p:sp>
-    </p:spTree>
-  </p:cSld>
-  <p:clrMapOvr>
-    <a:masterClrMapping/>
-  </p:clrMapOvr>
-</p:notes>
-</file>
-
-<file path=ppt/notesSlides/notesSlide15.xml><?xml version="1.0" encoding="utf-8"?>
-<p:notes xmlns:a="http://schemas.openxmlformats.org/drawingml/2006/main" xmlns:r="http://schemas.openxmlformats.org/officeDocument/2006/relationships" xmlns:p="http://schemas.openxmlformats.org/presentationml/2006/main">
-  <p:cSld>
-    <p:spTree>
-      <p:nvGrpSpPr>
-        <p:cNvPr id="1" name=""/>
-        <p:cNvGrpSpPr/>
-        <p:nvPr/>
-      </p:nvGrpSpPr>
-      <p:grpSpPr>
-        <a:xfrm>
-          <a:off x="0" y="0"/>
-          <a:ext cx="0" cy="0"/>
-          <a:chOff x="0" y="0"/>
-          <a:chExt cx="0" cy="0"/>
-        </a:xfrm>
-      </p:grpSpPr>
-      <p:sp>
-        <p:nvSpPr>
           <p:cNvPr id="294" name="PlaceHolder 1"/>
           <p:cNvSpPr>
             <a:spLocks noGrp="1"/>
@@ -4794,7 +4613,7 @@
 </p:notes>
 </file>
 
-<file path=ppt/notesSlides/notesSlide16.xml><?xml version="1.0" encoding="utf-8"?>
+<file path=ppt/notesSlides/notesSlide15.xml><?xml version="1.0" encoding="utf-8"?>
 <p:notes xmlns:a="http://schemas.openxmlformats.org/drawingml/2006/main" xmlns:r="http://schemas.openxmlformats.org/officeDocument/2006/relationships" xmlns:p="http://schemas.openxmlformats.org/presentationml/2006/main">
   <p:cSld>
     <p:spTree>
@@ -4975,7 +4794,7 @@
 </p:notes>
 </file>
 
-<file path=ppt/notesSlides/notesSlide17.xml><?xml version="1.0" encoding="utf-8"?>
+<file path=ppt/notesSlides/notesSlide16.xml><?xml version="1.0" encoding="utf-8"?>
 <p:notes xmlns:a="http://schemas.openxmlformats.org/drawingml/2006/main" xmlns:r="http://schemas.openxmlformats.org/officeDocument/2006/relationships" xmlns:p="http://schemas.openxmlformats.org/presentationml/2006/main">
   <p:cSld>
     <p:spTree>
@@ -5143,7 +4962,7 @@
 </p:notes>
 </file>
 
-<file path=ppt/notesSlides/notesSlide18.xml><?xml version="1.0" encoding="utf-8"?>
+<file path=ppt/notesSlides/notesSlide17.xml><?xml version="1.0" encoding="utf-8"?>
 <p:notes xmlns:a="http://schemas.openxmlformats.org/drawingml/2006/main" xmlns:r="http://schemas.openxmlformats.org/officeDocument/2006/relationships" xmlns:p="http://schemas.openxmlformats.org/presentationml/2006/main">
   <p:cSld>
     <p:spTree>
@@ -5250,6 +5069,147 @@
               </a:lnSpc>
             </a:pPr>
             <a:fld id="{FB944D3D-EEAE-4DE2-99F1-3049AFE92CD5}" type="slidenum">
+              <a:rPr lang="en-US" sz="1200" b="0" strike="noStrike" spc="-1">
+                <a:solidFill>
+                  <a:srgbClr val="000000"/>
+                </a:solidFill>
+                <a:uFill>
+                  <a:solidFill>
+                    <a:srgbClr val="FFFFFF"/>
+                  </a:solidFill>
+                </a:uFill>
+                <a:latin typeface="Times New Roman" panose="02020603050405020304"/>
+              </a:rPr>
+            </a:fld>
+            <a:endParaRPr lang="en-US" sz="1800" b="0" strike="noStrike" spc="-1">
+              <a:solidFill>
+                <a:srgbClr val="000000"/>
+              </a:solidFill>
+              <a:uFill>
+                <a:solidFill>
+                  <a:srgbClr val="FFFFFF"/>
+                </a:solidFill>
+              </a:uFill>
+              <a:latin typeface="Arial" panose="020B0604020202020204"/>
+            </a:endParaRPr>
+          </a:p>
+        </p:txBody>
+      </p:sp>
+    </p:spTree>
+  </p:cSld>
+  <p:clrMapOvr>
+    <a:masterClrMapping/>
+  </p:clrMapOvr>
+</p:notes>
+</file>
+
+<file path=ppt/notesSlides/notesSlide18.xml><?xml version="1.0" encoding="utf-8"?>
+<p:notes xmlns:a="http://schemas.openxmlformats.org/drawingml/2006/main" xmlns:r="http://schemas.openxmlformats.org/officeDocument/2006/relationships" xmlns:p="http://schemas.openxmlformats.org/presentationml/2006/main">
+  <p:cSld>
+    <p:spTree>
+      <p:nvGrpSpPr>
+        <p:cNvPr id="1" name=""/>
+        <p:cNvGrpSpPr/>
+        <p:nvPr/>
+      </p:nvGrpSpPr>
+      <p:grpSpPr>
+        <a:xfrm>
+          <a:off x="0" y="0"/>
+          <a:ext cx="0" cy="0"/>
+          <a:chOff x="0" y="0"/>
+          <a:chExt cx="0" cy="0"/>
+        </a:xfrm>
+      </p:grpSpPr>
+      <p:sp>
+        <p:nvSpPr>
+          <p:cNvPr id="302" name="PlaceHolder 1"/>
+          <p:cNvSpPr>
+            <a:spLocks noGrp="1"/>
+          </p:cNvSpPr>
+          <p:nvPr>
+            <p:ph type="body"/>
+          </p:nvPr>
+        </p:nvSpPr>
+        <p:spPr>
+          <a:xfrm>
+            <a:off x="931320" y="3257640"/>
+            <a:ext cx="7450200" cy="3085560"/>
+          </a:xfrm>
+          <a:prstGeom prst="rect">
+            <a:avLst/>
+          </a:prstGeom>
+        </p:spPr>
+        <p:txBody>
+          <a:bodyPr lIns="0" tIns="0" rIns="0" bIns="0"/>
+          <a:p>
+            <a:r>
+              <a:rPr lang="en-US" sz="2000" b="0" strike="noStrike" spc="-1">
+                <a:solidFill>
+                  <a:srgbClr val="000000"/>
+                </a:solidFill>
+                <a:uFill>
+                  <a:solidFill>
+                    <a:srgbClr val="FFFFFF"/>
+                  </a:solidFill>
+                </a:uFill>
+                <a:latin typeface="Arial" panose="020B0604020202020204"/>
+              </a:rPr>
+              <a:t>Pada sistem yang dibuat ini akan menggunakan sensor accelerometer dan PIR yang akan mendeteksi percepatan gerakan serta mendeteksi objek untuk dijadikan sebagai input. Sensor accelerometer dan PIR terhubung menuju mikrokontroller yang bertugas mengolah data yang didapatkan dari sensor tersebut dan akan mentransmisikan perbuhaan keadaan menuju miktrokontroller pusar. Kemudian di miktrokontroller pusat akan melakukan respon perubahan keadaan tersebut dengan membunyikan buzzer dan juga menyalakan lampu LED. Pada saat yang bersamaan mikrokontroller pusat atau station  mengirimkan nilai perubahan menuju server IoT Adafruit yang dapat dimonitoring dan dilihat oleh pemilik rumah. Server IoT adafurit tersebut memiliki dashboard yang akan menunjukkan status masing-masing sensor yang terhubung dengan station. Station ini mengirimkan data atau push kedua server, yaitu server untuk web dashboard Adafruit yang bertugas untuk melakukan penampilan data pada web Adafruit, yang kedua adalah pengiriman data menuju Google firebase realtime database, data sensor yang dikirim station ini akan disimpan pada database tersebut. Selanjutnya untuk pengembangan aplikasi Android menggunakan android studio yang akan melakukan pengambilan data dari realtime database Firebase, sehingga aplikasi android dapat melakukan pemantauan secara realtime dan dapat dimonitoring kapan saja dan dimana saja</a:t>
+            </a:r>
+            <a:endParaRPr lang="en-US" sz="1800" b="0" strike="noStrike" spc="-1">
+              <a:solidFill>
+                <a:srgbClr val="000000"/>
+              </a:solidFill>
+              <a:uFill>
+                <a:solidFill>
+                  <a:srgbClr val="FFFFFF"/>
+                </a:solidFill>
+              </a:uFill>
+              <a:latin typeface="Arial" panose="020B0604020202020204"/>
+            </a:endParaRPr>
+          </a:p>
+        </p:txBody>
+      </p:sp>
+      <p:sp>
+        <p:nvSpPr>
+          <p:cNvPr id="303" name="CustomShape 2"/>
+          <p:cNvSpPr/>
+          <p:nvPr/>
+        </p:nvSpPr>
+        <p:spPr>
+          <a:xfrm>
+            <a:off x="5275800" y="6513840"/>
+            <a:ext cx="4035240" cy="342360"/>
+          </a:xfrm>
+          <a:prstGeom prst="rect">
+            <a:avLst/>
+          </a:prstGeom>
+          <a:noFill/>
+          <a:ln>
+            <a:noFill/>
+          </a:ln>
+        </p:spPr>
+        <p:style>
+          <a:lnRef idx="0">
+            <a:srgbClr val="FFFFFF"/>
+          </a:lnRef>
+          <a:fillRef idx="0">
+            <a:srgbClr val="FFFFFF"/>
+          </a:fillRef>
+          <a:effectRef idx="0">
+            <a:srgbClr val="FFFFFF"/>
+          </a:effectRef>
+          <a:fontRef idx="minor"/>
+        </p:style>
+        <p:txBody>
+          <a:bodyPr lIns="90000" tIns="45000" rIns="90000" bIns="45000" anchor="b"/>
+          <a:p>
+            <a:pPr algn="r">
+              <a:lnSpc>
+                <a:spcPct val="100000"/>
+              </a:lnSpc>
+            </a:pPr>
+            <a:fld id="{B43AA1A2-C3BA-4A29-99FD-A9FC4316002E}" type="slidenum">
               <a:rPr lang="en-US" sz="1200" b="0" strike="noStrike" spc="-1">
                 <a:solidFill>
                   <a:srgbClr val="000000"/>
@@ -5479,147 +5439,6 @@
               <a:t>Urutan dari pembahasan saya pada presentasi ini dimulai dari latar belakang, kemudian rumusan masalah, tujuan proyek akhir, tinjauan pustaka, hipotesis dan terakhir metodologi</a:t>
             </a:r>
             <a:endParaRPr lang="en-US" sz="2000" b="0" strike="noStrike" spc="-1">
-              <a:solidFill>
-                <a:srgbClr val="000000"/>
-              </a:solidFill>
-              <a:uFill>
-                <a:solidFill>
-                  <a:srgbClr val="FFFFFF"/>
-                </a:solidFill>
-              </a:uFill>
-              <a:latin typeface="Arial" panose="020B0604020202020204"/>
-            </a:endParaRPr>
-          </a:p>
-        </p:txBody>
-      </p:sp>
-    </p:spTree>
-  </p:cSld>
-  <p:clrMapOvr>
-    <a:masterClrMapping/>
-  </p:clrMapOvr>
-</p:notes>
-</file>
-
-<file path=ppt/notesSlides/notesSlide20.xml><?xml version="1.0" encoding="utf-8"?>
-<p:notes xmlns:a="http://schemas.openxmlformats.org/drawingml/2006/main" xmlns:r="http://schemas.openxmlformats.org/officeDocument/2006/relationships" xmlns:p="http://schemas.openxmlformats.org/presentationml/2006/main">
-  <p:cSld>
-    <p:spTree>
-      <p:nvGrpSpPr>
-        <p:cNvPr id="1" name=""/>
-        <p:cNvGrpSpPr/>
-        <p:nvPr/>
-      </p:nvGrpSpPr>
-      <p:grpSpPr>
-        <a:xfrm>
-          <a:off x="0" y="0"/>
-          <a:ext cx="0" cy="0"/>
-          <a:chOff x="0" y="0"/>
-          <a:chExt cx="0" cy="0"/>
-        </a:xfrm>
-      </p:grpSpPr>
-      <p:sp>
-        <p:nvSpPr>
-          <p:cNvPr id="302" name="PlaceHolder 1"/>
-          <p:cNvSpPr>
-            <a:spLocks noGrp="1"/>
-          </p:cNvSpPr>
-          <p:nvPr>
-            <p:ph type="body"/>
-          </p:nvPr>
-        </p:nvSpPr>
-        <p:spPr>
-          <a:xfrm>
-            <a:off x="931320" y="3257640"/>
-            <a:ext cx="7450200" cy="3085560"/>
-          </a:xfrm>
-          <a:prstGeom prst="rect">
-            <a:avLst/>
-          </a:prstGeom>
-        </p:spPr>
-        <p:txBody>
-          <a:bodyPr lIns="0" tIns="0" rIns="0" bIns="0"/>
-          <a:p>
-            <a:r>
-              <a:rPr lang="en-US" sz="2000" b="0" strike="noStrike" spc="-1">
-                <a:solidFill>
-                  <a:srgbClr val="000000"/>
-                </a:solidFill>
-                <a:uFill>
-                  <a:solidFill>
-                    <a:srgbClr val="FFFFFF"/>
-                  </a:solidFill>
-                </a:uFill>
-                <a:latin typeface="Arial" panose="020B0604020202020204"/>
-              </a:rPr>
-              <a:t>Pada sistem yang dibuat ini akan menggunakan sensor accelerometer dan PIR yang akan mendeteksi percepatan gerakan serta mendeteksi objek untuk dijadikan sebagai input. Sensor accelerometer dan PIR terhubung menuju mikrokontroller yang bertugas mengolah data yang didapatkan dari sensor tersebut dan akan mentransmisikan perbuhaan keadaan menuju miktrokontroller pusar. Kemudian di miktrokontroller pusat akan melakukan respon perubahan keadaan tersebut dengan membunyikan buzzer dan juga menyalakan lampu LED. Pada saat yang bersamaan mikrokontroller pusat atau station  mengirimkan nilai perubahan menuju server IoT Adafruit yang dapat dimonitoring dan dilihat oleh pemilik rumah. Server IoT adafurit tersebut memiliki dashboard yang akan menunjukkan status masing-masing sensor yang terhubung dengan station. Station ini mengirimkan data atau push kedua server, yaitu server untuk web dashboard Adafruit yang bertugas untuk melakukan penampilan data pada web Adafruit, yang kedua adalah pengiriman data menuju Google firebase realtime database, data sensor yang dikirim station ini akan disimpan pada database tersebut. Selanjutnya untuk pengembangan aplikasi Android menggunakan android studio yang akan melakukan pengambilan data dari realtime database Firebase, sehingga aplikasi android dapat melakukan pemantauan secara realtime dan dapat dimonitoring kapan saja dan dimana saja</a:t>
-            </a:r>
-            <a:endParaRPr lang="en-US" sz="1800" b="0" strike="noStrike" spc="-1">
-              <a:solidFill>
-                <a:srgbClr val="000000"/>
-              </a:solidFill>
-              <a:uFill>
-                <a:solidFill>
-                  <a:srgbClr val="FFFFFF"/>
-                </a:solidFill>
-              </a:uFill>
-              <a:latin typeface="Arial" panose="020B0604020202020204"/>
-            </a:endParaRPr>
-          </a:p>
-        </p:txBody>
-      </p:sp>
-      <p:sp>
-        <p:nvSpPr>
-          <p:cNvPr id="303" name="CustomShape 2"/>
-          <p:cNvSpPr/>
-          <p:nvPr/>
-        </p:nvSpPr>
-        <p:spPr>
-          <a:xfrm>
-            <a:off x="5275800" y="6513840"/>
-            <a:ext cx="4035240" cy="342360"/>
-          </a:xfrm>
-          <a:prstGeom prst="rect">
-            <a:avLst/>
-          </a:prstGeom>
-          <a:noFill/>
-          <a:ln>
-            <a:noFill/>
-          </a:ln>
-        </p:spPr>
-        <p:style>
-          <a:lnRef idx="0">
-            <a:srgbClr val="FFFFFF"/>
-          </a:lnRef>
-          <a:fillRef idx="0">
-            <a:srgbClr val="FFFFFF"/>
-          </a:fillRef>
-          <a:effectRef idx="0">
-            <a:srgbClr val="FFFFFF"/>
-          </a:effectRef>
-          <a:fontRef idx="minor"/>
-        </p:style>
-        <p:txBody>
-          <a:bodyPr lIns="90000" tIns="45000" rIns="90000" bIns="45000" anchor="b"/>
-          <a:p>
-            <a:pPr algn="r">
-              <a:lnSpc>
-                <a:spcPct val="100000"/>
-              </a:lnSpc>
-            </a:pPr>
-            <a:fld id="{B43AA1A2-C3BA-4A29-99FD-A9FC4316002E}" type="slidenum">
-              <a:rPr lang="en-US" sz="1200" b="0" strike="noStrike" spc="-1">
-                <a:solidFill>
-                  <a:srgbClr val="000000"/>
-                </a:solidFill>
-                <a:uFill>
-                  <a:solidFill>
-                    <a:srgbClr val="FFFFFF"/>
-                  </a:solidFill>
-                </a:uFill>
-                <a:latin typeface="Times New Roman" panose="02020603050405020304"/>
-              </a:rPr>
-            </a:fld>
-            <a:endParaRPr lang="en-US" sz="1800" b="0" strike="noStrike" spc="-1">
               <a:solidFill>
                 <a:srgbClr val="000000"/>
               </a:solidFill>
@@ -13513,7 +13332,7 @@
               </a:lnSpc>
             </a:pPr>
             <a:r>
-              <a:rPr lang="en-GB" sz="1200" b="1" strike="noStrike" spc="-1">
+              <a:rPr lang="en-GB" sz="1200" b="1" i="1" strike="noStrike" spc="-1">
                 <a:solidFill>
                   <a:srgbClr val="000000"/>
                 </a:solidFill>
@@ -13525,8 +13344,27 @@
                 <a:latin typeface="Caviar Dreams"/>
                 <a:ea typeface="Calibri"/>
               </a:rPr>
-              <a:t>Sistem Kendali Berbasis Mikrokontroler Menggunakan Protokol MQTT Pada </a:t>
-            </a:r>
+              <a:t>A Comparison of IoT Application Layer Protocols</a:t>
+            </a:r>
+            <a:endParaRPr lang="en-GB" sz="1200" b="1" i="1" strike="noStrike" spc="-1">
+              <a:solidFill>
+                <a:srgbClr val="000000"/>
+              </a:solidFill>
+              <a:uFill>
+                <a:solidFill>
+                  <a:srgbClr val="FFFFFF"/>
+                </a:solidFill>
+              </a:uFill>
+              <a:latin typeface="Caviar Dreams"/>
+              <a:ea typeface="Calibri"/>
+            </a:endParaRPr>
+          </a:p>
+          <a:p>
+            <a:pPr algn="ctr">
+              <a:lnSpc>
+                <a:spcPct val="150000"/>
+              </a:lnSpc>
+            </a:pPr>
             <a:r>
               <a:rPr lang="en-GB" sz="1200" b="1" i="1" strike="noStrike" spc="-1">
                 <a:solidFill>
@@ -13540,9 +13378,9 @@
                 <a:latin typeface="Caviar Dreams"/>
                 <a:ea typeface="Calibri"/>
               </a:rPr>
-              <a:t>Smarthome</a:t>
-            </a:r>
-            <a:endParaRPr lang="en-GB" sz="1200" b="1" i="1" strike="noStrike" spc="-1">
+              <a:t>Through a Smart Parking Implementation</a:t>
+            </a:r>
+            <a:endParaRPr lang="en-US" sz="1800" b="0" strike="noStrike" spc="-1">
               <a:solidFill>
                 <a:srgbClr val="000000"/>
               </a:solidFill>
@@ -13551,8 +13389,7 @@
                   <a:srgbClr val="FFFFFF"/>
                 </a:solidFill>
               </a:uFill>
-              <a:latin typeface="Caviar Dreams"/>
-              <a:ea typeface="Calibri"/>
+              <a:latin typeface="Arial" panose="020B0604020202020204"/>
             </a:endParaRPr>
           </a:p>
           <a:p>
@@ -13599,37 +13436,7 @@
                 <a:latin typeface="Caviar Dreams"/>
                 <a:ea typeface="Calibri"/>
               </a:rPr>
-              <a:t>Hudan Abdur </a:t>
-            </a:r>
-            <a:r>
-              <a:rPr lang="en-US" altLang="en-GB" sz="1200" b="1" strike="noStrike" spc="-1">
-                <a:solidFill>
-                  <a:srgbClr val="000000"/>
-                </a:solidFill>
-                <a:uFill>
-                  <a:solidFill>
-                    <a:srgbClr val="FFFFFF"/>
-                  </a:solidFill>
-                </a:uFill>
-                <a:latin typeface="Caviar Dreams"/>
-                <a:ea typeface="Calibri"/>
-              </a:rPr>
-              <a:t>R. </a:t>
-            </a:r>
-            <a:r>
-              <a:rPr lang="en-GB" sz="1200" b="1" strike="noStrike" spc="-1">
-                <a:solidFill>
-                  <a:srgbClr val="000000"/>
-                </a:solidFill>
-                <a:uFill>
-                  <a:solidFill>
-                    <a:srgbClr val="FFFFFF"/>
-                  </a:solidFill>
-                </a:uFill>
-                <a:latin typeface="Caviar Dreams"/>
-                <a:ea typeface="Calibri"/>
-              </a:rPr>
-              <a:t>dan Rakhmadhany Primananda </a:t>
+              <a:t>Paridhika Kayal dan Harry Perros </a:t>
             </a:r>
             <a:r>
               <a:rPr lang="en-US" sz="1200" b="1" strike="noStrike" spc="-1">
@@ -13710,11 +13517,12 @@
                   </a:solidFill>
                 </a:uFill>
                 <a:latin typeface="Caviar Dreams"/>
-              </a:rPr>
-              <a:t>Pengujian </a:t>
-            </a:r>
-            <a:r>
-              <a:rPr lang="en-US" sz="1200" b="0" i="1" strike="noStrike" spc="-1">
+                <a:ea typeface="DejaVu Sans" panose="020B0603030804020204"/>
+              </a:rPr>
+              <a:t>Dilakukan perbandingan </a:t>
+            </a:r>
+            <a:r>
+              <a:rPr lang="en-GB" sz="1200" b="0" i="1" strike="noStrike" spc="-1">
                 <a:solidFill>
                   <a:srgbClr val="000000"/>
                 </a:solidFill>
@@ -13724,8 +13532,9 @@
                   </a:solidFill>
                 </a:uFill>
                 <a:latin typeface="Caviar Dreams"/>
-              </a:rPr>
-              <a:t>delta time</a:t>
+                <a:ea typeface="Times New Roman" panose="02020603050405020304"/>
+              </a:rPr>
+              <a:t>response time </a:t>
             </a:r>
             <a:r>
               <a:rPr lang="en-US" sz="1200" b="0" strike="noStrike" spc="-1">
@@ -13738,11 +13547,12 @@
                   </a:solidFill>
                 </a:uFill>
                 <a:latin typeface="Caviar Dreams"/>
-              </a:rPr>
-              <a:t> dilakukan mengirimkan</a:t>
-            </a:r>
-            <a:r>
-              <a:rPr sz="1200" b="0" strike="noStrike" spc="-1">
+                <a:ea typeface="DejaVu Sans" panose="020B0603030804020204"/>
+              </a:rPr>
+              <a:t>untuk protokol MQTT, CoAP, XMPP dan MQTT melalui Websocket. Dalam jurnal ini menunjukkan bahwa protokol MQTT memiliki rata-rata </a:t>
+            </a:r>
+            <a:r>
+              <a:rPr lang="en-GB" sz="1200" b="0" i="1" strike="noStrike" spc="-1">
                 <a:solidFill>
                   <a:srgbClr val="000000"/>
                 </a:solidFill>
@@ -13752,8 +13562,9 @@
                   </a:solidFill>
                 </a:uFill>
                 <a:latin typeface="Caviar Dreams"/>
-              </a:rPr>
-              <a:t> pesan data sensor setiap 10 milidetik, 100 milidetik, dan 1000 milidetik </a:t>
+                <a:ea typeface="Times New Roman" panose="02020603050405020304"/>
+              </a:rPr>
+              <a:t>response time</a:t>
             </a:r>
             <a:r>
               <a:rPr lang="en-US" sz="1200" b="0" strike="noStrike" spc="-1">
@@ -13766,10 +13577,56 @@
                   </a:solidFill>
                 </a:uFill>
                 <a:latin typeface="Caviar Dreams"/>
-              </a:rPr>
-              <a:t>menuju server. Selain itu dilakukan pula pengujian integritas data. Pada pengujian integritas data dilakukan dengan membandingkan 50 data sensor pertama yang diterima oleh server dengan 50 data pertama yang di-publish oleh masing – masing mikrokontroller yang terintegrasi oleh sensor.</a:t>
-            </a:r>
-            <a:endParaRPr lang="en-US" sz="1200" b="0" strike="noStrike" spc="-1">
+                <a:ea typeface="DejaVu Sans" panose="020B0603030804020204"/>
+              </a:rPr>
+              <a:t> paling rendah dalam kondisi pengguna </a:t>
+            </a:r>
+            <a:r>
+              <a:rPr lang="en-GB" sz="1200" b="0" i="1" strike="noStrike" spc="-1">
+                <a:solidFill>
+                  <a:srgbClr val="000000"/>
+                </a:solidFill>
+                <a:uFill>
+                  <a:solidFill>
+                    <a:srgbClr val="FFFFFF"/>
+                  </a:solidFill>
+                </a:uFill>
+                <a:latin typeface="Caviar Dreams"/>
+                <a:ea typeface="Times New Roman" panose="02020603050405020304"/>
+              </a:rPr>
+              <a:t>resource</a:t>
+            </a:r>
+            <a:r>
+              <a:rPr lang="en-GB" sz="1200" b="0" strike="noStrike" spc="-1">
+                <a:solidFill>
+                  <a:srgbClr val="000000"/>
+                </a:solidFill>
+                <a:uFill>
+                  <a:solidFill>
+                    <a:srgbClr val="FFFFFF"/>
+                  </a:solidFill>
+                </a:uFill>
+                <a:latin typeface="Caviar Dreams"/>
+                <a:ea typeface="DejaVu Sans" panose="020B0603030804020204"/>
+              </a:rPr>
+              <a:t> CPU yang terus </a:t>
+            </a:r>
+            <a:r>
+              <a:rPr lang="en-US" altLang="en-GB" sz="1200" b="0" strike="noStrike" spc="-1">
+                <a:solidFill>
+                  <a:srgbClr val="000000"/>
+                </a:solidFill>
+                <a:uFill>
+                  <a:solidFill>
+                    <a:srgbClr val="FFFFFF"/>
+                  </a:solidFill>
+                </a:uFill>
+                <a:latin typeface="Caviar Dreams"/>
+                <a:ea typeface="DejaVu Sans" panose="020B0603030804020204"/>
+              </a:rPr>
+              <a:t>meningkat</a:t>
+            </a:r>
+            <a:endParaRPr lang="en-US" altLang="en-GB" sz="1200" b="0" strike="noStrike" spc="-1">
               <a:solidFill>
                 <a:srgbClr val="000000"/>
               </a:solidFill>
@@ -13779,6 +13636,7 @@
                 </a:solidFill>
               </a:uFill>
               <a:latin typeface="Caviar Dreams"/>
+              <a:ea typeface="DejaVu Sans" panose="020B0603030804020204"/>
             </a:endParaRPr>
           </a:p>
           <a:p>
@@ -13819,7 +13677,7 @@
                 <a:latin typeface="Caviar Dreams"/>
                 <a:ea typeface="DejaVu Sans" panose="020B0603030804020204"/>
               </a:rPr>
-              <a:t>Kesimpulan : Semakin singkat jeda pengiriman data melalui protokol MQTT semakin kecil nilai </a:t>
+              <a:t>Kesimpulan : Ketika penggunaan </a:t>
             </a:r>
             <a:r>
               <a:rPr lang="en-US" altLang="en-US" sz="1200" b="0" i="1" strike="noStrike" spc="-1">
@@ -13834,7 +13692,7 @@
                 <a:latin typeface="Caviar Dreams"/>
                 <a:ea typeface="DejaVu Sans" panose="020B0603030804020204"/>
               </a:rPr>
-              <a:t>delta time</a:t>
+              <a:t>resource server</a:t>
             </a:r>
             <a:r>
               <a:rPr lang="en-US" altLang="en-US" sz="1200" b="0" strike="noStrike" spc="-1">
@@ -13849,7 +13707,37 @@
                 <a:latin typeface="Caviar Dreams"/>
                 <a:ea typeface="DejaVu Sans" panose="020B0603030804020204"/>
               </a:rPr>
-              <a:t>-nya. Selain itu, nilai integritas data yang dikirim dan diterima mencapai 100%.</a:t>
+              <a:t> dinaikkan, </a:t>
+            </a:r>
+            <a:r>
+              <a:rPr lang="en-US" altLang="en-US" sz="1200" b="0" i="1" strike="noStrike" spc="-1">
+                <a:solidFill>
+                  <a:srgbClr val="000000"/>
+                </a:solidFill>
+                <a:uFill>
+                  <a:solidFill>
+                    <a:srgbClr val="FFFFFF"/>
+                  </a:solidFill>
+                </a:uFill>
+                <a:latin typeface="Caviar Dreams"/>
+                <a:ea typeface="DejaVu Sans" panose="020B0603030804020204"/>
+              </a:rPr>
+              <a:t>response time </a:t>
+            </a:r>
+            <a:r>
+              <a:rPr lang="en-US" altLang="en-US" sz="1200" b="0" strike="noStrike" spc="-1">
+                <a:solidFill>
+                  <a:srgbClr val="000000"/>
+                </a:solidFill>
+                <a:uFill>
+                  <a:solidFill>
+                    <a:srgbClr val="FFFFFF"/>
+                  </a:solidFill>
+                </a:uFill>
+                <a:latin typeface="Caviar Dreams"/>
+                <a:ea typeface="DejaVu Sans" panose="020B0603030804020204"/>
+              </a:rPr>
+              <a:t>WebSocket relatif tetap.</a:t>
             </a:r>
             <a:endParaRPr lang="en-US" altLang="en-US" sz="1200" b="0" strike="noStrike" spc="-1">
               <a:solidFill>
@@ -14352,1107 +14240,6 @@
 </file>
 
 <file path=ppt/slides/slide14.xml><?xml version="1.0" encoding="utf-8"?>
-<p:sld xmlns:a="http://schemas.openxmlformats.org/drawingml/2006/main" xmlns:r="http://schemas.openxmlformats.org/officeDocument/2006/relationships" xmlns:p="http://schemas.openxmlformats.org/presentationml/2006/main">
-  <p:cSld>
-    <p:spTree>
-      <p:nvGrpSpPr>
-        <p:cNvPr id="1" name=""/>
-        <p:cNvGrpSpPr/>
-        <p:nvPr/>
-      </p:nvGrpSpPr>
-      <p:grpSpPr>
-        <a:xfrm>
-          <a:off x="0" y="0"/>
-          <a:ext cx="0" cy="0"/>
-          <a:chOff x="0" y="0"/>
-          <a:chExt cx="0" cy="0"/>
-        </a:xfrm>
-      </p:grpSpPr>
-      <p:sp>
-        <p:nvSpPr>
-          <p:cNvPr id="160" name="CustomShape 1"/>
-          <p:cNvSpPr/>
-          <p:nvPr/>
-        </p:nvSpPr>
-        <p:spPr>
-          <a:xfrm>
-            <a:off x="5012055" y="227330"/>
-            <a:ext cx="3234055" cy="699135"/>
-          </a:xfrm>
-          <a:prstGeom prst="rect">
-            <a:avLst/>
-          </a:prstGeom>
-          <a:noFill/>
-          <a:ln>
-            <a:noFill/>
-          </a:ln>
-        </p:spPr>
-        <p:style>
-          <a:lnRef idx="0">
-            <a:srgbClr val="FFFFFF"/>
-          </a:lnRef>
-          <a:fillRef idx="0">
-            <a:srgbClr val="FFFFFF"/>
-          </a:fillRef>
-          <a:effectRef idx="0">
-            <a:srgbClr val="FFFFFF"/>
-          </a:effectRef>
-          <a:fontRef idx="minor"/>
-        </p:style>
-        <p:txBody>
-          <a:bodyPr lIns="90000" tIns="45000" rIns="90000" bIns="45000"/>
-          <a:p>
-            <a:pPr algn="ctr">
-              <a:lnSpc>
-                <a:spcPct val="100000"/>
-              </a:lnSpc>
-            </a:pPr>
-            <a:r>
-              <a:rPr lang="en-US" sz="2000" b="1" strike="noStrike" spc="-1">
-                <a:solidFill>
-                  <a:srgbClr val="1F497D"/>
-                </a:solidFill>
-                <a:uFill>
-                  <a:solidFill>
-                    <a:srgbClr val="FFFFFF"/>
-                  </a:solidFill>
-                </a:uFill>
-                <a:latin typeface="Capsuula"/>
-                <a:ea typeface="DejaVu Sans" panose="020B0603030804020204"/>
-              </a:rPr>
-              <a:t>Universitas Gadjah Mada</a:t>
-            </a:r>
-            <a:endParaRPr lang="en-US" sz="1800" b="0" strike="noStrike" spc="-1">
-              <a:solidFill>
-                <a:srgbClr val="000000"/>
-              </a:solidFill>
-              <a:uFill>
-                <a:solidFill>
-                  <a:srgbClr val="FFFFFF"/>
-                </a:solidFill>
-              </a:uFill>
-              <a:latin typeface="Arial" panose="020B0604020202020204"/>
-            </a:endParaRPr>
-          </a:p>
-        </p:txBody>
-      </p:sp>
-      <p:sp>
-        <p:nvSpPr>
-          <p:cNvPr id="161" name="CustomShape 2"/>
-          <p:cNvSpPr/>
-          <p:nvPr/>
-        </p:nvSpPr>
-        <p:spPr>
-          <a:xfrm>
-            <a:off x="20880" y="177840"/>
-            <a:ext cx="3614040" cy="394200"/>
-          </a:xfrm>
-          <a:prstGeom prst="rect">
-            <a:avLst/>
-          </a:prstGeom>
-          <a:noFill/>
-          <a:ln>
-            <a:noFill/>
-          </a:ln>
-        </p:spPr>
-        <p:style>
-          <a:lnRef idx="0">
-            <a:srgbClr val="FFFFFF"/>
-          </a:lnRef>
-          <a:fillRef idx="0">
-            <a:srgbClr val="FFFFFF"/>
-          </a:fillRef>
-          <a:effectRef idx="0">
-            <a:srgbClr val="FFFFFF"/>
-          </a:effectRef>
-          <a:fontRef idx="minor"/>
-        </p:style>
-        <p:txBody>
-          <a:bodyPr lIns="90000" tIns="45000" rIns="90000" bIns="45000"/>
-          <a:p>
-            <a:pPr>
-              <a:lnSpc>
-                <a:spcPct val="150000"/>
-              </a:lnSpc>
-            </a:pPr>
-            <a:r>
-              <a:rPr lang="en-US" altLang="en-US" sz="800" spc="-1">
-                <a:solidFill>
-                  <a:srgbClr val="1F497D"/>
-                </a:solidFill>
-                <a:uFill>
-                  <a:solidFill>
-                    <a:srgbClr val="FFFFFF"/>
-                  </a:solidFill>
-                </a:uFill>
-                <a:latin typeface="Caviar Dreams"/>
-                <a:ea typeface="DejaVu Sans" panose="020B0603030804020204"/>
-                <a:sym typeface="+mn-ea"/>
-              </a:rPr>
-              <a:t>“Penerapan HTTP/2 SSE dan Websocket pada Rumah Pintar”</a:t>
-            </a:r>
-            <a:endParaRPr lang="en-US" sz="1800" b="0" strike="noStrike" spc="-1">
-              <a:solidFill>
-                <a:srgbClr val="000000"/>
-              </a:solidFill>
-              <a:uFill>
-                <a:solidFill>
-                  <a:srgbClr val="FFFFFF"/>
-                </a:solidFill>
-              </a:uFill>
-              <a:latin typeface="Arial" panose="020B0604020202020204"/>
-            </a:endParaRPr>
-          </a:p>
-        </p:txBody>
-      </p:sp>
-      <p:sp>
-        <p:nvSpPr>
-          <p:cNvPr id="162" name="CustomShape 3"/>
-          <p:cNvSpPr/>
-          <p:nvPr/>
-        </p:nvSpPr>
-        <p:spPr>
-          <a:xfrm>
-            <a:off x="1518285" y="1540510"/>
-            <a:ext cx="6106795" cy="1093470"/>
-          </a:xfrm>
-          <a:prstGeom prst="rect">
-            <a:avLst/>
-          </a:prstGeom>
-          <a:noFill/>
-          <a:ln>
-            <a:noFill/>
-          </a:ln>
-        </p:spPr>
-        <p:style>
-          <a:lnRef idx="0">
-            <a:srgbClr val="FFFFFF"/>
-          </a:lnRef>
-          <a:fillRef idx="0">
-            <a:srgbClr val="FFFFFF"/>
-          </a:fillRef>
-          <a:effectRef idx="0">
-            <a:srgbClr val="FFFFFF"/>
-          </a:effectRef>
-          <a:fontRef idx="minor"/>
-        </p:style>
-        <p:txBody>
-          <a:bodyPr lIns="90000" tIns="45000" rIns="90000" bIns="45000"/>
-          <a:p>
-            <a:pPr algn="ctr">
-              <a:lnSpc>
-                <a:spcPct val="150000"/>
-              </a:lnSpc>
-            </a:pPr>
-            <a:r>
-              <a:rPr lang="en-GB" sz="1200" b="1" i="1" strike="noStrike" spc="-1">
-                <a:solidFill>
-                  <a:srgbClr val="000000"/>
-                </a:solidFill>
-                <a:uFill>
-                  <a:solidFill>
-                    <a:srgbClr val="FFFFFF"/>
-                  </a:solidFill>
-                </a:uFill>
-                <a:latin typeface="Caviar Dreams"/>
-                <a:ea typeface="Calibri"/>
-              </a:rPr>
-              <a:t>A Comparison of IoT Application Layer Protocols</a:t>
-            </a:r>
-            <a:endParaRPr lang="en-GB" sz="1200" b="1" i="1" strike="noStrike" spc="-1">
-              <a:solidFill>
-                <a:srgbClr val="000000"/>
-              </a:solidFill>
-              <a:uFill>
-                <a:solidFill>
-                  <a:srgbClr val="FFFFFF"/>
-                </a:solidFill>
-              </a:uFill>
-              <a:latin typeface="Caviar Dreams"/>
-              <a:ea typeface="Calibri"/>
-            </a:endParaRPr>
-          </a:p>
-          <a:p>
-            <a:pPr algn="ctr">
-              <a:lnSpc>
-                <a:spcPct val="150000"/>
-              </a:lnSpc>
-            </a:pPr>
-            <a:r>
-              <a:rPr lang="en-GB" sz="1200" b="1" i="1" strike="noStrike" spc="-1">
-                <a:solidFill>
-                  <a:srgbClr val="000000"/>
-                </a:solidFill>
-                <a:uFill>
-                  <a:solidFill>
-                    <a:srgbClr val="FFFFFF"/>
-                  </a:solidFill>
-                </a:uFill>
-                <a:latin typeface="Caviar Dreams"/>
-                <a:ea typeface="Calibri"/>
-              </a:rPr>
-              <a:t>Through a Smart Parking Implementation</a:t>
-            </a:r>
-            <a:endParaRPr lang="en-US" sz="1800" b="0" strike="noStrike" spc="-1">
-              <a:solidFill>
-                <a:srgbClr val="000000"/>
-              </a:solidFill>
-              <a:uFill>
-                <a:solidFill>
-                  <a:srgbClr val="FFFFFF"/>
-                </a:solidFill>
-              </a:uFill>
-              <a:latin typeface="Arial" panose="020B0604020202020204"/>
-            </a:endParaRPr>
-          </a:p>
-          <a:p>
-            <a:pPr algn="ctr"/>
-            <a:endParaRPr lang="en-US" sz="1800" b="0" strike="noStrike" spc="-1">
-              <a:solidFill>
-                <a:srgbClr val="000000"/>
-              </a:solidFill>
-              <a:uFill>
-                <a:solidFill>
-                  <a:srgbClr val="FFFFFF"/>
-                </a:solidFill>
-              </a:uFill>
-              <a:latin typeface="Arial" panose="020B0604020202020204"/>
-            </a:endParaRPr>
-          </a:p>
-          <a:p>
-            <a:pPr algn="ctr"/>
-            <a:r>
-              <a:rPr lang="en-US" sz="1200" b="1" strike="noStrike" spc="-1">
-                <a:solidFill>
-                  <a:srgbClr val="000000"/>
-                </a:solidFill>
-                <a:uFill>
-                  <a:solidFill>
-                    <a:srgbClr val="FFFFFF"/>
-                  </a:solidFill>
-                </a:uFill>
-                <a:latin typeface="Caviar Dreams"/>
-                <a:ea typeface="Calibri"/>
-              </a:rPr>
-              <a:t>(</a:t>
-            </a:r>
-            <a:r>
-              <a:rPr lang="en-GB" sz="1200" b="1" strike="noStrike" spc="-1">
-                <a:solidFill>
-                  <a:srgbClr val="000000"/>
-                </a:solidFill>
-                <a:uFill>
-                  <a:solidFill>
-                    <a:srgbClr val="FFFFFF"/>
-                  </a:solidFill>
-                </a:uFill>
-                <a:latin typeface="Caviar Dreams"/>
-                <a:ea typeface="Calibri"/>
-              </a:rPr>
-              <a:t>Paridhika Kayal dan Harry Perros </a:t>
-            </a:r>
-            <a:r>
-              <a:rPr lang="en-US" sz="1200" b="1" strike="noStrike" spc="-1">
-                <a:solidFill>
-                  <a:srgbClr val="000000"/>
-                </a:solidFill>
-                <a:uFill>
-                  <a:solidFill>
-                    <a:srgbClr val="FFFFFF"/>
-                  </a:solidFill>
-                </a:uFill>
-                <a:latin typeface="Caviar Dreams"/>
-                <a:ea typeface="Calibri"/>
-              </a:rPr>
-              <a:t>(2017))</a:t>
-            </a:r>
-            <a:endParaRPr lang="en-US" sz="1800" b="0" strike="noStrike" spc="-1">
-              <a:solidFill>
-                <a:srgbClr val="000000"/>
-              </a:solidFill>
-              <a:uFill>
-                <a:solidFill>
-                  <a:srgbClr val="FFFFFF"/>
-                </a:solidFill>
-              </a:uFill>
-              <a:latin typeface="Arial" panose="020B0604020202020204"/>
-            </a:endParaRPr>
-          </a:p>
-        </p:txBody>
-      </p:sp>
-      <p:sp>
-        <p:nvSpPr>
-          <p:cNvPr id="163" name="CustomShape 4"/>
-          <p:cNvSpPr/>
-          <p:nvPr/>
-        </p:nvSpPr>
-        <p:spPr>
-          <a:xfrm>
-            <a:off x="1704975" y="2722245"/>
-            <a:ext cx="5920105" cy="1932305"/>
-          </a:xfrm>
-          <a:prstGeom prst="rect">
-            <a:avLst/>
-          </a:prstGeom>
-          <a:noFill/>
-          <a:ln>
-            <a:noFill/>
-          </a:ln>
-        </p:spPr>
-        <p:style>
-          <a:lnRef idx="0">
-            <a:srgbClr val="FFFFFF"/>
-          </a:lnRef>
-          <a:fillRef idx="0">
-            <a:srgbClr val="FFFFFF"/>
-          </a:fillRef>
-          <a:effectRef idx="0">
-            <a:srgbClr val="FFFFFF"/>
-          </a:effectRef>
-          <a:fontRef idx="minor"/>
-        </p:style>
-        <p:txBody>
-          <a:bodyPr lIns="90000" tIns="45000" rIns="90000" bIns="45000"/>
-          <a:p>
-            <a:pPr algn="just">
-              <a:lnSpc>
-                <a:spcPct val="130000"/>
-              </a:lnSpc>
-            </a:pPr>
-            <a:r>
-              <a:rPr lang="en-US" sz="1200" b="0" strike="noStrike" spc="-1">
-                <a:solidFill>
-                  <a:srgbClr val="000000"/>
-                </a:solidFill>
-                <a:uFill>
-                  <a:solidFill>
-                    <a:srgbClr val="FFFFFF"/>
-                  </a:solidFill>
-                </a:uFill>
-                <a:latin typeface="Caviar Dreams"/>
-                <a:ea typeface="DejaVu Sans" panose="020B0603030804020204"/>
-              </a:rPr>
-              <a:t>Dilakukan perbandingan </a:t>
-            </a:r>
-            <a:r>
-              <a:rPr lang="en-GB" sz="1200" b="0" i="1" strike="noStrike" spc="-1">
-                <a:solidFill>
-                  <a:srgbClr val="000000"/>
-                </a:solidFill>
-                <a:uFill>
-                  <a:solidFill>
-                    <a:srgbClr val="FFFFFF"/>
-                  </a:solidFill>
-                </a:uFill>
-                <a:latin typeface="Caviar Dreams"/>
-                <a:ea typeface="Times New Roman" panose="02020603050405020304"/>
-              </a:rPr>
-              <a:t>response time </a:t>
-            </a:r>
-            <a:r>
-              <a:rPr lang="en-US" sz="1200" b="0" strike="noStrike" spc="-1">
-                <a:solidFill>
-                  <a:srgbClr val="000000"/>
-                </a:solidFill>
-                <a:uFill>
-                  <a:solidFill>
-                    <a:srgbClr val="FFFFFF"/>
-                  </a:solidFill>
-                </a:uFill>
-                <a:latin typeface="Caviar Dreams"/>
-                <a:ea typeface="DejaVu Sans" panose="020B0603030804020204"/>
-              </a:rPr>
-              <a:t>untuk protokol MQTT, CoAP, XMPP dan MQTT melalui Websocket. Dalam jurnal ini menunjukkan bahwa protokol MQTT memiliki rata-rata </a:t>
-            </a:r>
-            <a:r>
-              <a:rPr lang="en-GB" sz="1200" b="0" i="1" strike="noStrike" spc="-1">
-                <a:solidFill>
-                  <a:srgbClr val="000000"/>
-                </a:solidFill>
-                <a:uFill>
-                  <a:solidFill>
-                    <a:srgbClr val="FFFFFF"/>
-                  </a:solidFill>
-                </a:uFill>
-                <a:latin typeface="Caviar Dreams"/>
-                <a:ea typeface="Times New Roman" panose="02020603050405020304"/>
-              </a:rPr>
-              <a:t>response time</a:t>
-            </a:r>
-            <a:r>
-              <a:rPr lang="en-US" sz="1200" b="0" strike="noStrike" spc="-1">
-                <a:solidFill>
-                  <a:srgbClr val="000000"/>
-                </a:solidFill>
-                <a:uFill>
-                  <a:solidFill>
-                    <a:srgbClr val="FFFFFF"/>
-                  </a:solidFill>
-                </a:uFill>
-                <a:latin typeface="Caviar Dreams"/>
-                <a:ea typeface="DejaVu Sans" panose="020B0603030804020204"/>
-              </a:rPr>
-              <a:t> paling rendah dalam kondisi pengguna </a:t>
-            </a:r>
-            <a:r>
-              <a:rPr lang="en-GB" sz="1200" b="0" i="1" strike="noStrike" spc="-1">
-                <a:solidFill>
-                  <a:srgbClr val="000000"/>
-                </a:solidFill>
-                <a:uFill>
-                  <a:solidFill>
-                    <a:srgbClr val="FFFFFF"/>
-                  </a:solidFill>
-                </a:uFill>
-                <a:latin typeface="Caviar Dreams"/>
-                <a:ea typeface="Times New Roman" panose="02020603050405020304"/>
-              </a:rPr>
-              <a:t>resource</a:t>
-            </a:r>
-            <a:r>
-              <a:rPr lang="en-GB" sz="1200" b="0" strike="noStrike" spc="-1">
-                <a:solidFill>
-                  <a:srgbClr val="000000"/>
-                </a:solidFill>
-                <a:uFill>
-                  <a:solidFill>
-                    <a:srgbClr val="FFFFFF"/>
-                  </a:solidFill>
-                </a:uFill>
-                <a:latin typeface="Caviar Dreams"/>
-                <a:ea typeface="DejaVu Sans" panose="020B0603030804020204"/>
-              </a:rPr>
-              <a:t> CPU yang terus </a:t>
-            </a:r>
-            <a:r>
-              <a:rPr lang="en-US" altLang="en-GB" sz="1200" b="0" strike="noStrike" spc="-1">
-                <a:solidFill>
-                  <a:srgbClr val="000000"/>
-                </a:solidFill>
-                <a:uFill>
-                  <a:solidFill>
-                    <a:srgbClr val="FFFFFF"/>
-                  </a:solidFill>
-                </a:uFill>
-                <a:latin typeface="Caviar Dreams"/>
-                <a:ea typeface="DejaVu Sans" panose="020B0603030804020204"/>
-              </a:rPr>
-              <a:t>meningkat</a:t>
-            </a:r>
-            <a:endParaRPr lang="en-US" altLang="en-GB" sz="1200" b="0" strike="noStrike" spc="-1">
-              <a:solidFill>
-                <a:srgbClr val="000000"/>
-              </a:solidFill>
-              <a:uFill>
-                <a:solidFill>
-                  <a:srgbClr val="FFFFFF"/>
-                </a:solidFill>
-              </a:uFill>
-              <a:latin typeface="Caviar Dreams"/>
-              <a:ea typeface="DejaVu Sans" panose="020B0603030804020204"/>
-            </a:endParaRPr>
-          </a:p>
-          <a:p>
-            <a:pPr algn="just">
-              <a:lnSpc>
-                <a:spcPct val="130000"/>
-              </a:lnSpc>
-            </a:pPr>
-            <a:endParaRPr lang="en-US" altLang="en-GB" sz="1200" b="0" strike="noStrike" spc="-1">
-              <a:solidFill>
-                <a:srgbClr val="000000"/>
-              </a:solidFill>
-              <a:uFill>
-                <a:solidFill>
-                  <a:srgbClr val="FFFFFF"/>
-                </a:solidFill>
-              </a:uFill>
-              <a:latin typeface="Caviar Dreams"/>
-              <a:ea typeface="DejaVu Sans" panose="020B0603030804020204"/>
-            </a:endParaRPr>
-          </a:p>
-          <a:p>
-            <a:pPr algn="just">
-              <a:lnSpc>
-                <a:spcPct val="130000"/>
-              </a:lnSpc>
-            </a:pPr>
-            <a:r>
-              <a:rPr lang="en-US" altLang="en-US" sz="1200" b="0" strike="noStrike" spc="-1">
-                <a:solidFill>
-                  <a:srgbClr val="000000"/>
-                </a:solidFill>
-                <a:uFill>
-                  <a:solidFill>
-                    <a:srgbClr val="FFFFFF"/>
-                  </a:solidFill>
-                </a:uFill>
-                <a:latin typeface="Caviar Dreams"/>
-                <a:ea typeface="DejaVu Sans" panose="020B0603030804020204"/>
-              </a:rPr>
-              <a:t>Kesimpulan : Ketika penggunaan </a:t>
-            </a:r>
-            <a:r>
-              <a:rPr lang="en-US" altLang="en-US" sz="1200" b="0" i="1" strike="noStrike" spc="-1">
-                <a:solidFill>
-                  <a:srgbClr val="000000"/>
-                </a:solidFill>
-                <a:uFill>
-                  <a:solidFill>
-                    <a:srgbClr val="FFFFFF"/>
-                  </a:solidFill>
-                </a:uFill>
-                <a:latin typeface="Caviar Dreams"/>
-                <a:ea typeface="DejaVu Sans" panose="020B0603030804020204"/>
-              </a:rPr>
-              <a:t>resource server</a:t>
-            </a:r>
-            <a:r>
-              <a:rPr lang="en-US" altLang="en-US" sz="1200" b="0" strike="noStrike" spc="-1">
-                <a:solidFill>
-                  <a:srgbClr val="000000"/>
-                </a:solidFill>
-                <a:uFill>
-                  <a:solidFill>
-                    <a:srgbClr val="FFFFFF"/>
-                  </a:solidFill>
-                </a:uFill>
-                <a:latin typeface="Caviar Dreams"/>
-                <a:ea typeface="DejaVu Sans" panose="020B0603030804020204"/>
-              </a:rPr>
-              <a:t> dinaikkan, </a:t>
-            </a:r>
-            <a:r>
-              <a:rPr lang="en-US" altLang="en-US" sz="1200" b="0" i="1" strike="noStrike" spc="-1">
-                <a:solidFill>
-                  <a:srgbClr val="000000"/>
-                </a:solidFill>
-                <a:uFill>
-                  <a:solidFill>
-                    <a:srgbClr val="FFFFFF"/>
-                  </a:solidFill>
-                </a:uFill>
-                <a:latin typeface="Caviar Dreams"/>
-                <a:ea typeface="DejaVu Sans" panose="020B0603030804020204"/>
-              </a:rPr>
-              <a:t>response time </a:t>
-            </a:r>
-            <a:r>
-              <a:rPr lang="en-US" altLang="en-US" sz="1200" b="0" strike="noStrike" spc="-1">
-                <a:solidFill>
-                  <a:srgbClr val="000000"/>
-                </a:solidFill>
-                <a:uFill>
-                  <a:solidFill>
-                    <a:srgbClr val="FFFFFF"/>
-                  </a:solidFill>
-                </a:uFill>
-                <a:latin typeface="Caviar Dreams"/>
-                <a:ea typeface="DejaVu Sans" panose="020B0603030804020204"/>
-              </a:rPr>
-              <a:t>WebSocket relatif tetap.</a:t>
-            </a:r>
-            <a:endParaRPr lang="en-US" altLang="en-US" sz="1200" b="0" strike="noStrike" spc="-1">
-              <a:solidFill>
-                <a:srgbClr val="000000"/>
-              </a:solidFill>
-              <a:uFill>
-                <a:solidFill>
-                  <a:srgbClr val="FFFFFF"/>
-                </a:solidFill>
-              </a:uFill>
-              <a:latin typeface="Caviar Dreams"/>
-              <a:ea typeface="DejaVu Sans" panose="020B0603030804020204"/>
-            </a:endParaRPr>
-          </a:p>
-        </p:txBody>
-      </p:sp>
-      <p:sp>
-        <p:nvSpPr>
-          <p:cNvPr id="105" name="CustomShape 1"/>
-          <p:cNvSpPr/>
-          <p:nvPr/>
-        </p:nvSpPr>
-        <p:spPr>
-          <a:xfrm>
-            <a:off x="1250640" y="844560"/>
-            <a:ext cx="1619640" cy="510120"/>
-          </a:xfrm>
-          <a:prstGeom prst="chevron">
-            <a:avLst>
-              <a:gd name="adj" fmla="val 50000"/>
-            </a:avLst>
-          </a:prstGeom>
-          <a:solidFill>
-            <a:srgbClr val="F9C534"/>
-          </a:solidFill>
-          <a:ln w="3240">
-            <a:solidFill>
-              <a:srgbClr val="111C76"/>
-            </a:solidFill>
-            <a:round/>
-          </a:ln>
-        </p:spPr>
-        <p:style>
-          <a:lnRef idx="2">
-            <a:schemeClr val="accent1">
-              <a:shade val="50000"/>
-            </a:schemeClr>
-          </a:lnRef>
-          <a:fillRef idx="1">
-            <a:schemeClr val="accent1"/>
-          </a:fillRef>
-          <a:effectRef idx="0">
-            <a:schemeClr val="accent1"/>
-          </a:effectRef>
-          <a:fontRef idx="minor"/>
-        </p:style>
-        <p:txBody>
-          <a:bodyPr lIns="90000" tIns="45000" rIns="90000" bIns="45000" anchor="ctr"/>
-          <a:p>
-            <a:pPr algn="ctr">
-              <a:lnSpc>
-                <a:spcPct val="100000"/>
-              </a:lnSpc>
-            </a:pPr>
-            <a:r>
-              <a:rPr lang="en-US" sz="1100" spc="-1">
-                <a:solidFill>
-                  <a:srgbClr val="111C76"/>
-                </a:solidFill>
-                <a:uFill>
-                  <a:solidFill>
-                    <a:srgbClr val="FFFFFF"/>
-                  </a:solidFill>
-                </a:uFill>
-                <a:latin typeface="Caviar Dreams"/>
-                <a:ea typeface="DejaVu Sans" panose="020B0603030804020204"/>
-                <a:sym typeface="+mn-ea"/>
-              </a:rPr>
-              <a:t>Tinjauan Pustaka</a:t>
-            </a:r>
-            <a:endParaRPr lang="en-US" sz="1100" b="0" strike="noStrike" spc="-1">
-              <a:solidFill>
-                <a:srgbClr val="111C76"/>
-              </a:solidFill>
-              <a:uFill>
-                <a:solidFill>
-                  <a:srgbClr val="FFFFFF"/>
-                </a:solidFill>
-              </a:uFill>
-              <a:latin typeface="Caviar Dreams"/>
-              <a:ea typeface="DejaVu Sans" panose="020B0603030804020204"/>
-              <a:sym typeface="+mn-ea"/>
-            </a:endParaRPr>
-          </a:p>
-        </p:txBody>
-      </p:sp>
-      <p:sp>
-        <p:nvSpPr>
-          <p:cNvPr id="106" name="CustomShape 2"/>
-          <p:cNvSpPr/>
-          <p:nvPr/>
-        </p:nvSpPr>
-        <p:spPr>
-          <a:xfrm>
-            <a:off x="2614680" y="844560"/>
-            <a:ext cx="1623600" cy="510120"/>
-          </a:xfrm>
-          <a:prstGeom prst="chevron">
-            <a:avLst>
-              <a:gd name="adj" fmla="val 50000"/>
-            </a:avLst>
-          </a:prstGeom>
-          <a:solidFill>
-            <a:srgbClr val="111C76"/>
-          </a:solidFill>
-          <a:ln w="3240">
-            <a:solidFill>
-              <a:schemeClr val="bg1"/>
-            </a:solidFill>
-            <a:round/>
-          </a:ln>
-        </p:spPr>
-        <p:style>
-          <a:lnRef idx="2">
-            <a:schemeClr val="accent1">
-              <a:shade val="50000"/>
-            </a:schemeClr>
-          </a:lnRef>
-          <a:fillRef idx="1">
-            <a:schemeClr val="accent1"/>
-          </a:fillRef>
-          <a:effectRef idx="0">
-            <a:schemeClr val="accent1"/>
-          </a:effectRef>
-          <a:fontRef idx="minor"/>
-        </p:style>
-        <p:txBody>
-          <a:bodyPr lIns="90000" tIns="45000" rIns="90000" bIns="45000" anchor="ctr"/>
-          <a:p>
-            <a:pPr algn="ctr">
-              <a:lnSpc>
-                <a:spcPct val="100000"/>
-              </a:lnSpc>
-            </a:pPr>
-            <a:r>
-              <a:rPr lang="en-US" sz="1100" b="0" strike="noStrike" spc="-1">
-                <a:solidFill>
-                  <a:srgbClr val="FFFFFF"/>
-                </a:solidFill>
-                <a:uFill>
-                  <a:solidFill>
-                    <a:srgbClr val="FFFFFF"/>
-                  </a:solidFill>
-                </a:uFill>
-                <a:latin typeface="Caviar Dreams"/>
-                <a:ea typeface="DejaVu Sans" panose="020B0603030804020204"/>
-              </a:rPr>
-              <a:t>Tujuan Proyek Akhir</a:t>
-            </a:r>
-            <a:endParaRPr lang="en-US" sz="1800" b="0" strike="noStrike" spc="-1">
-              <a:solidFill>
-                <a:srgbClr val="000000"/>
-              </a:solidFill>
-              <a:uFill>
-                <a:solidFill>
-                  <a:srgbClr val="FFFFFF"/>
-                </a:solidFill>
-              </a:uFill>
-              <a:latin typeface="Arial" panose="020B0604020202020204"/>
-            </a:endParaRPr>
-          </a:p>
-        </p:txBody>
-      </p:sp>
-      <p:sp>
-        <p:nvSpPr>
-          <p:cNvPr id="107" name="CustomShape 3"/>
-          <p:cNvSpPr/>
-          <p:nvPr/>
-        </p:nvSpPr>
-        <p:spPr>
-          <a:xfrm>
-            <a:off x="3924000" y="848520"/>
-            <a:ext cx="1727640" cy="510120"/>
-          </a:xfrm>
-          <a:prstGeom prst="chevron">
-            <a:avLst>
-              <a:gd name="adj" fmla="val 50000"/>
-            </a:avLst>
-          </a:prstGeom>
-          <a:solidFill>
-            <a:srgbClr val="111C76"/>
-          </a:solidFill>
-          <a:ln w="3240">
-            <a:solidFill>
-              <a:schemeClr val="bg1"/>
-            </a:solidFill>
-            <a:round/>
-          </a:ln>
-        </p:spPr>
-        <p:style>
-          <a:lnRef idx="2">
-            <a:schemeClr val="accent1">
-              <a:shade val="50000"/>
-            </a:schemeClr>
-          </a:lnRef>
-          <a:fillRef idx="1">
-            <a:schemeClr val="accent1"/>
-          </a:fillRef>
-          <a:effectRef idx="0">
-            <a:schemeClr val="accent1"/>
-          </a:effectRef>
-          <a:fontRef idx="minor"/>
-        </p:style>
-        <p:txBody>
-          <a:bodyPr lIns="90000" tIns="45000" rIns="90000" bIns="45000" anchor="ctr"/>
-          <a:p>
-            <a:pPr algn="ctr">
-              <a:lnSpc>
-                <a:spcPct val="100000"/>
-              </a:lnSpc>
-            </a:pPr>
-            <a:r>
-              <a:rPr lang="en-US" sz="1100" spc="-1">
-                <a:solidFill>
-                  <a:srgbClr val="FFFFFF"/>
-                </a:solidFill>
-                <a:uFill>
-                  <a:solidFill>
-                    <a:srgbClr val="FFFFFF"/>
-                  </a:solidFill>
-                </a:uFill>
-                <a:latin typeface="Caviar Dreams"/>
-                <a:ea typeface="DejaVu Sans" panose="020B0603030804020204"/>
-                <a:sym typeface="+mn-ea"/>
-              </a:rPr>
-              <a:t>Metodologi</a:t>
-            </a:r>
-            <a:endParaRPr lang="en-US" sz="1800" b="0" strike="noStrike" spc="-1">
-              <a:solidFill>
-                <a:srgbClr val="000000"/>
-              </a:solidFill>
-              <a:uFill>
-                <a:solidFill>
-                  <a:srgbClr val="FFFFFF"/>
-                </a:solidFill>
-              </a:uFill>
-              <a:latin typeface="Arial" panose="020B0604020202020204"/>
-            </a:endParaRPr>
-          </a:p>
-        </p:txBody>
-      </p:sp>
-      <p:sp>
-        <p:nvSpPr>
-          <p:cNvPr id="108" name="CustomShape 4"/>
-          <p:cNvSpPr/>
-          <p:nvPr/>
-        </p:nvSpPr>
-        <p:spPr>
-          <a:xfrm>
-            <a:off x="5402160" y="851400"/>
-            <a:ext cx="1755720" cy="503280"/>
-          </a:xfrm>
-          <a:prstGeom prst="chevron">
-            <a:avLst>
-              <a:gd name="adj" fmla="val 50000"/>
-            </a:avLst>
-          </a:prstGeom>
-          <a:solidFill>
-            <a:srgbClr val="111C76"/>
-          </a:solidFill>
-          <a:ln w="3240">
-            <a:solidFill>
-              <a:schemeClr val="bg1"/>
-            </a:solidFill>
-            <a:round/>
-          </a:ln>
-        </p:spPr>
-        <p:style>
-          <a:lnRef idx="2">
-            <a:schemeClr val="accent1">
-              <a:shade val="50000"/>
-            </a:schemeClr>
-          </a:lnRef>
-          <a:fillRef idx="1">
-            <a:schemeClr val="accent1"/>
-          </a:fillRef>
-          <a:effectRef idx="0">
-            <a:schemeClr val="accent1"/>
-          </a:effectRef>
-          <a:fontRef idx="minor"/>
-        </p:style>
-        <p:txBody>
-          <a:bodyPr lIns="90000" tIns="45000" rIns="90000" bIns="45000" anchor="ctr"/>
-          <a:p>
-            <a:pPr algn="ctr">
-              <a:lnSpc>
-                <a:spcPct val="100000"/>
-              </a:lnSpc>
-            </a:pPr>
-            <a:r>
-              <a:rPr lang="en-US" altLang="en-US" sz="1100" b="0" strike="noStrike" spc="-1">
-                <a:solidFill>
-                  <a:srgbClr val="FFFFFF"/>
-                </a:solidFill>
-                <a:uFill>
-                  <a:solidFill>
-                    <a:srgbClr val="FFFFFF"/>
-                  </a:solidFill>
-                </a:uFill>
-                <a:latin typeface="Caviar Dreams"/>
-                <a:ea typeface="DejaVu Sans" panose="020B0603030804020204"/>
-              </a:rPr>
-              <a:t>Pembahasan</a:t>
-            </a:r>
-            <a:endParaRPr lang="en-US" altLang="en-US" sz="1800" b="0" strike="noStrike" spc="-1">
-              <a:solidFill>
-                <a:srgbClr val="000000"/>
-              </a:solidFill>
-              <a:uFill>
-                <a:solidFill>
-                  <a:srgbClr val="FFFFFF"/>
-                </a:solidFill>
-              </a:uFill>
-              <a:latin typeface="Arial" panose="020B0604020202020204"/>
-            </a:endParaRPr>
-          </a:p>
-        </p:txBody>
-      </p:sp>
-      <p:sp>
-        <p:nvSpPr>
-          <p:cNvPr id="110" name="CustomShape 6"/>
-          <p:cNvSpPr/>
-          <p:nvPr/>
-        </p:nvSpPr>
-        <p:spPr>
-          <a:xfrm>
-            <a:off x="6849360" y="851400"/>
-            <a:ext cx="1703880" cy="503280"/>
-          </a:xfrm>
-          <a:prstGeom prst="chevron">
-            <a:avLst>
-              <a:gd name="adj" fmla="val 50000"/>
-            </a:avLst>
-          </a:prstGeom>
-          <a:solidFill>
-            <a:srgbClr val="111C76"/>
-          </a:solidFill>
-          <a:ln w="3240">
-            <a:solidFill>
-              <a:schemeClr val="bg1"/>
-            </a:solidFill>
-            <a:round/>
-          </a:ln>
-        </p:spPr>
-        <p:style>
-          <a:lnRef idx="2">
-            <a:schemeClr val="accent1">
-              <a:shade val="50000"/>
-            </a:schemeClr>
-          </a:lnRef>
-          <a:fillRef idx="1">
-            <a:schemeClr val="accent1"/>
-          </a:fillRef>
-          <a:effectRef idx="0">
-            <a:schemeClr val="accent1"/>
-          </a:effectRef>
-          <a:fontRef idx="minor"/>
-        </p:style>
-        <p:txBody>
-          <a:bodyPr lIns="90000" tIns="45000" rIns="90000" bIns="45000" anchor="ctr"/>
-          <a:p>
-            <a:pPr algn="ctr">
-              <a:lnSpc>
-                <a:spcPct val="100000"/>
-              </a:lnSpc>
-            </a:pPr>
-            <a:r>
-              <a:rPr lang="en-US" altLang="en-US" sz="1100" b="0" strike="noStrike" spc="-1">
-                <a:solidFill>
-                  <a:srgbClr val="FFFFFF"/>
-                </a:solidFill>
-                <a:uFill>
-                  <a:solidFill>
-                    <a:srgbClr val="FFFFFF"/>
-                  </a:solidFill>
-                </a:uFill>
-                <a:latin typeface="Caviar Dreams"/>
-                <a:ea typeface="DejaVu Sans" panose="020B0603030804020204"/>
-              </a:rPr>
-              <a:t>Kesimpulan dan Saran</a:t>
-            </a:r>
-            <a:endParaRPr lang="en-US" altLang="en-US" sz="1800" b="0" strike="noStrike" spc="-1">
-              <a:solidFill>
-                <a:srgbClr val="000000"/>
-              </a:solidFill>
-              <a:uFill>
-                <a:solidFill>
-                  <a:srgbClr val="FFFFFF"/>
-                </a:solidFill>
-              </a:uFill>
-              <a:latin typeface="Arial" panose="020B0604020202020204"/>
-            </a:endParaRPr>
-          </a:p>
-        </p:txBody>
-      </p:sp>
-      <p:sp>
-        <p:nvSpPr>
-          <p:cNvPr id="112" name="CustomShape 8"/>
-          <p:cNvSpPr/>
-          <p:nvPr/>
-        </p:nvSpPr>
-        <p:spPr>
-          <a:xfrm>
-            <a:off x="0" y="843480"/>
-            <a:ext cx="1505160" cy="510120"/>
-          </a:xfrm>
-          <a:prstGeom prst="homePlate">
-            <a:avLst>
-              <a:gd name="adj" fmla="val 50000"/>
-            </a:avLst>
-          </a:prstGeom>
-          <a:solidFill>
-            <a:srgbClr val="111C76"/>
-          </a:solidFill>
-          <a:ln w="3240">
-            <a:solidFill>
-              <a:schemeClr val="bg1"/>
-            </a:solidFill>
-            <a:round/>
-          </a:ln>
-        </p:spPr>
-        <p:style>
-          <a:lnRef idx="2">
-            <a:schemeClr val="accent1">
-              <a:shade val="50000"/>
-            </a:schemeClr>
-          </a:lnRef>
-          <a:fillRef idx="1">
-            <a:schemeClr val="accent1"/>
-          </a:fillRef>
-          <a:effectRef idx="0">
-            <a:schemeClr val="accent1"/>
-          </a:effectRef>
-          <a:fontRef idx="minor"/>
-        </p:style>
-        <p:txBody>
-          <a:bodyPr lIns="90000" tIns="45000" rIns="90000" bIns="45000" anchor="ctr"/>
-          <a:p>
-            <a:pPr algn="ctr">
-              <a:lnSpc>
-                <a:spcPct val="100000"/>
-              </a:lnSpc>
-            </a:pPr>
-            <a:r>
-              <a:rPr lang="en-US" sz="1100" b="0" strike="noStrike" spc="-1">
-                <a:solidFill>
-                  <a:schemeClr val="bg1"/>
-                </a:solidFill>
-                <a:uFill>
-                  <a:solidFill>
-                    <a:srgbClr val="FFFFFF"/>
-                  </a:solidFill>
-                </a:uFill>
-                <a:latin typeface="Caviar Dreams"/>
-                <a:ea typeface="DejaVu Sans" panose="020B0603030804020204"/>
-              </a:rPr>
-              <a:t>Latar Belakang</a:t>
-            </a:r>
-            <a:endParaRPr lang="en-US" sz="1100" b="0" strike="noStrike" spc="-1">
-              <a:solidFill>
-                <a:schemeClr val="bg1"/>
-              </a:solidFill>
-              <a:uFill>
-                <a:solidFill>
-                  <a:srgbClr val="FFFFFF"/>
-                </a:solidFill>
-              </a:uFill>
-              <a:latin typeface="Caviar Dreams"/>
-              <a:ea typeface="DejaVu Sans" panose="020B0603030804020204"/>
-            </a:endParaRPr>
-          </a:p>
-        </p:txBody>
-      </p:sp>
-    </p:spTree>
-  </p:cSld>
-  <p:clrMapOvr>
-    <a:masterClrMapping/>
-  </p:clrMapOvr>
-  <p:transition spd="slow">
-    <p:push dir="d"/>
-  </p:transition>
-  <p:timing>
-    <p:tnLst>
-      <p:par>
-        <p:cTn id="1" dur="indefinite" restart="never" nodeType="tmRoot"/>
-      </p:par>
-    </p:tnLst>
-  </p:timing>
-</p:sld>
-</file>
-
-<file path=ppt/slides/slide15.xml><?xml version="1.0" encoding="utf-8"?>
 <p:sld xmlns:a="http://schemas.openxmlformats.org/drawingml/2006/main" xmlns:r="http://schemas.openxmlformats.org/officeDocument/2006/relationships" xmlns:p="http://schemas.openxmlformats.org/presentationml/2006/main">
   <p:cSld>
     <p:spTree>
@@ -16549,7 +15336,7 @@
 </p:sld>
 </file>
 
-<file path=ppt/slides/slide16.xml><?xml version="1.0" encoding="utf-8"?>
+<file path=ppt/slides/slide15.xml><?xml version="1.0" encoding="utf-8"?>
 <p:sld xmlns:a="http://schemas.openxmlformats.org/drawingml/2006/main" xmlns:r="http://schemas.openxmlformats.org/officeDocument/2006/relationships" xmlns:p="http://schemas.openxmlformats.org/presentationml/2006/main">
   <p:cSld>
     <p:spTree>
@@ -17760,7 +16547,7 @@
 </p:sld>
 </file>
 
-<file path=ppt/slides/slide17.xml><?xml version="1.0" encoding="utf-8"?>
+<file path=ppt/slides/slide16.xml><?xml version="1.0" encoding="utf-8"?>
 <p:sld xmlns:a="http://schemas.openxmlformats.org/drawingml/2006/main" xmlns:r="http://schemas.openxmlformats.org/officeDocument/2006/relationships" xmlns:p="http://schemas.openxmlformats.org/presentationml/2006/main">
   <p:cSld>
     <p:spTree>
@@ -18986,7 +17773,7 @@
 </p:sld>
 </file>
 
-<file path=ppt/slides/slide18.xml><?xml version="1.0" encoding="utf-8"?>
+<file path=ppt/slides/slide17.xml><?xml version="1.0" encoding="utf-8"?>
 <p:sld xmlns:a="http://schemas.openxmlformats.org/drawingml/2006/main" xmlns:r="http://schemas.openxmlformats.org/officeDocument/2006/relationships" xmlns:p="http://schemas.openxmlformats.org/presentationml/2006/main">
   <p:cSld>
     <p:spTree>
@@ -20152,7 +18939,7 @@
 </p:sld>
 </file>
 
-<file path=ppt/slides/slide19.xml><?xml version="1.0" encoding="utf-8"?>
+<file path=ppt/slides/slide18.xml><?xml version="1.0" encoding="utf-8"?>
 <p:sld xmlns:a="http://schemas.openxmlformats.org/drawingml/2006/main" xmlns:r="http://schemas.openxmlformats.org/officeDocument/2006/relationships" xmlns:p="http://schemas.openxmlformats.org/presentationml/2006/main">
   <p:cSld>
     <p:spTree>
@@ -20164,53 +18951,855 @@
       <p:grpSpPr/>
       <p:sp>
         <p:nvSpPr>
-          <p:cNvPr id="3" name="Text Placeholder 2"/>
-          <p:cNvSpPr>
-            <a:spLocks noGrp="1"/>
-          </p:cNvSpPr>
-          <p:nvPr>
-            <p:ph type="body"/>
-          </p:nvPr>
+          <p:cNvPr id="105" name="CustomShape 1"/>
+          <p:cNvSpPr/>
+          <p:nvPr/>
         </p:nvSpPr>
         <p:spPr>
           <a:xfrm>
-            <a:off x="380365" y="1533525"/>
-            <a:ext cx="8305800" cy="2983230"/>
+            <a:off x="1250640" y="844560"/>
+            <a:ext cx="1619640" cy="510120"/>
           </a:xfrm>
+          <a:prstGeom prst="chevron">
+            <a:avLst>
+              <a:gd name="adj" fmla="val 50000"/>
+            </a:avLst>
+          </a:prstGeom>
+          <a:solidFill>
+            <a:srgbClr val="F9C534"/>
+          </a:solidFill>
+          <a:ln w="3240">
+            <a:solidFill>
+              <a:srgbClr val="111C76"/>
+            </a:solidFill>
+            <a:round/>
+          </a:ln>
         </p:spPr>
+        <p:style>
+          <a:lnRef idx="2">
+            <a:schemeClr val="accent1">
+              <a:shade val="50000"/>
+            </a:schemeClr>
+          </a:lnRef>
+          <a:fillRef idx="1">
+            <a:schemeClr val="accent1"/>
+          </a:fillRef>
+          <a:effectRef idx="0">
+            <a:schemeClr val="accent1"/>
+          </a:effectRef>
+          <a:fontRef idx="minor"/>
+        </p:style>
         <p:txBody>
-          <a:bodyPr/>
-          <a:p>
-            <a:pPr algn="just"/>
-            <a:r>
-              <a:rPr lang="en-US" altLang="en-US"/>
+          <a:bodyPr lIns="90000" tIns="45000" rIns="90000" bIns="45000" anchor="ctr"/>
+          <a:p>
+            <a:pPr algn="ctr">
+              <a:lnSpc>
+                <a:spcPct val="100000"/>
+              </a:lnSpc>
+            </a:pPr>
+            <a:r>
+              <a:rPr lang="en-US" sz="1100" spc="-1">
+                <a:solidFill>
+                  <a:srgbClr val="111C76"/>
+                </a:solidFill>
+                <a:uFill>
+                  <a:solidFill>
+                    <a:srgbClr val="FFFFFF"/>
+                  </a:solidFill>
+                </a:uFill>
+                <a:latin typeface="Caviar Dreams"/>
+                <a:ea typeface="DejaVu Sans" panose="020B0603030804020204"/>
+                <a:sym typeface="+mn-ea"/>
+              </a:rPr>
+              <a:t>Tinjauan Pustaka</a:t>
+            </a:r>
+            <a:endParaRPr lang="en-US" sz="1100" b="0" strike="noStrike" spc="-1">
+              <a:solidFill>
+                <a:srgbClr val="111C76"/>
+              </a:solidFill>
+              <a:uFill>
+                <a:solidFill>
+                  <a:srgbClr val="FFFFFF"/>
+                </a:solidFill>
+              </a:uFill>
+              <a:latin typeface="Caviar Dreams"/>
+              <a:ea typeface="DejaVu Sans" panose="020B0603030804020204"/>
+              <a:sym typeface="+mn-ea"/>
+            </a:endParaRPr>
+          </a:p>
+        </p:txBody>
+      </p:sp>
+      <p:sp>
+        <p:nvSpPr>
+          <p:cNvPr id="106" name="CustomShape 2"/>
+          <p:cNvSpPr/>
+          <p:nvPr/>
+        </p:nvSpPr>
+        <p:spPr>
+          <a:xfrm>
+            <a:off x="2614680" y="844560"/>
+            <a:ext cx="1623600" cy="510120"/>
+          </a:xfrm>
+          <a:prstGeom prst="chevron">
+            <a:avLst>
+              <a:gd name="adj" fmla="val 50000"/>
+            </a:avLst>
+          </a:prstGeom>
+          <a:solidFill>
+            <a:srgbClr val="111C76"/>
+          </a:solidFill>
+          <a:ln w="3240">
+            <a:solidFill>
+              <a:schemeClr val="bg1"/>
+            </a:solidFill>
+            <a:round/>
+          </a:ln>
+        </p:spPr>
+        <p:style>
+          <a:lnRef idx="2">
+            <a:schemeClr val="accent1">
+              <a:shade val="50000"/>
+            </a:schemeClr>
+          </a:lnRef>
+          <a:fillRef idx="1">
+            <a:schemeClr val="accent1"/>
+          </a:fillRef>
+          <a:effectRef idx="0">
+            <a:schemeClr val="accent1"/>
+          </a:effectRef>
+          <a:fontRef idx="minor"/>
+        </p:style>
+        <p:txBody>
+          <a:bodyPr lIns="90000" tIns="45000" rIns="90000" bIns="45000" anchor="ctr"/>
+          <a:p>
+            <a:pPr algn="ctr">
+              <a:lnSpc>
+                <a:spcPct val="100000"/>
+              </a:lnSpc>
+            </a:pPr>
+            <a:r>
+              <a:rPr lang="en-US" sz="1100" b="0" strike="noStrike" spc="-1">
+                <a:solidFill>
+                  <a:srgbClr val="FFFFFF"/>
+                </a:solidFill>
+                <a:uFill>
+                  <a:solidFill>
+                    <a:srgbClr val="FFFFFF"/>
+                  </a:solidFill>
+                </a:uFill>
+                <a:latin typeface="Caviar Dreams"/>
+                <a:ea typeface="DejaVu Sans" panose="020B0603030804020204"/>
+              </a:rPr>
+              <a:t>Tujuan Proyek Akhir</a:t>
+            </a:r>
+            <a:endParaRPr lang="en-US" sz="1800" b="0" strike="noStrike" spc="-1">
+              <a:solidFill>
+                <a:srgbClr val="000000"/>
+              </a:solidFill>
+              <a:uFill>
+                <a:solidFill>
+                  <a:srgbClr val="FFFFFF"/>
+                </a:solidFill>
+              </a:uFill>
+              <a:latin typeface="Arial" panose="020B0604020202020204"/>
+            </a:endParaRPr>
+          </a:p>
+        </p:txBody>
+      </p:sp>
+      <p:sp>
+        <p:nvSpPr>
+          <p:cNvPr id="107" name="CustomShape 3"/>
+          <p:cNvSpPr/>
+          <p:nvPr/>
+        </p:nvSpPr>
+        <p:spPr>
+          <a:xfrm>
+            <a:off x="3924000" y="848520"/>
+            <a:ext cx="1727640" cy="510120"/>
+          </a:xfrm>
+          <a:prstGeom prst="chevron">
+            <a:avLst>
+              <a:gd name="adj" fmla="val 50000"/>
+            </a:avLst>
+          </a:prstGeom>
+          <a:solidFill>
+            <a:srgbClr val="111C76"/>
+          </a:solidFill>
+          <a:ln w="3240">
+            <a:solidFill>
+              <a:schemeClr val="bg1"/>
+            </a:solidFill>
+            <a:round/>
+          </a:ln>
+        </p:spPr>
+        <p:style>
+          <a:lnRef idx="2">
+            <a:schemeClr val="accent1">
+              <a:shade val="50000"/>
+            </a:schemeClr>
+          </a:lnRef>
+          <a:fillRef idx="1">
+            <a:schemeClr val="accent1"/>
+          </a:fillRef>
+          <a:effectRef idx="0">
+            <a:schemeClr val="accent1"/>
+          </a:effectRef>
+          <a:fontRef idx="minor"/>
+        </p:style>
+        <p:txBody>
+          <a:bodyPr lIns="90000" tIns="45000" rIns="90000" bIns="45000" anchor="ctr"/>
+          <a:p>
+            <a:pPr algn="ctr">
+              <a:lnSpc>
+                <a:spcPct val="100000"/>
+              </a:lnSpc>
+            </a:pPr>
+            <a:r>
+              <a:rPr lang="en-US" sz="1100" spc="-1">
+                <a:solidFill>
+                  <a:srgbClr val="FFFFFF"/>
+                </a:solidFill>
+                <a:uFill>
+                  <a:solidFill>
+                    <a:srgbClr val="FFFFFF"/>
+                  </a:solidFill>
+                </a:uFill>
+                <a:latin typeface="Caviar Dreams"/>
+                <a:ea typeface="DejaVu Sans" panose="020B0603030804020204"/>
+                <a:sym typeface="+mn-ea"/>
+              </a:rPr>
+              <a:t>Metodologi</a:t>
+            </a:r>
+            <a:endParaRPr lang="en-US" sz="1800" b="0" strike="noStrike" spc="-1">
+              <a:solidFill>
+                <a:srgbClr val="000000"/>
+              </a:solidFill>
+              <a:uFill>
+                <a:solidFill>
+                  <a:srgbClr val="FFFFFF"/>
+                </a:solidFill>
+              </a:uFill>
+              <a:latin typeface="Arial" panose="020B0604020202020204"/>
+            </a:endParaRPr>
+          </a:p>
+        </p:txBody>
+      </p:sp>
+      <p:sp>
+        <p:nvSpPr>
+          <p:cNvPr id="108" name="CustomShape 4"/>
+          <p:cNvSpPr/>
+          <p:nvPr/>
+        </p:nvSpPr>
+        <p:spPr>
+          <a:xfrm>
+            <a:off x="5402160" y="851400"/>
+            <a:ext cx="1755720" cy="503280"/>
+          </a:xfrm>
+          <a:prstGeom prst="chevron">
+            <a:avLst>
+              <a:gd name="adj" fmla="val 50000"/>
+            </a:avLst>
+          </a:prstGeom>
+          <a:solidFill>
+            <a:srgbClr val="111C76"/>
+          </a:solidFill>
+          <a:ln w="3240">
+            <a:solidFill>
+              <a:schemeClr val="bg1"/>
+            </a:solidFill>
+            <a:round/>
+          </a:ln>
+        </p:spPr>
+        <p:style>
+          <a:lnRef idx="2">
+            <a:schemeClr val="accent1">
+              <a:shade val="50000"/>
+            </a:schemeClr>
+          </a:lnRef>
+          <a:fillRef idx="1">
+            <a:schemeClr val="accent1"/>
+          </a:fillRef>
+          <a:effectRef idx="0">
+            <a:schemeClr val="accent1"/>
+          </a:effectRef>
+          <a:fontRef idx="minor"/>
+        </p:style>
+        <p:txBody>
+          <a:bodyPr lIns="90000" tIns="45000" rIns="90000" bIns="45000" anchor="ctr"/>
+          <a:p>
+            <a:pPr algn="ctr">
+              <a:lnSpc>
+                <a:spcPct val="100000"/>
+              </a:lnSpc>
+            </a:pPr>
+            <a:r>
+              <a:rPr lang="en-US" altLang="en-US" sz="1100" b="0" strike="noStrike" spc="-1">
+                <a:solidFill>
+                  <a:srgbClr val="FFFFFF"/>
+                </a:solidFill>
+                <a:uFill>
+                  <a:solidFill>
+                    <a:srgbClr val="FFFFFF"/>
+                  </a:solidFill>
+                </a:uFill>
+                <a:latin typeface="Caviar Dreams"/>
+                <a:ea typeface="DejaVu Sans" panose="020B0603030804020204"/>
+              </a:rPr>
+              <a:t>Pembahasan</a:t>
+            </a:r>
+            <a:endParaRPr lang="en-US" altLang="en-US" sz="1800" b="0" strike="noStrike" spc="-1">
+              <a:solidFill>
+                <a:srgbClr val="000000"/>
+              </a:solidFill>
+              <a:uFill>
+                <a:solidFill>
+                  <a:srgbClr val="FFFFFF"/>
+                </a:solidFill>
+              </a:uFill>
+              <a:latin typeface="Arial" panose="020B0604020202020204"/>
+            </a:endParaRPr>
+          </a:p>
+        </p:txBody>
+      </p:sp>
+      <p:sp>
+        <p:nvSpPr>
+          <p:cNvPr id="110" name="CustomShape 6"/>
+          <p:cNvSpPr/>
+          <p:nvPr/>
+        </p:nvSpPr>
+        <p:spPr>
+          <a:xfrm>
+            <a:off x="6849360" y="851400"/>
+            <a:ext cx="1703880" cy="503280"/>
+          </a:xfrm>
+          <a:prstGeom prst="chevron">
+            <a:avLst>
+              <a:gd name="adj" fmla="val 50000"/>
+            </a:avLst>
+          </a:prstGeom>
+          <a:solidFill>
+            <a:srgbClr val="111C76"/>
+          </a:solidFill>
+          <a:ln w="3240">
+            <a:solidFill>
+              <a:schemeClr val="bg1"/>
+            </a:solidFill>
+            <a:round/>
+          </a:ln>
+        </p:spPr>
+        <p:style>
+          <a:lnRef idx="2">
+            <a:schemeClr val="accent1">
+              <a:shade val="50000"/>
+            </a:schemeClr>
+          </a:lnRef>
+          <a:fillRef idx="1">
+            <a:schemeClr val="accent1"/>
+          </a:fillRef>
+          <a:effectRef idx="0">
+            <a:schemeClr val="accent1"/>
+          </a:effectRef>
+          <a:fontRef idx="minor"/>
+        </p:style>
+        <p:txBody>
+          <a:bodyPr lIns="90000" tIns="45000" rIns="90000" bIns="45000" anchor="ctr"/>
+          <a:p>
+            <a:pPr algn="ctr">
+              <a:lnSpc>
+                <a:spcPct val="100000"/>
+              </a:lnSpc>
+            </a:pPr>
+            <a:r>
+              <a:rPr lang="en-US" altLang="en-US" sz="1100" b="0" strike="noStrike" spc="-1">
+                <a:solidFill>
+                  <a:srgbClr val="FFFFFF"/>
+                </a:solidFill>
+                <a:uFill>
+                  <a:solidFill>
+                    <a:srgbClr val="FFFFFF"/>
+                  </a:solidFill>
+                </a:uFill>
+                <a:latin typeface="Caviar Dreams"/>
+                <a:ea typeface="DejaVu Sans" panose="020B0603030804020204"/>
+              </a:rPr>
+              <a:t>Kesimpulan dan Saran</a:t>
+            </a:r>
+            <a:endParaRPr lang="en-US" altLang="en-US" sz="1800" b="0" strike="noStrike" spc="-1">
+              <a:solidFill>
+                <a:srgbClr val="000000"/>
+              </a:solidFill>
+              <a:uFill>
+                <a:solidFill>
+                  <a:srgbClr val="FFFFFF"/>
+                </a:solidFill>
+              </a:uFill>
+              <a:latin typeface="Arial" panose="020B0604020202020204"/>
+            </a:endParaRPr>
+          </a:p>
+        </p:txBody>
+      </p:sp>
+      <p:sp>
+        <p:nvSpPr>
+          <p:cNvPr id="112" name="CustomShape 8"/>
+          <p:cNvSpPr/>
+          <p:nvPr/>
+        </p:nvSpPr>
+        <p:spPr>
+          <a:xfrm>
+            <a:off x="0" y="843480"/>
+            <a:ext cx="1505160" cy="510120"/>
+          </a:xfrm>
+          <a:prstGeom prst="homePlate">
+            <a:avLst>
+              <a:gd name="adj" fmla="val 50000"/>
+            </a:avLst>
+          </a:prstGeom>
+          <a:solidFill>
+            <a:srgbClr val="111C76"/>
+          </a:solidFill>
+          <a:ln w="3240">
+            <a:solidFill>
+              <a:schemeClr val="bg1"/>
+            </a:solidFill>
+            <a:round/>
+          </a:ln>
+        </p:spPr>
+        <p:style>
+          <a:lnRef idx="2">
+            <a:schemeClr val="accent1">
+              <a:shade val="50000"/>
+            </a:schemeClr>
+          </a:lnRef>
+          <a:fillRef idx="1">
+            <a:schemeClr val="accent1"/>
+          </a:fillRef>
+          <a:effectRef idx="0">
+            <a:schemeClr val="accent1"/>
+          </a:effectRef>
+          <a:fontRef idx="minor"/>
+        </p:style>
+        <p:txBody>
+          <a:bodyPr lIns="90000" tIns="45000" rIns="90000" bIns="45000" anchor="ctr"/>
+          <a:p>
+            <a:pPr algn="ctr">
+              <a:lnSpc>
+                <a:spcPct val="100000"/>
+              </a:lnSpc>
+            </a:pPr>
+            <a:r>
+              <a:rPr lang="en-US" sz="1100" b="0" strike="noStrike" spc="-1">
+                <a:solidFill>
+                  <a:schemeClr val="bg1"/>
+                </a:solidFill>
+                <a:uFill>
+                  <a:solidFill>
+                    <a:srgbClr val="FFFFFF"/>
+                  </a:solidFill>
+                </a:uFill>
+                <a:latin typeface="Caviar Dreams"/>
+                <a:ea typeface="DejaVu Sans" panose="020B0603030804020204"/>
+              </a:rPr>
+              <a:t>Latar Belakang</a:t>
+            </a:r>
+            <a:endParaRPr lang="en-US" sz="1100" b="0" strike="noStrike" spc="-1">
+              <a:solidFill>
+                <a:schemeClr val="bg1"/>
+              </a:solidFill>
+              <a:uFill>
+                <a:solidFill>
+                  <a:srgbClr val="FFFFFF"/>
+                </a:solidFill>
+              </a:uFill>
+              <a:latin typeface="Caviar Dreams"/>
+              <a:ea typeface="DejaVu Sans" panose="020B0603030804020204"/>
+            </a:endParaRPr>
+          </a:p>
+        </p:txBody>
+      </p:sp>
+      <p:sp>
+        <p:nvSpPr>
+          <p:cNvPr id="218" name="CustomShape 9"/>
+          <p:cNvSpPr/>
+          <p:nvPr/>
+        </p:nvSpPr>
+        <p:spPr>
+          <a:xfrm>
+            <a:off x="683640" y="1923840"/>
+            <a:ext cx="7671960" cy="2279520"/>
+          </a:xfrm>
+          <a:prstGeom prst="rect">
+            <a:avLst/>
+          </a:prstGeom>
+          <a:noFill/>
+          <a:ln>
+            <a:noFill/>
+          </a:ln>
+        </p:spPr>
+        <p:style>
+          <a:lnRef idx="0">
+            <a:srgbClr val="FFFFFF"/>
+          </a:lnRef>
+          <a:fillRef idx="0">
+            <a:srgbClr val="FFFFFF"/>
+          </a:fillRef>
+          <a:effectRef idx="0">
+            <a:srgbClr val="FFFFFF"/>
+          </a:effectRef>
+          <a:fontRef idx="minor"/>
+        </p:style>
+        <p:txBody>
+          <a:bodyPr lIns="90000" tIns="45000" rIns="90000" bIns="45000"/>
+          <a:p>
+            <a:pPr algn="just">
+              <a:lnSpc>
+                <a:spcPct val="150000"/>
+              </a:lnSpc>
+            </a:pPr>
+            <a:r>
+              <a:rPr lang="en-US" altLang="en-US" sz="1600">
+                <a:sym typeface="+mn-ea"/>
+              </a:rPr>
               <a:t>Penelitian ini membandingkan </a:t>
             </a:r>
             <a:r>
-              <a:rPr lang="en-US" altLang="en-US" i="1"/>
+              <a:rPr lang="en-US" altLang="en-US" sz="1600" i="1">
+                <a:sym typeface="+mn-ea"/>
+              </a:rPr>
               <a:t>response time </a:t>
             </a:r>
             <a:r>
-              <a:rPr lang="en-US" altLang="en-US"/>
+              <a:rPr lang="en-US" altLang="en-US" sz="1600">
+                <a:sym typeface="+mn-ea"/>
+              </a:rPr>
               <a:t>serta presentase penggunaan CPU antara HTTP/1.1 SSE,  HTTPS SSE, HTTP/2 SSE dan WebSocket pada sistem kendali rumah pintar berbasis </a:t>
             </a:r>
             <a:r>
-              <a:rPr lang="en-US" altLang="en-US" i="1"/>
+              <a:rPr lang="en-US" altLang="en-US" sz="1600" i="1">
+                <a:sym typeface="+mn-ea"/>
+              </a:rPr>
               <a:t>web</a:t>
             </a:r>
             <a:r>
-              <a:rPr lang="en-US" altLang="en-US"/>
+              <a:rPr lang="en-US" altLang="en-US" sz="1600">
+                <a:sym typeface="+mn-ea"/>
+              </a:rPr>
               <a:t>. </a:t>
             </a:r>
             <a:r>
-              <a:rPr lang="en-US" altLang="en-US" i="1"/>
+              <a:rPr lang="en-US" altLang="en-US" sz="1600" i="1">
+                <a:sym typeface="+mn-ea"/>
+              </a:rPr>
               <a:t>Server</a:t>
             </a:r>
             <a:r>
-              <a:rPr lang="en-US" altLang="en-US"/>
+              <a:rPr lang="en-US" altLang="en-US" sz="1600">
+                <a:sym typeface="+mn-ea"/>
+              </a:rPr>
               <a:t> yang digunakan berupa Raspberry Pi 3 serta mampu diakses dari luar jaringan jaringan privat.</a:t>
             </a:r>
-            <a:endParaRPr lang="en-US" altLang="en-US"/>
+            <a:endParaRPr lang="en-US" sz="1600" b="0" strike="noStrike" spc="-1">
+              <a:solidFill>
+                <a:srgbClr val="000000"/>
+              </a:solidFill>
+              <a:uFill>
+                <a:solidFill>
+                  <a:srgbClr val="FFFFFF"/>
+                </a:solidFill>
+              </a:uFill>
+              <a:latin typeface="Caviar Dreams"/>
+              <a:ea typeface="DejaVu Sans" panose="020B0603030804020204"/>
+            </a:endParaRPr>
+          </a:p>
+        </p:txBody>
+      </p:sp>
+    </p:spTree>
+  </p:cSld>
+  <p:clrMapOvr>
+    <a:masterClrMapping/>
+  </p:clrMapOvr>
+</p:sld>
+</file>
+
+<file path=ppt/slides/slide19.xml><?xml version="1.0" encoding="utf-8"?>
+<p:sld xmlns:a="http://schemas.openxmlformats.org/drawingml/2006/main" xmlns:r="http://schemas.openxmlformats.org/officeDocument/2006/relationships" xmlns:p="http://schemas.openxmlformats.org/presentationml/2006/main">
+  <p:cSld>
+    <p:spTree>
+      <p:nvGrpSpPr>
+        <p:cNvPr id="1" name=""/>
+        <p:cNvGrpSpPr/>
+        <p:nvPr/>
+      </p:nvGrpSpPr>
+      <p:grpSpPr>
+        <a:xfrm>
+          <a:off x="0" y="0"/>
+          <a:ext cx="0" cy="0"/>
+          <a:chOff x="0" y="0"/>
+          <a:chExt cx="0" cy="0"/>
+        </a:xfrm>
+      </p:grpSpPr>
+      <p:sp>
+        <p:nvSpPr>
+          <p:cNvPr id="210" name="CustomShape 1"/>
+          <p:cNvSpPr/>
+          <p:nvPr/>
+        </p:nvSpPr>
+        <p:spPr>
+          <a:xfrm>
+            <a:off x="4928870" y="227330"/>
+            <a:ext cx="3317240" cy="699135"/>
+          </a:xfrm>
+          <a:prstGeom prst="rect">
+            <a:avLst/>
+          </a:prstGeom>
+          <a:noFill/>
+          <a:ln>
+            <a:noFill/>
+          </a:ln>
+        </p:spPr>
+        <p:style>
+          <a:lnRef idx="0">
+            <a:srgbClr val="FFFFFF"/>
+          </a:lnRef>
+          <a:fillRef idx="0">
+            <a:srgbClr val="FFFFFF"/>
+          </a:fillRef>
+          <a:effectRef idx="0">
+            <a:srgbClr val="FFFFFF"/>
+          </a:effectRef>
+          <a:fontRef idx="minor"/>
+        </p:style>
+        <p:txBody>
+          <a:bodyPr lIns="90000" tIns="45000" rIns="90000" bIns="45000"/>
+          <a:p>
+            <a:pPr algn="ctr">
+              <a:lnSpc>
+                <a:spcPct val="100000"/>
+              </a:lnSpc>
+            </a:pPr>
+            <a:r>
+              <a:rPr lang="en-US" sz="2000" b="1" strike="noStrike" spc="-1">
+                <a:solidFill>
+                  <a:srgbClr val="1F497D"/>
+                </a:solidFill>
+                <a:uFill>
+                  <a:solidFill>
+                    <a:srgbClr val="FFFFFF"/>
+                  </a:solidFill>
+                </a:uFill>
+                <a:latin typeface="Capsuula"/>
+                <a:ea typeface="DejaVu Sans" panose="020B0603030804020204"/>
+              </a:rPr>
+              <a:t>Universitas Gadjah Mada</a:t>
+            </a:r>
+            <a:endParaRPr lang="en-US" sz="1800" b="0" strike="noStrike" spc="-1">
+              <a:solidFill>
+                <a:srgbClr val="000000"/>
+              </a:solidFill>
+              <a:uFill>
+                <a:solidFill>
+                  <a:srgbClr val="FFFFFF"/>
+                </a:solidFill>
+              </a:uFill>
+              <a:latin typeface="Arial" panose="020B0604020202020204"/>
+            </a:endParaRPr>
+          </a:p>
+        </p:txBody>
+      </p:sp>
+      <p:sp>
+        <p:nvSpPr>
+          <p:cNvPr id="211" name="CustomShape 2"/>
+          <p:cNvSpPr/>
+          <p:nvPr/>
+        </p:nvSpPr>
+        <p:spPr>
+          <a:xfrm>
+            <a:off x="20880" y="177840"/>
+            <a:ext cx="3614040" cy="394200"/>
+          </a:xfrm>
+          <a:prstGeom prst="rect">
+            <a:avLst/>
+          </a:prstGeom>
+          <a:noFill/>
+          <a:ln>
+            <a:noFill/>
+          </a:ln>
+        </p:spPr>
+        <p:style>
+          <a:lnRef idx="0">
+            <a:srgbClr val="FFFFFF"/>
+          </a:lnRef>
+          <a:fillRef idx="0">
+            <a:srgbClr val="FFFFFF"/>
+          </a:fillRef>
+          <a:effectRef idx="0">
+            <a:srgbClr val="FFFFFF"/>
+          </a:effectRef>
+          <a:fontRef idx="minor"/>
+        </p:style>
+        <p:txBody>
+          <a:bodyPr lIns="90000" tIns="45000" rIns="90000" bIns="45000"/>
+          <a:p>
+            <a:pPr>
+              <a:lnSpc>
+                <a:spcPct val="150000"/>
+              </a:lnSpc>
+            </a:pPr>
+            <a:r>
+              <a:rPr lang="en-US" altLang="en-US" sz="800" spc="-1">
+                <a:solidFill>
+                  <a:srgbClr val="1F497D"/>
+                </a:solidFill>
+                <a:uFill>
+                  <a:solidFill>
+                    <a:srgbClr val="FFFFFF"/>
+                  </a:solidFill>
+                </a:uFill>
+                <a:latin typeface="Caviar Dreams"/>
+                <a:ea typeface="DejaVu Sans" panose="020B0603030804020204"/>
+                <a:sym typeface="+mn-ea"/>
+              </a:rPr>
+              <a:t>“Penerapan HTTP/2 SSE dan Websocket pada Rumah Pintar”</a:t>
+            </a:r>
+            <a:endParaRPr lang="en-US" sz="1800" b="0" strike="noStrike" spc="-1">
+              <a:solidFill>
+                <a:srgbClr val="000000"/>
+              </a:solidFill>
+              <a:uFill>
+                <a:solidFill>
+                  <a:srgbClr val="FFFFFF"/>
+                </a:solidFill>
+              </a:uFill>
+              <a:latin typeface="Arial" panose="020B0604020202020204"/>
+            </a:endParaRPr>
+          </a:p>
+        </p:txBody>
+      </p:sp>
+      <p:sp>
+        <p:nvSpPr>
+          <p:cNvPr id="218" name="CustomShape 9"/>
+          <p:cNvSpPr/>
+          <p:nvPr/>
+        </p:nvSpPr>
+        <p:spPr>
+          <a:xfrm>
+            <a:off x="683640" y="1923840"/>
+            <a:ext cx="7671960" cy="2279520"/>
+          </a:xfrm>
+          <a:prstGeom prst="rect">
+            <a:avLst/>
+          </a:prstGeom>
+          <a:noFill/>
+          <a:ln>
+            <a:noFill/>
+          </a:ln>
+        </p:spPr>
+        <p:style>
+          <a:lnRef idx="0">
+            <a:srgbClr val="FFFFFF"/>
+          </a:lnRef>
+          <a:fillRef idx="0">
+            <a:srgbClr val="FFFFFF"/>
+          </a:fillRef>
+          <a:effectRef idx="0">
+            <a:srgbClr val="FFFFFF"/>
+          </a:effectRef>
+          <a:fontRef idx="minor"/>
+        </p:style>
+        <p:txBody>
+          <a:bodyPr lIns="90000" tIns="45000" rIns="90000" bIns="45000"/>
+          <a:p>
+            <a:pPr algn="just">
+              <a:lnSpc>
+                <a:spcPct val="150000"/>
+              </a:lnSpc>
+            </a:pPr>
+            <a:r>
+              <a:rPr lang="en-US" sz="1600" b="0" strike="noStrike" spc="-1">
+                <a:solidFill>
+                  <a:srgbClr val="000000"/>
+                </a:solidFill>
+                <a:uFill>
+                  <a:solidFill>
+                    <a:srgbClr val="FFFFFF"/>
+                  </a:solidFill>
+                </a:uFill>
+                <a:latin typeface="Caviar Dreams"/>
+                <a:ea typeface="DejaVu Sans" panose="020B0603030804020204"/>
+              </a:rPr>
+              <a:t>Berdasarkan kajian dari Tinjauan Pustaka, dapat dibuat hipotesis bahwa Server Sent Event memiliki nilai </a:t>
+            </a:r>
+            <a:r>
+              <a:rPr lang="en-US" sz="1600" b="0" i="1" strike="noStrike" spc="-1">
+                <a:solidFill>
+                  <a:srgbClr val="000000"/>
+                </a:solidFill>
+                <a:uFill>
+                  <a:solidFill>
+                    <a:srgbClr val="FFFFFF"/>
+                  </a:solidFill>
+                </a:uFill>
+                <a:latin typeface="Caviar Dreams"/>
+                <a:ea typeface="DejaVu Sans" panose="020B0603030804020204"/>
+              </a:rPr>
+              <a:t>response time</a:t>
+            </a:r>
+            <a:r>
+              <a:rPr lang="en-US" sz="1600" b="0" strike="noStrike" spc="-1">
+                <a:solidFill>
+                  <a:srgbClr val="000000"/>
+                </a:solidFill>
+                <a:uFill>
+                  <a:solidFill>
+                    <a:srgbClr val="FFFFFF"/>
+                  </a:solidFill>
+                </a:uFill>
+                <a:latin typeface="Caviar Dreams"/>
+                <a:ea typeface="DejaVu Sans" panose="020B0603030804020204"/>
+              </a:rPr>
+              <a:t> terendah sedangkan HTTPS memiliki nilai </a:t>
+            </a:r>
+            <a:r>
+              <a:rPr lang="en-US" sz="1600" b="0" i="1" strike="noStrike" spc="-1">
+                <a:solidFill>
+                  <a:srgbClr val="000000"/>
+                </a:solidFill>
+                <a:uFill>
+                  <a:solidFill>
+                    <a:srgbClr val="FFFFFF"/>
+                  </a:solidFill>
+                </a:uFill>
+                <a:latin typeface="Caviar Dreams"/>
+                <a:ea typeface="DejaVu Sans" panose="020B0603030804020204"/>
+              </a:rPr>
+              <a:t>response time</a:t>
+            </a:r>
+            <a:r>
+              <a:rPr lang="en-US" sz="1600" b="0" strike="noStrike" spc="-1">
+                <a:solidFill>
+                  <a:srgbClr val="000000"/>
+                </a:solidFill>
+                <a:uFill>
+                  <a:solidFill>
+                    <a:srgbClr val="FFFFFF"/>
+                  </a:solidFill>
+                </a:uFill>
+                <a:latin typeface="Caviar Dreams"/>
+                <a:ea typeface="DejaVu Sans" panose="020B0603030804020204"/>
+              </a:rPr>
+              <a:t> tertinggi. Namun dari keempat metode yang digunakan, nilai penggunaan CPU keempatnya relatif sama.</a:t>
+            </a:r>
+            <a:endParaRPr lang="en-US" sz="1600" b="0" strike="noStrike" spc="-1">
+              <a:solidFill>
+                <a:srgbClr val="000000"/>
+              </a:solidFill>
+              <a:uFill>
+                <a:solidFill>
+                  <a:srgbClr val="FFFFFF"/>
+                </a:solidFill>
+              </a:uFill>
+              <a:latin typeface="Caviar Dreams"/>
+              <a:ea typeface="DejaVu Sans" panose="020B0603030804020204"/>
+            </a:endParaRPr>
           </a:p>
         </p:txBody>
       </p:sp>
@@ -20686,6 +20275,16 @@
   <p:clrMapOvr>
     <a:masterClrMapping/>
   </p:clrMapOvr>
+  <p:transition spd="slow">
+    <p:push dir="d"/>
+  </p:transition>
+  <p:timing>
+    <p:tnLst>
+      <p:par>
+        <p:cTn id="1" dur="indefinite" restart="never" nodeType="tmRoot"/>
+      </p:par>
+    </p:tnLst>
+  </p:timing>
 </p:sld>
 </file>
 
@@ -22164,774 +21763,6 @@
       </p:grpSpPr>
       <p:sp>
         <p:nvSpPr>
-          <p:cNvPr id="210" name="CustomShape 1"/>
-          <p:cNvSpPr/>
-          <p:nvPr/>
-        </p:nvSpPr>
-        <p:spPr>
-          <a:xfrm>
-            <a:off x="4928870" y="227330"/>
-            <a:ext cx="3317240" cy="699135"/>
-          </a:xfrm>
-          <a:prstGeom prst="rect">
-            <a:avLst/>
-          </a:prstGeom>
-          <a:noFill/>
-          <a:ln>
-            <a:noFill/>
-          </a:ln>
-        </p:spPr>
-        <p:style>
-          <a:lnRef idx="0">
-            <a:srgbClr val="FFFFFF"/>
-          </a:lnRef>
-          <a:fillRef idx="0">
-            <a:srgbClr val="FFFFFF"/>
-          </a:fillRef>
-          <a:effectRef idx="0">
-            <a:srgbClr val="FFFFFF"/>
-          </a:effectRef>
-          <a:fontRef idx="minor"/>
-        </p:style>
-        <p:txBody>
-          <a:bodyPr lIns="90000" tIns="45000" rIns="90000" bIns="45000"/>
-          <a:p>
-            <a:pPr algn="ctr">
-              <a:lnSpc>
-                <a:spcPct val="100000"/>
-              </a:lnSpc>
-            </a:pPr>
-            <a:r>
-              <a:rPr lang="en-US" sz="2000" b="1" strike="noStrike" spc="-1">
-                <a:solidFill>
-                  <a:srgbClr val="1F497D"/>
-                </a:solidFill>
-                <a:uFill>
-                  <a:solidFill>
-                    <a:srgbClr val="FFFFFF"/>
-                  </a:solidFill>
-                </a:uFill>
-                <a:latin typeface="Capsuula"/>
-                <a:ea typeface="DejaVu Sans" panose="020B0603030804020204"/>
-              </a:rPr>
-              <a:t>Universitas Gadjah Mada</a:t>
-            </a:r>
-            <a:endParaRPr lang="en-US" sz="1800" b="0" strike="noStrike" spc="-1">
-              <a:solidFill>
-                <a:srgbClr val="000000"/>
-              </a:solidFill>
-              <a:uFill>
-                <a:solidFill>
-                  <a:srgbClr val="FFFFFF"/>
-                </a:solidFill>
-              </a:uFill>
-              <a:latin typeface="Arial" panose="020B0604020202020204"/>
-            </a:endParaRPr>
-          </a:p>
-        </p:txBody>
-      </p:sp>
-      <p:sp>
-        <p:nvSpPr>
-          <p:cNvPr id="211" name="CustomShape 2"/>
-          <p:cNvSpPr/>
-          <p:nvPr/>
-        </p:nvSpPr>
-        <p:spPr>
-          <a:xfrm>
-            <a:off x="20880" y="177840"/>
-            <a:ext cx="3614040" cy="394200"/>
-          </a:xfrm>
-          <a:prstGeom prst="rect">
-            <a:avLst/>
-          </a:prstGeom>
-          <a:noFill/>
-          <a:ln>
-            <a:noFill/>
-          </a:ln>
-        </p:spPr>
-        <p:style>
-          <a:lnRef idx="0">
-            <a:srgbClr val="FFFFFF"/>
-          </a:lnRef>
-          <a:fillRef idx="0">
-            <a:srgbClr val="FFFFFF"/>
-          </a:fillRef>
-          <a:effectRef idx="0">
-            <a:srgbClr val="FFFFFF"/>
-          </a:effectRef>
-          <a:fontRef idx="minor"/>
-        </p:style>
-        <p:txBody>
-          <a:bodyPr lIns="90000" tIns="45000" rIns="90000" bIns="45000"/>
-          <a:p>
-            <a:pPr>
-              <a:lnSpc>
-                <a:spcPct val="150000"/>
-              </a:lnSpc>
-            </a:pPr>
-            <a:r>
-              <a:rPr lang="en-US" altLang="en-US" sz="800" spc="-1">
-                <a:solidFill>
-                  <a:srgbClr val="1F497D"/>
-                </a:solidFill>
-                <a:uFill>
-                  <a:solidFill>
-                    <a:srgbClr val="FFFFFF"/>
-                  </a:solidFill>
-                </a:uFill>
-                <a:latin typeface="Caviar Dreams"/>
-                <a:ea typeface="DejaVu Sans" panose="020B0603030804020204"/>
-                <a:sym typeface="+mn-ea"/>
-              </a:rPr>
-              <a:t>“Penerapan HTTP/2 SSE dan Websocket pada Rumah Pintar”</a:t>
-            </a:r>
-            <a:endParaRPr lang="en-US" sz="1800" b="0" strike="noStrike" spc="-1">
-              <a:solidFill>
-                <a:srgbClr val="000000"/>
-              </a:solidFill>
-              <a:uFill>
-                <a:solidFill>
-                  <a:srgbClr val="FFFFFF"/>
-                </a:solidFill>
-              </a:uFill>
-              <a:latin typeface="Arial" panose="020B0604020202020204"/>
-            </a:endParaRPr>
-          </a:p>
-        </p:txBody>
-      </p:sp>
-      <p:sp>
-        <p:nvSpPr>
-          <p:cNvPr id="218" name="CustomShape 9"/>
-          <p:cNvSpPr/>
-          <p:nvPr/>
-        </p:nvSpPr>
-        <p:spPr>
-          <a:xfrm>
-            <a:off x="683640" y="1923840"/>
-            <a:ext cx="7671960" cy="2279520"/>
-          </a:xfrm>
-          <a:prstGeom prst="rect">
-            <a:avLst/>
-          </a:prstGeom>
-          <a:noFill/>
-          <a:ln>
-            <a:noFill/>
-          </a:ln>
-        </p:spPr>
-        <p:style>
-          <a:lnRef idx="0">
-            <a:srgbClr val="FFFFFF"/>
-          </a:lnRef>
-          <a:fillRef idx="0">
-            <a:srgbClr val="FFFFFF"/>
-          </a:fillRef>
-          <a:effectRef idx="0">
-            <a:srgbClr val="FFFFFF"/>
-          </a:effectRef>
-          <a:fontRef idx="minor"/>
-        </p:style>
-        <p:txBody>
-          <a:bodyPr lIns="90000" tIns="45000" rIns="90000" bIns="45000"/>
-          <a:p>
-            <a:pPr algn="just">
-              <a:lnSpc>
-                <a:spcPct val="150000"/>
-              </a:lnSpc>
-            </a:pPr>
-            <a:r>
-              <a:rPr lang="en-US" sz="1600" b="0" strike="noStrike" spc="-1">
-                <a:solidFill>
-                  <a:srgbClr val="000000"/>
-                </a:solidFill>
-                <a:uFill>
-                  <a:solidFill>
-                    <a:srgbClr val="FFFFFF"/>
-                  </a:solidFill>
-                </a:uFill>
-                <a:latin typeface="Caviar Dreams"/>
-                <a:ea typeface="DejaVu Sans" panose="020B0603030804020204"/>
-              </a:rPr>
-              <a:t>Berdasarkan kajian dari Tinjauan Pustaka, dapat dibuat hipotesis bahwa Server Sent Event memiliki nilai </a:t>
-            </a:r>
-            <a:r>
-              <a:rPr lang="en-US" sz="1600" b="0" i="1" strike="noStrike" spc="-1">
-                <a:solidFill>
-                  <a:srgbClr val="000000"/>
-                </a:solidFill>
-                <a:uFill>
-                  <a:solidFill>
-                    <a:srgbClr val="FFFFFF"/>
-                  </a:solidFill>
-                </a:uFill>
-                <a:latin typeface="Caviar Dreams"/>
-                <a:ea typeface="DejaVu Sans" panose="020B0603030804020204"/>
-              </a:rPr>
-              <a:t>response time</a:t>
-            </a:r>
-            <a:r>
-              <a:rPr lang="en-US" sz="1600" b="0" strike="noStrike" spc="-1">
-                <a:solidFill>
-                  <a:srgbClr val="000000"/>
-                </a:solidFill>
-                <a:uFill>
-                  <a:solidFill>
-                    <a:srgbClr val="FFFFFF"/>
-                  </a:solidFill>
-                </a:uFill>
-                <a:latin typeface="Caviar Dreams"/>
-                <a:ea typeface="DejaVu Sans" panose="020B0603030804020204"/>
-              </a:rPr>
-              <a:t> terendah sedangkan HTTPS memiliki nilai </a:t>
-            </a:r>
-            <a:r>
-              <a:rPr lang="en-US" sz="1600" b="0" i="1" strike="noStrike" spc="-1">
-                <a:solidFill>
-                  <a:srgbClr val="000000"/>
-                </a:solidFill>
-                <a:uFill>
-                  <a:solidFill>
-                    <a:srgbClr val="FFFFFF"/>
-                  </a:solidFill>
-                </a:uFill>
-                <a:latin typeface="Caviar Dreams"/>
-                <a:ea typeface="DejaVu Sans" panose="020B0603030804020204"/>
-              </a:rPr>
-              <a:t>response time</a:t>
-            </a:r>
-            <a:r>
-              <a:rPr lang="en-US" sz="1600" b="0" strike="noStrike" spc="-1">
-                <a:solidFill>
-                  <a:srgbClr val="000000"/>
-                </a:solidFill>
-                <a:uFill>
-                  <a:solidFill>
-                    <a:srgbClr val="FFFFFF"/>
-                  </a:solidFill>
-                </a:uFill>
-                <a:latin typeface="Caviar Dreams"/>
-                <a:ea typeface="DejaVu Sans" panose="020B0603030804020204"/>
-              </a:rPr>
-              <a:t> tertinggi. Namun dari keempat metode yang digunakan, nilai penggunaan CPU keempatnya relatif sama.</a:t>
-            </a:r>
-            <a:endParaRPr lang="en-US" sz="1600" b="0" strike="noStrike" spc="-1">
-              <a:solidFill>
-                <a:srgbClr val="000000"/>
-              </a:solidFill>
-              <a:uFill>
-                <a:solidFill>
-                  <a:srgbClr val="FFFFFF"/>
-                </a:solidFill>
-              </a:uFill>
-              <a:latin typeface="Caviar Dreams"/>
-              <a:ea typeface="DejaVu Sans" panose="020B0603030804020204"/>
-            </a:endParaRPr>
-          </a:p>
-        </p:txBody>
-      </p:sp>
-      <p:sp>
-        <p:nvSpPr>
-          <p:cNvPr id="105" name="CustomShape 1"/>
-          <p:cNvSpPr/>
-          <p:nvPr/>
-        </p:nvSpPr>
-        <p:spPr>
-          <a:xfrm>
-            <a:off x="1250640" y="844560"/>
-            <a:ext cx="1619640" cy="510120"/>
-          </a:xfrm>
-          <a:prstGeom prst="chevron">
-            <a:avLst>
-              <a:gd name="adj" fmla="val 50000"/>
-            </a:avLst>
-          </a:prstGeom>
-          <a:solidFill>
-            <a:srgbClr val="F9C534"/>
-          </a:solidFill>
-          <a:ln w="3240">
-            <a:solidFill>
-              <a:srgbClr val="111C76"/>
-            </a:solidFill>
-            <a:round/>
-          </a:ln>
-        </p:spPr>
-        <p:style>
-          <a:lnRef idx="2">
-            <a:schemeClr val="accent1">
-              <a:shade val="50000"/>
-            </a:schemeClr>
-          </a:lnRef>
-          <a:fillRef idx="1">
-            <a:schemeClr val="accent1"/>
-          </a:fillRef>
-          <a:effectRef idx="0">
-            <a:schemeClr val="accent1"/>
-          </a:effectRef>
-          <a:fontRef idx="minor"/>
-        </p:style>
-        <p:txBody>
-          <a:bodyPr lIns="90000" tIns="45000" rIns="90000" bIns="45000" anchor="ctr"/>
-          <a:p>
-            <a:pPr algn="ctr">
-              <a:lnSpc>
-                <a:spcPct val="100000"/>
-              </a:lnSpc>
-            </a:pPr>
-            <a:r>
-              <a:rPr lang="en-US" sz="1100" spc="-1">
-                <a:solidFill>
-                  <a:srgbClr val="111C76"/>
-                </a:solidFill>
-                <a:uFill>
-                  <a:solidFill>
-                    <a:srgbClr val="FFFFFF"/>
-                  </a:solidFill>
-                </a:uFill>
-                <a:latin typeface="Caviar Dreams"/>
-                <a:ea typeface="DejaVu Sans" panose="020B0603030804020204"/>
-                <a:sym typeface="+mn-ea"/>
-              </a:rPr>
-              <a:t>Tinjauan Pustaka</a:t>
-            </a:r>
-            <a:endParaRPr lang="en-US" sz="1100" b="0" strike="noStrike" spc="-1">
-              <a:solidFill>
-                <a:srgbClr val="111C76"/>
-              </a:solidFill>
-              <a:uFill>
-                <a:solidFill>
-                  <a:srgbClr val="FFFFFF"/>
-                </a:solidFill>
-              </a:uFill>
-              <a:latin typeface="Caviar Dreams"/>
-              <a:ea typeface="DejaVu Sans" panose="020B0603030804020204"/>
-              <a:sym typeface="+mn-ea"/>
-            </a:endParaRPr>
-          </a:p>
-        </p:txBody>
-      </p:sp>
-      <p:sp>
-        <p:nvSpPr>
-          <p:cNvPr id="106" name="CustomShape 2"/>
-          <p:cNvSpPr/>
-          <p:nvPr/>
-        </p:nvSpPr>
-        <p:spPr>
-          <a:xfrm>
-            <a:off x="2614680" y="844560"/>
-            <a:ext cx="1623600" cy="510120"/>
-          </a:xfrm>
-          <a:prstGeom prst="chevron">
-            <a:avLst>
-              <a:gd name="adj" fmla="val 50000"/>
-            </a:avLst>
-          </a:prstGeom>
-          <a:solidFill>
-            <a:srgbClr val="111C76"/>
-          </a:solidFill>
-          <a:ln w="3240">
-            <a:solidFill>
-              <a:schemeClr val="bg1"/>
-            </a:solidFill>
-            <a:round/>
-          </a:ln>
-        </p:spPr>
-        <p:style>
-          <a:lnRef idx="2">
-            <a:schemeClr val="accent1">
-              <a:shade val="50000"/>
-            </a:schemeClr>
-          </a:lnRef>
-          <a:fillRef idx="1">
-            <a:schemeClr val="accent1"/>
-          </a:fillRef>
-          <a:effectRef idx="0">
-            <a:schemeClr val="accent1"/>
-          </a:effectRef>
-          <a:fontRef idx="minor"/>
-        </p:style>
-        <p:txBody>
-          <a:bodyPr lIns="90000" tIns="45000" rIns="90000" bIns="45000" anchor="ctr"/>
-          <a:p>
-            <a:pPr algn="ctr">
-              <a:lnSpc>
-                <a:spcPct val="100000"/>
-              </a:lnSpc>
-            </a:pPr>
-            <a:r>
-              <a:rPr lang="en-US" sz="1100" b="0" strike="noStrike" spc="-1">
-                <a:solidFill>
-                  <a:srgbClr val="FFFFFF"/>
-                </a:solidFill>
-                <a:uFill>
-                  <a:solidFill>
-                    <a:srgbClr val="FFFFFF"/>
-                  </a:solidFill>
-                </a:uFill>
-                <a:latin typeface="Caviar Dreams"/>
-                <a:ea typeface="DejaVu Sans" panose="020B0603030804020204"/>
-              </a:rPr>
-              <a:t>Tujuan Proyek Akhir</a:t>
-            </a:r>
-            <a:endParaRPr lang="en-US" sz="1800" b="0" strike="noStrike" spc="-1">
-              <a:solidFill>
-                <a:srgbClr val="000000"/>
-              </a:solidFill>
-              <a:uFill>
-                <a:solidFill>
-                  <a:srgbClr val="FFFFFF"/>
-                </a:solidFill>
-              </a:uFill>
-              <a:latin typeface="Arial" panose="020B0604020202020204"/>
-            </a:endParaRPr>
-          </a:p>
-        </p:txBody>
-      </p:sp>
-      <p:sp>
-        <p:nvSpPr>
-          <p:cNvPr id="107" name="CustomShape 3"/>
-          <p:cNvSpPr/>
-          <p:nvPr/>
-        </p:nvSpPr>
-        <p:spPr>
-          <a:xfrm>
-            <a:off x="3924000" y="848520"/>
-            <a:ext cx="1727640" cy="510120"/>
-          </a:xfrm>
-          <a:prstGeom prst="chevron">
-            <a:avLst>
-              <a:gd name="adj" fmla="val 50000"/>
-            </a:avLst>
-          </a:prstGeom>
-          <a:solidFill>
-            <a:srgbClr val="111C76"/>
-          </a:solidFill>
-          <a:ln w="3240">
-            <a:solidFill>
-              <a:schemeClr val="bg1"/>
-            </a:solidFill>
-            <a:round/>
-          </a:ln>
-        </p:spPr>
-        <p:style>
-          <a:lnRef idx="2">
-            <a:schemeClr val="accent1">
-              <a:shade val="50000"/>
-            </a:schemeClr>
-          </a:lnRef>
-          <a:fillRef idx="1">
-            <a:schemeClr val="accent1"/>
-          </a:fillRef>
-          <a:effectRef idx="0">
-            <a:schemeClr val="accent1"/>
-          </a:effectRef>
-          <a:fontRef idx="minor"/>
-        </p:style>
-        <p:txBody>
-          <a:bodyPr lIns="90000" tIns="45000" rIns="90000" bIns="45000" anchor="ctr"/>
-          <a:p>
-            <a:pPr algn="ctr">
-              <a:lnSpc>
-                <a:spcPct val="100000"/>
-              </a:lnSpc>
-            </a:pPr>
-            <a:r>
-              <a:rPr lang="en-US" sz="1100" spc="-1">
-                <a:solidFill>
-                  <a:srgbClr val="FFFFFF"/>
-                </a:solidFill>
-                <a:uFill>
-                  <a:solidFill>
-                    <a:srgbClr val="FFFFFF"/>
-                  </a:solidFill>
-                </a:uFill>
-                <a:latin typeface="Caviar Dreams"/>
-                <a:ea typeface="DejaVu Sans" panose="020B0603030804020204"/>
-                <a:sym typeface="+mn-ea"/>
-              </a:rPr>
-              <a:t>Metodologi</a:t>
-            </a:r>
-            <a:endParaRPr lang="en-US" sz="1800" b="0" strike="noStrike" spc="-1">
-              <a:solidFill>
-                <a:srgbClr val="000000"/>
-              </a:solidFill>
-              <a:uFill>
-                <a:solidFill>
-                  <a:srgbClr val="FFFFFF"/>
-                </a:solidFill>
-              </a:uFill>
-              <a:latin typeface="Arial" panose="020B0604020202020204"/>
-            </a:endParaRPr>
-          </a:p>
-        </p:txBody>
-      </p:sp>
-      <p:sp>
-        <p:nvSpPr>
-          <p:cNvPr id="108" name="CustomShape 4"/>
-          <p:cNvSpPr/>
-          <p:nvPr/>
-        </p:nvSpPr>
-        <p:spPr>
-          <a:xfrm>
-            <a:off x="5402160" y="851400"/>
-            <a:ext cx="1755720" cy="503280"/>
-          </a:xfrm>
-          <a:prstGeom prst="chevron">
-            <a:avLst>
-              <a:gd name="adj" fmla="val 50000"/>
-            </a:avLst>
-          </a:prstGeom>
-          <a:solidFill>
-            <a:srgbClr val="111C76"/>
-          </a:solidFill>
-          <a:ln w="3240">
-            <a:solidFill>
-              <a:schemeClr val="bg1"/>
-            </a:solidFill>
-            <a:round/>
-          </a:ln>
-        </p:spPr>
-        <p:style>
-          <a:lnRef idx="2">
-            <a:schemeClr val="accent1">
-              <a:shade val="50000"/>
-            </a:schemeClr>
-          </a:lnRef>
-          <a:fillRef idx="1">
-            <a:schemeClr val="accent1"/>
-          </a:fillRef>
-          <a:effectRef idx="0">
-            <a:schemeClr val="accent1"/>
-          </a:effectRef>
-          <a:fontRef idx="minor"/>
-        </p:style>
-        <p:txBody>
-          <a:bodyPr lIns="90000" tIns="45000" rIns="90000" bIns="45000" anchor="ctr"/>
-          <a:p>
-            <a:pPr algn="ctr">
-              <a:lnSpc>
-                <a:spcPct val="100000"/>
-              </a:lnSpc>
-            </a:pPr>
-            <a:r>
-              <a:rPr lang="en-US" altLang="en-US" sz="1100" b="0" strike="noStrike" spc="-1">
-                <a:solidFill>
-                  <a:srgbClr val="FFFFFF"/>
-                </a:solidFill>
-                <a:uFill>
-                  <a:solidFill>
-                    <a:srgbClr val="FFFFFF"/>
-                  </a:solidFill>
-                </a:uFill>
-                <a:latin typeface="Caviar Dreams"/>
-                <a:ea typeface="DejaVu Sans" panose="020B0603030804020204"/>
-              </a:rPr>
-              <a:t>Pembahasan</a:t>
-            </a:r>
-            <a:endParaRPr lang="en-US" altLang="en-US" sz="1800" b="0" strike="noStrike" spc="-1">
-              <a:solidFill>
-                <a:srgbClr val="000000"/>
-              </a:solidFill>
-              <a:uFill>
-                <a:solidFill>
-                  <a:srgbClr val="FFFFFF"/>
-                </a:solidFill>
-              </a:uFill>
-              <a:latin typeface="Arial" panose="020B0604020202020204"/>
-            </a:endParaRPr>
-          </a:p>
-        </p:txBody>
-      </p:sp>
-      <p:sp>
-        <p:nvSpPr>
-          <p:cNvPr id="110" name="CustomShape 6"/>
-          <p:cNvSpPr/>
-          <p:nvPr/>
-        </p:nvSpPr>
-        <p:spPr>
-          <a:xfrm>
-            <a:off x="6849360" y="851400"/>
-            <a:ext cx="1703880" cy="503280"/>
-          </a:xfrm>
-          <a:prstGeom prst="chevron">
-            <a:avLst>
-              <a:gd name="adj" fmla="val 50000"/>
-            </a:avLst>
-          </a:prstGeom>
-          <a:solidFill>
-            <a:srgbClr val="111C76"/>
-          </a:solidFill>
-          <a:ln w="3240">
-            <a:solidFill>
-              <a:schemeClr val="bg1"/>
-            </a:solidFill>
-            <a:round/>
-          </a:ln>
-        </p:spPr>
-        <p:style>
-          <a:lnRef idx="2">
-            <a:schemeClr val="accent1">
-              <a:shade val="50000"/>
-            </a:schemeClr>
-          </a:lnRef>
-          <a:fillRef idx="1">
-            <a:schemeClr val="accent1"/>
-          </a:fillRef>
-          <a:effectRef idx="0">
-            <a:schemeClr val="accent1"/>
-          </a:effectRef>
-          <a:fontRef idx="minor"/>
-        </p:style>
-        <p:txBody>
-          <a:bodyPr lIns="90000" tIns="45000" rIns="90000" bIns="45000" anchor="ctr"/>
-          <a:p>
-            <a:pPr algn="ctr">
-              <a:lnSpc>
-                <a:spcPct val="100000"/>
-              </a:lnSpc>
-            </a:pPr>
-            <a:r>
-              <a:rPr lang="en-US" altLang="en-US" sz="1100" b="0" strike="noStrike" spc="-1">
-                <a:solidFill>
-                  <a:srgbClr val="FFFFFF"/>
-                </a:solidFill>
-                <a:uFill>
-                  <a:solidFill>
-                    <a:srgbClr val="FFFFFF"/>
-                  </a:solidFill>
-                </a:uFill>
-                <a:latin typeface="Caviar Dreams"/>
-                <a:ea typeface="DejaVu Sans" panose="020B0603030804020204"/>
-              </a:rPr>
-              <a:t>Kesimpulan dan Saran</a:t>
-            </a:r>
-            <a:endParaRPr lang="en-US" altLang="en-US" sz="1800" b="0" strike="noStrike" spc="-1">
-              <a:solidFill>
-                <a:srgbClr val="000000"/>
-              </a:solidFill>
-              <a:uFill>
-                <a:solidFill>
-                  <a:srgbClr val="FFFFFF"/>
-                </a:solidFill>
-              </a:uFill>
-              <a:latin typeface="Arial" panose="020B0604020202020204"/>
-            </a:endParaRPr>
-          </a:p>
-        </p:txBody>
-      </p:sp>
-      <p:sp>
-        <p:nvSpPr>
-          <p:cNvPr id="112" name="CustomShape 8"/>
-          <p:cNvSpPr/>
-          <p:nvPr/>
-        </p:nvSpPr>
-        <p:spPr>
-          <a:xfrm>
-            <a:off x="0" y="843480"/>
-            <a:ext cx="1505160" cy="510120"/>
-          </a:xfrm>
-          <a:prstGeom prst="homePlate">
-            <a:avLst>
-              <a:gd name="adj" fmla="val 50000"/>
-            </a:avLst>
-          </a:prstGeom>
-          <a:solidFill>
-            <a:srgbClr val="111C76"/>
-          </a:solidFill>
-          <a:ln w="3240">
-            <a:solidFill>
-              <a:schemeClr val="bg1"/>
-            </a:solidFill>
-            <a:round/>
-          </a:ln>
-        </p:spPr>
-        <p:style>
-          <a:lnRef idx="2">
-            <a:schemeClr val="accent1">
-              <a:shade val="50000"/>
-            </a:schemeClr>
-          </a:lnRef>
-          <a:fillRef idx="1">
-            <a:schemeClr val="accent1"/>
-          </a:fillRef>
-          <a:effectRef idx="0">
-            <a:schemeClr val="accent1"/>
-          </a:effectRef>
-          <a:fontRef idx="minor"/>
-        </p:style>
-        <p:txBody>
-          <a:bodyPr lIns="90000" tIns="45000" rIns="90000" bIns="45000" anchor="ctr"/>
-          <a:p>
-            <a:pPr algn="ctr">
-              <a:lnSpc>
-                <a:spcPct val="100000"/>
-              </a:lnSpc>
-            </a:pPr>
-            <a:r>
-              <a:rPr lang="en-US" sz="1100" b="0" strike="noStrike" spc="-1">
-                <a:solidFill>
-                  <a:schemeClr val="bg1"/>
-                </a:solidFill>
-                <a:uFill>
-                  <a:solidFill>
-                    <a:srgbClr val="FFFFFF"/>
-                  </a:solidFill>
-                </a:uFill>
-                <a:latin typeface="Caviar Dreams"/>
-                <a:ea typeface="DejaVu Sans" panose="020B0603030804020204"/>
-              </a:rPr>
-              <a:t>Latar Belakang</a:t>
-            </a:r>
-            <a:endParaRPr lang="en-US" sz="1100" b="0" strike="noStrike" spc="-1">
-              <a:solidFill>
-                <a:schemeClr val="bg1"/>
-              </a:solidFill>
-              <a:uFill>
-                <a:solidFill>
-                  <a:srgbClr val="FFFFFF"/>
-                </a:solidFill>
-              </a:uFill>
-              <a:latin typeface="Caviar Dreams"/>
-              <a:ea typeface="DejaVu Sans" panose="020B0603030804020204"/>
-            </a:endParaRPr>
-          </a:p>
-        </p:txBody>
-      </p:sp>
-    </p:spTree>
-  </p:cSld>
-  <p:clrMapOvr>
-    <a:masterClrMapping/>
-  </p:clrMapOvr>
-  <p:transition spd="slow">
-    <p:push dir="d"/>
-  </p:transition>
-  <p:timing>
-    <p:tnLst>
-      <p:par>
-        <p:cTn id="1" dur="indefinite" restart="never" nodeType="tmRoot"/>
-      </p:par>
-    </p:tnLst>
-  </p:timing>
-</p:sld>
-</file>
-
-<file path=ppt/slides/slide21.xml><?xml version="1.0" encoding="utf-8"?>
-<p:sld xmlns:a="http://schemas.openxmlformats.org/drawingml/2006/main" xmlns:r="http://schemas.openxmlformats.org/officeDocument/2006/relationships" xmlns:p="http://schemas.openxmlformats.org/presentationml/2006/main">
-  <p:cSld>
-    <p:spTree>
-      <p:nvGrpSpPr>
-        <p:cNvPr id="1" name=""/>
-        <p:cNvGrpSpPr/>
-        <p:nvPr/>
-      </p:nvGrpSpPr>
-      <p:grpSpPr>
-        <a:xfrm>
-          <a:off x="0" y="0"/>
-          <a:ext cx="0" cy="0"/>
-          <a:chOff x="0" y="0"/>
-          <a:chExt cx="0" cy="0"/>
-        </a:xfrm>
-      </p:grpSpPr>
-      <p:sp>
-        <p:nvSpPr>
           <p:cNvPr id="145" name="CustomShape 1"/>
           <p:cNvSpPr/>
           <p:nvPr/>
@@ -24001,7 +22832,7 @@
 </p:sld>
 </file>
 
-<file path=ppt/slides/slide22.xml><?xml version="1.0" encoding="utf-8"?>
+<file path=ppt/slides/slide21.xml><?xml version="1.0" encoding="utf-8"?>
 <p:sld xmlns:a="http://schemas.openxmlformats.org/drawingml/2006/main" xmlns:r="http://schemas.openxmlformats.org/officeDocument/2006/relationships" xmlns:p="http://schemas.openxmlformats.org/presentationml/2006/main">
   <p:cSld>
     <p:spTree>
@@ -26617,7 +25448,7 @@
 </p:sld>
 </file>
 
-<file path=ppt/slides/slide23.xml><?xml version="1.0" encoding="utf-8"?>
+<file path=ppt/slides/slide22.xml><?xml version="1.0" encoding="utf-8"?>
 <p:sld xmlns:a="http://schemas.openxmlformats.org/drawingml/2006/main" xmlns:r="http://schemas.openxmlformats.org/officeDocument/2006/relationships" xmlns:p="http://schemas.openxmlformats.org/presentationml/2006/main">
   <p:cSld>
     <p:spTree>
@@ -26831,7 +25662,7 @@
 </p:sld>
 </file>
 
-<file path=ppt/slides/slide24.xml><?xml version="1.0" encoding="utf-8"?>
+<file path=ppt/slides/slide23.xml><?xml version="1.0" encoding="utf-8"?>
 <p:sld xmlns:a="http://schemas.openxmlformats.org/drawingml/2006/main" xmlns:r="http://schemas.openxmlformats.org/officeDocument/2006/relationships" xmlns:p="http://schemas.openxmlformats.org/presentationml/2006/main">
   <p:cSld>
     <p:spTree>
@@ -26850,36 +25681,12 @@
       </p:grpSpPr>
       <p:pic>
         <p:nvPicPr>
-          <p:cNvPr id="4" name="Picture 3" descr="g7694"/>
-          <p:cNvPicPr>
-            <a:picLocks noChangeAspect="1"/>
-          </p:cNvPicPr>
-          <p:nvPr/>
-        </p:nvPicPr>
-        <p:blipFill>
-          <a:blip r:embed="rId1"/>
-          <a:stretch>
-            <a:fillRect/>
-          </a:stretch>
-        </p:blipFill>
-        <p:spPr>
-          <a:xfrm>
-            <a:off x="121285" y="803275"/>
-            <a:ext cx="8129905" cy="3906520"/>
-          </a:xfrm>
-          <a:prstGeom prst="rect">
-            <a:avLst/>
-          </a:prstGeom>
-        </p:spPr>
-      </p:pic>
-      <p:pic>
-        <p:nvPicPr>
           <p:cNvPr id="5" name="Picture 25"/>
           <p:cNvPicPr/>
           <p:nvPr/>
         </p:nvPicPr>
         <p:blipFill>
-          <a:blip r:embed="rId2"/>
+          <a:blip r:embed="rId1"/>
           <a:srcRect l="49683" t="-391"/>
           <a:stretch>
             <a:fillRect/>
@@ -26905,7 +25712,7 @@
           <p:nvPr/>
         </p:nvPicPr>
         <p:blipFill>
-          <a:blip r:embed="rId2"/>
+          <a:blip r:embed="rId1"/>
           <a:srcRect l="49683"/>
           <a:stretch>
             <a:fillRect/>
@@ -27027,6 +25834,30 @@
           </a:p>
         </p:txBody>
       </p:sp>
+      <p:pic>
+        <p:nvPicPr>
+          <p:cNvPr id="2" name="Picture 1" descr="g7334"/>
+          <p:cNvPicPr>
+            <a:picLocks noChangeAspect="1"/>
+          </p:cNvPicPr>
+          <p:nvPr/>
+        </p:nvPicPr>
+        <p:blipFill>
+          <a:blip r:embed="rId2"/>
+          <a:stretch>
+            <a:fillRect/>
+          </a:stretch>
+        </p:blipFill>
+        <p:spPr>
+          <a:xfrm>
+            <a:off x="311150" y="657225"/>
+            <a:ext cx="8667750" cy="4017010"/>
+          </a:xfrm>
+          <a:prstGeom prst="rect">
+            <a:avLst/>
+          </a:prstGeom>
+        </p:spPr>
+      </p:pic>
     </p:spTree>
   </p:cSld>
   <p:clrMapOvr>
@@ -27045,7 +25876,7 @@
 </p:sld>
 </file>
 
-<file path=ppt/slides/slide25.xml><?xml version="1.0" encoding="utf-8"?>
+<file path=ppt/slides/slide24.xml><?xml version="1.0" encoding="utf-8"?>
 <p:sld xmlns:a="http://schemas.openxmlformats.org/drawingml/2006/main" xmlns:r="http://schemas.openxmlformats.org/officeDocument/2006/relationships" xmlns:p="http://schemas.openxmlformats.org/presentationml/2006/main">
   <p:cSld>
     <p:spTree>
@@ -28664,7 +27495,7 @@
 </p:sld>
 </file>
 
-<file path=ppt/slides/slide26.xml><?xml version="1.0" encoding="utf-8"?>
+<file path=ppt/slides/slide25.xml><?xml version="1.0" encoding="utf-8"?>
 <p:sld xmlns:a="http://schemas.openxmlformats.org/drawingml/2006/main" xmlns:r="http://schemas.openxmlformats.org/officeDocument/2006/relationships" xmlns:p="http://schemas.openxmlformats.org/presentationml/2006/main">
   <p:cSld>
     <p:spTree>
@@ -31554,7 +30385,7 @@
 </p:sld>
 </file>
 
-<file path=ppt/slides/slide27.xml><?xml version="1.0" encoding="utf-8"?>
+<file path=ppt/slides/slide26.xml><?xml version="1.0" encoding="utf-8"?>
 <p:sld xmlns:a="http://schemas.openxmlformats.org/drawingml/2006/main" xmlns:r="http://schemas.openxmlformats.org/officeDocument/2006/relationships" xmlns:p="http://schemas.openxmlformats.org/presentationml/2006/main">
   <p:cSld>
     <p:spTree>
@@ -34256,7 +33087,7 @@
 </p:sld>
 </file>
 
-<file path=ppt/slides/slide28.xml><?xml version="1.0" encoding="utf-8"?>
+<file path=ppt/slides/slide27.xml><?xml version="1.0" encoding="utf-8"?>
 <p:sld xmlns:a="http://schemas.openxmlformats.org/drawingml/2006/main" xmlns:r="http://schemas.openxmlformats.org/officeDocument/2006/relationships" xmlns:p="http://schemas.openxmlformats.org/presentationml/2006/main">
   <p:cSld>
     <p:spTree>
@@ -36482,6 +35313,321 @@
 </p:sld>
 </file>
 
+<file path=ppt/slides/slide28.xml><?xml version="1.0" encoding="utf-8"?>
+<p:sld xmlns:a="http://schemas.openxmlformats.org/drawingml/2006/main" xmlns:r="http://schemas.openxmlformats.org/officeDocument/2006/relationships" xmlns:p="http://schemas.openxmlformats.org/presentationml/2006/main">
+  <p:cSld>
+    <p:spTree>
+      <p:nvGrpSpPr>
+        <p:cNvPr id="1" name=""/>
+        <p:cNvGrpSpPr/>
+        <p:nvPr/>
+      </p:nvGrpSpPr>
+      <p:grpSpPr/>
+      <p:sp>
+        <p:nvSpPr>
+          <p:cNvPr id="269" name="CustomShape 3"/>
+          <p:cNvSpPr/>
+          <p:nvPr/>
+        </p:nvSpPr>
+        <p:spPr>
+          <a:xfrm>
+            <a:off x="1184320" y="498295"/>
+            <a:ext cx="1653120" cy="333360"/>
+          </a:xfrm>
+          <a:prstGeom prst="rect">
+            <a:avLst/>
+          </a:prstGeom>
+          <a:noFill/>
+          <a:ln>
+            <a:noFill/>
+          </a:ln>
+        </p:spPr>
+        <p:style>
+          <a:lnRef idx="0">
+            <a:srgbClr val="FFFFFF"/>
+          </a:lnRef>
+          <a:fillRef idx="0">
+            <a:srgbClr val="FFFFFF"/>
+          </a:fillRef>
+          <a:effectRef idx="0">
+            <a:srgbClr val="FFFFFF"/>
+          </a:effectRef>
+          <a:fontRef idx="minor"/>
+        </p:style>
+        <p:txBody>
+          <a:bodyPr wrap="none" lIns="90000" tIns="45000" rIns="90000" bIns="45000"/>
+          <a:p>
+            <a:pPr>
+              <a:lnSpc>
+                <a:spcPct val="100000"/>
+              </a:lnSpc>
+            </a:pPr>
+            <a:r>
+              <a:rPr lang="" altLang="en-US" sz="1600" b="1" i="1" strike="noStrike" spc="-1">
+                <a:solidFill>
+                  <a:srgbClr val="111C76"/>
+                </a:solidFill>
+                <a:uFill>
+                  <a:solidFill>
+                    <a:srgbClr val="FFFFFF"/>
+                  </a:solidFill>
+                </a:uFill>
+                <a:latin typeface="Caviar Dreams"/>
+                <a:ea typeface="Open Sans Extrabold"/>
+              </a:rPr>
+              <a:t>Kesimpulan</a:t>
+            </a:r>
+            <a:endParaRPr lang="" altLang="en-US" sz="1800" b="0" strike="noStrike" spc="-1">
+              <a:solidFill>
+                <a:srgbClr val="000000"/>
+              </a:solidFill>
+              <a:uFill>
+                <a:solidFill>
+                  <a:srgbClr val="FFFFFF"/>
+                </a:solidFill>
+              </a:uFill>
+              <a:latin typeface="Arial" panose="020B0604020202020204"/>
+            </a:endParaRPr>
+          </a:p>
+        </p:txBody>
+      </p:sp>
+      <p:pic>
+        <p:nvPicPr>
+          <p:cNvPr id="277" name="Picture 276"/>
+          <p:cNvPicPr/>
+          <p:nvPr/>
+        </p:nvPicPr>
+        <p:blipFill>
+          <a:blip r:embed="rId1"/>
+          <a:stretch>
+            <a:fillRect/>
+          </a:stretch>
+        </p:blipFill>
+        <p:spPr>
+          <a:xfrm>
+            <a:off x="446960" y="426680"/>
+            <a:ext cx="3606480" cy="659880"/>
+          </a:xfrm>
+          <a:prstGeom prst="rect">
+            <a:avLst/>
+          </a:prstGeom>
+          <a:ln>
+            <a:noFill/>
+          </a:ln>
+        </p:spPr>
+      </p:pic>
+      <p:sp>
+        <p:nvSpPr>
+          <p:cNvPr id="270" name="CustomShape 4"/>
+          <p:cNvSpPr/>
+          <p:nvPr/>
+        </p:nvSpPr>
+        <p:spPr>
+          <a:xfrm>
+            <a:off x="787520" y="1324035"/>
+            <a:ext cx="6859800" cy="2793960"/>
+          </a:xfrm>
+          <a:prstGeom prst="rect">
+            <a:avLst/>
+          </a:prstGeom>
+          <a:noFill/>
+          <a:ln>
+            <a:noFill/>
+          </a:ln>
+        </p:spPr>
+        <p:style>
+          <a:lnRef idx="0">
+            <a:srgbClr val="FFFFFF"/>
+          </a:lnRef>
+          <a:fillRef idx="0">
+            <a:srgbClr val="FFFFFF"/>
+          </a:fillRef>
+          <a:effectRef idx="0">
+            <a:srgbClr val="FFFFFF"/>
+          </a:effectRef>
+          <a:fontRef idx="minor"/>
+        </p:style>
+        <p:txBody>
+          <a:bodyPr lIns="90000" tIns="45000" rIns="90000" bIns="45000"/>
+          <a:p>
+            <a:pPr marL="285750" indent="-285750" algn="just">
+              <a:lnSpc>
+                <a:spcPct val="130000"/>
+              </a:lnSpc>
+              <a:buFont typeface="Arial" panose="020B0604020202020204" pitchFamily="34" charset="0"/>
+              <a:buChar char="•"/>
+            </a:pPr>
+            <a:r>
+              <a:rPr lang="en-US" altLang="en-US" sz="1400" b="0" strike="noStrike" spc="-1">
+                <a:solidFill>
+                  <a:srgbClr val="111C76"/>
+                </a:solidFill>
+                <a:uFill>
+                  <a:solidFill>
+                    <a:srgbClr val="FFFFFF"/>
+                  </a:solidFill>
+                </a:uFill>
+                <a:latin typeface="Caviar Dreams"/>
+                <a:ea typeface="DejaVu Sans" panose="020B0603030804020204"/>
+              </a:rPr>
+              <a:t>WebSocket memiliki nilai response time terkecil di antara keempat metode lainnya.</a:t>
+            </a:r>
+            <a:endParaRPr lang="en-US" altLang="en-US" sz="1400" b="0" strike="noStrike" spc="-1">
+              <a:solidFill>
+                <a:srgbClr val="111C76"/>
+              </a:solidFill>
+              <a:uFill>
+                <a:solidFill>
+                  <a:srgbClr val="FFFFFF"/>
+                </a:solidFill>
+              </a:uFill>
+              <a:latin typeface="Caviar Dreams"/>
+              <a:ea typeface="DejaVu Sans" panose="020B0603030804020204"/>
+            </a:endParaRPr>
+          </a:p>
+          <a:p>
+            <a:pPr marL="285750" indent="-285750" algn="just">
+              <a:lnSpc>
+                <a:spcPct val="130000"/>
+              </a:lnSpc>
+              <a:buFont typeface="Arial" panose="020B0604020202020204" pitchFamily="34" charset="0"/>
+              <a:buChar char="•"/>
+            </a:pPr>
+            <a:r>
+              <a:rPr lang="en-US" altLang="en-US" sz="1400" b="0" strike="noStrike" spc="-1">
+                <a:solidFill>
+                  <a:srgbClr val="111C76"/>
+                </a:solidFill>
+                <a:uFill>
+                  <a:solidFill>
+                    <a:srgbClr val="FFFFFF"/>
+                  </a:solidFill>
+                </a:uFill>
+                <a:latin typeface="Caviar Dreams"/>
+                <a:ea typeface="DejaVu Sans" panose="020B0603030804020204"/>
+              </a:rPr>
+              <a:t>HTTP/2 Server-Sent Events memiliki nilai presentase penggunaan CPU terkecil di antara keempat metode lainnya.</a:t>
+            </a:r>
+            <a:endParaRPr lang="en-US" altLang="en-US" sz="1400" b="0" strike="noStrike" spc="-1">
+              <a:solidFill>
+                <a:srgbClr val="111C76"/>
+              </a:solidFill>
+              <a:uFill>
+                <a:solidFill>
+                  <a:srgbClr val="FFFFFF"/>
+                </a:solidFill>
+              </a:uFill>
+              <a:latin typeface="Caviar Dreams"/>
+              <a:ea typeface="DejaVu Sans" panose="020B0603030804020204"/>
+            </a:endParaRPr>
+          </a:p>
+          <a:p>
+            <a:pPr marL="285750" indent="-285750" algn="just">
+              <a:lnSpc>
+                <a:spcPct val="130000"/>
+              </a:lnSpc>
+              <a:buFont typeface="Arial" panose="020B0604020202020204" pitchFamily="34" charset="0"/>
+              <a:buChar char="•"/>
+            </a:pPr>
+            <a:r>
+              <a:rPr lang="en-US" altLang="en-US" sz="1400" b="0" strike="noStrike" spc="-1">
+                <a:solidFill>
+                  <a:srgbClr val="111C76"/>
+                </a:solidFill>
+                <a:uFill>
+                  <a:solidFill>
+                    <a:srgbClr val="FFFFFF"/>
+                  </a:solidFill>
+                </a:uFill>
+                <a:latin typeface="Caviar Dreams"/>
+                <a:ea typeface="DejaVu Sans" panose="020B0603030804020204"/>
+              </a:rPr>
+              <a:t>HTTPS Server-Sent Events cenderung memiliki nilai terbesar baik dalam pengujian response time maupun presentase penggunaan CPU.</a:t>
+            </a:r>
+            <a:endParaRPr lang="en-US" altLang="en-US" sz="1400" b="0" strike="noStrike" spc="-1">
+              <a:solidFill>
+                <a:srgbClr val="111C76"/>
+              </a:solidFill>
+              <a:uFill>
+                <a:solidFill>
+                  <a:srgbClr val="FFFFFF"/>
+                </a:solidFill>
+              </a:uFill>
+              <a:latin typeface="Caviar Dreams"/>
+              <a:ea typeface="DejaVu Sans" panose="020B0603030804020204"/>
+            </a:endParaRPr>
+          </a:p>
+          <a:p>
+            <a:pPr marL="285750" indent="-285750" algn="just">
+              <a:lnSpc>
+                <a:spcPct val="130000"/>
+              </a:lnSpc>
+              <a:buFont typeface="Arial" panose="020B0604020202020204" pitchFamily="34" charset="0"/>
+              <a:buChar char="•"/>
+            </a:pPr>
+            <a:r>
+              <a:rPr lang="en-US" altLang="en-US" sz="1400" b="0" strike="noStrike" spc="-1">
+                <a:solidFill>
+                  <a:srgbClr val="111C76"/>
+                </a:solidFill>
+                <a:uFill>
+                  <a:solidFill>
+                    <a:srgbClr val="FFFFFF"/>
+                  </a:solidFill>
+                </a:uFill>
+                <a:latin typeface="Caviar Dreams"/>
+                <a:ea typeface="DejaVu Sans" panose="020B0603030804020204"/>
+              </a:rPr>
+              <a:t>Terdapat kemungkinan paket yang hilang selama penggunaan Serveo untuk HTTP/1.1 Server-Sent Events maupun HTTPS Server-Sent Events.</a:t>
+            </a:r>
+            <a:endParaRPr lang="en-US" altLang="en-US" sz="1400" b="0" strike="noStrike" spc="-1">
+              <a:solidFill>
+                <a:srgbClr val="111C76"/>
+              </a:solidFill>
+              <a:uFill>
+                <a:solidFill>
+                  <a:srgbClr val="FFFFFF"/>
+                </a:solidFill>
+              </a:uFill>
+              <a:latin typeface="Caviar Dreams"/>
+              <a:ea typeface="DejaVu Sans" panose="020B0603030804020204"/>
+            </a:endParaRPr>
+          </a:p>
+          <a:p>
+            <a:pPr algn="just">
+              <a:lnSpc>
+                <a:spcPct val="130000"/>
+              </a:lnSpc>
+            </a:pPr>
+            <a:endParaRPr lang="en-US" altLang="en-US" sz="1400" b="0" strike="noStrike" spc="-1">
+              <a:solidFill>
+                <a:srgbClr val="000000"/>
+              </a:solidFill>
+              <a:uFill>
+                <a:solidFill>
+                  <a:srgbClr val="FFFFFF"/>
+                </a:solidFill>
+              </a:uFill>
+              <a:latin typeface="Arial" panose="020B0604020202020204"/>
+            </a:endParaRPr>
+          </a:p>
+        </p:txBody>
+      </p:sp>
+    </p:spTree>
+  </p:cSld>
+  <p:clrMapOvr>
+    <a:masterClrMapping/>
+  </p:clrMapOvr>
+  <p:timing>
+    <p:tnLst>
+      <p:par>
+        <p:cTn id="1" dur="indefinite" restart="never" nodeType="tmRoot"/>
+      </p:par>
+    </p:tnLst>
+  </p:timing>
+</p:sld>
+</file>
+
 <file path=ppt/slides/slide29.xml><?xml version="1.0" encoding="utf-8"?>
 <p:sld xmlns:a="http://schemas.openxmlformats.org/drawingml/2006/main" xmlns:r="http://schemas.openxmlformats.org/officeDocument/2006/relationships" xmlns:p="http://schemas.openxmlformats.org/presentationml/2006/main">
   <p:cSld>

--- a/berkas/ppt muham.pptx
+++ b/berkas/ppt muham.pptx
@@ -36,8 +36,9 @@
     <p:sldId id="271" r:id="rId29"/>
     <p:sldId id="299" r:id="rId30"/>
     <p:sldId id="300" r:id="rId31"/>
-    <p:sldId id="331" r:id="rId32"/>
-    <p:sldId id="272" r:id="rId33"/>
+    <p:sldId id="333" r:id="rId32"/>
+    <p:sldId id="331" r:id="rId33"/>
+    <p:sldId id="272" r:id="rId34"/>
   </p:sldIdLst>
   <p:sldSz cx="9144000" cy="5143500"/>
   <p:notesSz cx="9313545" cy="6858000"/>
@@ -5449,6 +5450,44 @@
               </a:uFill>
               <a:latin typeface="Arial" panose="020B0604020202020204"/>
             </a:endParaRPr>
+          </a:p>
+        </p:txBody>
+      </p:sp>
+    </p:spTree>
+  </p:cSld>
+  <p:clrMapOvr>
+    <a:masterClrMapping/>
+  </p:clrMapOvr>
+</p:notes>
+</file>
+
+<file path=ppt/notesSlides/notesSlide20.xml><?xml version="1.0" encoding="utf-8"?>
+<p:notes xmlns:a="http://schemas.openxmlformats.org/drawingml/2006/main" xmlns:r="http://schemas.openxmlformats.org/officeDocument/2006/relationships" xmlns:p="http://schemas.openxmlformats.org/presentationml/2006/main">
+  <p:cSld>
+    <p:spTree>
+      <p:nvGrpSpPr>
+        <p:cNvPr id="1" name=""/>
+        <p:cNvGrpSpPr/>
+        <p:nvPr/>
+      </p:nvGrpSpPr>
+      <p:grpSpPr/>
+      <p:sp>
+        <p:nvSpPr>
+          <p:cNvPr id="2" name="Text Placeholder 1"/>
+          <p:cNvSpPr/>
+          <p:nvPr>
+            <p:ph type="body"/>
+          </p:nvPr>
+        </p:nvSpPr>
+        <p:spPr/>
+        <p:txBody>
+          <a:bodyPr/>
+          <a:p>
+            <a:r>
+              <a:rPr lang="" altLang="en-US"/>
+              <a:t>Limitasi koneksi dapat diatur pada web browser</a:t>
+            </a:r>
+            <a:endParaRPr lang="" altLang="en-US"/>
           </a:p>
         </p:txBody>
       </p:sp>
@@ -35322,6 +35361,1841 @@
         <p:cNvGrpSpPr/>
         <p:nvPr/>
       </p:nvGrpSpPr>
+      <p:grpSpPr>
+        <a:xfrm>
+          <a:off x="0" y="0"/>
+          <a:ext cx="0" cy="0"/>
+          <a:chOff x="0" y="0"/>
+          <a:chExt cx="0" cy="0"/>
+        </a:xfrm>
+      </p:grpSpPr>
+      <p:sp>
+        <p:nvSpPr>
+          <p:cNvPr id="267" name="CustomShape 1"/>
+          <p:cNvSpPr/>
+          <p:nvPr/>
+        </p:nvSpPr>
+        <p:spPr>
+          <a:xfrm>
+            <a:off x="4981575" y="227330"/>
+            <a:ext cx="3264535" cy="699135"/>
+          </a:xfrm>
+          <a:prstGeom prst="rect">
+            <a:avLst/>
+          </a:prstGeom>
+          <a:noFill/>
+          <a:ln>
+            <a:noFill/>
+          </a:ln>
+        </p:spPr>
+        <p:style>
+          <a:lnRef idx="0">
+            <a:srgbClr val="FFFFFF"/>
+          </a:lnRef>
+          <a:fillRef idx="0">
+            <a:srgbClr val="FFFFFF"/>
+          </a:fillRef>
+          <a:effectRef idx="0">
+            <a:srgbClr val="FFFFFF"/>
+          </a:effectRef>
+          <a:fontRef idx="minor"/>
+        </p:style>
+        <p:txBody>
+          <a:bodyPr lIns="90000" tIns="45000" rIns="90000" bIns="45000"/>
+          <a:p>
+            <a:pPr algn="ctr">
+              <a:lnSpc>
+                <a:spcPct val="100000"/>
+              </a:lnSpc>
+            </a:pPr>
+            <a:r>
+              <a:rPr lang="en-US" sz="2000" b="1" strike="noStrike" spc="-1">
+                <a:solidFill>
+                  <a:srgbClr val="1F497D"/>
+                </a:solidFill>
+                <a:uFill>
+                  <a:solidFill>
+                    <a:srgbClr val="FFFFFF"/>
+                  </a:solidFill>
+                </a:uFill>
+                <a:latin typeface="Capsuula"/>
+                <a:ea typeface="DejaVu Sans" panose="020B0603030804020204"/>
+              </a:rPr>
+              <a:t>Universitas Gadjah Mada</a:t>
+            </a:r>
+            <a:endParaRPr lang="en-US" sz="1800" b="0" strike="noStrike" spc="-1">
+              <a:solidFill>
+                <a:srgbClr val="000000"/>
+              </a:solidFill>
+              <a:uFill>
+                <a:solidFill>
+                  <a:srgbClr val="FFFFFF"/>
+                </a:solidFill>
+              </a:uFill>
+              <a:latin typeface="Arial" panose="020B0604020202020204"/>
+            </a:endParaRPr>
+          </a:p>
+        </p:txBody>
+      </p:sp>
+      <p:sp>
+        <p:nvSpPr>
+          <p:cNvPr id="268" name="CustomShape 2"/>
+          <p:cNvSpPr/>
+          <p:nvPr/>
+        </p:nvSpPr>
+        <p:spPr>
+          <a:xfrm>
+            <a:off x="20880" y="177840"/>
+            <a:ext cx="3398040" cy="394200"/>
+          </a:xfrm>
+          <a:prstGeom prst="rect">
+            <a:avLst/>
+          </a:prstGeom>
+          <a:noFill/>
+          <a:ln>
+            <a:noFill/>
+          </a:ln>
+        </p:spPr>
+        <p:style>
+          <a:lnRef idx="0">
+            <a:srgbClr val="FFFFFF"/>
+          </a:lnRef>
+          <a:fillRef idx="0">
+            <a:srgbClr val="FFFFFF"/>
+          </a:fillRef>
+          <a:effectRef idx="0">
+            <a:srgbClr val="FFFFFF"/>
+          </a:effectRef>
+          <a:fontRef idx="minor"/>
+        </p:style>
+        <p:txBody>
+          <a:bodyPr lIns="90000" tIns="45000" rIns="90000" bIns="45000"/>
+          <a:p>
+            <a:pPr>
+              <a:lnSpc>
+                <a:spcPct val="150000"/>
+              </a:lnSpc>
+            </a:pPr>
+            <a:r>
+              <a:rPr lang="en-US" altLang="en-US" sz="800" spc="-1">
+                <a:solidFill>
+                  <a:srgbClr val="1F497D"/>
+                </a:solidFill>
+                <a:uFill>
+                  <a:solidFill>
+                    <a:srgbClr val="FFFFFF"/>
+                  </a:solidFill>
+                </a:uFill>
+                <a:latin typeface="Caviar Dreams"/>
+                <a:ea typeface="DejaVu Sans" panose="020B0603030804020204"/>
+                <a:sym typeface="+mn-ea"/>
+              </a:rPr>
+              <a:t>“Penerapan HTTP/2 SSE dan Websocket pada Rumah Pintar”</a:t>
+            </a:r>
+            <a:endParaRPr lang="en-US" sz="1800" b="0" strike="noStrike" spc="-1">
+              <a:solidFill>
+                <a:srgbClr val="000000"/>
+              </a:solidFill>
+              <a:uFill>
+                <a:solidFill>
+                  <a:srgbClr val="FFFFFF"/>
+                </a:solidFill>
+              </a:uFill>
+              <a:latin typeface="Arial" panose="020B0604020202020204"/>
+            </a:endParaRPr>
+          </a:p>
+        </p:txBody>
+      </p:sp>
+      <p:sp>
+        <p:nvSpPr>
+          <p:cNvPr id="269" name="CustomShape 3"/>
+          <p:cNvSpPr/>
+          <p:nvPr/>
+        </p:nvSpPr>
+        <p:spPr>
+          <a:xfrm>
+            <a:off x="828720" y="1531440"/>
+            <a:ext cx="1653120" cy="333360"/>
+          </a:xfrm>
+          <a:prstGeom prst="rect">
+            <a:avLst/>
+          </a:prstGeom>
+          <a:noFill/>
+          <a:ln>
+            <a:noFill/>
+          </a:ln>
+        </p:spPr>
+        <p:style>
+          <a:lnRef idx="0">
+            <a:srgbClr val="FFFFFF"/>
+          </a:lnRef>
+          <a:fillRef idx="0">
+            <a:srgbClr val="FFFFFF"/>
+          </a:fillRef>
+          <a:effectRef idx="0">
+            <a:srgbClr val="FFFFFF"/>
+          </a:effectRef>
+          <a:fontRef idx="minor"/>
+        </p:style>
+        <p:txBody>
+          <a:bodyPr wrap="none" lIns="90000" tIns="45000" rIns="90000" bIns="45000"/>
+          <a:p>
+            <a:pPr>
+              <a:lnSpc>
+                <a:spcPct val="100000"/>
+              </a:lnSpc>
+            </a:pPr>
+            <a:r>
+              <a:rPr lang="en-US" sz="1600" b="1" i="1" strike="noStrike" spc="-1">
+                <a:solidFill>
+                  <a:srgbClr val="111C76"/>
+                </a:solidFill>
+                <a:uFill>
+                  <a:solidFill>
+                    <a:srgbClr val="FFFFFF"/>
+                  </a:solidFill>
+                </a:uFill>
+                <a:latin typeface="Caviar Dreams"/>
+                <a:ea typeface="Open Sans Extrabold"/>
+              </a:rPr>
+              <a:t>Analisa Hasil</a:t>
+            </a:r>
+            <a:endParaRPr lang="en-US" sz="1800" b="0" strike="noStrike" spc="-1">
+              <a:solidFill>
+                <a:srgbClr val="000000"/>
+              </a:solidFill>
+              <a:uFill>
+                <a:solidFill>
+                  <a:srgbClr val="FFFFFF"/>
+                </a:solidFill>
+              </a:uFill>
+              <a:latin typeface="Arial" panose="020B0604020202020204"/>
+            </a:endParaRPr>
+          </a:p>
+        </p:txBody>
+      </p:sp>
+      <p:pic>
+        <p:nvPicPr>
+          <p:cNvPr id="277" name="Picture 276"/>
+          <p:cNvPicPr/>
+          <p:nvPr/>
+        </p:nvPicPr>
+        <p:blipFill>
+          <a:blip r:embed="rId1"/>
+          <a:stretch>
+            <a:fillRect/>
+          </a:stretch>
+        </p:blipFill>
+        <p:spPr>
+          <a:xfrm>
+            <a:off x="101520" y="1422360"/>
+            <a:ext cx="3606480" cy="659880"/>
+          </a:xfrm>
+          <a:prstGeom prst="rect">
+            <a:avLst/>
+          </a:prstGeom>
+          <a:ln>
+            <a:noFill/>
+          </a:ln>
+        </p:spPr>
+      </p:pic>
+      <p:graphicFrame>
+        <p:nvGraphicFramePr>
+          <p:cNvPr id="5" name="Table 4"/>
+          <p:cNvGraphicFramePr/>
+          <p:nvPr/>
+        </p:nvGraphicFramePr>
+        <p:xfrm>
+          <a:off x="1818005" y="2893695"/>
+          <a:ext cx="5576570" cy="857250"/>
+        </p:xfrm>
+        <a:graphic>
+          <a:graphicData uri="http://schemas.openxmlformats.org/drawingml/2006/table">
+            <a:tbl>
+              <a:tblPr firstRow="1" bandRow="1">
+                <a:tableStyleId>{5C22544A-7EE6-4342-B048-85BDC9FD1C3A}</a:tableStyleId>
+              </a:tblPr>
+              <a:tblGrid>
+                <a:gridCol w="934720"/>
+                <a:gridCol w="1054735"/>
+                <a:gridCol w="1031240"/>
+                <a:gridCol w="1365885"/>
+                <a:gridCol w="1189990"/>
+              </a:tblGrid>
+              <a:tr h="433070">
+                <a:tc>
+                  <a:txBody>
+                    <a:bodyPr/>
+                    <a:p>
+                      <a:pPr marL="0" indent="0" algn="ctr">
+                        <a:buNone/>
+                      </a:pPr>
+                      <a:r>
+                        <a:rPr lang="en-US" sz="1200" b="0">
+                          <a:solidFill>
+                            <a:srgbClr val="000000"/>
+                          </a:solidFill>
+                          <a:latin typeface="Calibri" charset="-122"/>
+                        </a:rPr>
+                        <a:t> </a:t>
+                      </a:r>
+                      <a:endParaRPr lang="en-US" sz="1200" b="0">
+                        <a:solidFill>
+                          <a:srgbClr val="000000"/>
+                        </a:solidFill>
+                        <a:latin typeface="Calibri" charset="-122"/>
+                      </a:endParaRPr>
+                    </a:p>
+                  </a:txBody>
+                  <a:tcPr marL="12700" marR="12700" marT="12700" vert="horz" anchor="ctr" anchorCtr="0">
+                    <a:lnL w="6350" cap="flat" cmpd="sng">
+                      <a:solidFill>
+                        <a:srgbClr val="000000"/>
+                      </a:solidFill>
+                      <a:prstDash val="solid"/>
+                      <a:headEnd type="none" w="med" len="med"/>
+                      <a:tailEnd type="none" w="med" len="med"/>
+                    </a:lnL>
+                    <a:lnR w="6350" cap="flat" cmpd="sng">
+                      <a:solidFill>
+                        <a:srgbClr val="000000"/>
+                      </a:solidFill>
+                      <a:prstDash val="solid"/>
+                      <a:headEnd type="none" w="med" len="med"/>
+                      <a:tailEnd type="none" w="med" len="med"/>
+                    </a:lnR>
+                    <a:lnT w="6350" cap="flat" cmpd="sng">
+                      <a:solidFill>
+                        <a:srgbClr val="000000"/>
+                      </a:solidFill>
+                      <a:prstDash val="solid"/>
+                      <a:headEnd type="none" w="med" len="med"/>
+                      <a:tailEnd type="none" w="med" len="med"/>
+                    </a:lnT>
+                    <a:lnB w="6350" cap="flat" cmpd="sng">
+                      <a:solidFill>
+                        <a:srgbClr val="000000"/>
+                      </a:solidFill>
+                      <a:prstDash val="solid"/>
+                      <a:headEnd type="none" w="med" len="med"/>
+                      <a:tailEnd type="none" w="med" len="med"/>
+                    </a:lnB>
+                    <a:lnTlToBr>
+                      <a:noFill/>
+                    </a:lnTlToBr>
+                    <a:lnBlToTr>
+                      <a:noFill/>
+                    </a:lnBlToTr>
+                    <a:noFill/>
+                  </a:tcPr>
+                </a:tc>
+                <a:tc>
+                  <a:txBody>
+                    <a:bodyPr/>
+                    <a:p>
+                      <a:pPr marL="0" indent="0" algn="ctr">
+                        <a:buNone/>
+                      </a:pPr>
+                      <a:r>
+                        <a:rPr lang="en-US" sz="1200" b="0">
+                          <a:solidFill>
+                            <a:srgbClr val="000000"/>
+                          </a:solidFill>
+                          <a:latin typeface="Calibri" charset="-122"/>
+                        </a:rPr>
+                        <a:t>SSE HTTP/1.1</a:t>
+                      </a:r>
+                      <a:endParaRPr lang="en-US" altLang="en-US" sz="1200" b="0">
+                        <a:solidFill>
+                          <a:srgbClr val="000000"/>
+                        </a:solidFill>
+                        <a:latin typeface="Calibri" charset="-122"/>
+                      </a:endParaRPr>
+                    </a:p>
+                  </a:txBody>
+                  <a:tcPr marL="12700" marR="12700" marT="12700" vert="horz" anchor="ctr" anchorCtr="0">
+                    <a:lnL w="6350" cap="flat" cmpd="sng">
+                      <a:solidFill>
+                        <a:srgbClr val="000000"/>
+                      </a:solidFill>
+                      <a:prstDash val="solid"/>
+                      <a:headEnd type="none" w="med" len="med"/>
+                      <a:tailEnd type="none" w="med" len="med"/>
+                    </a:lnL>
+                    <a:lnR w="6350" cap="flat" cmpd="sng">
+                      <a:solidFill>
+                        <a:srgbClr val="000000"/>
+                      </a:solidFill>
+                      <a:prstDash val="solid"/>
+                      <a:headEnd type="none" w="med" len="med"/>
+                      <a:tailEnd type="none" w="med" len="med"/>
+                    </a:lnR>
+                    <a:lnT w="6350" cap="flat" cmpd="sng">
+                      <a:solidFill>
+                        <a:srgbClr val="000000"/>
+                      </a:solidFill>
+                      <a:prstDash val="solid"/>
+                      <a:headEnd type="none" w="med" len="med"/>
+                      <a:tailEnd type="none" w="med" len="med"/>
+                    </a:lnT>
+                    <a:lnB w="6350" cap="flat" cmpd="sng">
+                      <a:solidFill>
+                        <a:srgbClr val="000000"/>
+                      </a:solidFill>
+                      <a:prstDash val="solid"/>
+                      <a:headEnd type="none" w="med" len="med"/>
+                      <a:tailEnd type="none" w="med" len="med"/>
+                    </a:lnB>
+                    <a:lnTlToBr>
+                      <a:noFill/>
+                    </a:lnTlToBr>
+                    <a:lnBlToTr>
+                      <a:noFill/>
+                    </a:lnBlToTr>
+                    <a:noFill/>
+                  </a:tcPr>
+                </a:tc>
+                <a:tc>
+                  <a:txBody>
+                    <a:bodyPr/>
+                    <a:p>
+                      <a:pPr marL="0" indent="0" algn="ctr">
+                        <a:buNone/>
+                      </a:pPr>
+                      <a:r>
+                        <a:rPr lang="en-US" sz="1200" b="0">
+                          <a:solidFill>
+                            <a:srgbClr val="000000"/>
+                          </a:solidFill>
+                          <a:latin typeface="Calibri" charset="-122"/>
+                        </a:rPr>
+                        <a:t>SSE HTTPS</a:t>
+                      </a:r>
+                      <a:endParaRPr lang="en-US" sz="1200" b="0">
+                        <a:solidFill>
+                          <a:srgbClr val="000000"/>
+                        </a:solidFill>
+                        <a:latin typeface="Calibri" charset="-122"/>
+                      </a:endParaRPr>
+                    </a:p>
+                  </a:txBody>
+                  <a:tcPr marL="12700" marR="12700" marT="12700" vert="horz" anchor="ctr" anchorCtr="0">
+                    <a:lnL w="6350" cap="flat" cmpd="sng">
+                      <a:solidFill>
+                        <a:srgbClr val="000000"/>
+                      </a:solidFill>
+                      <a:prstDash val="solid"/>
+                      <a:headEnd type="none" w="med" len="med"/>
+                      <a:tailEnd type="none" w="med" len="med"/>
+                    </a:lnL>
+                    <a:lnR w="6350" cap="flat" cmpd="sng">
+                      <a:solidFill>
+                        <a:srgbClr val="000000"/>
+                      </a:solidFill>
+                      <a:prstDash val="solid"/>
+                      <a:headEnd type="none" w="med" len="med"/>
+                      <a:tailEnd type="none" w="med" len="med"/>
+                    </a:lnR>
+                    <a:lnT w="6350" cap="flat" cmpd="sng">
+                      <a:solidFill>
+                        <a:srgbClr val="000000"/>
+                      </a:solidFill>
+                      <a:prstDash val="solid"/>
+                      <a:headEnd type="none" w="med" len="med"/>
+                      <a:tailEnd type="none" w="med" len="med"/>
+                    </a:lnT>
+                    <a:lnB w="6350" cap="flat" cmpd="sng">
+                      <a:solidFill>
+                        <a:srgbClr val="000000"/>
+                      </a:solidFill>
+                      <a:prstDash val="solid"/>
+                      <a:headEnd type="none" w="med" len="med"/>
+                      <a:tailEnd type="none" w="med" len="med"/>
+                    </a:lnB>
+                    <a:lnTlToBr>
+                      <a:noFill/>
+                    </a:lnTlToBr>
+                    <a:lnBlToTr>
+                      <a:noFill/>
+                    </a:lnBlToTr>
+                    <a:noFill/>
+                  </a:tcPr>
+                </a:tc>
+                <a:tc>
+                  <a:txBody>
+                    <a:bodyPr/>
+                    <a:p>
+                      <a:pPr marL="0" indent="0" algn="ctr">
+                        <a:buNone/>
+                      </a:pPr>
+                      <a:r>
+                        <a:rPr lang="en-US" sz="1200" b="0">
+                          <a:solidFill>
+                            <a:srgbClr val="000000"/>
+                          </a:solidFill>
+                          <a:latin typeface="Calibri" charset="-122"/>
+                        </a:rPr>
+                        <a:t>SSE HTTP/2</a:t>
+                      </a:r>
+                      <a:endParaRPr lang="en-US" sz="1200" b="0">
+                        <a:solidFill>
+                          <a:srgbClr val="000000"/>
+                        </a:solidFill>
+                        <a:latin typeface="Calibri" charset="-122"/>
+                      </a:endParaRPr>
+                    </a:p>
+                  </a:txBody>
+                  <a:tcPr marL="12700" marR="12700" marT="12700" vert="horz" anchor="ctr" anchorCtr="0">
+                    <a:lnL w="6350" cap="flat" cmpd="sng">
+                      <a:solidFill>
+                        <a:srgbClr val="000000"/>
+                      </a:solidFill>
+                      <a:prstDash val="solid"/>
+                      <a:headEnd type="none" w="med" len="med"/>
+                      <a:tailEnd type="none" w="med" len="med"/>
+                    </a:lnL>
+                    <a:lnR w="6350" cap="flat" cmpd="sng">
+                      <a:solidFill>
+                        <a:srgbClr val="000000"/>
+                      </a:solidFill>
+                      <a:prstDash val="solid"/>
+                      <a:headEnd type="none" w="med" len="med"/>
+                      <a:tailEnd type="none" w="med" len="med"/>
+                    </a:lnR>
+                    <a:lnT w="6350" cap="flat" cmpd="sng">
+                      <a:solidFill>
+                        <a:srgbClr val="000000"/>
+                      </a:solidFill>
+                      <a:prstDash val="solid"/>
+                      <a:headEnd type="none" w="med" len="med"/>
+                      <a:tailEnd type="none" w="med" len="med"/>
+                    </a:lnT>
+                    <a:lnB w="6350" cap="flat" cmpd="sng">
+                      <a:solidFill>
+                        <a:srgbClr val="000000"/>
+                      </a:solidFill>
+                      <a:prstDash val="solid"/>
+                      <a:headEnd type="none" w="med" len="med"/>
+                      <a:tailEnd type="none" w="med" len="med"/>
+                    </a:lnB>
+                    <a:lnTlToBr>
+                      <a:noFill/>
+                    </a:lnTlToBr>
+                    <a:lnBlToTr>
+                      <a:noFill/>
+                    </a:lnBlToTr>
+                    <a:noFill/>
+                  </a:tcPr>
+                </a:tc>
+                <a:tc>
+                  <a:txBody>
+                    <a:bodyPr/>
+                    <a:p>
+                      <a:pPr marL="0" indent="0" algn="ctr">
+                        <a:buNone/>
+                      </a:pPr>
+                      <a:r>
+                        <a:rPr lang="en-US" sz="1200" b="0">
+                          <a:solidFill>
+                            <a:srgbClr val="000000"/>
+                          </a:solidFill>
+                          <a:latin typeface="Calibri" charset="-122"/>
+                        </a:rPr>
+                        <a:t>Websocket</a:t>
+                      </a:r>
+                      <a:endParaRPr lang="en-US" sz="1200" b="0">
+                        <a:solidFill>
+                          <a:srgbClr val="000000"/>
+                        </a:solidFill>
+                        <a:latin typeface="Calibri" charset="-122"/>
+                      </a:endParaRPr>
+                    </a:p>
+                  </a:txBody>
+                  <a:tcPr marL="12700" marR="12700" marT="12700" vert="horz" anchor="ctr" anchorCtr="0">
+                    <a:lnL w="6350" cap="flat" cmpd="sng">
+                      <a:solidFill>
+                        <a:srgbClr val="000000"/>
+                      </a:solidFill>
+                      <a:prstDash val="solid"/>
+                      <a:headEnd type="none" w="med" len="med"/>
+                      <a:tailEnd type="none" w="med" len="med"/>
+                    </a:lnL>
+                    <a:lnR w="6350" cap="flat" cmpd="sng">
+                      <a:solidFill>
+                        <a:srgbClr val="000000"/>
+                      </a:solidFill>
+                      <a:prstDash val="solid"/>
+                      <a:headEnd type="none" w="med" len="med"/>
+                      <a:tailEnd type="none" w="med" len="med"/>
+                    </a:lnR>
+                    <a:lnT w="6350" cap="flat" cmpd="sng">
+                      <a:solidFill>
+                        <a:srgbClr val="000000"/>
+                      </a:solidFill>
+                      <a:prstDash val="solid"/>
+                      <a:headEnd type="none" w="med" len="med"/>
+                      <a:tailEnd type="none" w="med" len="med"/>
+                    </a:lnT>
+                    <a:lnB w="6350" cap="flat" cmpd="sng">
+                      <a:solidFill>
+                        <a:srgbClr val="000000"/>
+                      </a:solidFill>
+                      <a:prstDash val="solid"/>
+                      <a:headEnd type="none" w="med" len="med"/>
+                      <a:tailEnd type="none" w="med" len="med"/>
+                    </a:lnB>
+                    <a:lnTlToBr>
+                      <a:noFill/>
+                    </a:lnTlToBr>
+                    <a:lnBlToTr>
+                      <a:noFill/>
+                    </a:lnBlToTr>
+                    <a:noFill/>
+                  </a:tcPr>
+                </a:tc>
+              </a:tr>
+              <a:tr h="241300">
+                <a:tc>
+                  <a:txBody>
+                    <a:bodyPr/>
+                    <a:p>
+                      <a:pPr marL="0" indent="0" algn="ctr">
+                        <a:buNone/>
+                      </a:pPr>
+                      <a:r>
+                        <a:rPr lang="" altLang="en-US" sz="1200" b="0">
+                          <a:solidFill>
+                            <a:srgbClr val="000000"/>
+                          </a:solidFill>
+                          <a:latin typeface="Calibri" charset="-122"/>
+                        </a:rPr>
+                        <a:t>Maksimal Koneksi</a:t>
+                      </a:r>
+                      <a:endParaRPr lang="" altLang="en-US" sz="1200" b="0">
+                        <a:solidFill>
+                          <a:srgbClr val="000000"/>
+                        </a:solidFill>
+                        <a:latin typeface="Calibri" charset="-122"/>
+                      </a:endParaRPr>
+                    </a:p>
+                  </a:txBody>
+                  <a:tcPr marL="12700" marR="12700" marT="12700" vert="horz" anchor="ctr" anchorCtr="0">
+                    <a:lnL w="6350" cap="flat" cmpd="sng">
+                      <a:solidFill>
+                        <a:srgbClr val="000000"/>
+                      </a:solidFill>
+                      <a:prstDash val="solid"/>
+                      <a:headEnd type="none" w="med" len="med"/>
+                      <a:tailEnd type="none" w="med" len="med"/>
+                    </a:lnL>
+                    <a:lnR w="6350" cap="flat" cmpd="sng">
+                      <a:solidFill>
+                        <a:srgbClr val="000000"/>
+                      </a:solidFill>
+                      <a:prstDash val="solid"/>
+                      <a:headEnd type="none" w="med" len="med"/>
+                      <a:tailEnd type="none" w="med" len="med"/>
+                    </a:lnR>
+                    <a:lnT w="6350" cap="flat" cmpd="sng">
+                      <a:solidFill>
+                        <a:srgbClr val="000000"/>
+                      </a:solidFill>
+                      <a:prstDash val="solid"/>
+                      <a:headEnd type="none" w="med" len="med"/>
+                      <a:tailEnd type="none" w="med" len="med"/>
+                    </a:lnT>
+                    <a:lnB w="6350" cap="flat" cmpd="sng">
+                      <a:solidFill>
+                        <a:srgbClr val="000000"/>
+                      </a:solidFill>
+                      <a:prstDash val="solid"/>
+                      <a:headEnd type="none" w="med" len="med"/>
+                      <a:tailEnd type="none" w="med" len="med"/>
+                    </a:lnB>
+                    <a:lnTlToBr>
+                      <a:noFill/>
+                    </a:lnTlToBr>
+                    <a:lnBlToTr>
+                      <a:noFill/>
+                    </a:lnBlToTr>
+                    <a:noFill/>
+                  </a:tcPr>
+                </a:tc>
+                <a:tc>
+                  <a:txBody>
+                    <a:bodyPr/>
+                    <a:p>
+                      <a:pPr marL="0" indent="0" algn="ctr">
+                        <a:buNone/>
+                      </a:pPr>
+                      <a:r>
+                        <a:rPr lang="" altLang="en-US" sz="1200" b="0">
+                          <a:solidFill>
+                            <a:srgbClr val="000000"/>
+                          </a:solidFill>
+                          <a:latin typeface="Calibri" charset="-122"/>
+                        </a:rPr>
+                        <a:t>6 connection</a:t>
+                      </a:r>
+                      <a:endParaRPr lang="" altLang="en-US" sz="1200" b="0">
+                        <a:solidFill>
+                          <a:srgbClr val="000000"/>
+                        </a:solidFill>
+                        <a:latin typeface="Calibri" charset="-122"/>
+                      </a:endParaRPr>
+                    </a:p>
+                  </a:txBody>
+                  <a:tcPr marL="12700" marR="12700" marT="12700" vert="horz" anchor="ctr" anchorCtr="0">
+                    <a:lnL w="6350" cap="flat" cmpd="sng">
+                      <a:solidFill>
+                        <a:srgbClr val="000000"/>
+                      </a:solidFill>
+                      <a:prstDash val="solid"/>
+                      <a:headEnd type="none" w="med" len="med"/>
+                      <a:tailEnd type="none" w="med" len="med"/>
+                    </a:lnL>
+                    <a:lnR w="6350" cap="flat" cmpd="sng">
+                      <a:solidFill>
+                        <a:srgbClr val="000000"/>
+                      </a:solidFill>
+                      <a:prstDash val="solid"/>
+                      <a:headEnd type="none" w="med" len="med"/>
+                      <a:tailEnd type="none" w="med" len="med"/>
+                    </a:lnR>
+                    <a:lnT w="6350" cap="flat" cmpd="sng">
+                      <a:solidFill>
+                        <a:srgbClr val="000000"/>
+                      </a:solidFill>
+                      <a:prstDash val="solid"/>
+                      <a:headEnd type="none" w="med" len="med"/>
+                      <a:tailEnd type="none" w="med" len="med"/>
+                    </a:lnT>
+                    <a:lnB w="6350" cap="flat" cmpd="sng">
+                      <a:solidFill>
+                        <a:srgbClr val="000000"/>
+                      </a:solidFill>
+                      <a:prstDash val="solid"/>
+                      <a:headEnd type="none" w="med" len="med"/>
+                      <a:tailEnd type="none" w="med" len="med"/>
+                    </a:lnB>
+                    <a:lnTlToBr>
+                      <a:noFill/>
+                    </a:lnTlToBr>
+                    <a:lnBlToTr>
+                      <a:noFill/>
+                    </a:lnBlToTr>
+                    <a:noFill/>
+                  </a:tcPr>
+                </a:tc>
+                <a:tc>
+                  <a:txBody>
+                    <a:bodyPr/>
+                    <a:p>
+                      <a:pPr marL="0" indent="0" algn="ctr">
+                        <a:buNone/>
+                      </a:pPr>
+                      <a:r>
+                        <a:rPr lang="" altLang="en-US" sz="1200" b="0">
+                          <a:solidFill>
+                            <a:srgbClr val="000000"/>
+                          </a:solidFill>
+                          <a:latin typeface="Calibri" charset="-122"/>
+                        </a:rPr>
+                        <a:t>6 connection</a:t>
+                      </a:r>
+                      <a:endParaRPr lang="" altLang="en-US" sz="1200" b="0">
+                        <a:solidFill>
+                          <a:srgbClr val="000000"/>
+                        </a:solidFill>
+                        <a:latin typeface="Calibri" charset="-122"/>
+                      </a:endParaRPr>
+                    </a:p>
+                  </a:txBody>
+                  <a:tcPr marL="12700" marR="12700" marT="12700" vert="horz" anchor="ctr" anchorCtr="0">
+                    <a:lnL w="6350" cap="flat" cmpd="sng">
+                      <a:solidFill>
+                        <a:srgbClr val="000000"/>
+                      </a:solidFill>
+                      <a:prstDash val="solid"/>
+                      <a:headEnd type="none" w="med" len="med"/>
+                      <a:tailEnd type="none" w="med" len="med"/>
+                    </a:lnL>
+                    <a:lnR w="6350" cap="flat" cmpd="sng">
+                      <a:solidFill>
+                        <a:srgbClr val="000000"/>
+                      </a:solidFill>
+                      <a:prstDash val="solid"/>
+                      <a:headEnd type="none" w="med" len="med"/>
+                      <a:tailEnd type="none" w="med" len="med"/>
+                    </a:lnR>
+                    <a:lnT w="6350" cap="flat" cmpd="sng">
+                      <a:solidFill>
+                        <a:srgbClr val="000000"/>
+                      </a:solidFill>
+                      <a:prstDash val="solid"/>
+                      <a:headEnd type="none" w="med" len="med"/>
+                      <a:tailEnd type="none" w="med" len="med"/>
+                    </a:lnT>
+                    <a:lnB w="6350" cap="flat" cmpd="sng">
+                      <a:solidFill>
+                        <a:srgbClr val="000000"/>
+                      </a:solidFill>
+                      <a:prstDash val="solid"/>
+                      <a:headEnd type="none" w="med" len="med"/>
+                      <a:tailEnd type="none" w="med" len="med"/>
+                    </a:lnB>
+                    <a:lnTlToBr>
+                      <a:noFill/>
+                    </a:lnTlToBr>
+                    <a:lnBlToTr>
+                      <a:noFill/>
+                    </a:lnBlToTr>
+                    <a:noFill/>
+                  </a:tcPr>
+                </a:tc>
+                <a:tc>
+                  <a:txBody>
+                    <a:bodyPr/>
+                    <a:p>
+                      <a:pPr marL="0" indent="0" algn="ctr">
+                        <a:buNone/>
+                      </a:pPr>
+                      <a:r>
+                        <a:rPr lang="" altLang="en-US" sz="1200" b="0">
+                          <a:solidFill>
+                            <a:srgbClr val="000000"/>
+                          </a:solidFill>
+                          <a:latin typeface="Calibri" charset="-122"/>
+                        </a:rPr>
+                        <a:t>103 steam</a:t>
+                      </a:r>
+                      <a:endParaRPr lang="" altLang="en-US" sz="1200" b="0">
+                        <a:solidFill>
+                          <a:srgbClr val="000000"/>
+                        </a:solidFill>
+                        <a:latin typeface="Calibri" charset="-122"/>
+                      </a:endParaRPr>
+                    </a:p>
+                  </a:txBody>
+                  <a:tcPr marL="12700" marR="12700" marT="12700" vert="horz" anchor="ctr" anchorCtr="0">
+                    <a:lnL w="6350" cap="flat" cmpd="sng">
+                      <a:solidFill>
+                        <a:srgbClr val="000000"/>
+                      </a:solidFill>
+                      <a:prstDash val="solid"/>
+                      <a:headEnd type="none" w="med" len="med"/>
+                      <a:tailEnd type="none" w="med" len="med"/>
+                    </a:lnL>
+                    <a:lnR w="6350" cap="flat" cmpd="sng">
+                      <a:solidFill>
+                        <a:srgbClr val="000000"/>
+                      </a:solidFill>
+                      <a:prstDash val="solid"/>
+                      <a:headEnd type="none" w="med" len="med"/>
+                      <a:tailEnd type="none" w="med" len="med"/>
+                    </a:lnR>
+                    <a:lnT w="6350" cap="flat" cmpd="sng">
+                      <a:solidFill>
+                        <a:srgbClr val="000000"/>
+                      </a:solidFill>
+                      <a:prstDash val="solid"/>
+                      <a:headEnd type="none" w="med" len="med"/>
+                      <a:tailEnd type="none" w="med" len="med"/>
+                    </a:lnT>
+                    <a:lnB w="6350" cap="flat" cmpd="sng">
+                      <a:solidFill>
+                        <a:srgbClr val="000000"/>
+                      </a:solidFill>
+                      <a:prstDash val="solid"/>
+                      <a:headEnd type="none" w="med" len="med"/>
+                      <a:tailEnd type="none" w="med" len="med"/>
+                    </a:lnB>
+                    <a:lnTlToBr>
+                      <a:noFill/>
+                    </a:lnTlToBr>
+                    <a:lnBlToTr>
+                      <a:noFill/>
+                    </a:lnBlToTr>
+                    <a:noFill/>
+                  </a:tcPr>
+                </a:tc>
+                <a:tc>
+                  <a:txBody>
+                    <a:bodyPr/>
+                    <a:p>
+                      <a:pPr marL="0" indent="0" algn="ctr">
+                        <a:buNone/>
+                      </a:pPr>
+                      <a:r>
+                        <a:rPr lang="" altLang="en-US" sz="1200" b="0">
+                          <a:solidFill>
+                            <a:srgbClr val="000000"/>
+                          </a:solidFill>
+                          <a:latin typeface="Calibri" charset="-122"/>
+                        </a:rPr>
+                        <a:t>153 connection</a:t>
+                      </a:r>
+                      <a:endParaRPr lang="" altLang="en-US" sz="1200" b="0">
+                        <a:solidFill>
+                          <a:srgbClr val="000000"/>
+                        </a:solidFill>
+                        <a:latin typeface="Calibri" charset="-122"/>
+                      </a:endParaRPr>
+                    </a:p>
+                  </a:txBody>
+                  <a:tcPr marL="12700" marR="12700" marT="12700" vert="horz" anchor="ctr" anchorCtr="0">
+                    <a:lnL w="6350" cap="flat" cmpd="sng">
+                      <a:solidFill>
+                        <a:srgbClr val="000000"/>
+                      </a:solidFill>
+                      <a:prstDash val="solid"/>
+                      <a:headEnd type="none" w="med" len="med"/>
+                      <a:tailEnd type="none" w="med" len="med"/>
+                    </a:lnL>
+                    <a:lnR w="6350" cap="flat" cmpd="sng">
+                      <a:solidFill>
+                        <a:srgbClr val="000000"/>
+                      </a:solidFill>
+                      <a:prstDash val="solid"/>
+                      <a:headEnd type="none" w="med" len="med"/>
+                      <a:tailEnd type="none" w="med" len="med"/>
+                    </a:lnR>
+                    <a:lnT w="6350" cap="flat" cmpd="sng">
+                      <a:solidFill>
+                        <a:srgbClr val="000000"/>
+                      </a:solidFill>
+                      <a:prstDash val="solid"/>
+                      <a:headEnd type="none" w="med" len="med"/>
+                      <a:tailEnd type="none" w="med" len="med"/>
+                    </a:lnT>
+                    <a:lnB w="6350" cap="flat" cmpd="sng">
+                      <a:solidFill>
+                        <a:srgbClr val="000000"/>
+                      </a:solidFill>
+                      <a:prstDash val="solid"/>
+                      <a:headEnd type="none" w="med" len="med"/>
+                      <a:tailEnd type="none" w="med" len="med"/>
+                    </a:lnB>
+                    <a:lnTlToBr>
+                      <a:noFill/>
+                    </a:lnTlToBr>
+                    <a:lnBlToTr>
+                      <a:noFill/>
+                    </a:lnBlToTr>
+                    <a:noFill/>
+                  </a:tcPr>
+                </a:tc>
+              </a:tr>
+            </a:tbl>
+          </a:graphicData>
+        </a:graphic>
+      </p:graphicFrame>
+      <p:sp>
+        <p:nvSpPr>
+          <p:cNvPr id="235" name="CustomShape 15"/>
+          <p:cNvSpPr/>
+          <p:nvPr/>
+        </p:nvSpPr>
+        <p:spPr>
+          <a:xfrm>
+            <a:off x="1261440" y="847800"/>
+            <a:ext cx="1623600" cy="510120"/>
+          </a:xfrm>
+          <a:prstGeom prst="chevron">
+            <a:avLst>
+              <a:gd name="adj" fmla="val 50000"/>
+            </a:avLst>
+          </a:prstGeom>
+          <a:solidFill>
+            <a:srgbClr val="111C76"/>
+          </a:solidFill>
+          <a:ln w="3240">
+            <a:solidFill>
+              <a:schemeClr val="bg1"/>
+            </a:solidFill>
+            <a:round/>
+          </a:ln>
+        </p:spPr>
+        <p:style>
+          <a:lnRef idx="2">
+            <a:schemeClr val="accent1">
+              <a:shade val="50000"/>
+            </a:schemeClr>
+          </a:lnRef>
+          <a:fillRef idx="1">
+            <a:schemeClr val="accent1"/>
+          </a:fillRef>
+          <a:effectRef idx="0">
+            <a:schemeClr val="accent1"/>
+          </a:effectRef>
+          <a:fontRef idx="minor"/>
+        </p:style>
+        <p:txBody>
+          <a:bodyPr lIns="90000" tIns="45000" rIns="90000" bIns="45000" anchor="ctr"/>
+          <a:p>
+            <a:pPr algn="ctr">
+              <a:lnSpc>
+                <a:spcPct val="100000"/>
+              </a:lnSpc>
+            </a:pPr>
+            <a:r>
+              <a:rPr lang="en-US" sz="1100" b="0" strike="noStrike" spc="-1">
+                <a:solidFill>
+                  <a:srgbClr val="FFFFFF"/>
+                </a:solidFill>
+                <a:uFill>
+                  <a:solidFill>
+                    <a:srgbClr val="FFFFFF"/>
+                  </a:solidFill>
+                </a:uFill>
+                <a:latin typeface="Caviar Dreams"/>
+                <a:ea typeface="DejaVu Sans" panose="020B0603030804020204"/>
+              </a:rPr>
+              <a:t>Rumusan Masalah</a:t>
+            </a:r>
+            <a:endParaRPr lang="en-US" sz="1800" b="0" strike="noStrike" spc="-1">
+              <a:solidFill>
+                <a:srgbClr val="000000"/>
+              </a:solidFill>
+              <a:uFill>
+                <a:solidFill>
+                  <a:srgbClr val="FFFFFF"/>
+                </a:solidFill>
+              </a:uFill>
+              <a:latin typeface="Arial" panose="020B0604020202020204"/>
+            </a:endParaRPr>
+          </a:p>
+        </p:txBody>
+      </p:sp>
+      <p:sp>
+        <p:nvSpPr>
+          <p:cNvPr id="236" name="CustomShape 16"/>
+          <p:cNvSpPr/>
+          <p:nvPr/>
+        </p:nvSpPr>
+        <p:spPr>
+          <a:xfrm>
+            <a:off x="2629440" y="847800"/>
+            <a:ext cx="1623600" cy="510120"/>
+          </a:xfrm>
+          <a:prstGeom prst="chevron">
+            <a:avLst>
+              <a:gd name="adj" fmla="val 50000"/>
+            </a:avLst>
+          </a:prstGeom>
+          <a:solidFill>
+            <a:srgbClr val="111C76"/>
+          </a:solidFill>
+          <a:ln w="3240">
+            <a:solidFill>
+              <a:schemeClr val="bg1"/>
+            </a:solidFill>
+            <a:round/>
+          </a:ln>
+        </p:spPr>
+        <p:style>
+          <a:lnRef idx="2">
+            <a:schemeClr val="accent1">
+              <a:shade val="50000"/>
+            </a:schemeClr>
+          </a:lnRef>
+          <a:fillRef idx="1">
+            <a:schemeClr val="accent1"/>
+          </a:fillRef>
+          <a:effectRef idx="0">
+            <a:schemeClr val="accent1"/>
+          </a:effectRef>
+          <a:fontRef idx="minor"/>
+        </p:style>
+        <p:txBody>
+          <a:bodyPr lIns="90000" tIns="45000" rIns="90000" bIns="45000" anchor="ctr"/>
+          <a:p>
+            <a:pPr algn="ctr">
+              <a:lnSpc>
+                <a:spcPct val="100000"/>
+              </a:lnSpc>
+            </a:pPr>
+            <a:r>
+              <a:rPr lang="en-US" sz="1100" b="0" strike="noStrike" spc="-1">
+                <a:solidFill>
+                  <a:srgbClr val="FFFFFF"/>
+                </a:solidFill>
+                <a:uFill>
+                  <a:solidFill>
+                    <a:srgbClr val="FFFFFF"/>
+                  </a:solidFill>
+                </a:uFill>
+                <a:latin typeface="Caviar Dreams"/>
+                <a:ea typeface="DejaVu Sans" panose="020B0603030804020204"/>
+              </a:rPr>
+              <a:t>Tujuan Proyek Akhir</a:t>
+            </a:r>
+            <a:endParaRPr lang="en-US" sz="1800" b="0" strike="noStrike" spc="-1">
+              <a:solidFill>
+                <a:srgbClr val="000000"/>
+              </a:solidFill>
+              <a:uFill>
+                <a:solidFill>
+                  <a:srgbClr val="FFFFFF"/>
+                </a:solidFill>
+              </a:uFill>
+              <a:latin typeface="Arial" panose="020B0604020202020204"/>
+            </a:endParaRPr>
+          </a:p>
+        </p:txBody>
+      </p:sp>
+      <p:sp>
+        <p:nvSpPr>
+          <p:cNvPr id="237" name="CustomShape 17"/>
+          <p:cNvSpPr/>
+          <p:nvPr/>
+        </p:nvSpPr>
+        <p:spPr>
+          <a:xfrm>
+            <a:off x="4018320" y="854640"/>
+            <a:ext cx="1727640" cy="491040"/>
+          </a:xfrm>
+          <a:prstGeom prst="chevron">
+            <a:avLst>
+              <a:gd name="adj" fmla="val 50000"/>
+            </a:avLst>
+          </a:prstGeom>
+          <a:solidFill>
+            <a:srgbClr val="111C76"/>
+          </a:solidFill>
+          <a:ln w="3240">
+            <a:solidFill>
+              <a:srgbClr val="111C76"/>
+            </a:solidFill>
+            <a:round/>
+          </a:ln>
+        </p:spPr>
+        <p:style>
+          <a:lnRef idx="2">
+            <a:schemeClr val="accent1">
+              <a:shade val="50000"/>
+            </a:schemeClr>
+          </a:lnRef>
+          <a:fillRef idx="1">
+            <a:schemeClr val="accent1"/>
+          </a:fillRef>
+          <a:effectRef idx="0">
+            <a:schemeClr val="accent1"/>
+          </a:effectRef>
+          <a:fontRef idx="minor"/>
+        </p:style>
+        <p:txBody>
+          <a:bodyPr lIns="90000" tIns="45000" rIns="90000" bIns="45000" anchor="ctr"/>
+          <a:p>
+            <a:pPr algn="ctr">
+              <a:lnSpc>
+                <a:spcPct val="100000"/>
+              </a:lnSpc>
+            </a:pPr>
+            <a:r>
+              <a:rPr lang="en-US" altLang="en-US" sz="1100" b="0" strike="noStrike" spc="-1">
+                <a:solidFill>
+                  <a:srgbClr val="FFFFFF"/>
+                </a:solidFill>
+                <a:uFill>
+                  <a:solidFill>
+                    <a:srgbClr val="FFFFFF"/>
+                  </a:solidFill>
+                </a:uFill>
+                <a:latin typeface="Caviar Dreams"/>
+                <a:ea typeface="DejaVu Sans" panose="020B0603030804020204"/>
+              </a:rPr>
+              <a:t>Metodologi</a:t>
+            </a:r>
+            <a:endParaRPr lang="en-US" altLang="en-US" sz="1800" b="0" strike="noStrike" spc="-1">
+              <a:solidFill>
+                <a:srgbClr val="000000"/>
+              </a:solidFill>
+              <a:uFill>
+                <a:solidFill>
+                  <a:srgbClr val="FFFFFF"/>
+                </a:solidFill>
+              </a:uFill>
+              <a:latin typeface="Arial" panose="020B0604020202020204"/>
+            </a:endParaRPr>
+          </a:p>
+        </p:txBody>
+      </p:sp>
+      <p:sp>
+        <p:nvSpPr>
+          <p:cNvPr id="239" name="CustomShape 19"/>
+          <p:cNvSpPr/>
+          <p:nvPr/>
+        </p:nvSpPr>
+        <p:spPr>
+          <a:xfrm>
+            <a:off x="6864120" y="854640"/>
+            <a:ext cx="1703880" cy="503280"/>
+          </a:xfrm>
+          <a:prstGeom prst="chevron">
+            <a:avLst>
+              <a:gd name="adj" fmla="val 50000"/>
+            </a:avLst>
+          </a:prstGeom>
+          <a:solidFill>
+            <a:srgbClr val="F9C534"/>
+          </a:solidFill>
+          <a:ln w="3240">
+            <a:solidFill>
+              <a:schemeClr val="bg1"/>
+            </a:solidFill>
+            <a:round/>
+          </a:ln>
+        </p:spPr>
+        <p:style>
+          <a:lnRef idx="2">
+            <a:schemeClr val="accent1">
+              <a:shade val="50000"/>
+            </a:schemeClr>
+          </a:lnRef>
+          <a:fillRef idx="1">
+            <a:schemeClr val="accent1"/>
+          </a:fillRef>
+          <a:effectRef idx="0">
+            <a:schemeClr val="accent1"/>
+          </a:effectRef>
+          <a:fontRef idx="minor"/>
+        </p:style>
+        <p:txBody>
+          <a:bodyPr lIns="90000" tIns="45000" rIns="90000" bIns="45000" anchor="ctr"/>
+          <a:p>
+            <a:pPr algn="ctr">
+              <a:lnSpc>
+                <a:spcPct val="100000"/>
+              </a:lnSpc>
+            </a:pPr>
+            <a:r>
+              <a:rPr lang="en-US" sz="1100" b="0" strike="noStrike" spc="-1">
+                <a:solidFill>
+                  <a:srgbClr val="000000"/>
+                </a:solidFill>
+                <a:uFill>
+                  <a:solidFill>
+                    <a:srgbClr val="FFFFFF"/>
+                  </a:solidFill>
+                </a:uFill>
+                <a:latin typeface="Caviar Dreams"/>
+                <a:ea typeface="DejaVu Sans" panose="020B0603030804020204"/>
+              </a:rPr>
+              <a:t>Metodologi</a:t>
+            </a:r>
+            <a:endParaRPr lang="en-US" sz="1800" b="0" strike="noStrike" spc="-1">
+              <a:solidFill>
+                <a:srgbClr val="000000"/>
+              </a:solidFill>
+              <a:uFill>
+                <a:solidFill>
+                  <a:srgbClr val="FFFFFF"/>
+                </a:solidFill>
+              </a:uFill>
+              <a:latin typeface="Arial" panose="020B0604020202020204"/>
+            </a:endParaRPr>
+          </a:p>
+        </p:txBody>
+      </p:sp>
+      <p:sp>
+        <p:nvSpPr>
+          <p:cNvPr id="240" name="CustomShape 20"/>
+          <p:cNvSpPr/>
+          <p:nvPr/>
+        </p:nvSpPr>
+        <p:spPr>
+          <a:xfrm>
+            <a:off x="-10080" y="847800"/>
+            <a:ext cx="1510200" cy="510120"/>
+          </a:xfrm>
+          <a:prstGeom prst="homePlate">
+            <a:avLst>
+              <a:gd name="adj" fmla="val 50000"/>
+            </a:avLst>
+          </a:prstGeom>
+          <a:solidFill>
+            <a:srgbClr val="111C76"/>
+          </a:solidFill>
+          <a:ln w="3240">
+            <a:solidFill>
+              <a:srgbClr val="111C76"/>
+            </a:solidFill>
+            <a:round/>
+          </a:ln>
+        </p:spPr>
+        <p:style>
+          <a:lnRef idx="2">
+            <a:schemeClr val="accent1">
+              <a:shade val="50000"/>
+            </a:schemeClr>
+          </a:lnRef>
+          <a:fillRef idx="1">
+            <a:schemeClr val="accent1"/>
+          </a:fillRef>
+          <a:effectRef idx="0">
+            <a:schemeClr val="accent1"/>
+          </a:effectRef>
+          <a:fontRef idx="minor"/>
+        </p:style>
+        <p:txBody>
+          <a:bodyPr lIns="90000" tIns="45000" rIns="90000" bIns="45000" anchor="ctr"/>
+          <a:p>
+            <a:pPr algn="ctr">
+              <a:lnSpc>
+                <a:spcPct val="100000"/>
+              </a:lnSpc>
+            </a:pPr>
+            <a:r>
+              <a:rPr lang="en-US" sz="1100" b="0" strike="noStrike" spc="-1">
+                <a:solidFill>
+                  <a:srgbClr val="FFFFFF"/>
+                </a:solidFill>
+                <a:uFill>
+                  <a:solidFill>
+                    <a:srgbClr val="FFFFFF"/>
+                  </a:solidFill>
+                </a:uFill>
+                <a:latin typeface="Caviar Dreams"/>
+                <a:ea typeface="DejaVu Sans" panose="020B0603030804020204"/>
+              </a:rPr>
+              <a:t>Latar Belakang</a:t>
+            </a:r>
+            <a:endParaRPr lang="en-US" sz="1800" b="0" strike="noStrike" spc="-1">
+              <a:solidFill>
+                <a:srgbClr val="000000"/>
+              </a:solidFill>
+              <a:uFill>
+                <a:solidFill>
+                  <a:srgbClr val="FFFFFF"/>
+                </a:solidFill>
+              </a:uFill>
+              <a:latin typeface="Arial" panose="020B0604020202020204"/>
+            </a:endParaRPr>
+          </a:p>
+        </p:txBody>
+      </p:sp>
+      <p:sp>
+        <p:nvSpPr>
+          <p:cNvPr id="2" name="CustomShape 1"/>
+          <p:cNvSpPr/>
+          <p:nvPr/>
+        </p:nvSpPr>
+        <p:spPr>
+          <a:xfrm>
+            <a:off x="5485765" y="854710"/>
+            <a:ext cx="1619885" cy="490855"/>
+          </a:xfrm>
+          <a:prstGeom prst="chevron">
+            <a:avLst>
+              <a:gd name="adj" fmla="val 50000"/>
+            </a:avLst>
+          </a:prstGeom>
+          <a:solidFill>
+            <a:srgbClr val="F9C534"/>
+          </a:solidFill>
+          <a:ln w="3240">
+            <a:solidFill>
+              <a:srgbClr val="111C76"/>
+            </a:solidFill>
+            <a:round/>
+          </a:ln>
+        </p:spPr>
+        <p:style>
+          <a:lnRef idx="2">
+            <a:schemeClr val="accent1">
+              <a:shade val="50000"/>
+            </a:schemeClr>
+          </a:lnRef>
+          <a:fillRef idx="1">
+            <a:schemeClr val="accent1"/>
+          </a:fillRef>
+          <a:effectRef idx="0">
+            <a:schemeClr val="accent1"/>
+          </a:effectRef>
+          <a:fontRef idx="minor"/>
+        </p:style>
+        <p:txBody>
+          <a:bodyPr lIns="90000" tIns="45000" rIns="90000" bIns="45000" anchor="ctr"/>
+          <a:p>
+            <a:pPr algn="ctr">
+              <a:lnSpc>
+                <a:spcPct val="100000"/>
+              </a:lnSpc>
+            </a:pPr>
+            <a:r>
+              <a:rPr lang="en-US" altLang="en-US" sz="1100" spc="-1">
+                <a:solidFill>
+                  <a:srgbClr val="111C76"/>
+                </a:solidFill>
+                <a:uFill>
+                  <a:solidFill>
+                    <a:srgbClr val="FFFFFF"/>
+                  </a:solidFill>
+                </a:uFill>
+                <a:latin typeface="Caviar Dreams"/>
+                <a:ea typeface="DejaVu Sans" panose="020B0603030804020204"/>
+                <a:sym typeface="+mn-ea"/>
+              </a:rPr>
+              <a:t>Pembahasan</a:t>
+            </a:r>
+            <a:endParaRPr lang="en-US" altLang="en-US" sz="1100" spc="-1">
+              <a:solidFill>
+                <a:srgbClr val="111C76"/>
+              </a:solidFill>
+              <a:uFill>
+                <a:solidFill>
+                  <a:srgbClr val="FFFFFF"/>
+                </a:solidFill>
+              </a:uFill>
+              <a:latin typeface="Caviar Dreams"/>
+              <a:ea typeface="DejaVu Sans" panose="020B0603030804020204"/>
+              <a:sym typeface="+mn-ea"/>
+            </a:endParaRPr>
+          </a:p>
+        </p:txBody>
+      </p:sp>
+      <p:sp>
+        <p:nvSpPr>
+          <p:cNvPr id="4" name="CustomShape 2"/>
+          <p:cNvSpPr/>
+          <p:nvPr/>
+        </p:nvSpPr>
+        <p:spPr>
+          <a:xfrm>
+            <a:off x="1228475" y="848370"/>
+            <a:ext cx="1623600" cy="510120"/>
+          </a:xfrm>
+          <a:prstGeom prst="chevron">
+            <a:avLst>
+              <a:gd name="adj" fmla="val 50000"/>
+            </a:avLst>
+          </a:prstGeom>
+          <a:solidFill>
+            <a:srgbClr val="111C76"/>
+          </a:solidFill>
+          <a:ln w="3240">
+            <a:solidFill>
+              <a:schemeClr val="bg1"/>
+            </a:solidFill>
+            <a:round/>
+          </a:ln>
+        </p:spPr>
+        <p:style>
+          <a:lnRef idx="2">
+            <a:schemeClr val="accent1">
+              <a:shade val="50000"/>
+            </a:schemeClr>
+          </a:lnRef>
+          <a:fillRef idx="1">
+            <a:schemeClr val="accent1"/>
+          </a:fillRef>
+          <a:effectRef idx="0">
+            <a:schemeClr val="accent1"/>
+          </a:effectRef>
+          <a:fontRef idx="minor"/>
+        </p:style>
+        <p:txBody>
+          <a:bodyPr lIns="90000" tIns="45000" rIns="90000" bIns="45000" anchor="ctr"/>
+          <a:p>
+            <a:pPr algn="ctr">
+              <a:lnSpc>
+                <a:spcPct val="100000"/>
+              </a:lnSpc>
+            </a:pPr>
+            <a:r>
+              <a:rPr lang="en-US" sz="1100" b="0" strike="noStrike" spc="-1">
+                <a:solidFill>
+                  <a:srgbClr val="FFFFFF"/>
+                </a:solidFill>
+                <a:uFill>
+                  <a:solidFill>
+                    <a:srgbClr val="FFFFFF"/>
+                  </a:solidFill>
+                </a:uFill>
+                <a:latin typeface="Caviar Dreams"/>
+                <a:ea typeface="DejaVu Sans" panose="020B0603030804020204"/>
+              </a:rPr>
+              <a:t>Tinjauan Pustaka</a:t>
+            </a:r>
+            <a:endParaRPr lang="en-US" sz="1100" b="0" strike="noStrike" spc="-1">
+              <a:solidFill>
+                <a:srgbClr val="FFFFFF"/>
+              </a:solidFill>
+              <a:uFill>
+                <a:solidFill>
+                  <a:srgbClr val="FFFFFF"/>
+                </a:solidFill>
+              </a:uFill>
+              <a:latin typeface="Caviar Dreams"/>
+              <a:ea typeface="DejaVu Sans" panose="020B0603030804020204"/>
+            </a:endParaRPr>
+          </a:p>
+        </p:txBody>
+      </p:sp>
+      <p:sp>
+        <p:nvSpPr>
+          <p:cNvPr id="6" name="CustomShape 3"/>
+          <p:cNvSpPr/>
+          <p:nvPr/>
+        </p:nvSpPr>
+        <p:spPr>
+          <a:xfrm>
+            <a:off x="2589230" y="848520"/>
+            <a:ext cx="1727640" cy="510120"/>
+          </a:xfrm>
+          <a:prstGeom prst="chevron">
+            <a:avLst>
+              <a:gd name="adj" fmla="val 50000"/>
+            </a:avLst>
+          </a:prstGeom>
+          <a:solidFill>
+            <a:srgbClr val="111C76"/>
+          </a:solidFill>
+          <a:ln w="3240">
+            <a:solidFill>
+              <a:schemeClr val="bg1"/>
+            </a:solidFill>
+            <a:round/>
+          </a:ln>
+        </p:spPr>
+        <p:style>
+          <a:lnRef idx="2">
+            <a:schemeClr val="accent1">
+              <a:shade val="50000"/>
+            </a:schemeClr>
+          </a:lnRef>
+          <a:fillRef idx="1">
+            <a:schemeClr val="accent1"/>
+          </a:fillRef>
+          <a:effectRef idx="0">
+            <a:schemeClr val="accent1"/>
+          </a:effectRef>
+          <a:fontRef idx="minor"/>
+        </p:style>
+        <p:txBody>
+          <a:bodyPr lIns="90000" tIns="45000" rIns="90000" bIns="45000" anchor="ctr"/>
+          <a:p>
+            <a:pPr algn="ctr">
+              <a:lnSpc>
+                <a:spcPct val="100000"/>
+              </a:lnSpc>
+            </a:pPr>
+            <a:r>
+              <a:rPr lang="en-US" sz="1100" spc="-1">
+                <a:solidFill>
+                  <a:srgbClr val="FFFFFF"/>
+                </a:solidFill>
+                <a:uFill>
+                  <a:solidFill>
+                    <a:srgbClr val="FFFFFF"/>
+                  </a:solidFill>
+                </a:uFill>
+                <a:latin typeface="Caviar Dreams"/>
+                <a:ea typeface="DejaVu Sans" panose="020B0603030804020204"/>
+                <a:sym typeface="+mn-ea"/>
+              </a:rPr>
+              <a:t>Tujuan Proyek Akhir</a:t>
+            </a:r>
+            <a:endParaRPr lang="en-US" sz="1100" spc="-1">
+              <a:solidFill>
+                <a:srgbClr val="FFFFFF"/>
+              </a:solidFill>
+              <a:uFill>
+                <a:solidFill>
+                  <a:srgbClr val="FFFFFF"/>
+                </a:solidFill>
+              </a:uFill>
+              <a:latin typeface="Caviar Dreams"/>
+              <a:ea typeface="DejaVu Sans" panose="020B0603030804020204"/>
+              <a:sym typeface="+mn-ea"/>
+            </a:endParaRPr>
+          </a:p>
+        </p:txBody>
+      </p:sp>
+      <p:sp>
+        <p:nvSpPr>
+          <p:cNvPr id="8" name="CustomShape 6"/>
+          <p:cNvSpPr/>
+          <p:nvPr/>
+        </p:nvSpPr>
+        <p:spPr>
+          <a:xfrm>
+            <a:off x="6849360" y="851400"/>
+            <a:ext cx="1703880" cy="503280"/>
+          </a:xfrm>
+          <a:prstGeom prst="chevron">
+            <a:avLst>
+              <a:gd name="adj" fmla="val 50000"/>
+            </a:avLst>
+          </a:prstGeom>
+          <a:solidFill>
+            <a:srgbClr val="111C76"/>
+          </a:solidFill>
+          <a:ln w="3240">
+            <a:solidFill>
+              <a:schemeClr val="bg1"/>
+            </a:solidFill>
+            <a:round/>
+          </a:ln>
+        </p:spPr>
+        <p:style>
+          <a:lnRef idx="2">
+            <a:schemeClr val="accent1">
+              <a:shade val="50000"/>
+            </a:schemeClr>
+          </a:lnRef>
+          <a:fillRef idx="1">
+            <a:schemeClr val="accent1"/>
+          </a:fillRef>
+          <a:effectRef idx="0">
+            <a:schemeClr val="accent1"/>
+          </a:effectRef>
+          <a:fontRef idx="minor"/>
+        </p:style>
+        <p:txBody>
+          <a:bodyPr lIns="90000" tIns="45000" rIns="90000" bIns="45000" anchor="ctr"/>
+          <a:p>
+            <a:pPr algn="ctr">
+              <a:lnSpc>
+                <a:spcPct val="100000"/>
+              </a:lnSpc>
+            </a:pPr>
+            <a:r>
+              <a:rPr lang="en-US" altLang="en-US" sz="1100" b="0" strike="noStrike" spc="-1">
+                <a:solidFill>
+                  <a:srgbClr val="FFFFFF"/>
+                </a:solidFill>
+                <a:uFill>
+                  <a:solidFill>
+                    <a:srgbClr val="FFFFFF"/>
+                  </a:solidFill>
+                </a:uFill>
+                <a:latin typeface="Caviar Dreams"/>
+                <a:ea typeface="DejaVu Sans" panose="020B0603030804020204"/>
+              </a:rPr>
+              <a:t>Kesimpulan dan Saran</a:t>
+            </a:r>
+            <a:endParaRPr lang="en-US" altLang="en-US" sz="1800" b="0" strike="noStrike" spc="-1">
+              <a:solidFill>
+                <a:srgbClr val="000000"/>
+              </a:solidFill>
+              <a:uFill>
+                <a:solidFill>
+                  <a:srgbClr val="FFFFFF"/>
+                </a:solidFill>
+              </a:uFill>
+              <a:latin typeface="Arial" panose="020B0604020202020204"/>
+            </a:endParaRPr>
+          </a:p>
+        </p:txBody>
+      </p:sp>
+      <p:sp>
+        <p:nvSpPr>
+          <p:cNvPr id="9" name="CustomShape 8"/>
+          <p:cNvSpPr/>
+          <p:nvPr/>
+        </p:nvSpPr>
+        <p:spPr>
+          <a:xfrm>
+            <a:off x="0" y="843480"/>
+            <a:ext cx="1505160" cy="510120"/>
+          </a:xfrm>
+          <a:prstGeom prst="homePlate">
+            <a:avLst>
+              <a:gd name="adj" fmla="val 50000"/>
+            </a:avLst>
+          </a:prstGeom>
+          <a:solidFill>
+            <a:srgbClr val="111C76"/>
+          </a:solidFill>
+          <a:ln w="3240">
+            <a:solidFill>
+              <a:schemeClr val="bg1"/>
+            </a:solidFill>
+            <a:round/>
+          </a:ln>
+        </p:spPr>
+        <p:style>
+          <a:lnRef idx="2">
+            <a:schemeClr val="accent1">
+              <a:shade val="50000"/>
+            </a:schemeClr>
+          </a:lnRef>
+          <a:fillRef idx="1">
+            <a:schemeClr val="accent1"/>
+          </a:fillRef>
+          <a:effectRef idx="0">
+            <a:schemeClr val="accent1"/>
+          </a:effectRef>
+          <a:fontRef idx="minor"/>
+        </p:style>
+        <p:txBody>
+          <a:bodyPr lIns="90000" tIns="45000" rIns="90000" bIns="45000" anchor="ctr"/>
+          <a:p>
+            <a:pPr algn="ctr">
+              <a:lnSpc>
+                <a:spcPct val="100000"/>
+              </a:lnSpc>
+            </a:pPr>
+            <a:r>
+              <a:rPr lang="en-US" sz="1100" b="0" strike="noStrike" spc="-1">
+                <a:solidFill>
+                  <a:schemeClr val="bg1"/>
+                </a:solidFill>
+                <a:uFill>
+                  <a:solidFill>
+                    <a:srgbClr val="FFFFFF"/>
+                  </a:solidFill>
+                </a:uFill>
+                <a:latin typeface="Caviar Dreams"/>
+                <a:ea typeface="DejaVu Sans" panose="020B0603030804020204"/>
+              </a:rPr>
+              <a:t>Latar Belakang</a:t>
+            </a:r>
+            <a:endParaRPr lang="en-US" sz="1100" b="0" strike="noStrike" spc="-1">
+              <a:solidFill>
+                <a:schemeClr val="bg1"/>
+              </a:solidFill>
+              <a:uFill>
+                <a:solidFill>
+                  <a:srgbClr val="FFFFFF"/>
+                </a:solidFill>
+              </a:uFill>
+              <a:latin typeface="Caviar Dreams"/>
+              <a:ea typeface="DejaVu Sans" panose="020B0603030804020204"/>
+            </a:endParaRPr>
+          </a:p>
+        </p:txBody>
+      </p:sp>
+      <p:sp>
+        <p:nvSpPr>
+          <p:cNvPr id="270" name="CustomShape 4"/>
+          <p:cNvSpPr/>
+          <p:nvPr/>
+        </p:nvSpPr>
+        <p:spPr>
+          <a:xfrm>
+            <a:off x="828675" y="1864995"/>
+            <a:ext cx="6859905" cy="664210"/>
+          </a:xfrm>
+          <a:prstGeom prst="rect">
+            <a:avLst/>
+          </a:prstGeom>
+          <a:noFill/>
+          <a:ln>
+            <a:noFill/>
+          </a:ln>
+        </p:spPr>
+        <p:style>
+          <a:lnRef idx="0">
+            <a:srgbClr val="FFFFFF"/>
+          </a:lnRef>
+          <a:fillRef idx="0">
+            <a:srgbClr val="FFFFFF"/>
+          </a:fillRef>
+          <a:effectRef idx="0">
+            <a:srgbClr val="FFFFFF"/>
+          </a:effectRef>
+          <a:fontRef idx="minor"/>
+        </p:style>
+        <p:txBody>
+          <a:bodyPr lIns="90000" tIns="45000" rIns="90000" bIns="45000"/>
+          <a:p>
+            <a:pPr indent="0" algn="just">
+              <a:lnSpc>
+                <a:spcPct val="130000"/>
+              </a:lnSpc>
+              <a:buFont typeface="Arial" panose="020B0604020202020204" pitchFamily="34" charset="0"/>
+              <a:buNone/>
+            </a:pPr>
+            <a:r>
+              <a:rPr lang="" altLang="en-US" sz="1400" b="0" strike="noStrike" spc="-1">
+                <a:solidFill>
+                  <a:srgbClr val="111C76"/>
+                </a:solidFill>
+                <a:uFill>
+                  <a:solidFill>
+                    <a:srgbClr val="FFFFFF"/>
+                  </a:solidFill>
+                </a:uFill>
+                <a:latin typeface="Caviar Dreams"/>
+                <a:ea typeface="DejaVu Sans" panose="020B0603030804020204"/>
+              </a:rPr>
+              <a:t>Total jumlah koneksi terbuka (TCP Connection / stream) yang dapat dibuat dalam satu </a:t>
+            </a:r>
+            <a:r>
+              <a:rPr lang="" altLang="en-US" sz="1400" b="0" i="1" strike="noStrike" spc="-1">
+                <a:solidFill>
+                  <a:srgbClr val="111C76"/>
+                </a:solidFill>
+                <a:uFill>
+                  <a:solidFill>
+                    <a:srgbClr val="FFFFFF"/>
+                  </a:solidFill>
+                </a:uFill>
+                <a:latin typeface="Caviar Dreams"/>
+                <a:ea typeface="DejaVu Sans" panose="020B0603030804020204"/>
+              </a:rPr>
+              <a:t>web browser</a:t>
+            </a:r>
+            <a:r>
+              <a:rPr lang="" altLang="en-US" sz="1400" b="0" strike="noStrike" spc="-1">
+                <a:solidFill>
+                  <a:srgbClr val="111C76"/>
+                </a:solidFill>
+                <a:uFill>
+                  <a:solidFill>
+                    <a:srgbClr val="FFFFFF"/>
+                  </a:solidFill>
+                </a:uFill>
+                <a:latin typeface="Caviar Dreams"/>
+                <a:ea typeface="DejaVu Sans" panose="020B0603030804020204"/>
+              </a:rPr>
+              <a:t> (Google Chrome Version 70.0.3538.110 (Official Build) (64-bit))</a:t>
+            </a:r>
+            <a:endParaRPr lang="" altLang="en-US" sz="1400" b="0" strike="noStrike" spc="-1">
+              <a:solidFill>
+                <a:srgbClr val="111C76"/>
+              </a:solidFill>
+              <a:uFill>
+                <a:solidFill>
+                  <a:srgbClr val="FFFFFF"/>
+                </a:solidFill>
+              </a:uFill>
+              <a:latin typeface="Caviar Dreams"/>
+              <a:ea typeface="DejaVu Sans" panose="020B0603030804020204"/>
+            </a:endParaRPr>
+          </a:p>
+        </p:txBody>
+      </p:sp>
+    </p:spTree>
+  </p:cSld>
+  <p:clrMapOvr>
+    <a:masterClrMapping/>
+  </p:clrMapOvr>
+  <p:transition spd="slow">
+    <p:push dir="d"/>
+  </p:transition>
+  <p:timing>
+    <p:tnLst>
+      <p:par>
+        <p:cTn id="1" dur="indefinite" restart="never" nodeType="tmRoot"/>
+      </p:par>
+    </p:tnLst>
+  </p:timing>
+</p:sld>
+</file>
+
+<file path=ppt/slides/slide29.xml><?xml version="1.0" encoding="utf-8"?>
+<p:sld xmlns:a="http://schemas.openxmlformats.org/drawingml/2006/main" xmlns:r="http://schemas.openxmlformats.org/officeDocument/2006/relationships" xmlns:p="http://schemas.openxmlformats.org/presentationml/2006/main">
+  <p:cSld>
+    <p:spTree>
+      <p:nvGrpSpPr>
+        <p:cNvPr id="1" name=""/>
+        <p:cNvGrpSpPr/>
+        <p:nvPr/>
+      </p:nvGrpSpPr>
       <p:grpSpPr/>
       <p:sp>
         <p:nvSpPr>
@@ -35363,7 +37237,7 @@
               </a:lnSpc>
             </a:pPr>
             <a:r>
-              <a:rPr lang="" altLang="en-US" sz="1600" b="1" i="1" strike="noStrike" spc="-1">
+              <a:rPr lang="en-US" altLang="en-US" sz="1600" b="1" i="1" strike="noStrike" spc="-1">
                 <a:solidFill>
                   <a:srgbClr val="111C76"/>
                 </a:solidFill>
@@ -35377,7 +37251,7 @@
               </a:rPr>
               <a:t>Kesimpulan</a:t>
             </a:r>
-            <a:endParaRPr lang="" altLang="en-US" sz="1800" b="0" strike="noStrike" spc="-1">
+            <a:endParaRPr lang="en-US" altLang="en-US" sz="1800" b="0" strike="noStrike" spc="-1">
               <a:solidFill>
                 <a:srgbClr val="000000"/>
               </a:solidFill>
@@ -35628,7 +37502,749 @@
 </p:sld>
 </file>
 
-<file path=ppt/slides/slide29.xml><?xml version="1.0" encoding="utf-8"?>
+<file path=ppt/slides/slide3.xml><?xml version="1.0" encoding="utf-8"?>
+<p:sld xmlns:a="http://schemas.openxmlformats.org/drawingml/2006/main" xmlns:r="http://schemas.openxmlformats.org/officeDocument/2006/relationships" xmlns:p="http://schemas.openxmlformats.org/presentationml/2006/main">
+  <p:cSld>
+    <p:spTree>
+      <p:nvGrpSpPr>
+        <p:cNvPr id="1" name=""/>
+        <p:cNvGrpSpPr/>
+        <p:nvPr/>
+      </p:nvGrpSpPr>
+      <p:grpSpPr>
+        <a:xfrm>
+          <a:off x="0" y="0"/>
+          <a:ext cx="0" cy="0"/>
+          <a:chOff x="0" y="0"/>
+          <a:chExt cx="0" cy="0"/>
+        </a:xfrm>
+      </p:grpSpPr>
+      <p:sp>
+        <p:nvSpPr>
+          <p:cNvPr id="105" name="CustomShape 1"/>
+          <p:cNvSpPr/>
+          <p:nvPr/>
+        </p:nvSpPr>
+        <p:spPr>
+          <a:xfrm>
+            <a:off x="1250640" y="844560"/>
+            <a:ext cx="1619640" cy="510120"/>
+          </a:xfrm>
+          <a:prstGeom prst="chevron">
+            <a:avLst>
+              <a:gd name="adj" fmla="val 50000"/>
+            </a:avLst>
+          </a:prstGeom>
+          <a:solidFill>
+            <a:srgbClr val="111C76"/>
+          </a:solidFill>
+          <a:ln w="3240">
+            <a:solidFill>
+              <a:schemeClr val="bg1"/>
+            </a:solidFill>
+            <a:round/>
+          </a:ln>
+        </p:spPr>
+        <p:style>
+          <a:lnRef idx="2">
+            <a:schemeClr val="accent1">
+              <a:shade val="50000"/>
+            </a:schemeClr>
+          </a:lnRef>
+          <a:fillRef idx="1">
+            <a:schemeClr val="accent1"/>
+          </a:fillRef>
+          <a:effectRef idx="0">
+            <a:schemeClr val="accent1"/>
+          </a:effectRef>
+          <a:fontRef idx="minor"/>
+        </p:style>
+        <p:txBody>
+          <a:bodyPr lIns="90000" tIns="45000" rIns="90000" bIns="45000" anchor="ctr"/>
+          <a:p>
+            <a:pPr algn="ctr">
+              <a:lnSpc>
+                <a:spcPct val="100000"/>
+              </a:lnSpc>
+            </a:pPr>
+            <a:r>
+              <a:rPr lang="en-US" sz="1100" spc="-1">
+                <a:solidFill>
+                  <a:srgbClr val="FFFFFF"/>
+                </a:solidFill>
+                <a:uFill>
+                  <a:solidFill>
+                    <a:srgbClr val="FFFFFF"/>
+                  </a:solidFill>
+                </a:uFill>
+                <a:latin typeface="Caviar Dreams"/>
+                <a:ea typeface="DejaVu Sans" panose="020B0603030804020204"/>
+                <a:sym typeface="+mn-ea"/>
+              </a:rPr>
+              <a:t>Tinjauan Pustaka</a:t>
+            </a:r>
+            <a:endParaRPr lang="en-US" sz="1800" b="0" strike="noStrike" spc="-1">
+              <a:solidFill>
+                <a:srgbClr val="000000"/>
+              </a:solidFill>
+              <a:uFill>
+                <a:solidFill>
+                  <a:srgbClr val="FFFFFF"/>
+                </a:solidFill>
+              </a:uFill>
+              <a:latin typeface="Arial" panose="020B0604020202020204"/>
+            </a:endParaRPr>
+          </a:p>
+        </p:txBody>
+      </p:sp>
+      <p:sp>
+        <p:nvSpPr>
+          <p:cNvPr id="106" name="CustomShape 2"/>
+          <p:cNvSpPr/>
+          <p:nvPr/>
+        </p:nvSpPr>
+        <p:spPr>
+          <a:xfrm>
+            <a:off x="2614680" y="844560"/>
+            <a:ext cx="1623600" cy="510120"/>
+          </a:xfrm>
+          <a:prstGeom prst="chevron">
+            <a:avLst>
+              <a:gd name="adj" fmla="val 50000"/>
+            </a:avLst>
+          </a:prstGeom>
+          <a:solidFill>
+            <a:srgbClr val="111C76"/>
+          </a:solidFill>
+          <a:ln w="3240">
+            <a:solidFill>
+              <a:schemeClr val="bg1"/>
+            </a:solidFill>
+            <a:round/>
+          </a:ln>
+        </p:spPr>
+        <p:style>
+          <a:lnRef idx="2">
+            <a:schemeClr val="accent1">
+              <a:shade val="50000"/>
+            </a:schemeClr>
+          </a:lnRef>
+          <a:fillRef idx="1">
+            <a:schemeClr val="accent1"/>
+          </a:fillRef>
+          <a:effectRef idx="0">
+            <a:schemeClr val="accent1"/>
+          </a:effectRef>
+          <a:fontRef idx="minor"/>
+        </p:style>
+        <p:txBody>
+          <a:bodyPr lIns="90000" tIns="45000" rIns="90000" bIns="45000" anchor="ctr"/>
+          <a:p>
+            <a:pPr algn="ctr">
+              <a:lnSpc>
+                <a:spcPct val="100000"/>
+              </a:lnSpc>
+            </a:pPr>
+            <a:r>
+              <a:rPr lang="en-US" sz="1100" b="0" strike="noStrike" spc="-1">
+                <a:solidFill>
+                  <a:srgbClr val="FFFFFF"/>
+                </a:solidFill>
+                <a:uFill>
+                  <a:solidFill>
+                    <a:srgbClr val="FFFFFF"/>
+                  </a:solidFill>
+                </a:uFill>
+                <a:latin typeface="Caviar Dreams"/>
+                <a:ea typeface="DejaVu Sans" panose="020B0603030804020204"/>
+              </a:rPr>
+              <a:t>Tujuan Proyek Akhir</a:t>
+            </a:r>
+            <a:endParaRPr lang="en-US" sz="1800" b="0" strike="noStrike" spc="-1">
+              <a:solidFill>
+                <a:srgbClr val="000000"/>
+              </a:solidFill>
+              <a:uFill>
+                <a:solidFill>
+                  <a:srgbClr val="FFFFFF"/>
+                </a:solidFill>
+              </a:uFill>
+              <a:latin typeface="Arial" panose="020B0604020202020204"/>
+            </a:endParaRPr>
+          </a:p>
+        </p:txBody>
+      </p:sp>
+      <p:sp>
+        <p:nvSpPr>
+          <p:cNvPr id="107" name="CustomShape 3"/>
+          <p:cNvSpPr/>
+          <p:nvPr/>
+        </p:nvSpPr>
+        <p:spPr>
+          <a:xfrm>
+            <a:off x="3924000" y="848520"/>
+            <a:ext cx="1727640" cy="510120"/>
+          </a:xfrm>
+          <a:prstGeom prst="chevron">
+            <a:avLst>
+              <a:gd name="adj" fmla="val 50000"/>
+            </a:avLst>
+          </a:prstGeom>
+          <a:solidFill>
+            <a:srgbClr val="111C76"/>
+          </a:solidFill>
+          <a:ln w="3240">
+            <a:solidFill>
+              <a:schemeClr val="bg1"/>
+            </a:solidFill>
+            <a:round/>
+          </a:ln>
+        </p:spPr>
+        <p:style>
+          <a:lnRef idx="2">
+            <a:schemeClr val="accent1">
+              <a:shade val="50000"/>
+            </a:schemeClr>
+          </a:lnRef>
+          <a:fillRef idx="1">
+            <a:schemeClr val="accent1"/>
+          </a:fillRef>
+          <a:effectRef idx="0">
+            <a:schemeClr val="accent1"/>
+          </a:effectRef>
+          <a:fontRef idx="minor"/>
+        </p:style>
+        <p:txBody>
+          <a:bodyPr lIns="90000" tIns="45000" rIns="90000" bIns="45000" anchor="ctr"/>
+          <a:p>
+            <a:pPr algn="ctr">
+              <a:lnSpc>
+                <a:spcPct val="100000"/>
+              </a:lnSpc>
+            </a:pPr>
+            <a:r>
+              <a:rPr lang="en-US" sz="1100" spc="-1">
+                <a:solidFill>
+                  <a:srgbClr val="FFFFFF"/>
+                </a:solidFill>
+                <a:uFill>
+                  <a:solidFill>
+                    <a:srgbClr val="FFFFFF"/>
+                  </a:solidFill>
+                </a:uFill>
+                <a:latin typeface="Caviar Dreams"/>
+                <a:ea typeface="DejaVu Sans" panose="020B0603030804020204"/>
+                <a:sym typeface="+mn-ea"/>
+              </a:rPr>
+              <a:t>Metodologi</a:t>
+            </a:r>
+            <a:endParaRPr lang="en-US" sz="1800" b="0" strike="noStrike" spc="-1">
+              <a:solidFill>
+                <a:srgbClr val="000000"/>
+              </a:solidFill>
+              <a:uFill>
+                <a:solidFill>
+                  <a:srgbClr val="FFFFFF"/>
+                </a:solidFill>
+              </a:uFill>
+              <a:latin typeface="Arial" panose="020B0604020202020204"/>
+            </a:endParaRPr>
+          </a:p>
+        </p:txBody>
+      </p:sp>
+      <p:sp>
+        <p:nvSpPr>
+          <p:cNvPr id="108" name="CustomShape 4"/>
+          <p:cNvSpPr/>
+          <p:nvPr/>
+        </p:nvSpPr>
+        <p:spPr>
+          <a:xfrm>
+            <a:off x="5402160" y="851400"/>
+            <a:ext cx="1755720" cy="503280"/>
+          </a:xfrm>
+          <a:prstGeom prst="chevron">
+            <a:avLst>
+              <a:gd name="adj" fmla="val 50000"/>
+            </a:avLst>
+          </a:prstGeom>
+          <a:solidFill>
+            <a:srgbClr val="111C76"/>
+          </a:solidFill>
+          <a:ln w="3240">
+            <a:solidFill>
+              <a:schemeClr val="bg1"/>
+            </a:solidFill>
+            <a:round/>
+          </a:ln>
+        </p:spPr>
+        <p:style>
+          <a:lnRef idx="2">
+            <a:schemeClr val="accent1">
+              <a:shade val="50000"/>
+            </a:schemeClr>
+          </a:lnRef>
+          <a:fillRef idx="1">
+            <a:schemeClr val="accent1"/>
+          </a:fillRef>
+          <a:effectRef idx="0">
+            <a:schemeClr val="accent1"/>
+          </a:effectRef>
+          <a:fontRef idx="minor"/>
+        </p:style>
+        <p:txBody>
+          <a:bodyPr lIns="90000" tIns="45000" rIns="90000" bIns="45000" anchor="ctr"/>
+          <a:p>
+            <a:pPr algn="ctr">
+              <a:lnSpc>
+                <a:spcPct val="100000"/>
+              </a:lnSpc>
+            </a:pPr>
+            <a:r>
+              <a:rPr lang="en-US" altLang="en-US" sz="1100" b="0" strike="noStrike" spc="-1">
+                <a:solidFill>
+                  <a:srgbClr val="FFFFFF"/>
+                </a:solidFill>
+                <a:uFill>
+                  <a:solidFill>
+                    <a:srgbClr val="FFFFFF"/>
+                  </a:solidFill>
+                </a:uFill>
+                <a:latin typeface="Caviar Dreams"/>
+                <a:ea typeface="DejaVu Sans" panose="020B0603030804020204"/>
+              </a:rPr>
+              <a:t>Pembahasan</a:t>
+            </a:r>
+            <a:endParaRPr lang="en-US" altLang="en-US" sz="1800" b="0" strike="noStrike" spc="-1">
+              <a:solidFill>
+                <a:srgbClr val="000000"/>
+              </a:solidFill>
+              <a:uFill>
+                <a:solidFill>
+                  <a:srgbClr val="FFFFFF"/>
+                </a:solidFill>
+              </a:uFill>
+              <a:latin typeface="Arial" panose="020B0604020202020204"/>
+            </a:endParaRPr>
+          </a:p>
+        </p:txBody>
+      </p:sp>
+      <p:sp>
+        <p:nvSpPr>
+          <p:cNvPr id="109" name="CustomShape 5"/>
+          <p:cNvSpPr/>
+          <p:nvPr/>
+        </p:nvSpPr>
+        <p:spPr>
+          <a:xfrm>
+            <a:off x="4897755" y="227330"/>
+            <a:ext cx="3347720" cy="699135"/>
+          </a:xfrm>
+          <a:prstGeom prst="rect">
+            <a:avLst/>
+          </a:prstGeom>
+          <a:noFill/>
+          <a:ln>
+            <a:noFill/>
+          </a:ln>
+        </p:spPr>
+        <p:style>
+          <a:lnRef idx="0">
+            <a:srgbClr val="FFFFFF"/>
+          </a:lnRef>
+          <a:fillRef idx="0">
+            <a:srgbClr val="FFFFFF"/>
+          </a:fillRef>
+          <a:effectRef idx="0">
+            <a:srgbClr val="FFFFFF"/>
+          </a:effectRef>
+          <a:fontRef idx="minor"/>
+        </p:style>
+        <p:txBody>
+          <a:bodyPr lIns="90000" tIns="45000" rIns="90000" bIns="45000"/>
+          <a:p>
+            <a:pPr algn="ctr">
+              <a:lnSpc>
+                <a:spcPct val="100000"/>
+              </a:lnSpc>
+            </a:pPr>
+            <a:r>
+              <a:rPr lang="en-US" sz="2000" b="1" strike="noStrike" spc="-1">
+                <a:solidFill>
+                  <a:srgbClr val="1F497D"/>
+                </a:solidFill>
+                <a:uFill>
+                  <a:solidFill>
+                    <a:srgbClr val="FFFFFF"/>
+                  </a:solidFill>
+                </a:uFill>
+                <a:latin typeface="Capsuula"/>
+                <a:ea typeface="DejaVu Sans" panose="020B0603030804020204"/>
+              </a:rPr>
+              <a:t>Universitas Gadjah Mada</a:t>
+            </a:r>
+            <a:endParaRPr lang="en-US" sz="1800" b="0" strike="noStrike" spc="-1">
+              <a:solidFill>
+                <a:srgbClr val="000000"/>
+              </a:solidFill>
+              <a:uFill>
+                <a:solidFill>
+                  <a:srgbClr val="FFFFFF"/>
+                </a:solidFill>
+              </a:uFill>
+              <a:latin typeface="Arial" panose="020B0604020202020204"/>
+            </a:endParaRPr>
+          </a:p>
+        </p:txBody>
+      </p:sp>
+      <p:sp>
+        <p:nvSpPr>
+          <p:cNvPr id="110" name="CustomShape 6"/>
+          <p:cNvSpPr/>
+          <p:nvPr/>
+        </p:nvSpPr>
+        <p:spPr>
+          <a:xfrm>
+            <a:off x="6849360" y="851400"/>
+            <a:ext cx="1703880" cy="503280"/>
+          </a:xfrm>
+          <a:prstGeom prst="chevron">
+            <a:avLst>
+              <a:gd name="adj" fmla="val 50000"/>
+            </a:avLst>
+          </a:prstGeom>
+          <a:solidFill>
+            <a:srgbClr val="111C76"/>
+          </a:solidFill>
+          <a:ln w="3240">
+            <a:solidFill>
+              <a:schemeClr val="bg1"/>
+            </a:solidFill>
+            <a:round/>
+          </a:ln>
+        </p:spPr>
+        <p:style>
+          <a:lnRef idx="2">
+            <a:schemeClr val="accent1">
+              <a:shade val="50000"/>
+            </a:schemeClr>
+          </a:lnRef>
+          <a:fillRef idx="1">
+            <a:schemeClr val="accent1"/>
+          </a:fillRef>
+          <a:effectRef idx="0">
+            <a:schemeClr val="accent1"/>
+          </a:effectRef>
+          <a:fontRef idx="minor"/>
+        </p:style>
+        <p:txBody>
+          <a:bodyPr lIns="90000" tIns="45000" rIns="90000" bIns="45000" anchor="ctr"/>
+          <a:p>
+            <a:pPr algn="ctr">
+              <a:lnSpc>
+                <a:spcPct val="100000"/>
+              </a:lnSpc>
+            </a:pPr>
+            <a:r>
+              <a:rPr lang="en-US" altLang="en-US" sz="1100" b="0" strike="noStrike" spc="-1">
+                <a:solidFill>
+                  <a:srgbClr val="FFFFFF"/>
+                </a:solidFill>
+                <a:uFill>
+                  <a:solidFill>
+                    <a:srgbClr val="FFFFFF"/>
+                  </a:solidFill>
+                </a:uFill>
+                <a:latin typeface="Caviar Dreams"/>
+                <a:ea typeface="DejaVu Sans" panose="020B0603030804020204"/>
+              </a:rPr>
+              <a:t>Kesimpulan dan Saran</a:t>
+            </a:r>
+            <a:endParaRPr lang="en-US" altLang="en-US" sz="1800" b="0" strike="noStrike" spc="-1">
+              <a:solidFill>
+                <a:srgbClr val="000000"/>
+              </a:solidFill>
+              <a:uFill>
+                <a:solidFill>
+                  <a:srgbClr val="FFFFFF"/>
+                </a:solidFill>
+              </a:uFill>
+              <a:latin typeface="Arial" panose="020B0604020202020204"/>
+            </a:endParaRPr>
+          </a:p>
+        </p:txBody>
+      </p:sp>
+      <p:sp>
+        <p:nvSpPr>
+          <p:cNvPr id="111" name="CustomShape 7"/>
+          <p:cNvSpPr/>
+          <p:nvPr/>
+        </p:nvSpPr>
+        <p:spPr>
+          <a:xfrm>
+            <a:off x="20880" y="177840"/>
+            <a:ext cx="3542040" cy="394200"/>
+          </a:xfrm>
+          <a:prstGeom prst="rect">
+            <a:avLst/>
+          </a:prstGeom>
+          <a:noFill/>
+          <a:ln>
+            <a:noFill/>
+          </a:ln>
+        </p:spPr>
+        <p:style>
+          <a:lnRef idx="0">
+            <a:srgbClr val="FFFFFF"/>
+          </a:lnRef>
+          <a:fillRef idx="0">
+            <a:srgbClr val="FFFFFF"/>
+          </a:fillRef>
+          <a:effectRef idx="0">
+            <a:srgbClr val="FFFFFF"/>
+          </a:effectRef>
+          <a:fontRef idx="minor"/>
+        </p:style>
+        <p:txBody>
+          <a:bodyPr lIns="90000" tIns="45000" rIns="90000" bIns="45000"/>
+          <a:p>
+            <a:pPr>
+              <a:lnSpc>
+                <a:spcPct val="150000"/>
+              </a:lnSpc>
+            </a:pPr>
+            <a:r>
+              <a:rPr lang="en-US" altLang="en-US" sz="800" b="0" strike="noStrike" spc="-1">
+                <a:solidFill>
+                  <a:srgbClr val="1F497D"/>
+                </a:solidFill>
+                <a:uFill>
+                  <a:solidFill>
+                    <a:srgbClr val="FFFFFF"/>
+                  </a:solidFill>
+                </a:uFill>
+                <a:latin typeface="Caviar Dreams"/>
+                <a:ea typeface="DejaVu Sans" panose="020B0603030804020204"/>
+              </a:rPr>
+              <a:t>“Penerapan HTTP/2 SSE dan Websocket pada Rumah Pintar”</a:t>
+            </a:r>
+            <a:endParaRPr lang="en-US" altLang="en-US" sz="800" b="0" strike="noStrike" spc="-1">
+              <a:solidFill>
+                <a:srgbClr val="1F497D"/>
+              </a:solidFill>
+              <a:uFill>
+                <a:solidFill>
+                  <a:srgbClr val="FFFFFF"/>
+                </a:solidFill>
+              </a:uFill>
+              <a:latin typeface="Caviar Dreams"/>
+              <a:ea typeface="DejaVu Sans" panose="020B0603030804020204"/>
+            </a:endParaRPr>
+          </a:p>
+        </p:txBody>
+      </p:sp>
+      <p:sp>
+        <p:nvSpPr>
+          <p:cNvPr id="112" name="CustomShape 8"/>
+          <p:cNvSpPr/>
+          <p:nvPr/>
+        </p:nvSpPr>
+        <p:spPr>
+          <a:xfrm>
+            <a:off x="0" y="843480"/>
+            <a:ext cx="1505160" cy="510120"/>
+          </a:xfrm>
+          <a:prstGeom prst="homePlate">
+            <a:avLst>
+              <a:gd name="adj" fmla="val 50000"/>
+            </a:avLst>
+          </a:prstGeom>
+          <a:solidFill>
+            <a:srgbClr val="F9C534"/>
+          </a:solidFill>
+          <a:ln w="3240">
+            <a:solidFill>
+              <a:srgbClr val="111C76"/>
+            </a:solidFill>
+            <a:round/>
+          </a:ln>
+        </p:spPr>
+        <p:style>
+          <a:lnRef idx="2">
+            <a:schemeClr val="accent1">
+              <a:shade val="50000"/>
+            </a:schemeClr>
+          </a:lnRef>
+          <a:fillRef idx="1">
+            <a:schemeClr val="accent1"/>
+          </a:fillRef>
+          <a:effectRef idx="0">
+            <a:schemeClr val="accent1"/>
+          </a:effectRef>
+          <a:fontRef idx="minor"/>
+        </p:style>
+        <p:txBody>
+          <a:bodyPr lIns="90000" tIns="45000" rIns="90000" bIns="45000" anchor="ctr"/>
+          <a:p>
+            <a:pPr algn="ctr">
+              <a:lnSpc>
+                <a:spcPct val="100000"/>
+              </a:lnSpc>
+            </a:pPr>
+            <a:r>
+              <a:rPr lang="en-US" sz="1100" b="0" strike="noStrike" spc="-1">
+                <a:solidFill>
+                  <a:srgbClr val="111C76"/>
+                </a:solidFill>
+                <a:uFill>
+                  <a:solidFill>
+                    <a:srgbClr val="FFFFFF"/>
+                  </a:solidFill>
+                </a:uFill>
+                <a:latin typeface="Caviar Dreams"/>
+                <a:ea typeface="DejaVu Sans" panose="020B0603030804020204"/>
+              </a:rPr>
+              <a:t>Latar Belakang</a:t>
+            </a:r>
+            <a:endParaRPr lang="en-US" sz="1800" b="0" strike="noStrike" spc="-1">
+              <a:solidFill>
+                <a:srgbClr val="000000"/>
+              </a:solidFill>
+              <a:uFill>
+                <a:solidFill>
+                  <a:srgbClr val="FFFFFF"/>
+                </a:solidFill>
+              </a:uFill>
+              <a:latin typeface="Arial" panose="020B0604020202020204"/>
+            </a:endParaRPr>
+          </a:p>
+        </p:txBody>
+      </p:sp>
+      <p:sp>
+        <p:nvSpPr>
+          <p:cNvPr id="113" name="CustomShape 9"/>
+          <p:cNvSpPr/>
+          <p:nvPr/>
+        </p:nvSpPr>
+        <p:spPr>
+          <a:xfrm>
+            <a:off x="59040" y="1590120"/>
+            <a:ext cx="4329720" cy="1253880"/>
+          </a:xfrm>
+          <a:prstGeom prst="rect">
+            <a:avLst/>
+          </a:prstGeom>
+          <a:gradFill>
+            <a:gsLst>
+              <a:gs pos="0">
+                <a:srgbClr val="FFDB9E"/>
+              </a:gs>
+              <a:gs pos="50000">
+                <a:srgbClr val="FFE8C4"/>
+              </a:gs>
+              <a:gs pos="100000">
+                <a:srgbClr val="FFF2E1"/>
+              </a:gs>
+            </a:gsLst>
+            <a:lin ang="0"/>
+          </a:gradFill>
+          <a:ln>
+            <a:noFill/>
+          </a:ln>
+        </p:spPr>
+        <p:style>
+          <a:lnRef idx="0">
+            <a:srgbClr val="FFFFFF"/>
+          </a:lnRef>
+          <a:fillRef idx="0">
+            <a:srgbClr val="FFFFFF"/>
+          </a:fillRef>
+          <a:effectRef idx="0">
+            <a:srgbClr val="FFFFFF"/>
+          </a:effectRef>
+          <a:fontRef idx="minor"/>
+        </p:style>
+        <p:txBody>
+          <a:bodyPr lIns="90000" tIns="45000" rIns="90000" bIns="45000"/>
+          <a:p>
+            <a:pPr marL="186055" algn="just">
+              <a:lnSpc>
+                <a:spcPct val="170000"/>
+              </a:lnSpc>
+            </a:pPr>
+            <a:r>
+              <a:rPr lang="en-US" sz="1400" b="0" strike="noStrike" spc="-1">
+                <a:solidFill>
+                  <a:srgbClr val="000000"/>
+                </a:solidFill>
+                <a:uFill>
+                  <a:solidFill>
+                    <a:srgbClr val="FFFFFF"/>
+                  </a:solidFill>
+                </a:uFill>
+                <a:latin typeface="Caviar Dreams"/>
+                <a:ea typeface="DejaVu Sans" panose="020B0603030804020204"/>
+              </a:rPr>
+              <a:t>Jumlah pengguna internet di Indonesia dari 2017 sampai 2023 akan terus mengalami peningkatan</a:t>
+            </a:r>
+            <a:endParaRPr lang="en-US" sz="1800" b="0" strike="noStrike" spc="-1">
+              <a:solidFill>
+                <a:srgbClr val="000000"/>
+              </a:solidFill>
+              <a:uFill>
+                <a:solidFill>
+                  <a:srgbClr val="FFFFFF"/>
+                </a:solidFill>
+              </a:uFill>
+              <a:latin typeface="Arial" panose="020B0604020202020204"/>
+            </a:endParaRPr>
+          </a:p>
+        </p:txBody>
+      </p:sp>
+      <p:pic>
+        <p:nvPicPr>
+          <p:cNvPr id="114" name="Picture 113"/>
+          <p:cNvPicPr/>
+          <p:nvPr/>
+        </p:nvPicPr>
+        <p:blipFill>
+          <a:blip r:embed="rId1"/>
+          <a:stretch>
+            <a:fillRect/>
+          </a:stretch>
+        </p:blipFill>
+        <p:spPr>
+          <a:xfrm>
+            <a:off x="4480560" y="1424520"/>
+            <a:ext cx="3748680" cy="3349440"/>
+          </a:xfrm>
+          <a:prstGeom prst="rect">
+            <a:avLst/>
+          </a:prstGeom>
+          <a:ln>
+            <a:noFill/>
+          </a:ln>
+        </p:spPr>
+      </p:pic>
+    </p:spTree>
+  </p:cSld>
+  <p:clrMapOvr>
+    <a:masterClrMapping/>
+  </p:clrMapOvr>
+  <p:transition spd="slow">
+    <p:push dir="d"/>
+  </p:transition>
+  <p:timing>
+    <p:tnLst>
+      <p:par>
+        <p:cTn id="1" dur="indefinite" restart="never" nodeType="tmRoot"/>
+      </p:par>
+    </p:tnLst>
+  </p:timing>
+</p:sld>
+</file>
+
+<file path=ppt/slides/slide30.xml><?xml version="1.0" encoding="utf-8"?>
 <p:sld xmlns:a="http://schemas.openxmlformats.org/drawingml/2006/main" xmlns:r="http://schemas.openxmlformats.org/officeDocument/2006/relationships" xmlns:p="http://schemas.openxmlformats.org/presentationml/2006/main">
   <p:cSld>
     <p:bg>
@@ -35783,748 +38399,6 @@
           </a:p>
         </p:txBody>
       </p:sp>
-    </p:spTree>
-  </p:cSld>
-  <p:clrMapOvr>
-    <a:masterClrMapping/>
-  </p:clrMapOvr>
-  <p:transition spd="slow">
-    <p:push dir="d"/>
-  </p:transition>
-  <p:timing>
-    <p:tnLst>
-      <p:par>
-        <p:cTn id="1" dur="indefinite" restart="never" nodeType="tmRoot"/>
-      </p:par>
-    </p:tnLst>
-  </p:timing>
-</p:sld>
-</file>
-
-<file path=ppt/slides/slide3.xml><?xml version="1.0" encoding="utf-8"?>
-<p:sld xmlns:a="http://schemas.openxmlformats.org/drawingml/2006/main" xmlns:r="http://schemas.openxmlformats.org/officeDocument/2006/relationships" xmlns:p="http://schemas.openxmlformats.org/presentationml/2006/main">
-  <p:cSld>
-    <p:spTree>
-      <p:nvGrpSpPr>
-        <p:cNvPr id="1" name=""/>
-        <p:cNvGrpSpPr/>
-        <p:nvPr/>
-      </p:nvGrpSpPr>
-      <p:grpSpPr>
-        <a:xfrm>
-          <a:off x="0" y="0"/>
-          <a:ext cx="0" cy="0"/>
-          <a:chOff x="0" y="0"/>
-          <a:chExt cx="0" cy="0"/>
-        </a:xfrm>
-      </p:grpSpPr>
-      <p:sp>
-        <p:nvSpPr>
-          <p:cNvPr id="105" name="CustomShape 1"/>
-          <p:cNvSpPr/>
-          <p:nvPr/>
-        </p:nvSpPr>
-        <p:spPr>
-          <a:xfrm>
-            <a:off x="1250640" y="844560"/>
-            <a:ext cx="1619640" cy="510120"/>
-          </a:xfrm>
-          <a:prstGeom prst="chevron">
-            <a:avLst>
-              <a:gd name="adj" fmla="val 50000"/>
-            </a:avLst>
-          </a:prstGeom>
-          <a:solidFill>
-            <a:srgbClr val="111C76"/>
-          </a:solidFill>
-          <a:ln w="3240">
-            <a:solidFill>
-              <a:schemeClr val="bg1"/>
-            </a:solidFill>
-            <a:round/>
-          </a:ln>
-        </p:spPr>
-        <p:style>
-          <a:lnRef idx="2">
-            <a:schemeClr val="accent1">
-              <a:shade val="50000"/>
-            </a:schemeClr>
-          </a:lnRef>
-          <a:fillRef idx="1">
-            <a:schemeClr val="accent1"/>
-          </a:fillRef>
-          <a:effectRef idx="0">
-            <a:schemeClr val="accent1"/>
-          </a:effectRef>
-          <a:fontRef idx="minor"/>
-        </p:style>
-        <p:txBody>
-          <a:bodyPr lIns="90000" tIns="45000" rIns="90000" bIns="45000" anchor="ctr"/>
-          <a:p>
-            <a:pPr algn="ctr">
-              <a:lnSpc>
-                <a:spcPct val="100000"/>
-              </a:lnSpc>
-            </a:pPr>
-            <a:r>
-              <a:rPr lang="en-US" sz="1100" spc="-1">
-                <a:solidFill>
-                  <a:srgbClr val="FFFFFF"/>
-                </a:solidFill>
-                <a:uFill>
-                  <a:solidFill>
-                    <a:srgbClr val="FFFFFF"/>
-                  </a:solidFill>
-                </a:uFill>
-                <a:latin typeface="Caviar Dreams"/>
-                <a:ea typeface="DejaVu Sans" panose="020B0603030804020204"/>
-                <a:sym typeface="+mn-ea"/>
-              </a:rPr>
-              <a:t>Tinjauan Pustaka</a:t>
-            </a:r>
-            <a:endParaRPr lang="en-US" sz="1800" b="0" strike="noStrike" spc="-1">
-              <a:solidFill>
-                <a:srgbClr val="000000"/>
-              </a:solidFill>
-              <a:uFill>
-                <a:solidFill>
-                  <a:srgbClr val="FFFFFF"/>
-                </a:solidFill>
-              </a:uFill>
-              <a:latin typeface="Arial" panose="020B0604020202020204"/>
-            </a:endParaRPr>
-          </a:p>
-        </p:txBody>
-      </p:sp>
-      <p:sp>
-        <p:nvSpPr>
-          <p:cNvPr id="106" name="CustomShape 2"/>
-          <p:cNvSpPr/>
-          <p:nvPr/>
-        </p:nvSpPr>
-        <p:spPr>
-          <a:xfrm>
-            <a:off x="2614680" y="844560"/>
-            <a:ext cx="1623600" cy="510120"/>
-          </a:xfrm>
-          <a:prstGeom prst="chevron">
-            <a:avLst>
-              <a:gd name="adj" fmla="val 50000"/>
-            </a:avLst>
-          </a:prstGeom>
-          <a:solidFill>
-            <a:srgbClr val="111C76"/>
-          </a:solidFill>
-          <a:ln w="3240">
-            <a:solidFill>
-              <a:schemeClr val="bg1"/>
-            </a:solidFill>
-            <a:round/>
-          </a:ln>
-        </p:spPr>
-        <p:style>
-          <a:lnRef idx="2">
-            <a:schemeClr val="accent1">
-              <a:shade val="50000"/>
-            </a:schemeClr>
-          </a:lnRef>
-          <a:fillRef idx="1">
-            <a:schemeClr val="accent1"/>
-          </a:fillRef>
-          <a:effectRef idx="0">
-            <a:schemeClr val="accent1"/>
-          </a:effectRef>
-          <a:fontRef idx="minor"/>
-        </p:style>
-        <p:txBody>
-          <a:bodyPr lIns="90000" tIns="45000" rIns="90000" bIns="45000" anchor="ctr"/>
-          <a:p>
-            <a:pPr algn="ctr">
-              <a:lnSpc>
-                <a:spcPct val="100000"/>
-              </a:lnSpc>
-            </a:pPr>
-            <a:r>
-              <a:rPr lang="en-US" sz="1100" b="0" strike="noStrike" spc="-1">
-                <a:solidFill>
-                  <a:srgbClr val="FFFFFF"/>
-                </a:solidFill>
-                <a:uFill>
-                  <a:solidFill>
-                    <a:srgbClr val="FFFFFF"/>
-                  </a:solidFill>
-                </a:uFill>
-                <a:latin typeface="Caviar Dreams"/>
-                <a:ea typeface="DejaVu Sans" panose="020B0603030804020204"/>
-              </a:rPr>
-              <a:t>Tujuan Proyek Akhir</a:t>
-            </a:r>
-            <a:endParaRPr lang="en-US" sz="1800" b="0" strike="noStrike" spc="-1">
-              <a:solidFill>
-                <a:srgbClr val="000000"/>
-              </a:solidFill>
-              <a:uFill>
-                <a:solidFill>
-                  <a:srgbClr val="FFFFFF"/>
-                </a:solidFill>
-              </a:uFill>
-              <a:latin typeface="Arial" panose="020B0604020202020204"/>
-            </a:endParaRPr>
-          </a:p>
-        </p:txBody>
-      </p:sp>
-      <p:sp>
-        <p:nvSpPr>
-          <p:cNvPr id="107" name="CustomShape 3"/>
-          <p:cNvSpPr/>
-          <p:nvPr/>
-        </p:nvSpPr>
-        <p:spPr>
-          <a:xfrm>
-            <a:off x="3924000" y="848520"/>
-            <a:ext cx="1727640" cy="510120"/>
-          </a:xfrm>
-          <a:prstGeom prst="chevron">
-            <a:avLst>
-              <a:gd name="adj" fmla="val 50000"/>
-            </a:avLst>
-          </a:prstGeom>
-          <a:solidFill>
-            <a:srgbClr val="111C76"/>
-          </a:solidFill>
-          <a:ln w="3240">
-            <a:solidFill>
-              <a:schemeClr val="bg1"/>
-            </a:solidFill>
-            <a:round/>
-          </a:ln>
-        </p:spPr>
-        <p:style>
-          <a:lnRef idx="2">
-            <a:schemeClr val="accent1">
-              <a:shade val="50000"/>
-            </a:schemeClr>
-          </a:lnRef>
-          <a:fillRef idx="1">
-            <a:schemeClr val="accent1"/>
-          </a:fillRef>
-          <a:effectRef idx="0">
-            <a:schemeClr val="accent1"/>
-          </a:effectRef>
-          <a:fontRef idx="minor"/>
-        </p:style>
-        <p:txBody>
-          <a:bodyPr lIns="90000" tIns="45000" rIns="90000" bIns="45000" anchor="ctr"/>
-          <a:p>
-            <a:pPr algn="ctr">
-              <a:lnSpc>
-                <a:spcPct val="100000"/>
-              </a:lnSpc>
-            </a:pPr>
-            <a:r>
-              <a:rPr lang="en-US" sz="1100" spc="-1">
-                <a:solidFill>
-                  <a:srgbClr val="FFFFFF"/>
-                </a:solidFill>
-                <a:uFill>
-                  <a:solidFill>
-                    <a:srgbClr val="FFFFFF"/>
-                  </a:solidFill>
-                </a:uFill>
-                <a:latin typeface="Caviar Dreams"/>
-                <a:ea typeface="DejaVu Sans" panose="020B0603030804020204"/>
-                <a:sym typeface="+mn-ea"/>
-              </a:rPr>
-              <a:t>Metodologi</a:t>
-            </a:r>
-            <a:endParaRPr lang="en-US" sz="1800" b="0" strike="noStrike" spc="-1">
-              <a:solidFill>
-                <a:srgbClr val="000000"/>
-              </a:solidFill>
-              <a:uFill>
-                <a:solidFill>
-                  <a:srgbClr val="FFFFFF"/>
-                </a:solidFill>
-              </a:uFill>
-              <a:latin typeface="Arial" panose="020B0604020202020204"/>
-            </a:endParaRPr>
-          </a:p>
-        </p:txBody>
-      </p:sp>
-      <p:sp>
-        <p:nvSpPr>
-          <p:cNvPr id="108" name="CustomShape 4"/>
-          <p:cNvSpPr/>
-          <p:nvPr/>
-        </p:nvSpPr>
-        <p:spPr>
-          <a:xfrm>
-            <a:off x="5402160" y="851400"/>
-            <a:ext cx="1755720" cy="503280"/>
-          </a:xfrm>
-          <a:prstGeom prst="chevron">
-            <a:avLst>
-              <a:gd name="adj" fmla="val 50000"/>
-            </a:avLst>
-          </a:prstGeom>
-          <a:solidFill>
-            <a:srgbClr val="111C76"/>
-          </a:solidFill>
-          <a:ln w="3240">
-            <a:solidFill>
-              <a:schemeClr val="bg1"/>
-            </a:solidFill>
-            <a:round/>
-          </a:ln>
-        </p:spPr>
-        <p:style>
-          <a:lnRef idx="2">
-            <a:schemeClr val="accent1">
-              <a:shade val="50000"/>
-            </a:schemeClr>
-          </a:lnRef>
-          <a:fillRef idx="1">
-            <a:schemeClr val="accent1"/>
-          </a:fillRef>
-          <a:effectRef idx="0">
-            <a:schemeClr val="accent1"/>
-          </a:effectRef>
-          <a:fontRef idx="minor"/>
-        </p:style>
-        <p:txBody>
-          <a:bodyPr lIns="90000" tIns="45000" rIns="90000" bIns="45000" anchor="ctr"/>
-          <a:p>
-            <a:pPr algn="ctr">
-              <a:lnSpc>
-                <a:spcPct val="100000"/>
-              </a:lnSpc>
-            </a:pPr>
-            <a:r>
-              <a:rPr lang="en-US" altLang="en-US" sz="1100" b="0" strike="noStrike" spc="-1">
-                <a:solidFill>
-                  <a:srgbClr val="FFFFFF"/>
-                </a:solidFill>
-                <a:uFill>
-                  <a:solidFill>
-                    <a:srgbClr val="FFFFFF"/>
-                  </a:solidFill>
-                </a:uFill>
-                <a:latin typeface="Caviar Dreams"/>
-                <a:ea typeface="DejaVu Sans" panose="020B0603030804020204"/>
-              </a:rPr>
-              <a:t>Pembahasan</a:t>
-            </a:r>
-            <a:endParaRPr lang="en-US" altLang="en-US" sz="1800" b="0" strike="noStrike" spc="-1">
-              <a:solidFill>
-                <a:srgbClr val="000000"/>
-              </a:solidFill>
-              <a:uFill>
-                <a:solidFill>
-                  <a:srgbClr val="FFFFFF"/>
-                </a:solidFill>
-              </a:uFill>
-              <a:latin typeface="Arial" panose="020B0604020202020204"/>
-            </a:endParaRPr>
-          </a:p>
-        </p:txBody>
-      </p:sp>
-      <p:sp>
-        <p:nvSpPr>
-          <p:cNvPr id="109" name="CustomShape 5"/>
-          <p:cNvSpPr/>
-          <p:nvPr/>
-        </p:nvSpPr>
-        <p:spPr>
-          <a:xfrm>
-            <a:off x="4897755" y="227330"/>
-            <a:ext cx="3347720" cy="699135"/>
-          </a:xfrm>
-          <a:prstGeom prst="rect">
-            <a:avLst/>
-          </a:prstGeom>
-          <a:noFill/>
-          <a:ln>
-            <a:noFill/>
-          </a:ln>
-        </p:spPr>
-        <p:style>
-          <a:lnRef idx="0">
-            <a:srgbClr val="FFFFFF"/>
-          </a:lnRef>
-          <a:fillRef idx="0">
-            <a:srgbClr val="FFFFFF"/>
-          </a:fillRef>
-          <a:effectRef idx="0">
-            <a:srgbClr val="FFFFFF"/>
-          </a:effectRef>
-          <a:fontRef idx="minor"/>
-        </p:style>
-        <p:txBody>
-          <a:bodyPr lIns="90000" tIns="45000" rIns="90000" bIns="45000"/>
-          <a:p>
-            <a:pPr algn="ctr">
-              <a:lnSpc>
-                <a:spcPct val="100000"/>
-              </a:lnSpc>
-            </a:pPr>
-            <a:r>
-              <a:rPr lang="en-US" sz="2000" b="1" strike="noStrike" spc="-1">
-                <a:solidFill>
-                  <a:srgbClr val="1F497D"/>
-                </a:solidFill>
-                <a:uFill>
-                  <a:solidFill>
-                    <a:srgbClr val="FFFFFF"/>
-                  </a:solidFill>
-                </a:uFill>
-                <a:latin typeface="Capsuula"/>
-                <a:ea typeface="DejaVu Sans" panose="020B0603030804020204"/>
-              </a:rPr>
-              <a:t>Universitas Gadjah Mada</a:t>
-            </a:r>
-            <a:endParaRPr lang="en-US" sz="1800" b="0" strike="noStrike" spc="-1">
-              <a:solidFill>
-                <a:srgbClr val="000000"/>
-              </a:solidFill>
-              <a:uFill>
-                <a:solidFill>
-                  <a:srgbClr val="FFFFFF"/>
-                </a:solidFill>
-              </a:uFill>
-              <a:latin typeface="Arial" panose="020B0604020202020204"/>
-            </a:endParaRPr>
-          </a:p>
-        </p:txBody>
-      </p:sp>
-      <p:sp>
-        <p:nvSpPr>
-          <p:cNvPr id="110" name="CustomShape 6"/>
-          <p:cNvSpPr/>
-          <p:nvPr/>
-        </p:nvSpPr>
-        <p:spPr>
-          <a:xfrm>
-            <a:off x="6849360" y="851400"/>
-            <a:ext cx="1703880" cy="503280"/>
-          </a:xfrm>
-          <a:prstGeom prst="chevron">
-            <a:avLst>
-              <a:gd name="adj" fmla="val 50000"/>
-            </a:avLst>
-          </a:prstGeom>
-          <a:solidFill>
-            <a:srgbClr val="111C76"/>
-          </a:solidFill>
-          <a:ln w="3240">
-            <a:solidFill>
-              <a:schemeClr val="bg1"/>
-            </a:solidFill>
-            <a:round/>
-          </a:ln>
-        </p:spPr>
-        <p:style>
-          <a:lnRef idx="2">
-            <a:schemeClr val="accent1">
-              <a:shade val="50000"/>
-            </a:schemeClr>
-          </a:lnRef>
-          <a:fillRef idx="1">
-            <a:schemeClr val="accent1"/>
-          </a:fillRef>
-          <a:effectRef idx="0">
-            <a:schemeClr val="accent1"/>
-          </a:effectRef>
-          <a:fontRef idx="minor"/>
-        </p:style>
-        <p:txBody>
-          <a:bodyPr lIns="90000" tIns="45000" rIns="90000" bIns="45000" anchor="ctr"/>
-          <a:p>
-            <a:pPr algn="ctr">
-              <a:lnSpc>
-                <a:spcPct val="100000"/>
-              </a:lnSpc>
-            </a:pPr>
-            <a:r>
-              <a:rPr lang="en-US" altLang="en-US" sz="1100" b="0" strike="noStrike" spc="-1">
-                <a:solidFill>
-                  <a:srgbClr val="FFFFFF"/>
-                </a:solidFill>
-                <a:uFill>
-                  <a:solidFill>
-                    <a:srgbClr val="FFFFFF"/>
-                  </a:solidFill>
-                </a:uFill>
-                <a:latin typeface="Caviar Dreams"/>
-                <a:ea typeface="DejaVu Sans" panose="020B0603030804020204"/>
-              </a:rPr>
-              <a:t>Kesimpulan dan Saran</a:t>
-            </a:r>
-            <a:endParaRPr lang="en-US" altLang="en-US" sz="1800" b="0" strike="noStrike" spc="-1">
-              <a:solidFill>
-                <a:srgbClr val="000000"/>
-              </a:solidFill>
-              <a:uFill>
-                <a:solidFill>
-                  <a:srgbClr val="FFFFFF"/>
-                </a:solidFill>
-              </a:uFill>
-              <a:latin typeface="Arial" panose="020B0604020202020204"/>
-            </a:endParaRPr>
-          </a:p>
-        </p:txBody>
-      </p:sp>
-      <p:sp>
-        <p:nvSpPr>
-          <p:cNvPr id="111" name="CustomShape 7"/>
-          <p:cNvSpPr/>
-          <p:nvPr/>
-        </p:nvSpPr>
-        <p:spPr>
-          <a:xfrm>
-            <a:off x="20880" y="177840"/>
-            <a:ext cx="3542040" cy="394200"/>
-          </a:xfrm>
-          <a:prstGeom prst="rect">
-            <a:avLst/>
-          </a:prstGeom>
-          <a:noFill/>
-          <a:ln>
-            <a:noFill/>
-          </a:ln>
-        </p:spPr>
-        <p:style>
-          <a:lnRef idx="0">
-            <a:srgbClr val="FFFFFF"/>
-          </a:lnRef>
-          <a:fillRef idx="0">
-            <a:srgbClr val="FFFFFF"/>
-          </a:fillRef>
-          <a:effectRef idx="0">
-            <a:srgbClr val="FFFFFF"/>
-          </a:effectRef>
-          <a:fontRef idx="minor"/>
-        </p:style>
-        <p:txBody>
-          <a:bodyPr lIns="90000" tIns="45000" rIns="90000" bIns="45000"/>
-          <a:p>
-            <a:pPr>
-              <a:lnSpc>
-                <a:spcPct val="150000"/>
-              </a:lnSpc>
-            </a:pPr>
-            <a:r>
-              <a:rPr lang="en-US" altLang="en-US" sz="800" b="0" strike="noStrike" spc="-1">
-                <a:solidFill>
-                  <a:srgbClr val="1F497D"/>
-                </a:solidFill>
-                <a:uFill>
-                  <a:solidFill>
-                    <a:srgbClr val="FFFFFF"/>
-                  </a:solidFill>
-                </a:uFill>
-                <a:latin typeface="Caviar Dreams"/>
-                <a:ea typeface="DejaVu Sans" panose="020B0603030804020204"/>
-              </a:rPr>
-              <a:t>“Penerapan HTTP/2 SSE dan Websocket pada Rumah Pintar”</a:t>
-            </a:r>
-            <a:endParaRPr lang="en-US" altLang="en-US" sz="800" b="0" strike="noStrike" spc="-1">
-              <a:solidFill>
-                <a:srgbClr val="1F497D"/>
-              </a:solidFill>
-              <a:uFill>
-                <a:solidFill>
-                  <a:srgbClr val="FFFFFF"/>
-                </a:solidFill>
-              </a:uFill>
-              <a:latin typeface="Caviar Dreams"/>
-              <a:ea typeface="DejaVu Sans" panose="020B0603030804020204"/>
-            </a:endParaRPr>
-          </a:p>
-        </p:txBody>
-      </p:sp>
-      <p:sp>
-        <p:nvSpPr>
-          <p:cNvPr id="112" name="CustomShape 8"/>
-          <p:cNvSpPr/>
-          <p:nvPr/>
-        </p:nvSpPr>
-        <p:spPr>
-          <a:xfrm>
-            <a:off x="0" y="843480"/>
-            <a:ext cx="1505160" cy="510120"/>
-          </a:xfrm>
-          <a:prstGeom prst="homePlate">
-            <a:avLst>
-              <a:gd name="adj" fmla="val 50000"/>
-            </a:avLst>
-          </a:prstGeom>
-          <a:solidFill>
-            <a:srgbClr val="F9C534"/>
-          </a:solidFill>
-          <a:ln w="3240">
-            <a:solidFill>
-              <a:srgbClr val="111C76"/>
-            </a:solidFill>
-            <a:round/>
-          </a:ln>
-        </p:spPr>
-        <p:style>
-          <a:lnRef idx="2">
-            <a:schemeClr val="accent1">
-              <a:shade val="50000"/>
-            </a:schemeClr>
-          </a:lnRef>
-          <a:fillRef idx="1">
-            <a:schemeClr val="accent1"/>
-          </a:fillRef>
-          <a:effectRef idx="0">
-            <a:schemeClr val="accent1"/>
-          </a:effectRef>
-          <a:fontRef idx="minor"/>
-        </p:style>
-        <p:txBody>
-          <a:bodyPr lIns="90000" tIns="45000" rIns="90000" bIns="45000" anchor="ctr"/>
-          <a:p>
-            <a:pPr algn="ctr">
-              <a:lnSpc>
-                <a:spcPct val="100000"/>
-              </a:lnSpc>
-            </a:pPr>
-            <a:r>
-              <a:rPr lang="en-US" sz="1100" b="0" strike="noStrike" spc="-1">
-                <a:solidFill>
-                  <a:srgbClr val="111C76"/>
-                </a:solidFill>
-                <a:uFill>
-                  <a:solidFill>
-                    <a:srgbClr val="FFFFFF"/>
-                  </a:solidFill>
-                </a:uFill>
-                <a:latin typeface="Caviar Dreams"/>
-                <a:ea typeface="DejaVu Sans" panose="020B0603030804020204"/>
-              </a:rPr>
-              <a:t>Latar Belakang</a:t>
-            </a:r>
-            <a:endParaRPr lang="en-US" sz="1800" b="0" strike="noStrike" spc="-1">
-              <a:solidFill>
-                <a:srgbClr val="000000"/>
-              </a:solidFill>
-              <a:uFill>
-                <a:solidFill>
-                  <a:srgbClr val="FFFFFF"/>
-                </a:solidFill>
-              </a:uFill>
-              <a:latin typeface="Arial" panose="020B0604020202020204"/>
-            </a:endParaRPr>
-          </a:p>
-        </p:txBody>
-      </p:sp>
-      <p:sp>
-        <p:nvSpPr>
-          <p:cNvPr id="113" name="CustomShape 9"/>
-          <p:cNvSpPr/>
-          <p:nvPr/>
-        </p:nvSpPr>
-        <p:spPr>
-          <a:xfrm>
-            <a:off x="59040" y="1590120"/>
-            <a:ext cx="4329720" cy="1253880"/>
-          </a:xfrm>
-          <a:prstGeom prst="rect">
-            <a:avLst/>
-          </a:prstGeom>
-          <a:gradFill>
-            <a:gsLst>
-              <a:gs pos="0">
-                <a:srgbClr val="FFDB9E"/>
-              </a:gs>
-              <a:gs pos="50000">
-                <a:srgbClr val="FFE8C4"/>
-              </a:gs>
-              <a:gs pos="100000">
-                <a:srgbClr val="FFF2E1"/>
-              </a:gs>
-            </a:gsLst>
-            <a:lin ang="0"/>
-          </a:gradFill>
-          <a:ln>
-            <a:noFill/>
-          </a:ln>
-        </p:spPr>
-        <p:style>
-          <a:lnRef idx="0">
-            <a:srgbClr val="FFFFFF"/>
-          </a:lnRef>
-          <a:fillRef idx="0">
-            <a:srgbClr val="FFFFFF"/>
-          </a:fillRef>
-          <a:effectRef idx="0">
-            <a:srgbClr val="FFFFFF"/>
-          </a:effectRef>
-          <a:fontRef idx="minor"/>
-        </p:style>
-        <p:txBody>
-          <a:bodyPr lIns="90000" tIns="45000" rIns="90000" bIns="45000"/>
-          <a:p>
-            <a:pPr marL="186055" algn="just">
-              <a:lnSpc>
-                <a:spcPct val="170000"/>
-              </a:lnSpc>
-            </a:pPr>
-            <a:r>
-              <a:rPr lang="en-US" sz="1400" b="0" strike="noStrike" spc="-1">
-                <a:solidFill>
-                  <a:srgbClr val="000000"/>
-                </a:solidFill>
-                <a:uFill>
-                  <a:solidFill>
-                    <a:srgbClr val="FFFFFF"/>
-                  </a:solidFill>
-                </a:uFill>
-                <a:latin typeface="Caviar Dreams"/>
-                <a:ea typeface="DejaVu Sans" panose="020B0603030804020204"/>
-              </a:rPr>
-              <a:t>Jumlah pengguna internet di Indonesia dari 2017 sampai 2023 akan terus mengalami peningkatan</a:t>
-            </a:r>
-            <a:endParaRPr lang="en-US" sz="1800" b="0" strike="noStrike" spc="-1">
-              <a:solidFill>
-                <a:srgbClr val="000000"/>
-              </a:solidFill>
-              <a:uFill>
-                <a:solidFill>
-                  <a:srgbClr val="FFFFFF"/>
-                </a:solidFill>
-              </a:uFill>
-              <a:latin typeface="Arial" panose="020B0604020202020204"/>
-            </a:endParaRPr>
-          </a:p>
-        </p:txBody>
-      </p:sp>
-      <p:pic>
-        <p:nvPicPr>
-          <p:cNvPr id="114" name="Picture 113"/>
-          <p:cNvPicPr/>
-          <p:nvPr/>
-        </p:nvPicPr>
-        <p:blipFill>
-          <a:blip r:embed="rId1"/>
-          <a:stretch>
-            <a:fillRect/>
-          </a:stretch>
-        </p:blipFill>
-        <p:spPr>
-          <a:xfrm>
-            <a:off x="4480560" y="1424520"/>
-            <a:ext cx="3748680" cy="3349440"/>
-          </a:xfrm>
-          <a:prstGeom prst="rect">
-            <a:avLst/>
-          </a:prstGeom>
-          <a:ln>
-            <a:noFill/>
-          </a:ln>
-        </p:spPr>
-      </p:pic>
     </p:spTree>
   </p:cSld>
   <p:clrMapOvr>

--- a/berkas/ppt muham.pptx
+++ b/berkas/ppt muham.pptx
@@ -36,9 +36,8 @@
     <p:sldId id="271" r:id="rId29"/>
     <p:sldId id="299" r:id="rId30"/>
     <p:sldId id="300" r:id="rId31"/>
-    <p:sldId id="333" r:id="rId32"/>
-    <p:sldId id="331" r:id="rId33"/>
-    <p:sldId id="272" r:id="rId34"/>
+    <p:sldId id="331" r:id="rId32"/>
+    <p:sldId id="272" r:id="rId33"/>
   </p:sldIdLst>
   <p:sldSz cx="9144000" cy="5143500"/>
   <p:notesSz cx="9313545" cy="6858000"/>
@@ -5450,44 +5449,6 @@
               </a:uFill>
               <a:latin typeface="Arial" panose="020B0604020202020204"/>
             </a:endParaRPr>
-          </a:p>
-        </p:txBody>
-      </p:sp>
-    </p:spTree>
-  </p:cSld>
-  <p:clrMapOvr>
-    <a:masterClrMapping/>
-  </p:clrMapOvr>
-</p:notes>
-</file>
-
-<file path=ppt/notesSlides/notesSlide20.xml><?xml version="1.0" encoding="utf-8"?>
-<p:notes xmlns:a="http://schemas.openxmlformats.org/drawingml/2006/main" xmlns:r="http://schemas.openxmlformats.org/officeDocument/2006/relationships" xmlns:p="http://schemas.openxmlformats.org/presentationml/2006/main">
-  <p:cSld>
-    <p:spTree>
-      <p:nvGrpSpPr>
-        <p:cNvPr id="1" name=""/>
-        <p:cNvGrpSpPr/>
-        <p:nvPr/>
-      </p:nvGrpSpPr>
-      <p:grpSpPr/>
-      <p:sp>
-        <p:nvSpPr>
-          <p:cNvPr id="2" name="Text Placeholder 1"/>
-          <p:cNvSpPr/>
-          <p:nvPr>
-            <p:ph type="body"/>
-          </p:nvPr>
-        </p:nvSpPr>
-        <p:spPr/>
-        <p:txBody>
-          <a:bodyPr/>
-          <a:p>
-            <a:r>
-              <a:rPr lang="" altLang="en-US"/>
-              <a:t>Limitasi koneksi dapat diatur pada web browser</a:t>
-            </a:r>
-            <a:endParaRPr lang="" altLang="en-US"/>
           </a:p>
         </p:txBody>
       </p:sp>
@@ -35361,1841 +35322,6 @@
         <p:cNvGrpSpPr/>
         <p:nvPr/>
       </p:nvGrpSpPr>
-      <p:grpSpPr>
-        <a:xfrm>
-          <a:off x="0" y="0"/>
-          <a:ext cx="0" cy="0"/>
-          <a:chOff x="0" y="0"/>
-          <a:chExt cx="0" cy="0"/>
-        </a:xfrm>
-      </p:grpSpPr>
-      <p:sp>
-        <p:nvSpPr>
-          <p:cNvPr id="267" name="CustomShape 1"/>
-          <p:cNvSpPr/>
-          <p:nvPr/>
-        </p:nvSpPr>
-        <p:spPr>
-          <a:xfrm>
-            <a:off x="4981575" y="227330"/>
-            <a:ext cx="3264535" cy="699135"/>
-          </a:xfrm>
-          <a:prstGeom prst="rect">
-            <a:avLst/>
-          </a:prstGeom>
-          <a:noFill/>
-          <a:ln>
-            <a:noFill/>
-          </a:ln>
-        </p:spPr>
-        <p:style>
-          <a:lnRef idx="0">
-            <a:srgbClr val="FFFFFF"/>
-          </a:lnRef>
-          <a:fillRef idx="0">
-            <a:srgbClr val="FFFFFF"/>
-          </a:fillRef>
-          <a:effectRef idx="0">
-            <a:srgbClr val="FFFFFF"/>
-          </a:effectRef>
-          <a:fontRef idx="minor"/>
-        </p:style>
-        <p:txBody>
-          <a:bodyPr lIns="90000" tIns="45000" rIns="90000" bIns="45000"/>
-          <a:p>
-            <a:pPr algn="ctr">
-              <a:lnSpc>
-                <a:spcPct val="100000"/>
-              </a:lnSpc>
-            </a:pPr>
-            <a:r>
-              <a:rPr lang="en-US" sz="2000" b="1" strike="noStrike" spc="-1">
-                <a:solidFill>
-                  <a:srgbClr val="1F497D"/>
-                </a:solidFill>
-                <a:uFill>
-                  <a:solidFill>
-                    <a:srgbClr val="FFFFFF"/>
-                  </a:solidFill>
-                </a:uFill>
-                <a:latin typeface="Capsuula"/>
-                <a:ea typeface="DejaVu Sans" panose="020B0603030804020204"/>
-              </a:rPr>
-              <a:t>Universitas Gadjah Mada</a:t>
-            </a:r>
-            <a:endParaRPr lang="en-US" sz="1800" b="0" strike="noStrike" spc="-1">
-              <a:solidFill>
-                <a:srgbClr val="000000"/>
-              </a:solidFill>
-              <a:uFill>
-                <a:solidFill>
-                  <a:srgbClr val="FFFFFF"/>
-                </a:solidFill>
-              </a:uFill>
-              <a:latin typeface="Arial" panose="020B0604020202020204"/>
-            </a:endParaRPr>
-          </a:p>
-        </p:txBody>
-      </p:sp>
-      <p:sp>
-        <p:nvSpPr>
-          <p:cNvPr id="268" name="CustomShape 2"/>
-          <p:cNvSpPr/>
-          <p:nvPr/>
-        </p:nvSpPr>
-        <p:spPr>
-          <a:xfrm>
-            <a:off x="20880" y="177840"/>
-            <a:ext cx="3398040" cy="394200"/>
-          </a:xfrm>
-          <a:prstGeom prst="rect">
-            <a:avLst/>
-          </a:prstGeom>
-          <a:noFill/>
-          <a:ln>
-            <a:noFill/>
-          </a:ln>
-        </p:spPr>
-        <p:style>
-          <a:lnRef idx="0">
-            <a:srgbClr val="FFFFFF"/>
-          </a:lnRef>
-          <a:fillRef idx="0">
-            <a:srgbClr val="FFFFFF"/>
-          </a:fillRef>
-          <a:effectRef idx="0">
-            <a:srgbClr val="FFFFFF"/>
-          </a:effectRef>
-          <a:fontRef idx="minor"/>
-        </p:style>
-        <p:txBody>
-          <a:bodyPr lIns="90000" tIns="45000" rIns="90000" bIns="45000"/>
-          <a:p>
-            <a:pPr>
-              <a:lnSpc>
-                <a:spcPct val="150000"/>
-              </a:lnSpc>
-            </a:pPr>
-            <a:r>
-              <a:rPr lang="en-US" altLang="en-US" sz="800" spc="-1">
-                <a:solidFill>
-                  <a:srgbClr val="1F497D"/>
-                </a:solidFill>
-                <a:uFill>
-                  <a:solidFill>
-                    <a:srgbClr val="FFFFFF"/>
-                  </a:solidFill>
-                </a:uFill>
-                <a:latin typeface="Caviar Dreams"/>
-                <a:ea typeface="DejaVu Sans" panose="020B0603030804020204"/>
-                <a:sym typeface="+mn-ea"/>
-              </a:rPr>
-              <a:t>“Penerapan HTTP/2 SSE dan Websocket pada Rumah Pintar”</a:t>
-            </a:r>
-            <a:endParaRPr lang="en-US" sz="1800" b="0" strike="noStrike" spc="-1">
-              <a:solidFill>
-                <a:srgbClr val="000000"/>
-              </a:solidFill>
-              <a:uFill>
-                <a:solidFill>
-                  <a:srgbClr val="FFFFFF"/>
-                </a:solidFill>
-              </a:uFill>
-              <a:latin typeface="Arial" panose="020B0604020202020204"/>
-            </a:endParaRPr>
-          </a:p>
-        </p:txBody>
-      </p:sp>
-      <p:sp>
-        <p:nvSpPr>
-          <p:cNvPr id="269" name="CustomShape 3"/>
-          <p:cNvSpPr/>
-          <p:nvPr/>
-        </p:nvSpPr>
-        <p:spPr>
-          <a:xfrm>
-            <a:off x="828720" y="1531440"/>
-            <a:ext cx="1653120" cy="333360"/>
-          </a:xfrm>
-          <a:prstGeom prst="rect">
-            <a:avLst/>
-          </a:prstGeom>
-          <a:noFill/>
-          <a:ln>
-            <a:noFill/>
-          </a:ln>
-        </p:spPr>
-        <p:style>
-          <a:lnRef idx="0">
-            <a:srgbClr val="FFFFFF"/>
-          </a:lnRef>
-          <a:fillRef idx="0">
-            <a:srgbClr val="FFFFFF"/>
-          </a:fillRef>
-          <a:effectRef idx="0">
-            <a:srgbClr val="FFFFFF"/>
-          </a:effectRef>
-          <a:fontRef idx="minor"/>
-        </p:style>
-        <p:txBody>
-          <a:bodyPr wrap="none" lIns="90000" tIns="45000" rIns="90000" bIns="45000"/>
-          <a:p>
-            <a:pPr>
-              <a:lnSpc>
-                <a:spcPct val="100000"/>
-              </a:lnSpc>
-            </a:pPr>
-            <a:r>
-              <a:rPr lang="en-US" sz="1600" b="1" i="1" strike="noStrike" spc="-1">
-                <a:solidFill>
-                  <a:srgbClr val="111C76"/>
-                </a:solidFill>
-                <a:uFill>
-                  <a:solidFill>
-                    <a:srgbClr val="FFFFFF"/>
-                  </a:solidFill>
-                </a:uFill>
-                <a:latin typeface="Caviar Dreams"/>
-                <a:ea typeface="Open Sans Extrabold"/>
-              </a:rPr>
-              <a:t>Analisa Hasil</a:t>
-            </a:r>
-            <a:endParaRPr lang="en-US" sz="1800" b="0" strike="noStrike" spc="-1">
-              <a:solidFill>
-                <a:srgbClr val="000000"/>
-              </a:solidFill>
-              <a:uFill>
-                <a:solidFill>
-                  <a:srgbClr val="FFFFFF"/>
-                </a:solidFill>
-              </a:uFill>
-              <a:latin typeface="Arial" panose="020B0604020202020204"/>
-            </a:endParaRPr>
-          </a:p>
-        </p:txBody>
-      </p:sp>
-      <p:pic>
-        <p:nvPicPr>
-          <p:cNvPr id="277" name="Picture 276"/>
-          <p:cNvPicPr/>
-          <p:nvPr/>
-        </p:nvPicPr>
-        <p:blipFill>
-          <a:blip r:embed="rId1"/>
-          <a:stretch>
-            <a:fillRect/>
-          </a:stretch>
-        </p:blipFill>
-        <p:spPr>
-          <a:xfrm>
-            <a:off x="101520" y="1422360"/>
-            <a:ext cx="3606480" cy="659880"/>
-          </a:xfrm>
-          <a:prstGeom prst="rect">
-            <a:avLst/>
-          </a:prstGeom>
-          <a:ln>
-            <a:noFill/>
-          </a:ln>
-        </p:spPr>
-      </p:pic>
-      <p:graphicFrame>
-        <p:nvGraphicFramePr>
-          <p:cNvPr id="5" name="Table 4"/>
-          <p:cNvGraphicFramePr/>
-          <p:nvPr/>
-        </p:nvGraphicFramePr>
-        <p:xfrm>
-          <a:off x="1818005" y="2893695"/>
-          <a:ext cx="5576570" cy="857250"/>
-        </p:xfrm>
-        <a:graphic>
-          <a:graphicData uri="http://schemas.openxmlformats.org/drawingml/2006/table">
-            <a:tbl>
-              <a:tblPr firstRow="1" bandRow="1">
-                <a:tableStyleId>{5C22544A-7EE6-4342-B048-85BDC9FD1C3A}</a:tableStyleId>
-              </a:tblPr>
-              <a:tblGrid>
-                <a:gridCol w="934720"/>
-                <a:gridCol w="1054735"/>
-                <a:gridCol w="1031240"/>
-                <a:gridCol w="1365885"/>
-                <a:gridCol w="1189990"/>
-              </a:tblGrid>
-              <a:tr h="433070">
-                <a:tc>
-                  <a:txBody>
-                    <a:bodyPr/>
-                    <a:p>
-                      <a:pPr marL="0" indent="0" algn="ctr">
-                        <a:buNone/>
-                      </a:pPr>
-                      <a:r>
-                        <a:rPr lang="en-US" sz="1200" b="0">
-                          <a:solidFill>
-                            <a:srgbClr val="000000"/>
-                          </a:solidFill>
-                          <a:latin typeface="Calibri" charset="-122"/>
-                        </a:rPr>
-                        <a:t> </a:t>
-                      </a:r>
-                      <a:endParaRPr lang="en-US" sz="1200" b="0">
-                        <a:solidFill>
-                          <a:srgbClr val="000000"/>
-                        </a:solidFill>
-                        <a:latin typeface="Calibri" charset="-122"/>
-                      </a:endParaRPr>
-                    </a:p>
-                  </a:txBody>
-                  <a:tcPr marL="12700" marR="12700" marT="12700" vert="horz" anchor="ctr" anchorCtr="0">
-                    <a:lnL w="6350" cap="flat" cmpd="sng">
-                      <a:solidFill>
-                        <a:srgbClr val="000000"/>
-                      </a:solidFill>
-                      <a:prstDash val="solid"/>
-                      <a:headEnd type="none" w="med" len="med"/>
-                      <a:tailEnd type="none" w="med" len="med"/>
-                    </a:lnL>
-                    <a:lnR w="6350" cap="flat" cmpd="sng">
-                      <a:solidFill>
-                        <a:srgbClr val="000000"/>
-                      </a:solidFill>
-                      <a:prstDash val="solid"/>
-                      <a:headEnd type="none" w="med" len="med"/>
-                      <a:tailEnd type="none" w="med" len="med"/>
-                    </a:lnR>
-                    <a:lnT w="6350" cap="flat" cmpd="sng">
-                      <a:solidFill>
-                        <a:srgbClr val="000000"/>
-                      </a:solidFill>
-                      <a:prstDash val="solid"/>
-                      <a:headEnd type="none" w="med" len="med"/>
-                      <a:tailEnd type="none" w="med" len="med"/>
-                    </a:lnT>
-                    <a:lnB w="6350" cap="flat" cmpd="sng">
-                      <a:solidFill>
-                        <a:srgbClr val="000000"/>
-                      </a:solidFill>
-                      <a:prstDash val="solid"/>
-                      <a:headEnd type="none" w="med" len="med"/>
-                      <a:tailEnd type="none" w="med" len="med"/>
-                    </a:lnB>
-                    <a:lnTlToBr>
-                      <a:noFill/>
-                    </a:lnTlToBr>
-                    <a:lnBlToTr>
-                      <a:noFill/>
-                    </a:lnBlToTr>
-                    <a:noFill/>
-                  </a:tcPr>
-                </a:tc>
-                <a:tc>
-                  <a:txBody>
-                    <a:bodyPr/>
-                    <a:p>
-                      <a:pPr marL="0" indent="0" algn="ctr">
-                        <a:buNone/>
-                      </a:pPr>
-                      <a:r>
-                        <a:rPr lang="en-US" sz="1200" b="0">
-                          <a:solidFill>
-                            <a:srgbClr val="000000"/>
-                          </a:solidFill>
-                          <a:latin typeface="Calibri" charset="-122"/>
-                        </a:rPr>
-                        <a:t>SSE HTTP/1.1</a:t>
-                      </a:r>
-                      <a:endParaRPr lang="en-US" altLang="en-US" sz="1200" b="0">
-                        <a:solidFill>
-                          <a:srgbClr val="000000"/>
-                        </a:solidFill>
-                        <a:latin typeface="Calibri" charset="-122"/>
-                      </a:endParaRPr>
-                    </a:p>
-                  </a:txBody>
-                  <a:tcPr marL="12700" marR="12700" marT="12700" vert="horz" anchor="ctr" anchorCtr="0">
-                    <a:lnL w="6350" cap="flat" cmpd="sng">
-                      <a:solidFill>
-                        <a:srgbClr val="000000"/>
-                      </a:solidFill>
-                      <a:prstDash val="solid"/>
-                      <a:headEnd type="none" w="med" len="med"/>
-                      <a:tailEnd type="none" w="med" len="med"/>
-                    </a:lnL>
-                    <a:lnR w="6350" cap="flat" cmpd="sng">
-                      <a:solidFill>
-                        <a:srgbClr val="000000"/>
-                      </a:solidFill>
-                      <a:prstDash val="solid"/>
-                      <a:headEnd type="none" w="med" len="med"/>
-                      <a:tailEnd type="none" w="med" len="med"/>
-                    </a:lnR>
-                    <a:lnT w="6350" cap="flat" cmpd="sng">
-                      <a:solidFill>
-                        <a:srgbClr val="000000"/>
-                      </a:solidFill>
-                      <a:prstDash val="solid"/>
-                      <a:headEnd type="none" w="med" len="med"/>
-                      <a:tailEnd type="none" w="med" len="med"/>
-                    </a:lnT>
-                    <a:lnB w="6350" cap="flat" cmpd="sng">
-                      <a:solidFill>
-                        <a:srgbClr val="000000"/>
-                      </a:solidFill>
-                      <a:prstDash val="solid"/>
-                      <a:headEnd type="none" w="med" len="med"/>
-                      <a:tailEnd type="none" w="med" len="med"/>
-                    </a:lnB>
-                    <a:lnTlToBr>
-                      <a:noFill/>
-                    </a:lnTlToBr>
-                    <a:lnBlToTr>
-                      <a:noFill/>
-                    </a:lnBlToTr>
-                    <a:noFill/>
-                  </a:tcPr>
-                </a:tc>
-                <a:tc>
-                  <a:txBody>
-                    <a:bodyPr/>
-                    <a:p>
-                      <a:pPr marL="0" indent="0" algn="ctr">
-                        <a:buNone/>
-                      </a:pPr>
-                      <a:r>
-                        <a:rPr lang="en-US" sz="1200" b="0">
-                          <a:solidFill>
-                            <a:srgbClr val="000000"/>
-                          </a:solidFill>
-                          <a:latin typeface="Calibri" charset="-122"/>
-                        </a:rPr>
-                        <a:t>SSE HTTPS</a:t>
-                      </a:r>
-                      <a:endParaRPr lang="en-US" sz="1200" b="0">
-                        <a:solidFill>
-                          <a:srgbClr val="000000"/>
-                        </a:solidFill>
-                        <a:latin typeface="Calibri" charset="-122"/>
-                      </a:endParaRPr>
-                    </a:p>
-                  </a:txBody>
-                  <a:tcPr marL="12700" marR="12700" marT="12700" vert="horz" anchor="ctr" anchorCtr="0">
-                    <a:lnL w="6350" cap="flat" cmpd="sng">
-                      <a:solidFill>
-                        <a:srgbClr val="000000"/>
-                      </a:solidFill>
-                      <a:prstDash val="solid"/>
-                      <a:headEnd type="none" w="med" len="med"/>
-                      <a:tailEnd type="none" w="med" len="med"/>
-                    </a:lnL>
-                    <a:lnR w="6350" cap="flat" cmpd="sng">
-                      <a:solidFill>
-                        <a:srgbClr val="000000"/>
-                      </a:solidFill>
-                      <a:prstDash val="solid"/>
-                      <a:headEnd type="none" w="med" len="med"/>
-                      <a:tailEnd type="none" w="med" len="med"/>
-                    </a:lnR>
-                    <a:lnT w="6350" cap="flat" cmpd="sng">
-                      <a:solidFill>
-                        <a:srgbClr val="000000"/>
-                      </a:solidFill>
-                      <a:prstDash val="solid"/>
-                      <a:headEnd type="none" w="med" len="med"/>
-                      <a:tailEnd type="none" w="med" len="med"/>
-                    </a:lnT>
-                    <a:lnB w="6350" cap="flat" cmpd="sng">
-                      <a:solidFill>
-                        <a:srgbClr val="000000"/>
-                      </a:solidFill>
-                      <a:prstDash val="solid"/>
-                      <a:headEnd type="none" w="med" len="med"/>
-                      <a:tailEnd type="none" w="med" len="med"/>
-                    </a:lnB>
-                    <a:lnTlToBr>
-                      <a:noFill/>
-                    </a:lnTlToBr>
-                    <a:lnBlToTr>
-                      <a:noFill/>
-                    </a:lnBlToTr>
-                    <a:noFill/>
-                  </a:tcPr>
-                </a:tc>
-                <a:tc>
-                  <a:txBody>
-                    <a:bodyPr/>
-                    <a:p>
-                      <a:pPr marL="0" indent="0" algn="ctr">
-                        <a:buNone/>
-                      </a:pPr>
-                      <a:r>
-                        <a:rPr lang="en-US" sz="1200" b="0">
-                          <a:solidFill>
-                            <a:srgbClr val="000000"/>
-                          </a:solidFill>
-                          <a:latin typeface="Calibri" charset="-122"/>
-                        </a:rPr>
-                        <a:t>SSE HTTP/2</a:t>
-                      </a:r>
-                      <a:endParaRPr lang="en-US" sz="1200" b="0">
-                        <a:solidFill>
-                          <a:srgbClr val="000000"/>
-                        </a:solidFill>
-                        <a:latin typeface="Calibri" charset="-122"/>
-                      </a:endParaRPr>
-                    </a:p>
-                  </a:txBody>
-                  <a:tcPr marL="12700" marR="12700" marT="12700" vert="horz" anchor="ctr" anchorCtr="0">
-                    <a:lnL w="6350" cap="flat" cmpd="sng">
-                      <a:solidFill>
-                        <a:srgbClr val="000000"/>
-                      </a:solidFill>
-                      <a:prstDash val="solid"/>
-                      <a:headEnd type="none" w="med" len="med"/>
-                      <a:tailEnd type="none" w="med" len="med"/>
-                    </a:lnL>
-                    <a:lnR w="6350" cap="flat" cmpd="sng">
-                      <a:solidFill>
-                        <a:srgbClr val="000000"/>
-                      </a:solidFill>
-                      <a:prstDash val="solid"/>
-                      <a:headEnd type="none" w="med" len="med"/>
-                      <a:tailEnd type="none" w="med" len="med"/>
-                    </a:lnR>
-                    <a:lnT w="6350" cap="flat" cmpd="sng">
-                      <a:solidFill>
-                        <a:srgbClr val="000000"/>
-                      </a:solidFill>
-                      <a:prstDash val="solid"/>
-                      <a:headEnd type="none" w="med" len="med"/>
-                      <a:tailEnd type="none" w="med" len="med"/>
-                    </a:lnT>
-                    <a:lnB w="6350" cap="flat" cmpd="sng">
-                      <a:solidFill>
-                        <a:srgbClr val="000000"/>
-                      </a:solidFill>
-                      <a:prstDash val="solid"/>
-                      <a:headEnd type="none" w="med" len="med"/>
-                      <a:tailEnd type="none" w="med" len="med"/>
-                    </a:lnB>
-                    <a:lnTlToBr>
-                      <a:noFill/>
-                    </a:lnTlToBr>
-                    <a:lnBlToTr>
-                      <a:noFill/>
-                    </a:lnBlToTr>
-                    <a:noFill/>
-                  </a:tcPr>
-                </a:tc>
-                <a:tc>
-                  <a:txBody>
-                    <a:bodyPr/>
-                    <a:p>
-                      <a:pPr marL="0" indent="0" algn="ctr">
-                        <a:buNone/>
-                      </a:pPr>
-                      <a:r>
-                        <a:rPr lang="en-US" sz="1200" b="0">
-                          <a:solidFill>
-                            <a:srgbClr val="000000"/>
-                          </a:solidFill>
-                          <a:latin typeface="Calibri" charset="-122"/>
-                        </a:rPr>
-                        <a:t>Websocket</a:t>
-                      </a:r>
-                      <a:endParaRPr lang="en-US" sz="1200" b="0">
-                        <a:solidFill>
-                          <a:srgbClr val="000000"/>
-                        </a:solidFill>
-                        <a:latin typeface="Calibri" charset="-122"/>
-                      </a:endParaRPr>
-                    </a:p>
-                  </a:txBody>
-                  <a:tcPr marL="12700" marR="12700" marT="12700" vert="horz" anchor="ctr" anchorCtr="0">
-                    <a:lnL w="6350" cap="flat" cmpd="sng">
-                      <a:solidFill>
-                        <a:srgbClr val="000000"/>
-                      </a:solidFill>
-                      <a:prstDash val="solid"/>
-                      <a:headEnd type="none" w="med" len="med"/>
-                      <a:tailEnd type="none" w="med" len="med"/>
-                    </a:lnL>
-                    <a:lnR w="6350" cap="flat" cmpd="sng">
-                      <a:solidFill>
-                        <a:srgbClr val="000000"/>
-                      </a:solidFill>
-                      <a:prstDash val="solid"/>
-                      <a:headEnd type="none" w="med" len="med"/>
-                      <a:tailEnd type="none" w="med" len="med"/>
-                    </a:lnR>
-                    <a:lnT w="6350" cap="flat" cmpd="sng">
-                      <a:solidFill>
-                        <a:srgbClr val="000000"/>
-                      </a:solidFill>
-                      <a:prstDash val="solid"/>
-                      <a:headEnd type="none" w="med" len="med"/>
-                      <a:tailEnd type="none" w="med" len="med"/>
-                    </a:lnT>
-                    <a:lnB w="6350" cap="flat" cmpd="sng">
-                      <a:solidFill>
-                        <a:srgbClr val="000000"/>
-                      </a:solidFill>
-                      <a:prstDash val="solid"/>
-                      <a:headEnd type="none" w="med" len="med"/>
-                      <a:tailEnd type="none" w="med" len="med"/>
-                    </a:lnB>
-                    <a:lnTlToBr>
-                      <a:noFill/>
-                    </a:lnTlToBr>
-                    <a:lnBlToTr>
-                      <a:noFill/>
-                    </a:lnBlToTr>
-                    <a:noFill/>
-                  </a:tcPr>
-                </a:tc>
-              </a:tr>
-              <a:tr h="241300">
-                <a:tc>
-                  <a:txBody>
-                    <a:bodyPr/>
-                    <a:p>
-                      <a:pPr marL="0" indent="0" algn="ctr">
-                        <a:buNone/>
-                      </a:pPr>
-                      <a:r>
-                        <a:rPr lang="" altLang="en-US" sz="1200" b="0">
-                          <a:solidFill>
-                            <a:srgbClr val="000000"/>
-                          </a:solidFill>
-                          <a:latin typeface="Calibri" charset="-122"/>
-                        </a:rPr>
-                        <a:t>Maksimal Koneksi</a:t>
-                      </a:r>
-                      <a:endParaRPr lang="" altLang="en-US" sz="1200" b="0">
-                        <a:solidFill>
-                          <a:srgbClr val="000000"/>
-                        </a:solidFill>
-                        <a:latin typeface="Calibri" charset="-122"/>
-                      </a:endParaRPr>
-                    </a:p>
-                  </a:txBody>
-                  <a:tcPr marL="12700" marR="12700" marT="12700" vert="horz" anchor="ctr" anchorCtr="0">
-                    <a:lnL w="6350" cap="flat" cmpd="sng">
-                      <a:solidFill>
-                        <a:srgbClr val="000000"/>
-                      </a:solidFill>
-                      <a:prstDash val="solid"/>
-                      <a:headEnd type="none" w="med" len="med"/>
-                      <a:tailEnd type="none" w="med" len="med"/>
-                    </a:lnL>
-                    <a:lnR w="6350" cap="flat" cmpd="sng">
-                      <a:solidFill>
-                        <a:srgbClr val="000000"/>
-                      </a:solidFill>
-                      <a:prstDash val="solid"/>
-                      <a:headEnd type="none" w="med" len="med"/>
-                      <a:tailEnd type="none" w="med" len="med"/>
-                    </a:lnR>
-                    <a:lnT w="6350" cap="flat" cmpd="sng">
-                      <a:solidFill>
-                        <a:srgbClr val="000000"/>
-                      </a:solidFill>
-                      <a:prstDash val="solid"/>
-                      <a:headEnd type="none" w="med" len="med"/>
-                      <a:tailEnd type="none" w="med" len="med"/>
-                    </a:lnT>
-                    <a:lnB w="6350" cap="flat" cmpd="sng">
-                      <a:solidFill>
-                        <a:srgbClr val="000000"/>
-                      </a:solidFill>
-                      <a:prstDash val="solid"/>
-                      <a:headEnd type="none" w="med" len="med"/>
-                      <a:tailEnd type="none" w="med" len="med"/>
-                    </a:lnB>
-                    <a:lnTlToBr>
-                      <a:noFill/>
-                    </a:lnTlToBr>
-                    <a:lnBlToTr>
-                      <a:noFill/>
-                    </a:lnBlToTr>
-                    <a:noFill/>
-                  </a:tcPr>
-                </a:tc>
-                <a:tc>
-                  <a:txBody>
-                    <a:bodyPr/>
-                    <a:p>
-                      <a:pPr marL="0" indent="0" algn="ctr">
-                        <a:buNone/>
-                      </a:pPr>
-                      <a:r>
-                        <a:rPr lang="" altLang="en-US" sz="1200" b="0">
-                          <a:solidFill>
-                            <a:srgbClr val="000000"/>
-                          </a:solidFill>
-                          <a:latin typeface="Calibri" charset="-122"/>
-                        </a:rPr>
-                        <a:t>6 connection</a:t>
-                      </a:r>
-                      <a:endParaRPr lang="" altLang="en-US" sz="1200" b="0">
-                        <a:solidFill>
-                          <a:srgbClr val="000000"/>
-                        </a:solidFill>
-                        <a:latin typeface="Calibri" charset="-122"/>
-                      </a:endParaRPr>
-                    </a:p>
-                  </a:txBody>
-                  <a:tcPr marL="12700" marR="12700" marT="12700" vert="horz" anchor="ctr" anchorCtr="0">
-                    <a:lnL w="6350" cap="flat" cmpd="sng">
-                      <a:solidFill>
-                        <a:srgbClr val="000000"/>
-                      </a:solidFill>
-                      <a:prstDash val="solid"/>
-                      <a:headEnd type="none" w="med" len="med"/>
-                      <a:tailEnd type="none" w="med" len="med"/>
-                    </a:lnL>
-                    <a:lnR w="6350" cap="flat" cmpd="sng">
-                      <a:solidFill>
-                        <a:srgbClr val="000000"/>
-                      </a:solidFill>
-                      <a:prstDash val="solid"/>
-                      <a:headEnd type="none" w="med" len="med"/>
-                      <a:tailEnd type="none" w="med" len="med"/>
-                    </a:lnR>
-                    <a:lnT w="6350" cap="flat" cmpd="sng">
-                      <a:solidFill>
-                        <a:srgbClr val="000000"/>
-                      </a:solidFill>
-                      <a:prstDash val="solid"/>
-                      <a:headEnd type="none" w="med" len="med"/>
-                      <a:tailEnd type="none" w="med" len="med"/>
-                    </a:lnT>
-                    <a:lnB w="6350" cap="flat" cmpd="sng">
-                      <a:solidFill>
-                        <a:srgbClr val="000000"/>
-                      </a:solidFill>
-                      <a:prstDash val="solid"/>
-                      <a:headEnd type="none" w="med" len="med"/>
-                      <a:tailEnd type="none" w="med" len="med"/>
-                    </a:lnB>
-                    <a:lnTlToBr>
-                      <a:noFill/>
-                    </a:lnTlToBr>
-                    <a:lnBlToTr>
-                      <a:noFill/>
-                    </a:lnBlToTr>
-                    <a:noFill/>
-                  </a:tcPr>
-                </a:tc>
-                <a:tc>
-                  <a:txBody>
-                    <a:bodyPr/>
-                    <a:p>
-                      <a:pPr marL="0" indent="0" algn="ctr">
-                        <a:buNone/>
-                      </a:pPr>
-                      <a:r>
-                        <a:rPr lang="" altLang="en-US" sz="1200" b="0">
-                          <a:solidFill>
-                            <a:srgbClr val="000000"/>
-                          </a:solidFill>
-                          <a:latin typeface="Calibri" charset="-122"/>
-                        </a:rPr>
-                        <a:t>6 connection</a:t>
-                      </a:r>
-                      <a:endParaRPr lang="" altLang="en-US" sz="1200" b="0">
-                        <a:solidFill>
-                          <a:srgbClr val="000000"/>
-                        </a:solidFill>
-                        <a:latin typeface="Calibri" charset="-122"/>
-                      </a:endParaRPr>
-                    </a:p>
-                  </a:txBody>
-                  <a:tcPr marL="12700" marR="12700" marT="12700" vert="horz" anchor="ctr" anchorCtr="0">
-                    <a:lnL w="6350" cap="flat" cmpd="sng">
-                      <a:solidFill>
-                        <a:srgbClr val="000000"/>
-                      </a:solidFill>
-                      <a:prstDash val="solid"/>
-                      <a:headEnd type="none" w="med" len="med"/>
-                      <a:tailEnd type="none" w="med" len="med"/>
-                    </a:lnL>
-                    <a:lnR w="6350" cap="flat" cmpd="sng">
-                      <a:solidFill>
-                        <a:srgbClr val="000000"/>
-                      </a:solidFill>
-                      <a:prstDash val="solid"/>
-                      <a:headEnd type="none" w="med" len="med"/>
-                      <a:tailEnd type="none" w="med" len="med"/>
-                    </a:lnR>
-                    <a:lnT w="6350" cap="flat" cmpd="sng">
-                      <a:solidFill>
-                        <a:srgbClr val="000000"/>
-                      </a:solidFill>
-                      <a:prstDash val="solid"/>
-                      <a:headEnd type="none" w="med" len="med"/>
-                      <a:tailEnd type="none" w="med" len="med"/>
-                    </a:lnT>
-                    <a:lnB w="6350" cap="flat" cmpd="sng">
-                      <a:solidFill>
-                        <a:srgbClr val="000000"/>
-                      </a:solidFill>
-                      <a:prstDash val="solid"/>
-                      <a:headEnd type="none" w="med" len="med"/>
-                      <a:tailEnd type="none" w="med" len="med"/>
-                    </a:lnB>
-                    <a:lnTlToBr>
-                      <a:noFill/>
-                    </a:lnTlToBr>
-                    <a:lnBlToTr>
-                      <a:noFill/>
-                    </a:lnBlToTr>
-                    <a:noFill/>
-                  </a:tcPr>
-                </a:tc>
-                <a:tc>
-                  <a:txBody>
-                    <a:bodyPr/>
-                    <a:p>
-                      <a:pPr marL="0" indent="0" algn="ctr">
-                        <a:buNone/>
-                      </a:pPr>
-                      <a:r>
-                        <a:rPr lang="" altLang="en-US" sz="1200" b="0">
-                          <a:solidFill>
-                            <a:srgbClr val="000000"/>
-                          </a:solidFill>
-                          <a:latin typeface="Calibri" charset="-122"/>
-                        </a:rPr>
-                        <a:t>103 steam</a:t>
-                      </a:r>
-                      <a:endParaRPr lang="" altLang="en-US" sz="1200" b="0">
-                        <a:solidFill>
-                          <a:srgbClr val="000000"/>
-                        </a:solidFill>
-                        <a:latin typeface="Calibri" charset="-122"/>
-                      </a:endParaRPr>
-                    </a:p>
-                  </a:txBody>
-                  <a:tcPr marL="12700" marR="12700" marT="12700" vert="horz" anchor="ctr" anchorCtr="0">
-                    <a:lnL w="6350" cap="flat" cmpd="sng">
-                      <a:solidFill>
-                        <a:srgbClr val="000000"/>
-                      </a:solidFill>
-                      <a:prstDash val="solid"/>
-                      <a:headEnd type="none" w="med" len="med"/>
-                      <a:tailEnd type="none" w="med" len="med"/>
-                    </a:lnL>
-                    <a:lnR w="6350" cap="flat" cmpd="sng">
-                      <a:solidFill>
-                        <a:srgbClr val="000000"/>
-                      </a:solidFill>
-                      <a:prstDash val="solid"/>
-                      <a:headEnd type="none" w="med" len="med"/>
-                      <a:tailEnd type="none" w="med" len="med"/>
-                    </a:lnR>
-                    <a:lnT w="6350" cap="flat" cmpd="sng">
-                      <a:solidFill>
-                        <a:srgbClr val="000000"/>
-                      </a:solidFill>
-                      <a:prstDash val="solid"/>
-                      <a:headEnd type="none" w="med" len="med"/>
-                      <a:tailEnd type="none" w="med" len="med"/>
-                    </a:lnT>
-                    <a:lnB w="6350" cap="flat" cmpd="sng">
-                      <a:solidFill>
-                        <a:srgbClr val="000000"/>
-                      </a:solidFill>
-                      <a:prstDash val="solid"/>
-                      <a:headEnd type="none" w="med" len="med"/>
-                      <a:tailEnd type="none" w="med" len="med"/>
-                    </a:lnB>
-                    <a:lnTlToBr>
-                      <a:noFill/>
-                    </a:lnTlToBr>
-                    <a:lnBlToTr>
-                      <a:noFill/>
-                    </a:lnBlToTr>
-                    <a:noFill/>
-                  </a:tcPr>
-                </a:tc>
-                <a:tc>
-                  <a:txBody>
-                    <a:bodyPr/>
-                    <a:p>
-                      <a:pPr marL="0" indent="0" algn="ctr">
-                        <a:buNone/>
-                      </a:pPr>
-                      <a:r>
-                        <a:rPr lang="" altLang="en-US" sz="1200" b="0">
-                          <a:solidFill>
-                            <a:srgbClr val="000000"/>
-                          </a:solidFill>
-                          <a:latin typeface="Calibri" charset="-122"/>
-                        </a:rPr>
-                        <a:t>153 connection</a:t>
-                      </a:r>
-                      <a:endParaRPr lang="" altLang="en-US" sz="1200" b="0">
-                        <a:solidFill>
-                          <a:srgbClr val="000000"/>
-                        </a:solidFill>
-                        <a:latin typeface="Calibri" charset="-122"/>
-                      </a:endParaRPr>
-                    </a:p>
-                  </a:txBody>
-                  <a:tcPr marL="12700" marR="12700" marT="12700" vert="horz" anchor="ctr" anchorCtr="0">
-                    <a:lnL w="6350" cap="flat" cmpd="sng">
-                      <a:solidFill>
-                        <a:srgbClr val="000000"/>
-                      </a:solidFill>
-                      <a:prstDash val="solid"/>
-                      <a:headEnd type="none" w="med" len="med"/>
-                      <a:tailEnd type="none" w="med" len="med"/>
-                    </a:lnL>
-                    <a:lnR w="6350" cap="flat" cmpd="sng">
-                      <a:solidFill>
-                        <a:srgbClr val="000000"/>
-                      </a:solidFill>
-                      <a:prstDash val="solid"/>
-                      <a:headEnd type="none" w="med" len="med"/>
-                      <a:tailEnd type="none" w="med" len="med"/>
-                    </a:lnR>
-                    <a:lnT w="6350" cap="flat" cmpd="sng">
-                      <a:solidFill>
-                        <a:srgbClr val="000000"/>
-                      </a:solidFill>
-                      <a:prstDash val="solid"/>
-                      <a:headEnd type="none" w="med" len="med"/>
-                      <a:tailEnd type="none" w="med" len="med"/>
-                    </a:lnT>
-                    <a:lnB w="6350" cap="flat" cmpd="sng">
-                      <a:solidFill>
-                        <a:srgbClr val="000000"/>
-                      </a:solidFill>
-                      <a:prstDash val="solid"/>
-                      <a:headEnd type="none" w="med" len="med"/>
-                      <a:tailEnd type="none" w="med" len="med"/>
-                    </a:lnB>
-                    <a:lnTlToBr>
-                      <a:noFill/>
-                    </a:lnTlToBr>
-                    <a:lnBlToTr>
-                      <a:noFill/>
-                    </a:lnBlToTr>
-                    <a:noFill/>
-                  </a:tcPr>
-                </a:tc>
-              </a:tr>
-            </a:tbl>
-          </a:graphicData>
-        </a:graphic>
-      </p:graphicFrame>
-      <p:sp>
-        <p:nvSpPr>
-          <p:cNvPr id="235" name="CustomShape 15"/>
-          <p:cNvSpPr/>
-          <p:nvPr/>
-        </p:nvSpPr>
-        <p:spPr>
-          <a:xfrm>
-            <a:off x="1261440" y="847800"/>
-            <a:ext cx="1623600" cy="510120"/>
-          </a:xfrm>
-          <a:prstGeom prst="chevron">
-            <a:avLst>
-              <a:gd name="adj" fmla="val 50000"/>
-            </a:avLst>
-          </a:prstGeom>
-          <a:solidFill>
-            <a:srgbClr val="111C76"/>
-          </a:solidFill>
-          <a:ln w="3240">
-            <a:solidFill>
-              <a:schemeClr val="bg1"/>
-            </a:solidFill>
-            <a:round/>
-          </a:ln>
-        </p:spPr>
-        <p:style>
-          <a:lnRef idx="2">
-            <a:schemeClr val="accent1">
-              <a:shade val="50000"/>
-            </a:schemeClr>
-          </a:lnRef>
-          <a:fillRef idx="1">
-            <a:schemeClr val="accent1"/>
-          </a:fillRef>
-          <a:effectRef idx="0">
-            <a:schemeClr val="accent1"/>
-          </a:effectRef>
-          <a:fontRef idx="minor"/>
-        </p:style>
-        <p:txBody>
-          <a:bodyPr lIns="90000" tIns="45000" rIns="90000" bIns="45000" anchor="ctr"/>
-          <a:p>
-            <a:pPr algn="ctr">
-              <a:lnSpc>
-                <a:spcPct val="100000"/>
-              </a:lnSpc>
-            </a:pPr>
-            <a:r>
-              <a:rPr lang="en-US" sz="1100" b="0" strike="noStrike" spc="-1">
-                <a:solidFill>
-                  <a:srgbClr val="FFFFFF"/>
-                </a:solidFill>
-                <a:uFill>
-                  <a:solidFill>
-                    <a:srgbClr val="FFFFFF"/>
-                  </a:solidFill>
-                </a:uFill>
-                <a:latin typeface="Caviar Dreams"/>
-                <a:ea typeface="DejaVu Sans" panose="020B0603030804020204"/>
-              </a:rPr>
-              <a:t>Rumusan Masalah</a:t>
-            </a:r>
-            <a:endParaRPr lang="en-US" sz="1800" b="0" strike="noStrike" spc="-1">
-              <a:solidFill>
-                <a:srgbClr val="000000"/>
-              </a:solidFill>
-              <a:uFill>
-                <a:solidFill>
-                  <a:srgbClr val="FFFFFF"/>
-                </a:solidFill>
-              </a:uFill>
-              <a:latin typeface="Arial" panose="020B0604020202020204"/>
-            </a:endParaRPr>
-          </a:p>
-        </p:txBody>
-      </p:sp>
-      <p:sp>
-        <p:nvSpPr>
-          <p:cNvPr id="236" name="CustomShape 16"/>
-          <p:cNvSpPr/>
-          <p:nvPr/>
-        </p:nvSpPr>
-        <p:spPr>
-          <a:xfrm>
-            <a:off x="2629440" y="847800"/>
-            <a:ext cx="1623600" cy="510120"/>
-          </a:xfrm>
-          <a:prstGeom prst="chevron">
-            <a:avLst>
-              <a:gd name="adj" fmla="val 50000"/>
-            </a:avLst>
-          </a:prstGeom>
-          <a:solidFill>
-            <a:srgbClr val="111C76"/>
-          </a:solidFill>
-          <a:ln w="3240">
-            <a:solidFill>
-              <a:schemeClr val="bg1"/>
-            </a:solidFill>
-            <a:round/>
-          </a:ln>
-        </p:spPr>
-        <p:style>
-          <a:lnRef idx="2">
-            <a:schemeClr val="accent1">
-              <a:shade val="50000"/>
-            </a:schemeClr>
-          </a:lnRef>
-          <a:fillRef idx="1">
-            <a:schemeClr val="accent1"/>
-          </a:fillRef>
-          <a:effectRef idx="0">
-            <a:schemeClr val="accent1"/>
-          </a:effectRef>
-          <a:fontRef idx="minor"/>
-        </p:style>
-        <p:txBody>
-          <a:bodyPr lIns="90000" tIns="45000" rIns="90000" bIns="45000" anchor="ctr"/>
-          <a:p>
-            <a:pPr algn="ctr">
-              <a:lnSpc>
-                <a:spcPct val="100000"/>
-              </a:lnSpc>
-            </a:pPr>
-            <a:r>
-              <a:rPr lang="en-US" sz="1100" b="0" strike="noStrike" spc="-1">
-                <a:solidFill>
-                  <a:srgbClr val="FFFFFF"/>
-                </a:solidFill>
-                <a:uFill>
-                  <a:solidFill>
-                    <a:srgbClr val="FFFFFF"/>
-                  </a:solidFill>
-                </a:uFill>
-                <a:latin typeface="Caviar Dreams"/>
-                <a:ea typeface="DejaVu Sans" panose="020B0603030804020204"/>
-              </a:rPr>
-              <a:t>Tujuan Proyek Akhir</a:t>
-            </a:r>
-            <a:endParaRPr lang="en-US" sz="1800" b="0" strike="noStrike" spc="-1">
-              <a:solidFill>
-                <a:srgbClr val="000000"/>
-              </a:solidFill>
-              <a:uFill>
-                <a:solidFill>
-                  <a:srgbClr val="FFFFFF"/>
-                </a:solidFill>
-              </a:uFill>
-              <a:latin typeface="Arial" panose="020B0604020202020204"/>
-            </a:endParaRPr>
-          </a:p>
-        </p:txBody>
-      </p:sp>
-      <p:sp>
-        <p:nvSpPr>
-          <p:cNvPr id="237" name="CustomShape 17"/>
-          <p:cNvSpPr/>
-          <p:nvPr/>
-        </p:nvSpPr>
-        <p:spPr>
-          <a:xfrm>
-            <a:off x="4018320" y="854640"/>
-            <a:ext cx="1727640" cy="491040"/>
-          </a:xfrm>
-          <a:prstGeom prst="chevron">
-            <a:avLst>
-              <a:gd name="adj" fmla="val 50000"/>
-            </a:avLst>
-          </a:prstGeom>
-          <a:solidFill>
-            <a:srgbClr val="111C76"/>
-          </a:solidFill>
-          <a:ln w="3240">
-            <a:solidFill>
-              <a:srgbClr val="111C76"/>
-            </a:solidFill>
-            <a:round/>
-          </a:ln>
-        </p:spPr>
-        <p:style>
-          <a:lnRef idx="2">
-            <a:schemeClr val="accent1">
-              <a:shade val="50000"/>
-            </a:schemeClr>
-          </a:lnRef>
-          <a:fillRef idx="1">
-            <a:schemeClr val="accent1"/>
-          </a:fillRef>
-          <a:effectRef idx="0">
-            <a:schemeClr val="accent1"/>
-          </a:effectRef>
-          <a:fontRef idx="minor"/>
-        </p:style>
-        <p:txBody>
-          <a:bodyPr lIns="90000" tIns="45000" rIns="90000" bIns="45000" anchor="ctr"/>
-          <a:p>
-            <a:pPr algn="ctr">
-              <a:lnSpc>
-                <a:spcPct val="100000"/>
-              </a:lnSpc>
-            </a:pPr>
-            <a:r>
-              <a:rPr lang="en-US" altLang="en-US" sz="1100" b="0" strike="noStrike" spc="-1">
-                <a:solidFill>
-                  <a:srgbClr val="FFFFFF"/>
-                </a:solidFill>
-                <a:uFill>
-                  <a:solidFill>
-                    <a:srgbClr val="FFFFFF"/>
-                  </a:solidFill>
-                </a:uFill>
-                <a:latin typeface="Caviar Dreams"/>
-                <a:ea typeface="DejaVu Sans" panose="020B0603030804020204"/>
-              </a:rPr>
-              <a:t>Metodologi</a:t>
-            </a:r>
-            <a:endParaRPr lang="en-US" altLang="en-US" sz="1800" b="0" strike="noStrike" spc="-1">
-              <a:solidFill>
-                <a:srgbClr val="000000"/>
-              </a:solidFill>
-              <a:uFill>
-                <a:solidFill>
-                  <a:srgbClr val="FFFFFF"/>
-                </a:solidFill>
-              </a:uFill>
-              <a:latin typeface="Arial" panose="020B0604020202020204"/>
-            </a:endParaRPr>
-          </a:p>
-        </p:txBody>
-      </p:sp>
-      <p:sp>
-        <p:nvSpPr>
-          <p:cNvPr id="239" name="CustomShape 19"/>
-          <p:cNvSpPr/>
-          <p:nvPr/>
-        </p:nvSpPr>
-        <p:spPr>
-          <a:xfrm>
-            <a:off x="6864120" y="854640"/>
-            <a:ext cx="1703880" cy="503280"/>
-          </a:xfrm>
-          <a:prstGeom prst="chevron">
-            <a:avLst>
-              <a:gd name="adj" fmla="val 50000"/>
-            </a:avLst>
-          </a:prstGeom>
-          <a:solidFill>
-            <a:srgbClr val="F9C534"/>
-          </a:solidFill>
-          <a:ln w="3240">
-            <a:solidFill>
-              <a:schemeClr val="bg1"/>
-            </a:solidFill>
-            <a:round/>
-          </a:ln>
-        </p:spPr>
-        <p:style>
-          <a:lnRef idx="2">
-            <a:schemeClr val="accent1">
-              <a:shade val="50000"/>
-            </a:schemeClr>
-          </a:lnRef>
-          <a:fillRef idx="1">
-            <a:schemeClr val="accent1"/>
-          </a:fillRef>
-          <a:effectRef idx="0">
-            <a:schemeClr val="accent1"/>
-          </a:effectRef>
-          <a:fontRef idx="minor"/>
-        </p:style>
-        <p:txBody>
-          <a:bodyPr lIns="90000" tIns="45000" rIns="90000" bIns="45000" anchor="ctr"/>
-          <a:p>
-            <a:pPr algn="ctr">
-              <a:lnSpc>
-                <a:spcPct val="100000"/>
-              </a:lnSpc>
-            </a:pPr>
-            <a:r>
-              <a:rPr lang="en-US" sz="1100" b="0" strike="noStrike" spc="-1">
-                <a:solidFill>
-                  <a:srgbClr val="000000"/>
-                </a:solidFill>
-                <a:uFill>
-                  <a:solidFill>
-                    <a:srgbClr val="FFFFFF"/>
-                  </a:solidFill>
-                </a:uFill>
-                <a:latin typeface="Caviar Dreams"/>
-                <a:ea typeface="DejaVu Sans" panose="020B0603030804020204"/>
-              </a:rPr>
-              <a:t>Metodologi</a:t>
-            </a:r>
-            <a:endParaRPr lang="en-US" sz="1800" b="0" strike="noStrike" spc="-1">
-              <a:solidFill>
-                <a:srgbClr val="000000"/>
-              </a:solidFill>
-              <a:uFill>
-                <a:solidFill>
-                  <a:srgbClr val="FFFFFF"/>
-                </a:solidFill>
-              </a:uFill>
-              <a:latin typeface="Arial" panose="020B0604020202020204"/>
-            </a:endParaRPr>
-          </a:p>
-        </p:txBody>
-      </p:sp>
-      <p:sp>
-        <p:nvSpPr>
-          <p:cNvPr id="240" name="CustomShape 20"/>
-          <p:cNvSpPr/>
-          <p:nvPr/>
-        </p:nvSpPr>
-        <p:spPr>
-          <a:xfrm>
-            <a:off x="-10080" y="847800"/>
-            <a:ext cx="1510200" cy="510120"/>
-          </a:xfrm>
-          <a:prstGeom prst="homePlate">
-            <a:avLst>
-              <a:gd name="adj" fmla="val 50000"/>
-            </a:avLst>
-          </a:prstGeom>
-          <a:solidFill>
-            <a:srgbClr val="111C76"/>
-          </a:solidFill>
-          <a:ln w="3240">
-            <a:solidFill>
-              <a:srgbClr val="111C76"/>
-            </a:solidFill>
-            <a:round/>
-          </a:ln>
-        </p:spPr>
-        <p:style>
-          <a:lnRef idx="2">
-            <a:schemeClr val="accent1">
-              <a:shade val="50000"/>
-            </a:schemeClr>
-          </a:lnRef>
-          <a:fillRef idx="1">
-            <a:schemeClr val="accent1"/>
-          </a:fillRef>
-          <a:effectRef idx="0">
-            <a:schemeClr val="accent1"/>
-          </a:effectRef>
-          <a:fontRef idx="minor"/>
-        </p:style>
-        <p:txBody>
-          <a:bodyPr lIns="90000" tIns="45000" rIns="90000" bIns="45000" anchor="ctr"/>
-          <a:p>
-            <a:pPr algn="ctr">
-              <a:lnSpc>
-                <a:spcPct val="100000"/>
-              </a:lnSpc>
-            </a:pPr>
-            <a:r>
-              <a:rPr lang="en-US" sz="1100" b="0" strike="noStrike" spc="-1">
-                <a:solidFill>
-                  <a:srgbClr val="FFFFFF"/>
-                </a:solidFill>
-                <a:uFill>
-                  <a:solidFill>
-                    <a:srgbClr val="FFFFFF"/>
-                  </a:solidFill>
-                </a:uFill>
-                <a:latin typeface="Caviar Dreams"/>
-                <a:ea typeface="DejaVu Sans" panose="020B0603030804020204"/>
-              </a:rPr>
-              <a:t>Latar Belakang</a:t>
-            </a:r>
-            <a:endParaRPr lang="en-US" sz="1800" b="0" strike="noStrike" spc="-1">
-              <a:solidFill>
-                <a:srgbClr val="000000"/>
-              </a:solidFill>
-              <a:uFill>
-                <a:solidFill>
-                  <a:srgbClr val="FFFFFF"/>
-                </a:solidFill>
-              </a:uFill>
-              <a:latin typeface="Arial" panose="020B0604020202020204"/>
-            </a:endParaRPr>
-          </a:p>
-        </p:txBody>
-      </p:sp>
-      <p:sp>
-        <p:nvSpPr>
-          <p:cNvPr id="2" name="CustomShape 1"/>
-          <p:cNvSpPr/>
-          <p:nvPr/>
-        </p:nvSpPr>
-        <p:spPr>
-          <a:xfrm>
-            <a:off x="5485765" y="854710"/>
-            <a:ext cx="1619885" cy="490855"/>
-          </a:xfrm>
-          <a:prstGeom prst="chevron">
-            <a:avLst>
-              <a:gd name="adj" fmla="val 50000"/>
-            </a:avLst>
-          </a:prstGeom>
-          <a:solidFill>
-            <a:srgbClr val="F9C534"/>
-          </a:solidFill>
-          <a:ln w="3240">
-            <a:solidFill>
-              <a:srgbClr val="111C76"/>
-            </a:solidFill>
-            <a:round/>
-          </a:ln>
-        </p:spPr>
-        <p:style>
-          <a:lnRef idx="2">
-            <a:schemeClr val="accent1">
-              <a:shade val="50000"/>
-            </a:schemeClr>
-          </a:lnRef>
-          <a:fillRef idx="1">
-            <a:schemeClr val="accent1"/>
-          </a:fillRef>
-          <a:effectRef idx="0">
-            <a:schemeClr val="accent1"/>
-          </a:effectRef>
-          <a:fontRef idx="minor"/>
-        </p:style>
-        <p:txBody>
-          <a:bodyPr lIns="90000" tIns="45000" rIns="90000" bIns="45000" anchor="ctr"/>
-          <a:p>
-            <a:pPr algn="ctr">
-              <a:lnSpc>
-                <a:spcPct val="100000"/>
-              </a:lnSpc>
-            </a:pPr>
-            <a:r>
-              <a:rPr lang="en-US" altLang="en-US" sz="1100" spc="-1">
-                <a:solidFill>
-                  <a:srgbClr val="111C76"/>
-                </a:solidFill>
-                <a:uFill>
-                  <a:solidFill>
-                    <a:srgbClr val="FFFFFF"/>
-                  </a:solidFill>
-                </a:uFill>
-                <a:latin typeface="Caviar Dreams"/>
-                <a:ea typeface="DejaVu Sans" panose="020B0603030804020204"/>
-                <a:sym typeface="+mn-ea"/>
-              </a:rPr>
-              <a:t>Pembahasan</a:t>
-            </a:r>
-            <a:endParaRPr lang="en-US" altLang="en-US" sz="1100" spc="-1">
-              <a:solidFill>
-                <a:srgbClr val="111C76"/>
-              </a:solidFill>
-              <a:uFill>
-                <a:solidFill>
-                  <a:srgbClr val="FFFFFF"/>
-                </a:solidFill>
-              </a:uFill>
-              <a:latin typeface="Caviar Dreams"/>
-              <a:ea typeface="DejaVu Sans" panose="020B0603030804020204"/>
-              <a:sym typeface="+mn-ea"/>
-            </a:endParaRPr>
-          </a:p>
-        </p:txBody>
-      </p:sp>
-      <p:sp>
-        <p:nvSpPr>
-          <p:cNvPr id="4" name="CustomShape 2"/>
-          <p:cNvSpPr/>
-          <p:nvPr/>
-        </p:nvSpPr>
-        <p:spPr>
-          <a:xfrm>
-            <a:off x="1228475" y="848370"/>
-            <a:ext cx="1623600" cy="510120"/>
-          </a:xfrm>
-          <a:prstGeom prst="chevron">
-            <a:avLst>
-              <a:gd name="adj" fmla="val 50000"/>
-            </a:avLst>
-          </a:prstGeom>
-          <a:solidFill>
-            <a:srgbClr val="111C76"/>
-          </a:solidFill>
-          <a:ln w="3240">
-            <a:solidFill>
-              <a:schemeClr val="bg1"/>
-            </a:solidFill>
-            <a:round/>
-          </a:ln>
-        </p:spPr>
-        <p:style>
-          <a:lnRef idx="2">
-            <a:schemeClr val="accent1">
-              <a:shade val="50000"/>
-            </a:schemeClr>
-          </a:lnRef>
-          <a:fillRef idx="1">
-            <a:schemeClr val="accent1"/>
-          </a:fillRef>
-          <a:effectRef idx="0">
-            <a:schemeClr val="accent1"/>
-          </a:effectRef>
-          <a:fontRef idx="minor"/>
-        </p:style>
-        <p:txBody>
-          <a:bodyPr lIns="90000" tIns="45000" rIns="90000" bIns="45000" anchor="ctr"/>
-          <a:p>
-            <a:pPr algn="ctr">
-              <a:lnSpc>
-                <a:spcPct val="100000"/>
-              </a:lnSpc>
-            </a:pPr>
-            <a:r>
-              <a:rPr lang="en-US" sz="1100" b="0" strike="noStrike" spc="-1">
-                <a:solidFill>
-                  <a:srgbClr val="FFFFFF"/>
-                </a:solidFill>
-                <a:uFill>
-                  <a:solidFill>
-                    <a:srgbClr val="FFFFFF"/>
-                  </a:solidFill>
-                </a:uFill>
-                <a:latin typeface="Caviar Dreams"/>
-                <a:ea typeface="DejaVu Sans" panose="020B0603030804020204"/>
-              </a:rPr>
-              <a:t>Tinjauan Pustaka</a:t>
-            </a:r>
-            <a:endParaRPr lang="en-US" sz="1100" b="0" strike="noStrike" spc="-1">
-              <a:solidFill>
-                <a:srgbClr val="FFFFFF"/>
-              </a:solidFill>
-              <a:uFill>
-                <a:solidFill>
-                  <a:srgbClr val="FFFFFF"/>
-                </a:solidFill>
-              </a:uFill>
-              <a:latin typeface="Caviar Dreams"/>
-              <a:ea typeface="DejaVu Sans" panose="020B0603030804020204"/>
-            </a:endParaRPr>
-          </a:p>
-        </p:txBody>
-      </p:sp>
-      <p:sp>
-        <p:nvSpPr>
-          <p:cNvPr id="6" name="CustomShape 3"/>
-          <p:cNvSpPr/>
-          <p:nvPr/>
-        </p:nvSpPr>
-        <p:spPr>
-          <a:xfrm>
-            <a:off x="2589230" y="848520"/>
-            <a:ext cx="1727640" cy="510120"/>
-          </a:xfrm>
-          <a:prstGeom prst="chevron">
-            <a:avLst>
-              <a:gd name="adj" fmla="val 50000"/>
-            </a:avLst>
-          </a:prstGeom>
-          <a:solidFill>
-            <a:srgbClr val="111C76"/>
-          </a:solidFill>
-          <a:ln w="3240">
-            <a:solidFill>
-              <a:schemeClr val="bg1"/>
-            </a:solidFill>
-            <a:round/>
-          </a:ln>
-        </p:spPr>
-        <p:style>
-          <a:lnRef idx="2">
-            <a:schemeClr val="accent1">
-              <a:shade val="50000"/>
-            </a:schemeClr>
-          </a:lnRef>
-          <a:fillRef idx="1">
-            <a:schemeClr val="accent1"/>
-          </a:fillRef>
-          <a:effectRef idx="0">
-            <a:schemeClr val="accent1"/>
-          </a:effectRef>
-          <a:fontRef idx="minor"/>
-        </p:style>
-        <p:txBody>
-          <a:bodyPr lIns="90000" tIns="45000" rIns="90000" bIns="45000" anchor="ctr"/>
-          <a:p>
-            <a:pPr algn="ctr">
-              <a:lnSpc>
-                <a:spcPct val="100000"/>
-              </a:lnSpc>
-            </a:pPr>
-            <a:r>
-              <a:rPr lang="en-US" sz="1100" spc="-1">
-                <a:solidFill>
-                  <a:srgbClr val="FFFFFF"/>
-                </a:solidFill>
-                <a:uFill>
-                  <a:solidFill>
-                    <a:srgbClr val="FFFFFF"/>
-                  </a:solidFill>
-                </a:uFill>
-                <a:latin typeface="Caviar Dreams"/>
-                <a:ea typeface="DejaVu Sans" panose="020B0603030804020204"/>
-                <a:sym typeface="+mn-ea"/>
-              </a:rPr>
-              <a:t>Tujuan Proyek Akhir</a:t>
-            </a:r>
-            <a:endParaRPr lang="en-US" sz="1100" spc="-1">
-              <a:solidFill>
-                <a:srgbClr val="FFFFFF"/>
-              </a:solidFill>
-              <a:uFill>
-                <a:solidFill>
-                  <a:srgbClr val="FFFFFF"/>
-                </a:solidFill>
-              </a:uFill>
-              <a:latin typeface="Caviar Dreams"/>
-              <a:ea typeface="DejaVu Sans" panose="020B0603030804020204"/>
-              <a:sym typeface="+mn-ea"/>
-            </a:endParaRPr>
-          </a:p>
-        </p:txBody>
-      </p:sp>
-      <p:sp>
-        <p:nvSpPr>
-          <p:cNvPr id="8" name="CustomShape 6"/>
-          <p:cNvSpPr/>
-          <p:nvPr/>
-        </p:nvSpPr>
-        <p:spPr>
-          <a:xfrm>
-            <a:off x="6849360" y="851400"/>
-            <a:ext cx="1703880" cy="503280"/>
-          </a:xfrm>
-          <a:prstGeom prst="chevron">
-            <a:avLst>
-              <a:gd name="adj" fmla="val 50000"/>
-            </a:avLst>
-          </a:prstGeom>
-          <a:solidFill>
-            <a:srgbClr val="111C76"/>
-          </a:solidFill>
-          <a:ln w="3240">
-            <a:solidFill>
-              <a:schemeClr val="bg1"/>
-            </a:solidFill>
-            <a:round/>
-          </a:ln>
-        </p:spPr>
-        <p:style>
-          <a:lnRef idx="2">
-            <a:schemeClr val="accent1">
-              <a:shade val="50000"/>
-            </a:schemeClr>
-          </a:lnRef>
-          <a:fillRef idx="1">
-            <a:schemeClr val="accent1"/>
-          </a:fillRef>
-          <a:effectRef idx="0">
-            <a:schemeClr val="accent1"/>
-          </a:effectRef>
-          <a:fontRef idx="minor"/>
-        </p:style>
-        <p:txBody>
-          <a:bodyPr lIns="90000" tIns="45000" rIns="90000" bIns="45000" anchor="ctr"/>
-          <a:p>
-            <a:pPr algn="ctr">
-              <a:lnSpc>
-                <a:spcPct val="100000"/>
-              </a:lnSpc>
-            </a:pPr>
-            <a:r>
-              <a:rPr lang="en-US" altLang="en-US" sz="1100" b="0" strike="noStrike" spc="-1">
-                <a:solidFill>
-                  <a:srgbClr val="FFFFFF"/>
-                </a:solidFill>
-                <a:uFill>
-                  <a:solidFill>
-                    <a:srgbClr val="FFFFFF"/>
-                  </a:solidFill>
-                </a:uFill>
-                <a:latin typeface="Caviar Dreams"/>
-                <a:ea typeface="DejaVu Sans" panose="020B0603030804020204"/>
-              </a:rPr>
-              <a:t>Kesimpulan dan Saran</a:t>
-            </a:r>
-            <a:endParaRPr lang="en-US" altLang="en-US" sz="1800" b="0" strike="noStrike" spc="-1">
-              <a:solidFill>
-                <a:srgbClr val="000000"/>
-              </a:solidFill>
-              <a:uFill>
-                <a:solidFill>
-                  <a:srgbClr val="FFFFFF"/>
-                </a:solidFill>
-              </a:uFill>
-              <a:latin typeface="Arial" panose="020B0604020202020204"/>
-            </a:endParaRPr>
-          </a:p>
-        </p:txBody>
-      </p:sp>
-      <p:sp>
-        <p:nvSpPr>
-          <p:cNvPr id="9" name="CustomShape 8"/>
-          <p:cNvSpPr/>
-          <p:nvPr/>
-        </p:nvSpPr>
-        <p:spPr>
-          <a:xfrm>
-            <a:off x="0" y="843480"/>
-            <a:ext cx="1505160" cy="510120"/>
-          </a:xfrm>
-          <a:prstGeom prst="homePlate">
-            <a:avLst>
-              <a:gd name="adj" fmla="val 50000"/>
-            </a:avLst>
-          </a:prstGeom>
-          <a:solidFill>
-            <a:srgbClr val="111C76"/>
-          </a:solidFill>
-          <a:ln w="3240">
-            <a:solidFill>
-              <a:schemeClr val="bg1"/>
-            </a:solidFill>
-            <a:round/>
-          </a:ln>
-        </p:spPr>
-        <p:style>
-          <a:lnRef idx="2">
-            <a:schemeClr val="accent1">
-              <a:shade val="50000"/>
-            </a:schemeClr>
-          </a:lnRef>
-          <a:fillRef idx="1">
-            <a:schemeClr val="accent1"/>
-          </a:fillRef>
-          <a:effectRef idx="0">
-            <a:schemeClr val="accent1"/>
-          </a:effectRef>
-          <a:fontRef idx="minor"/>
-        </p:style>
-        <p:txBody>
-          <a:bodyPr lIns="90000" tIns="45000" rIns="90000" bIns="45000" anchor="ctr"/>
-          <a:p>
-            <a:pPr algn="ctr">
-              <a:lnSpc>
-                <a:spcPct val="100000"/>
-              </a:lnSpc>
-            </a:pPr>
-            <a:r>
-              <a:rPr lang="en-US" sz="1100" b="0" strike="noStrike" spc="-1">
-                <a:solidFill>
-                  <a:schemeClr val="bg1"/>
-                </a:solidFill>
-                <a:uFill>
-                  <a:solidFill>
-                    <a:srgbClr val="FFFFFF"/>
-                  </a:solidFill>
-                </a:uFill>
-                <a:latin typeface="Caviar Dreams"/>
-                <a:ea typeface="DejaVu Sans" panose="020B0603030804020204"/>
-              </a:rPr>
-              <a:t>Latar Belakang</a:t>
-            </a:r>
-            <a:endParaRPr lang="en-US" sz="1100" b="0" strike="noStrike" spc="-1">
-              <a:solidFill>
-                <a:schemeClr val="bg1"/>
-              </a:solidFill>
-              <a:uFill>
-                <a:solidFill>
-                  <a:srgbClr val="FFFFFF"/>
-                </a:solidFill>
-              </a:uFill>
-              <a:latin typeface="Caviar Dreams"/>
-              <a:ea typeface="DejaVu Sans" panose="020B0603030804020204"/>
-            </a:endParaRPr>
-          </a:p>
-        </p:txBody>
-      </p:sp>
-      <p:sp>
-        <p:nvSpPr>
-          <p:cNvPr id="270" name="CustomShape 4"/>
-          <p:cNvSpPr/>
-          <p:nvPr/>
-        </p:nvSpPr>
-        <p:spPr>
-          <a:xfrm>
-            <a:off x="828675" y="1864995"/>
-            <a:ext cx="6859905" cy="664210"/>
-          </a:xfrm>
-          <a:prstGeom prst="rect">
-            <a:avLst/>
-          </a:prstGeom>
-          <a:noFill/>
-          <a:ln>
-            <a:noFill/>
-          </a:ln>
-        </p:spPr>
-        <p:style>
-          <a:lnRef idx="0">
-            <a:srgbClr val="FFFFFF"/>
-          </a:lnRef>
-          <a:fillRef idx="0">
-            <a:srgbClr val="FFFFFF"/>
-          </a:fillRef>
-          <a:effectRef idx="0">
-            <a:srgbClr val="FFFFFF"/>
-          </a:effectRef>
-          <a:fontRef idx="minor"/>
-        </p:style>
-        <p:txBody>
-          <a:bodyPr lIns="90000" tIns="45000" rIns="90000" bIns="45000"/>
-          <a:p>
-            <a:pPr indent="0" algn="just">
-              <a:lnSpc>
-                <a:spcPct val="130000"/>
-              </a:lnSpc>
-              <a:buFont typeface="Arial" panose="020B0604020202020204" pitchFamily="34" charset="0"/>
-              <a:buNone/>
-            </a:pPr>
-            <a:r>
-              <a:rPr lang="" altLang="en-US" sz="1400" b="0" strike="noStrike" spc="-1">
-                <a:solidFill>
-                  <a:srgbClr val="111C76"/>
-                </a:solidFill>
-                <a:uFill>
-                  <a:solidFill>
-                    <a:srgbClr val="FFFFFF"/>
-                  </a:solidFill>
-                </a:uFill>
-                <a:latin typeface="Caviar Dreams"/>
-                <a:ea typeface="DejaVu Sans" panose="020B0603030804020204"/>
-              </a:rPr>
-              <a:t>Total jumlah koneksi terbuka (TCP Connection / stream) yang dapat dibuat dalam satu </a:t>
-            </a:r>
-            <a:r>
-              <a:rPr lang="" altLang="en-US" sz="1400" b="0" i="1" strike="noStrike" spc="-1">
-                <a:solidFill>
-                  <a:srgbClr val="111C76"/>
-                </a:solidFill>
-                <a:uFill>
-                  <a:solidFill>
-                    <a:srgbClr val="FFFFFF"/>
-                  </a:solidFill>
-                </a:uFill>
-                <a:latin typeface="Caviar Dreams"/>
-                <a:ea typeface="DejaVu Sans" panose="020B0603030804020204"/>
-              </a:rPr>
-              <a:t>web browser</a:t>
-            </a:r>
-            <a:r>
-              <a:rPr lang="" altLang="en-US" sz="1400" b="0" strike="noStrike" spc="-1">
-                <a:solidFill>
-                  <a:srgbClr val="111C76"/>
-                </a:solidFill>
-                <a:uFill>
-                  <a:solidFill>
-                    <a:srgbClr val="FFFFFF"/>
-                  </a:solidFill>
-                </a:uFill>
-                <a:latin typeface="Caviar Dreams"/>
-                <a:ea typeface="DejaVu Sans" panose="020B0603030804020204"/>
-              </a:rPr>
-              <a:t> (Google Chrome Version 70.0.3538.110 (Official Build) (64-bit))</a:t>
-            </a:r>
-            <a:endParaRPr lang="" altLang="en-US" sz="1400" b="0" strike="noStrike" spc="-1">
-              <a:solidFill>
-                <a:srgbClr val="111C76"/>
-              </a:solidFill>
-              <a:uFill>
-                <a:solidFill>
-                  <a:srgbClr val="FFFFFF"/>
-                </a:solidFill>
-              </a:uFill>
-              <a:latin typeface="Caviar Dreams"/>
-              <a:ea typeface="DejaVu Sans" panose="020B0603030804020204"/>
-            </a:endParaRPr>
-          </a:p>
-        </p:txBody>
-      </p:sp>
-    </p:spTree>
-  </p:cSld>
-  <p:clrMapOvr>
-    <a:masterClrMapping/>
-  </p:clrMapOvr>
-  <p:transition spd="slow">
-    <p:push dir="d"/>
-  </p:transition>
-  <p:timing>
-    <p:tnLst>
-      <p:par>
-        <p:cTn id="1" dur="indefinite" restart="never" nodeType="tmRoot"/>
-      </p:par>
-    </p:tnLst>
-  </p:timing>
-</p:sld>
-</file>
-
-<file path=ppt/slides/slide29.xml><?xml version="1.0" encoding="utf-8"?>
-<p:sld xmlns:a="http://schemas.openxmlformats.org/drawingml/2006/main" xmlns:r="http://schemas.openxmlformats.org/officeDocument/2006/relationships" xmlns:p="http://schemas.openxmlformats.org/presentationml/2006/main">
-  <p:cSld>
-    <p:spTree>
-      <p:nvGrpSpPr>
-        <p:cNvPr id="1" name=""/>
-        <p:cNvGrpSpPr/>
-        <p:nvPr/>
-      </p:nvGrpSpPr>
       <p:grpSpPr/>
       <p:sp>
         <p:nvSpPr>
@@ -37502,749 +35628,7 @@
 </p:sld>
 </file>
 
-<file path=ppt/slides/slide3.xml><?xml version="1.0" encoding="utf-8"?>
-<p:sld xmlns:a="http://schemas.openxmlformats.org/drawingml/2006/main" xmlns:r="http://schemas.openxmlformats.org/officeDocument/2006/relationships" xmlns:p="http://schemas.openxmlformats.org/presentationml/2006/main">
-  <p:cSld>
-    <p:spTree>
-      <p:nvGrpSpPr>
-        <p:cNvPr id="1" name=""/>
-        <p:cNvGrpSpPr/>
-        <p:nvPr/>
-      </p:nvGrpSpPr>
-      <p:grpSpPr>
-        <a:xfrm>
-          <a:off x="0" y="0"/>
-          <a:ext cx="0" cy="0"/>
-          <a:chOff x="0" y="0"/>
-          <a:chExt cx="0" cy="0"/>
-        </a:xfrm>
-      </p:grpSpPr>
-      <p:sp>
-        <p:nvSpPr>
-          <p:cNvPr id="105" name="CustomShape 1"/>
-          <p:cNvSpPr/>
-          <p:nvPr/>
-        </p:nvSpPr>
-        <p:spPr>
-          <a:xfrm>
-            <a:off x="1250640" y="844560"/>
-            <a:ext cx="1619640" cy="510120"/>
-          </a:xfrm>
-          <a:prstGeom prst="chevron">
-            <a:avLst>
-              <a:gd name="adj" fmla="val 50000"/>
-            </a:avLst>
-          </a:prstGeom>
-          <a:solidFill>
-            <a:srgbClr val="111C76"/>
-          </a:solidFill>
-          <a:ln w="3240">
-            <a:solidFill>
-              <a:schemeClr val="bg1"/>
-            </a:solidFill>
-            <a:round/>
-          </a:ln>
-        </p:spPr>
-        <p:style>
-          <a:lnRef idx="2">
-            <a:schemeClr val="accent1">
-              <a:shade val="50000"/>
-            </a:schemeClr>
-          </a:lnRef>
-          <a:fillRef idx="1">
-            <a:schemeClr val="accent1"/>
-          </a:fillRef>
-          <a:effectRef idx="0">
-            <a:schemeClr val="accent1"/>
-          </a:effectRef>
-          <a:fontRef idx="minor"/>
-        </p:style>
-        <p:txBody>
-          <a:bodyPr lIns="90000" tIns="45000" rIns="90000" bIns="45000" anchor="ctr"/>
-          <a:p>
-            <a:pPr algn="ctr">
-              <a:lnSpc>
-                <a:spcPct val="100000"/>
-              </a:lnSpc>
-            </a:pPr>
-            <a:r>
-              <a:rPr lang="en-US" sz="1100" spc="-1">
-                <a:solidFill>
-                  <a:srgbClr val="FFFFFF"/>
-                </a:solidFill>
-                <a:uFill>
-                  <a:solidFill>
-                    <a:srgbClr val="FFFFFF"/>
-                  </a:solidFill>
-                </a:uFill>
-                <a:latin typeface="Caviar Dreams"/>
-                <a:ea typeface="DejaVu Sans" panose="020B0603030804020204"/>
-                <a:sym typeface="+mn-ea"/>
-              </a:rPr>
-              <a:t>Tinjauan Pustaka</a:t>
-            </a:r>
-            <a:endParaRPr lang="en-US" sz="1800" b="0" strike="noStrike" spc="-1">
-              <a:solidFill>
-                <a:srgbClr val="000000"/>
-              </a:solidFill>
-              <a:uFill>
-                <a:solidFill>
-                  <a:srgbClr val="FFFFFF"/>
-                </a:solidFill>
-              </a:uFill>
-              <a:latin typeface="Arial" panose="020B0604020202020204"/>
-            </a:endParaRPr>
-          </a:p>
-        </p:txBody>
-      </p:sp>
-      <p:sp>
-        <p:nvSpPr>
-          <p:cNvPr id="106" name="CustomShape 2"/>
-          <p:cNvSpPr/>
-          <p:nvPr/>
-        </p:nvSpPr>
-        <p:spPr>
-          <a:xfrm>
-            <a:off x="2614680" y="844560"/>
-            <a:ext cx="1623600" cy="510120"/>
-          </a:xfrm>
-          <a:prstGeom prst="chevron">
-            <a:avLst>
-              <a:gd name="adj" fmla="val 50000"/>
-            </a:avLst>
-          </a:prstGeom>
-          <a:solidFill>
-            <a:srgbClr val="111C76"/>
-          </a:solidFill>
-          <a:ln w="3240">
-            <a:solidFill>
-              <a:schemeClr val="bg1"/>
-            </a:solidFill>
-            <a:round/>
-          </a:ln>
-        </p:spPr>
-        <p:style>
-          <a:lnRef idx="2">
-            <a:schemeClr val="accent1">
-              <a:shade val="50000"/>
-            </a:schemeClr>
-          </a:lnRef>
-          <a:fillRef idx="1">
-            <a:schemeClr val="accent1"/>
-          </a:fillRef>
-          <a:effectRef idx="0">
-            <a:schemeClr val="accent1"/>
-          </a:effectRef>
-          <a:fontRef idx="minor"/>
-        </p:style>
-        <p:txBody>
-          <a:bodyPr lIns="90000" tIns="45000" rIns="90000" bIns="45000" anchor="ctr"/>
-          <a:p>
-            <a:pPr algn="ctr">
-              <a:lnSpc>
-                <a:spcPct val="100000"/>
-              </a:lnSpc>
-            </a:pPr>
-            <a:r>
-              <a:rPr lang="en-US" sz="1100" b="0" strike="noStrike" spc="-1">
-                <a:solidFill>
-                  <a:srgbClr val="FFFFFF"/>
-                </a:solidFill>
-                <a:uFill>
-                  <a:solidFill>
-                    <a:srgbClr val="FFFFFF"/>
-                  </a:solidFill>
-                </a:uFill>
-                <a:latin typeface="Caviar Dreams"/>
-                <a:ea typeface="DejaVu Sans" panose="020B0603030804020204"/>
-              </a:rPr>
-              <a:t>Tujuan Proyek Akhir</a:t>
-            </a:r>
-            <a:endParaRPr lang="en-US" sz="1800" b="0" strike="noStrike" spc="-1">
-              <a:solidFill>
-                <a:srgbClr val="000000"/>
-              </a:solidFill>
-              <a:uFill>
-                <a:solidFill>
-                  <a:srgbClr val="FFFFFF"/>
-                </a:solidFill>
-              </a:uFill>
-              <a:latin typeface="Arial" panose="020B0604020202020204"/>
-            </a:endParaRPr>
-          </a:p>
-        </p:txBody>
-      </p:sp>
-      <p:sp>
-        <p:nvSpPr>
-          <p:cNvPr id="107" name="CustomShape 3"/>
-          <p:cNvSpPr/>
-          <p:nvPr/>
-        </p:nvSpPr>
-        <p:spPr>
-          <a:xfrm>
-            <a:off x="3924000" y="848520"/>
-            <a:ext cx="1727640" cy="510120"/>
-          </a:xfrm>
-          <a:prstGeom prst="chevron">
-            <a:avLst>
-              <a:gd name="adj" fmla="val 50000"/>
-            </a:avLst>
-          </a:prstGeom>
-          <a:solidFill>
-            <a:srgbClr val="111C76"/>
-          </a:solidFill>
-          <a:ln w="3240">
-            <a:solidFill>
-              <a:schemeClr val="bg1"/>
-            </a:solidFill>
-            <a:round/>
-          </a:ln>
-        </p:spPr>
-        <p:style>
-          <a:lnRef idx="2">
-            <a:schemeClr val="accent1">
-              <a:shade val="50000"/>
-            </a:schemeClr>
-          </a:lnRef>
-          <a:fillRef idx="1">
-            <a:schemeClr val="accent1"/>
-          </a:fillRef>
-          <a:effectRef idx="0">
-            <a:schemeClr val="accent1"/>
-          </a:effectRef>
-          <a:fontRef idx="minor"/>
-        </p:style>
-        <p:txBody>
-          <a:bodyPr lIns="90000" tIns="45000" rIns="90000" bIns="45000" anchor="ctr"/>
-          <a:p>
-            <a:pPr algn="ctr">
-              <a:lnSpc>
-                <a:spcPct val="100000"/>
-              </a:lnSpc>
-            </a:pPr>
-            <a:r>
-              <a:rPr lang="en-US" sz="1100" spc="-1">
-                <a:solidFill>
-                  <a:srgbClr val="FFFFFF"/>
-                </a:solidFill>
-                <a:uFill>
-                  <a:solidFill>
-                    <a:srgbClr val="FFFFFF"/>
-                  </a:solidFill>
-                </a:uFill>
-                <a:latin typeface="Caviar Dreams"/>
-                <a:ea typeface="DejaVu Sans" panose="020B0603030804020204"/>
-                <a:sym typeface="+mn-ea"/>
-              </a:rPr>
-              <a:t>Metodologi</a:t>
-            </a:r>
-            <a:endParaRPr lang="en-US" sz="1800" b="0" strike="noStrike" spc="-1">
-              <a:solidFill>
-                <a:srgbClr val="000000"/>
-              </a:solidFill>
-              <a:uFill>
-                <a:solidFill>
-                  <a:srgbClr val="FFFFFF"/>
-                </a:solidFill>
-              </a:uFill>
-              <a:latin typeface="Arial" panose="020B0604020202020204"/>
-            </a:endParaRPr>
-          </a:p>
-        </p:txBody>
-      </p:sp>
-      <p:sp>
-        <p:nvSpPr>
-          <p:cNvPr id="108" name="CustomShape 4"/>
-          <p:cNvSpPr/>
-          <p:nvPr/>
-        </p:nvSpPr>
-        <p:spPr>
-          <a:xfrm>
-            <a:off x="5402160" y="851400"/>
-            <a:ext cx="1755720" cy="503280"/>
-          </a:xfrm>
-          <a:prstGeom prst="chevron">
-            <a:avLst>
-              <a:gd name="adj" fmla="val 50000"/>
-            </a:avLst>
-          </a:prstGeom>
-          <a:solidFill>
-            <a:srgbClr val="111C76"/>
-          </a:solidFill>
-          <a:ln w="3240">
-            <a:solidFill>
-              <a:schemeClr val="bg1"/>
-            </a:solidFill>
-            <a:round/>
-          </a:ln>
-        </p:spPr>
-        <p:style>
-          <a:lnRef idx="2">
-            <a:schemeClr val="accent1">
-              <a:shade val="50000"/>
-            </a:schemeClr>
-          </a:lnRef>
-          <a:fillRef idx="1">
-            <a:schemeClr val="accent1"/>
-          </a:fillRef>
-          <a:effectRef idx="0">
-            <a:schemeClr val="accent1"/>
-          </a:effectRef>
-          <a:fontRef idx="minor"/>
-        </p:style>
-        <p:txBody>
-          <a:bodyPr lIns="90000" tIns="45000" rIns="90000" bIns="45000" anchor="ctr"/>
-          <a:p>
-            <a:pPr algn="ctr">
-              <a:lnSpc>
-                <a:spcPct val="100000"/>
-              </a:lnSpc>
-            </a:pPr>
-            <a:r>
-              <a:rPr lang="en-US" altLang="en-US" sz="1100" b="0" strike="noStrike" spc="-1">
-                <a:solidFill>
-                  <a:srgbClr val="FFFFFF"/>
-                </a:solidFill>
-                <a:uFill>
-                  <a:solidFill>
-                    <a:srgbClr val="FFFFFF"/>
-                  </a:solidFill>
-                </a:uFill>
-                <a:latin typeface="Caviar Dreams"/>
-                <a:ea typeface="DejaVu Sans" panose="020B0603030804020204"/>
-              </a:rPr>
-              <a:t>Pembahasan</a:t>
-            </a:r>
-            <a:endParaRPr lang="en-US" altLang="en-US" sz="1800" b="0" strike="noStrike" spc="-1">
-              <a:solidFill>
-                <a:srgbClr val="000000"/>
-              </a:solidFill>
-              <a:uFill>
-                <a:solidFill>
-                  <a:srgbClr val="FFFFFF"/>
-                </a:solidFill>
-              </a:uFill>
-              <a:latin typeface="Arial" panose="020B0604020202020204"/>
-            </a:endParaRPr>
-          </a:p>
-        </p:txBody>
-      </p:sp>
-      <p:sp>
-        <p:nvSpPr>
-          <p:cNvPr id="109" name="CustomShape 5"/>
-          <p:cNvSpPr/>
-          <p:nvPr/>
-        </p:nvSpPr>
-        <p:spPr>
-          <a:xfrm>
-            <a:off x="4897755" y="227330"/>
-            <a:ext cx="3347720" cy="699135"/>
-          </a:xfrm>
-          <a:prstGeom prst="rect">
-            <a:avLst/>
-          </a:prstGeom>
-          <a:noFill/>
-          <a:ln>
-            <a:noFill/>
-          </a:ln>
-        </p:spPr>
-        <p:style>
-          <a:lnRef idx="0">
-            <a:srgbClr val="FFFFFF"/>
-          </a:lnRef>
-          <a:fillRef idx="0">
-            <a:srgbClr val="FFFFFF"/>
-          </a:fillRef>
-          <a:effectRef idx="0">
-            <a:srgbClr val="FFFFFF"/>
-          </a:effectRef>
-          <a:fontRef idx="minor"/>
-        </p:style>
-        <p:txBody>
-          <a:bodyPr lIns="90000" tIns="45000" rIns="90000" bIns="45000"/>
-          <a:p>
-            <a:pPr algn="ctr">
-              <a:lnSpc>
-                <a:spcPct val="100000"/>
-              </a:lnSpc>
-            </a:pPr>
-            <a:r>
-              <a:rPr lang="en-US" sz="2000" b="1" strike="noStrike" spc="-1">
-                <a:solidFill>
-                  <a:srgbClr val="1F497D"/>
-                </a:solidFill>
-                <a:uFill>
-                  <a:solidFill>
-                    <a:srgbClr val="FFFFFF"/>
-                  </a:solidFill>
-                </a:uFill>
-                <a:latin typeface="Capsuula"/>
-                <a:ea typeface="DejaVu Sans" panose="020B0603030804020204"/>
-              </a:rPr>
-              <a:t>Universitas Gadjah Mada</a:t>
-            </a:r>
-            <a:endParaRPr lang="en-US" sz="1800" b="0" strike="noStrike" spc="-1">
-              <a:solidFill>
-                <a:srgbClr val="000000"/>
-              </a:solidFill>
-              <a:uFill>
-                <a:solidFill>
-                  <a:srgbClr val="FFFFFF"/>
-                </a:solidFill>
-              </a:uFill>
-              <a:latin typeface="Arial" panose="020B0604020202020204"/>
-            </a:endParaRPr>
-          </a:p>
-        </p:txBody>
-      </p:sp>
-      <p:sp>
-        <p:nvSpPr>
-          <p:cNvPr id="110" name="CustomShape 6"/>
-          <p:cNvSpPr/>
-          <p:nvPr/>
-        </p:nvSpPr>
-        <p:spPr>
-          <a:xfrm>
-            <a:off x="6849360" y="851400"/>
-            <a:ext cx="1703880" cy="503280"/>
-          </a:xfrm>
-          <a:prstGeom prst="chevron">
-            <a:avLst>
-              <a:gd name="adj" fmla="val 50000"/>
-            </a:avLst>
-          </a:prstGeom>
-          <a:solidFill>
-            <a:srgbClr val="111C76"/>
-          </a:solidFill>
-          <a:ln w="3240">
-            <a:solidFill>
-              <a:schemeClr val="bg1"/>
-            </a:solidFill>
-            <a:round/>
-          </a:ln>
-        </p:spPr>
-        <p:style>
-          <a:lnRef idx="2">
-            <a:schemeClr val="accent1">
-              <a:shade val="50000"/>
-            </a:schemeClr>
-          </a:lnRef>
-          <a:fillRef idx="1">
-            <a:schemeClr val="accent1"/>
-          </a:fillRef>
-          <a:effectRef idx="0">
-            <a:schemeClr val="accent1"/>
-          </a:effectRef>
-          <a:fontRef idx="minor"/>
-        </p:style>
-        <p:txBody>
-          <a:bodyPr lIns="90000" tIns="45000" rIns="90000" bIns="45000" anchor="ctr"/>
-          <a:p>
-            <a:pPr algn="ctr">
-              <a:lnSpc>
-                <a:spcPct val="100000"/>
-              </a:lnSpc>
-            </a:pPr>
-            <a:r>
-              <a:rPr lang="en-US" altLang="en-US" sz="1100" b="0" strike="noStrike" spc="-1">
-                <a:solidFill>
-                  <a:srgbClr val="FFFFFF"/>
-                </a:solidFill>
-                <a:uFill>
-                  <a:solidFill>
-                    <a:srgbClr val="FFFFFF"/>
-                  </a:solidFill>
-                </a:uFill>
-                <a:latin typeface="Caviar Dreams"/>
-                <a:ea typeface="DejaVu Sans" panose="020B0603030804020204"/>
-              </a:rPr>
-              <a:t>Kesimpulan dan Saran</a:t>
-            </a:r>
-            <a:endParaRPr lang="en-US" altLang="en-US" sz="1800" b="0" strike="noStrike" spc="-1">
-              <a:solidFill>
-                <a:srgbClr val="000000"/>
-              </a:solidFill>
-              <a:uFill>
-                <a:solidFill>
-                  <a:srgbClr val="FFFFFF"/>
-                </a:solidFill>
-              </a:uFill>
-              <a:latin typeface="Arial" panose="020B0604020202020204"/>
-            </a:endParaRPr>
-          </a:p>
-        </p:txBody>
-      </p:sp>
-      <p:sp>
-        <p:nvSpPr>
-          <p:cNvPr id="111" name="CustomShape 7"/>
-          <p:cNvSpPr/>
-          <p:nvPr/>
-        </p:nvSpPr>
-        <p:spPr>
-          <a:xfrm>
-            <a:off x="20880" y="177840"/>
-            <a:ext cx="3542040" cy="394200"/>
-          </a:xfrm>
-          <a:prstGeom prst="rect">
-            <a:avLst/>
-          </a:prstGeom>
-          <a:noFill/>
-          <a:ln>
-            <a:noFill/>
-          </a:ln>
-        </p:spPr>
-        <p:style>
-          <a:lnRef idx="0">
-            <a:srgbClr val="FFFFFF"/>
-          </a:lnRef>
-          <a:fillRef idx="0">
-            <a:srgbClr val="FFFFFF"/>
-          </a:fillRef>
-          <a:effectRef idx="0">
-            <a:srgbClr val="FFFFFF"/>
-          </a:effectRef>
-          <a:fontRef idx="minor"/>
-        </p:style>
-        <p:txBody>
-          <a:bodyPr lIns="90000" tIns="45000" rIns="90000" bIns="45000"/>
-          <a:p>
-            <a:pPr>
-              <a:lnSpc>
-                <a:spcPct val="150000"/>
-              </a:lnSpc>
-            </a:pPr>
-            <a:r>
-              <a:rPr lang="en-US" altLang="en-US" sz="800" b="0" strike="noStrike" spc="-1">
-                <a:solidFill>
-                  <a:srgbClr val="1F497D"/>
-                </a:solidFill>
-                <a:uFill>
-                  <a:solidFill>
-                    <a:srgbClr val="FFFFFF"/>
-                  </a:solidFill>
-                </a:uFill>
-                <a:latin typeface="Caviar Dreams"/>
-                <a:ea typeface="DejaVu Sans" panose="020B0603030804020204"/>
-              </a:rPr>
-              <a:t>“Penerapan HTTP/2 SSE dan Websocket pada Rumah Pintar”</a:t>
-            </a:r>
-            <a:endParaRPr lang="en-US" altLang="en-US" sz="800" b="0" strike="noStrike" spc="-1">
-              <a:solidFill>
-                <a:srgbClr val="1F497D"/>
-              </a:solidFill>
-              <a:uFill>
-                <a:solidFill>
-                  <a:srgbClr val="FFFFFF"/>
-                </a:solidFill>
-              </a:uFill>
-              <a:latin typeface="Caviar Dreams"/>
-              <a:ea typeface="DejaVu Sans" panose="020B0603030804020204"/>
-            </a:endParaRPr>
-          </a:p>
-        </p:txBody>
-      </p:sp>
-      <p:sp>
-        <p:nvSpPr>
-          <p:cNvPr id="112" name="CustomShape 8"/>
-          <p:cNvSpPr/>
-          <p:nvPr/>
-        </p:nvSpPr>
-        <p:spPr>
-          <a:xfrm>
-            <a:off x="0" y="843480"/>
-            <a:ext cx="1505160" cy="510120"/>
-          </a:xfrm>
-          <a:prstGeom prst="homePlate">
-            <a:avLst>
-              <a:gd name="adj" fmla="val 50000"/>
-            </a:avLst>
-          </a:prstGeom>
-          <a:solidFill>
-            <a:srgbClr val="F9C534"/>
-          </a:solidFill>
-          <a:ln w="3240">
-            <a:solidFill>
-              <a:srgbClr val="111C76"/>
-            </a:solidFill>
-            <a:round/>
-          </a:ln>
-        </p:spPr>
-        <p:style>
-          <a:lnRef idx="2">
-            <a:schemeClr val="accent1">
-              <a:shade val="50000"/>
-            </a:schemeClr>
-          </a:lnRef>
-          <a:fillRef idx="1">
-            <a:schemeClr val="accent1"/>
-          </a:fillRef>
-          <a:effectRef idx="0">
-            <a:schemeClr val="accent1"/>
-          </a:effectRef>
-          <a:fontRef idx="minor"/>
-        </p:style>
-        <p:txBody>
-          <a:bodyPr lIns="90000" tIns="45000" rIns="90000" bIns="45000" anchor="ctr"/>
-          <a:p>
-            <a:pPr algn="ctr">
-              <a:lnSpc>
-                <a:spcPct val="100000"/>
-              </a:lnSpc>
-            </a:pPr>
-            <a:r>
-              <a:rPr lang="en-US" sz="1100" b="0" strike="noStrike" spc="-1">
-                <a:solidFill>
-                  <a:srgbClr val="111C76"/>
-                </a:solidFill>
-                <a:uFill>
-                  <a:solidFill>
-                    <a:srgbClr val="FFFFFF"/>
-                  </a:solidFill>
-                </a:uFill>
-                <a:latin typeface="Caviar Dreams"/>
-                <a:ea typeface="DejaVu Sans" panose="020B0603030804020204"/>
-              </a:rPr>
-              <a:t>Latar Belakang</a:t>
-            </a:r>
-            <a:endParaRPr lang="en-US" sz="1800" b="0" strike="noStrike" spc="-1">
-              <a:solidFill>
-                <a:srgbClr val="000000"/>
-              </a:solidFill>
-              <a:uFill>
-                <a:solidFill>
-                  <a:srgbClr val="FFFFFF"/>
-                </a:solidFill>
-              </a:uFill>
-              <a:latin typeface="Arial" panose="020B0604020202020204"/>
-            </a:endParaRPr>
-          </a:p>
-        </p:txBody>
-      </p:sp>
-      <p:sp>
-        <p:nvSpPr>
-          <p:cNvPr id="113" name="CustomShape 9"/>
-          <p:cNvSpPr/>
-          <p:nvPr/>
-        </p:nvSpPr>
-        <p:spPr>
-          <a:xfrm>
-            <a:off x="59040" y="1590120"/>
-            <a:ext cx="4329720" cy="1253880"/>
-          </a:xfrm>
-          <a:prstGeom prst="rect">
-            <a:avLst/>
-          </a:prstGeom>
-          <a:gradFill>
-            <a:gsLst>
-              <a:gs pos="0">
-                <a:srgbClr val="FFDB9E"/>
-              </a:gs>
-              <a:gs pos="50000">
-                <a:srgbClr val="FFE8C4"/>
-              </a:gs>
-              <a:gs pos="100000">
-                <a:srgbClr val="FFF2E1"/>
-              </a:gs>
-            </a:gsLst>
-            <a:lin ang="0"/>
-          </a:gradFill>
-          <a:ln>
-            <a:noFill/>
-          </a:ln>
-        </p:spPr>
-        <p:style>
-          <a:lnRef idx="0">
-            <a:srgbClr val="FFFFFF"/>
-          </a:lnRef>
-          <a:fillRef idx="0">
-            <a:srgbClr val="FFFFFF"/>
-          </a:fillRef>
-          <a:effectRef idx="0">
-            <a:srgbClr val="FFFFFF"/>
-          </a:effectRef>
-          <a:fontRef idx="minor"/>
-        </p:style>
-        <p:txBody>
-          <a:bodyPr lIns="90000" tIns="45000" rIns="90000" bIns="45000"/>
-          <a:p>
-            <a:pPr marL="186055" algn="just">
-              <a:lnSpc>
-                <a:spcPct val="170000"/>
-              </a:lnSpc>
-            </a:pPr>
-            <a:r>
-              <a:rPr lang="en-US" sz="1400" b="0" strike="noStrike" spc="-1">
-                <a:solidFill>
-                  <a:srgbClr val="000000"/>
-                </a:solidFill>
-                <a:uFill>
-                  <a:solidFill>
-                    <a:srgbClr val="FFFFFF"/>
-                  </a:solidFill>
-                </a:uFill>
-                <a:latin typeface="Caviar Dreams"/>
-                <a:ea typeface="DejaVu Sans" panose="020B0603030804020204"/>
-              </a:rPr>
-              <a:t>Jumlah pengguna internet di Indonesia dari 2017 sampai 2023 akan terus mengalami peningkatan</a:t>
-            </a:r>
-            <a:endParaRPr lang="en-US" sz="1800" b="0" strike="noStrike" spc="-1">
-              <a:solidFill>
-                <a:srgbClr val="000000"/>
-              </a:solidFill>
-              <a:uFill>
-                <a:solidFill>
-                  <a:srgbClr val="FFFFFF"/>
-                </a:solidFill>
-              </a:uFill>
-              <a:latin typeface="Arial" panose="020B0604020202020204"/>
-            </a:endParaRPr>
-          </a:p>
-        </p:txBody>
-      </p:sp>
-      <p:pic>
-        <p:nvPicPr>
-          <p:cNvPr id="114" name="Picture 113"/>
-          <p:cNvPicPr/>
-          <p:nvPr/>
-        </p:nvPicPr>
-        <p:blipFill>
-          <a:blip r:embed="rId1"/>
-          <a:stretch>
-            <a:fillRect/>
-          </a:stretch>
-        </p:blipFill>
-        <p:spPr>
-          <a:xfrm>
-            <a:off x="4480560" y="1424520"/>
-            <a:ext cx="3748680" cy="3349440"/>
-          </a:xfrm>
-          <a:prstGeom prst="rect">
-            <a:avLst/>
-          </a:prstGeom>
-          <a:ln>
-            <a:noFill/>
-          </a:ln>
-        </p:spPr>
-      </p:pic>
-    </p:spTree>
-  </p:cSld>
-  <p:clrMapOvr>
-    <a:masterClrMapping/>
-  </p:clrMapOvr>
-  <p:transition spd="slow">
-    <p:push dir="d"/>
-  </p:transition>
-  <p:timing>
-    <p:tnLst>
-      <p:par>
-        <p:cTn id="1" dur="indefinite" restart="never" nodeType="tmRoot"/>
-      </p:par>
-    </p:tnLst>
-  </p:timing>
-</p:sld>
-</file>
-
-<file path=ppt/slides/slide30.xml><?xml version="1.0" encoding="utf-8"?>
+<file path=ppt/slides/slide29.xml><?xml version="1.0" encoding="utf-8"?>
 <p:sld xmlns:a="http://schemas.openxmlformats.org/drawingml/2006/main" xmlns:r="http://schemas.openxmlformats.org/officeDocument/2006/relationships" xmlns:p="http://schemas.openxmlformats.org/presentationml/2006/main">
   <p:cSld>
     <p:bg>
@@ -38399,6 +35783,748 @@
           </a:p>
         </p:txBody>
       </p:sp>
+    </p:spTree>
+  </p:cSld>
+  <p:clrMapOvr>
+    <a:masterClrMapping/>
+  </p:clrMapOvr>
+  <p:transition spd="slow">
+    <p:push dir="d"/>
+  </p:transition>
+  <p:timing>
+    <p:tnLst>
+      <p:par>
+        <p:cTn id="1" dur="indefinite" restart="never" nodeType="tmRoot"/>
+      </p:par>
+    </p:tnLst>
+  </p:timing>
+</p:sld>
+</file>
+
+<file path=ppt/slides/slide3.xml><?xml version="1.0" encoding="utf-8"?>
+<p:sld xmlns:a="http://schemas.openxmlformats.org/drawingml/2006/main" xmlns:r="http://schemas.openxmlformats.org/officeDocument/2006/relationships" xmlns:p="http://schemas.openxmlformats.org/presentationml/2006/main">
+  <p:cSld>
+    <p:spTree>
+      <p:nvGrpSpPr>
+        <p:cNvPr id="1" name=""/>
+        <p:cNvGrpSpPr/>
+        <p:nvPr/>
+      </p:nvGrpSpPr>
+      <p:grpSpPr>
+        <a:xfrm>
+          <a:off x="0" y="0"/>
+          <a:ext cx="0" cy="0"/>
+          <a:chOff x="0" y="0"/>
+          <a:chExt cx="0" cy="0"/>
+        </a:xfrm>
+      </p:grpSpPr>
+      <p:sp>
+        <p:nvSpPr>
+          <p:cNvPr id="105" name="CustomShape 1"/>
+          <p:cNvSpPr/>
+          <p:nvPr/>
+        </p:nvSpPr>
+        <p:spPr>
+          <a:xfrm>
+            <a:off x="1250640" y="844560"/>
+            <a:ext cx="1619640" cy="510120"/>
+          </a:xfrm>
+          <a:prstGeom prst="chevron">
+            <a:avLst>
+              <a:gd name="adj" fmla="val 50000"/>
+            </a:avLst>
+          </a:prstGeom>
+          <a:solidFill>
+            <a:srgbClr val="111C76"/>
+          </a:solidFill>
+          <a:ln w="3240">
+            <a:solidFill>
+              <a:schemeClr val="bg1"/>
+            </a:solidFill>
+            <a:round/>
+          </a:ln>
+        </p:spPr>
+        <p:style>
+          <a:lnRef idx="2">
+            <a:schemeClr val="accent1">
+              <a:shade val="50000"/>
+            </a:schemeClr>
+          </a:lnRef>
+          <a:fillRef idx="1">
+            <a:schemeClr val="accent1"/>
+          </a:fillRef>
+          <a:effectRef idx="0">
+            <a:schemeClr val="accent1"/>
+          </a:effectRef>
+          <a:fontRef idx="minor"/>
+        </p:style>
+        <p:txBody>
+          <a:bodyPr lIns="90000" tIns="45000" rIns="90000" bIns="45000" anchor="ctr"/>
+          <a:p>
+            <a:pPr algn="ctr">
+              <a:lnSpc>
+                <a:spcPct val="100000"/>
+              </a:lnSpc>
+            </a:pPr>
+            <a:r>
+              <a:rPr lang="en-US" sz="1100" spc="-1">
+                <a:solidFill>
+                  <a:srgbClr val="FFFFFF"/>
+                </a:solidFill>
+                <a:uFill>
+                  <a:solidFill>
+                    <a:srgbClr val="FFFFFF"/>
+                  </a:solidFill>
+                </a:uFill>
+                <a:latin typeface="Caviar Dreams"/>
+                <a:ea typeface="DejaVu Sans" panose="020B0603030804020204"/>
+                <a:sym typeface="+mn-ea"/>
+              </a:rPr>
+              <a:t>Tinjauan Pustaka</a:t>
+            </a:r>
+            <a:endParaRPr lang="en-US" sz="1800" b="0" strike="noStrike" spc="-1">
+              <a:solidFill>
+                <a:srgbClr val="000000"/>
+              </a:solidFill>
+              <a:uFill>
+                <a:solidFill>
+                  <a:srgbClr val="FFFFFF"/>
+                </a:solidFill>
+              </a:uFill>
+              <a:latin typeface="Arial" panose="020B0604020202020204"/>
+            </a:endParaRPr>
+          </a:p>
+        </p:txBody>
+      </p:sp>
+      <p:sp>
+        <p:nvSpPr>
+          <p:cNvPr id="106" name="CustomShape 2"/>
+          <p:cNvSpPr/>
+          <p:nvPr/>
+        </p:nvSpPr>
+        <p:spPr>
+          <a:xfrm>
+            <a:off x="2614680" y="844560"/>
+            <a:ext cx="1623600" cy="510120"/>
+          </a:xfrm>
+          <a:prstGeom prst="chevron">
+            <a:avLst>
+              <a:gd name="adj" fmla="val 50000"/>
+            </a:avLst>
+          </a:prstGeom>
+          <a:solidFill>
+            <a:srgbClr val="111C76"/>
+          </a:solidFill>
+          <a:ln w="3240">
+            <a:solidFill>
+              <a:schemeClr val="bg1"/>
+            </a:solidFill>
+            <a:round/>
+          </a:ln>
+        </p:spPr>
+        <p:style>
+          <a:lnRef idx="2">
+            <a:schemeClr val="accent1">
+              <a:shade val="50000"/>
+            </a:schemeClr>
+          </a:lnRef>
+          <a:fillRef idx="1">
+            <a:schemeClr val="accent1"/>
+          </a:fillRef>
+          <a:effectRef idx="0">
+            <a:schemeClr val="accent1"/>
+          </a:effectRef>
+          <a:fontRef idx="minor"/>
+        </p:style>
+        <p:txBody>
+          <a:bodyPr lIns="90000" tIns="45000" rIns="90000" bIns="45000" anchor="ctr"/>
+          <a:p>
+            <a:pPr algn="ctr">
+              <a:lnSpc>
+                <a:spcPct val="100000"/>
+              </a:lnSpc>
+            </a:pPr>
+            <a:r>
+              <a:rPr lang="en-US" sz="1100" b="0" strike="noStrike" spc="-1">
+                <a:solidFill>
+                  <a:srgbClr val="FFFFFF"/>
+                </a:solidFill>
+                <a:uFill>
+                  <a:solidFill>
+                    <a:srgbClr val="FFFFFF"/>
+                  </a:solidFill>
+                </a:uFill>
+                <a:latin typeface="Caviar Dreams"/>
+                <a:ea typeface="DejaVu Sans" panose="020B0603030804020204"/>
+              </a:rPr>
+              <a:t>Tujuan Proyek Akhir</a:t>
+            </a:r>
+            <a:endParaRPr lang="en-US" sz="1800" b="0" strike="noStrike" spc="-1">
+              <a:solidFill>
+                <a:srgbClr val="000000"/>
+              </a:solidFill>
+              <a:uFill>
+                <a:solidFill>
+                  <a:srgbClr val="FFFFFF"/>
+                </a:solidFill>
+              </a:uFill>
+              <a:latin typeface="Arial" panose="020B0604020202020204"/>
+            </a:endParaRPr>
+          </a:p>
+        </p:txBody>
+      </p:sp>
+      <p:sp>
+        <p:nvSpPr>
+          <p:cNvPr id="107" name="CustomShape 3"/>
+          <p:cNvSpPr/>
+          <p:nvPr/>
+        </p:nvSpPr>
+        <p:spPr>
+          <a:xfrm>
+            <a:off x="3924000" y="848520"/>
+            <a:ext cx="1727640" cy="510120"/>
+          </a:xfrm>
+          <a:prstGeom prst="chevron">
+            <a:avLst>
+              <a:gd name="adj" fmla="val 50000"/>
+            </a:avLst>
+          </a:prstGeom>
+          <a:solidFill>
+            <a:srgbClr val="111C76"/>
+          </a:solidFill>
+          <a:ln w="3240">
+            <a:solidFill>
+              <a:schemeClr val="bg1"/>
+            </a:solidFill>
+            <a:round/>
+          </a:ln>
+        </p:spPr>
+        <p:style>
+          <a:lnRef idx="2">
+            <a:schemeClr val="accent1">
+              <a:shade val="50000"/>
+            </a:schemeClr>
+          </a:lnRef>
+          <a:fillRef idx="1">
+            <a:schemeClr val="accent1"/>
+          </a:fillRef>
+          <a:effectRef idx="0">
+            <a:schemeClr val="accent1"/>
+          </a:effectRef>
+          <a:fontRef idx="minor"/>
+        </p:style>
+        <p:txBody>
+          <a:bodyPr lIns="90000" tIns="45000" rIns="90000" bIns="45000" anchor="ctr"/>
+          <a:p>
+            <a:pPr algn="ctr">
+              <a:lnSpc>
+                <a:spcPct val="100000"/>
+              </a:lnSpc>
+            </a:pPr>
+            <a:r>
+              <a:rPr lang="en-US" sz="1100" spc="-1">
+                <a:solidFill>
+                  <a:srgbClr val="FFFFFF"/>
+                </a:solidFill>
+                <a:uFill>
+                  <a:solidFill>
+                    <a:srgbClr val="FFFFFF"/>
+                  </a:solidFill>
+                </a:uFill>
+                <a:latin typeface="Caviar Dreams"/>
+                <a:ea typeface="DejaVu Sans" panose="020B0603030804020204"/>
+                <a:sym typeface="+mn-ea"/>
+              </a:rPr>
+              <a:t>Metodologi</a:t>
+            </a:r>
+            <a:endParaRPr lang="en-US" sz="1800" b="0" strike="noStrike" spc="-1">
+              <a:solidFill>
+                <a:srgbClr val="000000"/>
+              </a:solidFill>
+              <a:uFill>
+                <a:solidFill>
+                  <a:srgbClr val="FFFFFF"/>
+                </a:solidFill>
+              </a:uFill>
+              <a:latin typeface="Arial" panose="020B0604020202020204"/>
+            </a:endParaRPr>
+          </a:p>
+        </p:txBody>
+      </p:sp>
+      <p:sp>
+        <p:nvSpPr>
+          <p:cNvPr id="108" name="CustomShape 4"/>
+          <p:cNvSpPr/>
+          <p:nvPr/>
+        </p:nvSpPr>
+        <p:spPr>
+          <a:xfrm>
+            <a:off x="5402160" y="851400"/>
+            <a:ext cx="1755720" cy="503280"/>
+          </a:xfrm>
+          <a:prstGeom prst="chevron">
+            <a:avLst>
+              <a:gd name="adj" fmla="val 50000"/>
+            </a:avLst>
+          </a:prstGeom>
+          <a:solidFill>
+            <a:srgbClr val="111C76"/>
+          </a:solidFill>
+          <a:ln w="3240">
+            <a:solidFill>
+              <a:schemeClr val="bg1"/>
+            </a:solidFill>
+            <a:round/>
+          </a:ln>
+        </p:spPr>
+        <p:style>
+          <a:lnRef idx="2">
+            <a:schemeClr val="accent1">
+              <a:shade val="50000"/>
+            </a:schemeClr>
+          </a:lnRef>
+          <a:fillRef idx="1">
+            <a:schemeClr val="accent1"/>
+          </a:fillRef>
+          <a:effectRef idx="0">
+            <a:schemeClr val="accent1"/>
+          </a:effectRef>
+          <a:fontRef idx="minor"/>
+        </p:style>
+        <p:txBody>
+          <a:bodyPr lIns="90000" tIns="45000" rIns="90000" bIns="45000" anchor="ctr"/>
+          <a:p>
+            <a:pPr algn="ctr">
+              <a:lnSpc>
+                <a:spcPct val="100000"/>
+              </a:lnSpc>
+            </a:pPr>
+            <a:r>
+              <a:rPr lang="en-US" altLang="en-US" sz="1100" b="0" strike="noStrike" spc="-1">
+                <a:solidFill>
+                  <a:srgbClr val="FFFFFF"/>
+                </a:solidFill>
+                <a:uFill>
+                  <a:solidFill>
+                    <a:srgbClr val="FFFFFF"/>
+                  </a:solidFill>
+                </a:uFill>
+                <a:latin typeface="Caviar Dreams"/>
+                <a:ea typeface="DejaVu Sans" panose="020B0603030804020204"/>
+              </a:rPr>
+              <a:t>Pembahasan</a:t>
+            </a:r>
+            <a:endParaRPr lang="en-US" altLang="en-US" sz="1800" b="0" strike="noStrike" spc="-1">
+              <a:solidFill>
+                <a:srgbClr val="000000"/>
+              </a:solidFill>
+              <a:uFill>
+                <a:solidFill>
+                  <a:srgbClr val="FFFFFF"/>
+                </a:solidFill>
+              </a:uFill>
+              <a:latin typeface="Arial" panose="020B0604020202020204"/>
+            </a:endParaRPr>
+          </a:p>
+        </p:txBody>
+      </p:sp>
+      <p:sp>
+        <p:nvSpPr>
+          <p:cNvPr id="109" name="CustomShape 5"/>
+          <p:cNvSpPr/>
+          <p:nvPr/>
+        </p:nvSpPr>
+        <p:spPr>
+          <a:xfrm>
+            <a:off x="4897755" y="227330"/>
+            <a:ext cx="3347720" cy="699135"/>
+          </a:xfrm>
+          <a:prstGeom prst="rect">
+            <a:avLst/>
+          </a:prstGeom>
+          <a:noFill/>
+          <a:ln>
+            <a:noFill/>
+          </a:ln>
+        </p:spPr>
+        <p:style>
+          <a:lnRef idx="0">
+            <a:srgbClr val="FFFFFF"/>
+          </a:lnRef>
+          <a:fillRef idx="0">
+            <a:srgbClr val="FFFFFF"/>
+          </a:fillRef>
+          <a:effectRef idx="0">
+            <a:srgbClr val="FFFFFF"/>
+          </a:effectRef>
+          <a:fontRef idx="minor"/>
+        </p:style>
+        <p:txBody>
+          <a:bodyPr lIns="90000" tIns="45000" rIns="90000" bIns="45000"/>
+          <a:p>
+            <a:pPr algn="ctr">
+              <a:lnSpc>
+                <a:spcPct val="100000"/>
+              </a:lnSpc>
+            </a:pPr>
+            <a:r>
+              <a:rPr lang="en-US" sz="2000" b="1" strike="noStrike" spc="-1">
+                <a:solidFill>
+                  <a:srgbClr val="1F497D"/>
+                </a:solidFill>
+                <a:uFill>
+                  <a:solidFill>
+                    <a:srgbClr val="FFFFFF"/>
+                  </a:solidFill>
+                </a:uFill>
+                <a:latin typeface="Capsuula"/>
+                <a:ea typeface="DejaVu Sans" panose="020B0603030804020204"/>
+              </a:rPr>
+              <a:t>Universitas Gadjah Mada</a:t>
+            </a:r>
+            <a:endParaRPr lang="en-US" sz="1800" b="0" strike="noStrike" spc="-1">
+              <a:solidFill>
+                <a:srgbClr val="000000"/>
+              </a:solidFill>
+              <a:uFill>
+                <a:solidFill>
+                  <a:srgbClr val="FFFFFF"/>
+                </a:solidFill>
+              </a:uFill>
+              <a:latin typeface="Arial" panose="020B0604020202020204"/>
+            </a:endParaRPr>
+          </a:p>
+        </p:txBody>
+      </p:sp>
+      <p:sp>
+        <p:nvSpPr>
+          <p:cNvPr id="110" name="CustomShape 6"/>
+          <p:cNvSpPr/>
+          <p:nvPr/>
+        </p:nvSpPr>
+        <p:spPr>
+          <a:xfrm>
+            <a:off x="6849360" y="851400"/>
+            <a:ext cx="1703880" cy="503280"/>
+          </a:xfrm>
+          <a:prstGeom prst="chevron">
+            <a:avLst>
+              <a:gd name="adj" fmla="val 50000"/>
+            </a:avLst>
+          </a:prstGeom>
+          <a:solidFill>
+            <a:srgbClr val="111C76"/>
+          </a:solidFill>
+          <a:ln w="3240">
+            <a:solidFill>
+              <a:schemeClr val="bg1"/>
+            </a:solidFill>
+            <a:round/>
+          </a:ln>
+        </p:spPr>
+        <p:style>
+          <a:lnRef idx="2">
+            <a:schemeClr val="accent1">
+              <a:shade val="50000"/>
+            </a:schemeClr>
+          </a:lnRef>
+          <a:fillRef idx="1">
+            <a:schemeClr val="accent1"/>
+          </a:fillRef>
+          <a:effectRef idx="0">
+            <a:schemeClr val="accent1"/>
+          </a:effectRef>
+          <a:fontRef idx="minor"/>
+        </p:style>
+        <p:txBody>
+          <a:bodyPr lIns="90000" tIns="45000" rIns="90000" bIns="45000" anchor="ctr"/>
+          <a:p>
+            <a:pPr algn="ctr">
+              <a:lnSpc>
+                <a:spcPct val="100000"/>
+              </a:lnSpc>
+            </a:pPr>
+            <a:r>
+              <a:rPr lang="en-US" altLang="en-US" sz="1100" b="0" strike="noStrike" spc="-1">
+                <a:solidFill>
+                  <a:srgbClr val="FFFFFF"/>
+                </a:solidFill>
+                <a:uFill>
+                  <a:solidFill>
+                    <a:srgbClr val="FFFFFF"/>
+                  </a:solidFill>
+                </a:uFill>
+                <a:latin typeface="Caviar Dreams"/>
+                <a:ea typeface="DejaVu Sans" panose="020B0603030804020204"/>
+              </a:rPr>
+              <a:t>Kesimpulan dan Saran</a:t>
+            </a:r>
+            <a:endParaRPr lang="en-US" altLang="en-US" sz="1800" b="0" strike="noStrike" spc="-1">
+              <a:solidFill>
+                <a:srgbClr val="000000"/>
+              </a:solidFill>
+              <a:uFill>
+                <a:solidFill>
+                  <a:srgbClr val="FFFFFF"/>
+                </a:solidFill>
+              </a:uFill>
+              <a:latin typeface="Arial" panose="020B0604020202020204"/>
+            </a:endParaRPr>
+          </a:p>
+        </p:txBody>
+      </p:sp>
+      <p:sp>
+        <p:nvSpPr>
+          <p:cNvPr id="111" name="CustomShape 7"/>
+          <p:cNvSpPr/>
+          <p:nvPr/>
+        </p:nvSpPr>
+        <p:spPr>
+          <a:xfrm>
+            <a:off x="20880" y="177840"/>
+            <a:ext cx="3542040" cy="394200"/>
+          </a:xfrm>
+          <a:prstGeom prst="rect">
+            <a:avLst/>
+          </a:prstGeom>
+          <a:noFill/>
+          <a:ln>
+            <a:noFill/>
+          </a:ln>
+        </p:spPr>
+        <p:style>
+          <a:lnRef idx="0">
+            <a:srgbClr val="FFFFFF"/>
+          </a:lnRef>
+          <a:fillRef idx="0">
+            <a:srgbClr val="FFFFFF"/>
+          </a:fillRef>
+          <a:effectRef idx="0">
+            <a:srgbClr val="FFFFFF"/>
+          </a:effectRef>
+          <a:fontRef idx="minor"/>
+        </p:style>
+        <p:txBody>
+          <a:bodyPr lIns="90000" tIns="45000" rIns="90000" bIns="45000"/>
+          <a:p>
+            <a:pPr>
+              <a:lnSpc>
+                <a:spcPct val="150000"/>
+              </a:lnSpc>
+            </a:pPr>
+            <a:r>
+              <a:rPr lang="en-US" altLang="en-US" sz="800" b="0" strike="noStrike" spc="-1">
+                <a:solidFill>
+                  <a:srgbClr val="1F497D"/>
+                </a:solidFill>
+                <a:uFill>
+                  <a:solidFill>
+                    <a:srgbClr val="FFFFFF"/>
+                  </a:solidFill>
+                </a:uFill>
+                <a:latin typeface="Caviar Dreams"/>
+                <a:ea typeface="DejaVu Sans" panose="020B0603030804020204"/>
+              </a:rPr>
+              <a:t>“Penerapan HTTP/2 SSE dan Websocket pada Rumah Pintar”</a:t>
+            </a:r>
+            <a:endParaRPr lang="en-US" altLang="en-US" sz="800" b="0" strike="noStrike" spc="-1">
+              <a:solidFill>
+                <a:srgbClr val="1F497D"/>
+              </a:solidFill>
+              <a:uFill>
+                <a:solidFill>
+                  <a:srgbClr val="FFFFFF"/>
+                </a:solidFill>
+              </a:uFill>
+              <a:latin typeface="Caviar Dreams"/>
+              <a:ea typeface="DejaVu Sans" panose="020B0603030804020204"/>
+            </a:endParaRPr>
+          </a:p>
+        </p:txBody>
+      </p:sp>
+      <p:sp>
+        <p:nvSpPr>
+          <p:cNvPr id="112" name="CustomShape 8"/>
+          <p:cNvSpPr/>
+          <p:nvPr/>
+        </p:nvSpPr>
+        <p:spPr>
+          <a:xfrm>
+            <a:off x="0" y="843480"/>
+            <a:ext cx="1505160" cy="510120"/>
+          </a:xfrm>
+          <a:prstGeom prst="homePlate">
+            <a:avLst>
+              <a:gd name="adj" fmla="val 50000"/>
+            </a:avLst>
+          </a:prstGeom>
+          <a:solidFill>
+            <a:srgbClr val="F9C534"/>
+          </a:solidFill>
+          <a:ln w="3240">
+            <a:solidFill>
+              <a:srgbClr val="111C76"/>
+            </a:solidFill>
+            <a:round/>
+          </a:ln>
+        </p:spPr>
+        <p:style>
+          <a:lnRef idx="2">
+            <a:schemeClr val="accent1">
+              <a:shade val="50000"/>
+            </a:schemeClr>
+          </a:lnRef>
+          <a:fillRef idx="1">
+            <a:schemeClr val="accent1"/>
+          </a:fillRef>
+          <a:effectRef idx="0">
+            <a:schemeClr val="accent1"/>
+          </a:effectRef>
+          <a:fontRef idx="minor"/>
+        </p:style>
+        <p:txBody>
+          <a:bodyPr lIns="90000" tIns="45000" rIns="90000" bIns="45000" anchor="ctr"/>
+          <a:p>
+            <a:pPr algn="ctr">
+              <a:lnSpc>
+                <a:spcPct val="100000"/>
+              </a:lnSpc>
+            </a:pPr>
+            <a:r>
+              <a:rPr lang="en-US" sz="1100" b="0" strike="noStrike" spc="-1">
+                <a:solidFill>
+                  <a:srgbClr val="111C76"/>
+                </a:solidFill>
+                <a:uFill>
+                  <a:solidFill>
+                    <a:srgbClr val="FFFFFF"/>
+                  </a:solidFill>
+                </a:uFill>
+                <a:latin typeface="Caviar Dreams"/>
+                <a:ea typeface="DejaVu Sans" panose="020B0603030804020204"/>
+              </a:rPr>
+              <a:t>Latar Belakang</a:t>
+            </a:r>
+            <a:endParaRPr lang="en-US" sz="1800" b="0" strike="noStrike" spc="-1">
+              <a:solidFill>
+                <a:srgbClr val="000000"/>
+              </a:solidFill>
+              <a:uFill>
+                <a:solidFill>
+                  <a:srgbClr val="FFFFFF"/>
+                </a:solidFill>
+              </a:uFill>
+              <a:latin typeface="Arial" panose="020B0604020202020204"/>
+            </a:endParaRPr>
+          </a:p>
+        </p:txBody>
+      </p:sp>
+      <p:sp>
+        <p:nvSpPr>
+          <p:cNvPr id="113" name="CustomShape 9"/>
+          <p:cNvSpPr/>
+          <p:nvPr/>
+        </p:nvSpPr>
+        <p:spPr>
+          <a:xfrm>
+            <a:off x="59040" y="1590120"/>
+            <a:ext cx="4329720" cy="1253880"/>
+          </a:xfrm>
+          <a:prstGeom prst="rect">
+            <a:avLst/>
+          </a:prstGeom>
+          <a:gradFill>
+            <a:gsLst>
+              <a:gs pos="0">
+                <a:srgbClr val="FFDB9E"/>
+              </a:gs>
+              <a:gs pos="50000">
+                <a:srgbClr val="FFE8C4"/>
+              </a:gs>
+              <a:gs pos="100000">
+                <a:srgbClr val="FFF2E1"/>
+              </a:gs>
+            </a:gsLst>
+            <a:lin ang="0"/>
+          </a:gradFill>
+          <a:ln>
+            <a:noFill/>
+          </a:ln>
+        </p:spPr>
+        <p:style>
+          <a:lnRef idx="0">
+            <a:srgbClr val="FFFFFF"/>
+          </a:lnRef>
+          <a:fillRef idx="0">
+            <a:srgbClr val="FFFFFF"/>
+          </a:fillRef>
+          <a:effectRef idx="0">
+            <a:srgbClr val="FFFFFF"/>
+          </a:effectRef>
+          <a:fontRef idx="minor"/>
+        </p:style>
+        <p:txBody>
+          <a:bodyPr lIns="90000" tIns="45000" rIns="90000" bIns="45000"/>
+          <a:p>
+            <a:pPr marL="186055" algn="just">
+              <a:lnSpc>
+                <a:spcPct val="170000"/>
+              </a:lnSpc>
+            </a:pPr>
+            <a:r>
+              <a:rPr lang="en-US" sz="1400" b="0" strike="noStrike" spc="-1">
+                <a:solidFill>
+                  <a:srgbClr val="000000"/>
+                </a:solidFill>
+                <a:uFill>
+                  <a:solidFill>
+                    <a:srgbClr val="FFFFFF"/>
+                  </a:solidFill>
+                </a:uFill>
+                <a:latin typeface="Caviar Dreams"/>
+                <a:ea typeface="DejaVu Sans" panose="020B0603030804020204"/>
+              </a:rPr>
+              <a:t>Jumlah pengguna internet di Indonesia dari 2017 sampai 2023 akan terus mengalami peningkatan</a:t>
+            </a:r>
+            <a:endParaRPr lang="en-US" sz="1800" b="0" strike="noStrike" spc="-1">
+              <a:solidFill>
+                <a:srgbClr val="000000"/>
+              </a:solidFill>
+              <a:uFill>
+                <a:solidFill>
+                  <a:srgbClr val="FFFFFF"/>
+                </a:solidFill>
+              </a:uFill>
+              <a:latin typeface="Arial" panose="020B0604020202020204"/>
+            </a:endParaRPr>
+          </a:p>
+        </p:txBody>
+      </p:sp>
+      <p:pic>
+        <p:nvPicPr>
+          <p:cNvPr id="114" name="Picture 113"/>
+          <p:cNvPicPr/>
+          <p:nvPr/>
+        </p:nvPicPr>
+        <p:blipFill>
+          <a:blip r:embed="rId1"/>
+          <a:stretch>
+            <a:fillRect/>
+          </a:stretch>
+        </p:blipFill>
+        <p:spPr>
+          <a:xfrm>
+            <a:off x="4480560" y="1424520"/>
+            <a:ext cx="3748680" cy="3349440"/>
+          </a:xfrm>
+          <a:prstGeom prst="rect">
+            <a:avLst/>
+          </a:prstGeom>
+          <a:ln>
+            <a:noFill/>
+          </a:ln>
+        </p:spPr>
+      </p:pic>
     </p:spTree>
   </p:cSld>
   <p:clrMapOvr>
